--- a/06-scheduling-scans-reports.pptx
+++ b/06-scheduling-scans-reports.pptx
@@ -6,10 +6,10 @@
     <p:sldMasterId id="2147483847" r:id="rId6"/>
   </p:sldMasterIdLst>
   <p:notesMasterIdLst>
-    <p:notesMasterId r:id="rId29"/>
+    <p:notesMasterId r:id="rId31"/>
   </p:notesMasterIdLst>
   <p:handoutMasterIdLst>
-    <p:handoutMasterId r:id="rId30"/>
+    <p:handoutMasterId r:id="rId32"/>
   </p:handoutMasterIdLst>
   <p:sldIdLst>
     <p:sldId id="256" r:id="rId7"/>
@@ -26,14 +26,16 @@
     <p:sldId id="334" r:id="rId18"/>
     <p:sldId id="324" r:id="rId19"/>
     <p:sldId id="333" r:id="rId20"/>
-    <p:sldId id="315" r:id="rId21"/>
-    <p:sldId id="327" r:id="rId22"/>
-    <p:sldId id="326" r:id="rId23"/>
-    <p:sldId id="335" r:id="rId24"/>
-    <p:sldId id="316" r:id="rId25"/>
-    <p:sldId id="332" r:id="rId26"/>
-    <p:sldId id="276" r:id="rId27"/>
-    <p:sldId id="267" r:id="rId28"/>
+    <p:sldId id="336" r:id="rId21"/>
+    <p:sldId id="337" r:id="rId22"/>
+    <p:sldId id="315" r:id="rId23"/>
+    <p:sldId id="327" r:id="rId24"/>
+    <p:sldId id="326" r:id="rId25"/>
+    <p:sldId id="335" r:id="rId26"/>
+    <p:sldId id="316" r:id="rId27"/>
+    <p:sldId id="332" r:id="rId28"/>
+    <p:sldId id="276" r:id="rId29"/>
+    <p:sldId id="267" r:id="rId30"/>
   </p:sldIdLst>
   <p:sldSz cx="16256000" cy="9144000"/>
   <p:notesSz cx="6858000" cy="9144000"/>
@@ -295,7 +297,7 @@
               <a:pPr>
                 <a:defRPr/>
               </a:pPr>
-              <a:t>2015-12-31</a:t>
+              <a:t>2016-01-12</a:t>
             </a:fld>
             <a:endParaRPr lang="en-US" dirty="0"/>
           </a:p>
@@ -478,7 +480,7 @@
               <a:pPr>
                 <a:defRPr/>
               </a:pPr>
-              <a:t>2015-12-31</a:t>
+              <a:t>2016-01-12</a:t>
             </a:fld>
             <a:endParaRPr lang="en-US" dirty="0"/>
           </a:p>
@@ -950,7 +952,7 @@
               <a:pPr>
                 <a:defRPr/>
               </a:pPr>
-              <a:t>3</a:t>
+              <a:t>1</a:t>
             </a:fld>
             <a:endParaRPr lang="en-US" dirty="0"/>
           </a:p>
@@ -1003,7 +1005,2235 @@
     </p:spTree>
     <p:extLst>
       <p:ext uri="{BB962C8B-B14F-4D97-AF65-F5344CB8AC3E}">
-        <p14:creationId xmlns:p14="http://schemas.microsoft.com/office/powerpoint/2010/main" val="2506830153"/>
+        <p14:creationId xmlns:p14="http://schemas.microsoft.com/office/powerpoint/2010/main" val="4200991024"/>
+      </p:ext>
+    </p:extLst>
+  </p:cSld>
+  <p:clrMapOvr>
+    <a:masterClrMapping/>
+  </p:clrMapOvr>
+</p:notes>
+</file>
+
+<file path=ppt/notesSlides/notesSlide10.xml><?xml version="1.0" encoding="utf-8"?>
+<p:notes xmlns:a="http://schemas.openxmlformats.org/drawingml/2006/main" xmlns:r="http://schemas.openxmlformats.org/officeDocument/2006/relationships" xmlns:p="http://schemas.openxmlformats.org/presentationml/2006/main">
+  <p:cSld>
+    <p:spTree>
+      <p:nvGrpSpPr>
+        <p:cNvPr id="1" name=""/>
+        <p:cNvGrpSpPr/>
+        <p:nvPr/>
+      </p:nvGrpSpPr>
+      <p:grpSpPr>
+        <a:xfrm>
+          <a:off x="0" y="0"/>
+          <a:ext cx="0" cy="0"/>
+          <a:chOff x="0" y="0"/>
+          <a:chExt cx="0" cy="0"/>
+        </a:xfrm>
+      </p:grpSpPr>
+      <p:sp>
+        <p:nvSpPr>
+          <p:cNvPr id="2" name="Slide Image Placeholder 1"/>
+          <p:cNvSpPr>
+            <a:spLocks noGrp="1" noRot="1" noChangeAspect="1"/>
+          </p:cNvSpPr>
+          <p:nvPr>
+            <p:ph type="sldImg"/>
+          </p:nvPr>
+        </p:nvSpPr>
+        <p:spPr/>
+      </p:sp>
+      <p:sp>
+        <p:nvSpPr>
+          <p:cNvPr id="3" name="Notes Placeholder 2"/>
+          <p:cNvSpPr>
+            <a:spLocks noGrp="1"/>
+          </p:cNvSpPr>
+          <p:nvPr>
+            <p:ph type="body" idx="1"/>
+          </p:nvPr>
+        </p:nvSpPr>
+        <p:spPr/>
+        <p:txBody>
+          <a:bodyPr/>
+          <a:lstStyle/>
+          <a:p>
+            <a:r>
+              <a:rPr lang="en-US" dirty="0" smtClean="0"/>
+              <a:t>Instructor Note: This section is more of a placeholder for exporting Compliance reports after the email and Excel</a:t>
+            </a:r>
+            <a:r>
+              <a:rPr lang="en-US" baseline="0" dirty="0" smtClean="0"/>
+              <a:t> methods are ready for release.</a:t>
+            </a:r>
+            <a:endParaRPr lang="en-US" dirty="0"/>
+          </a:p>
+        </p:txBody>
+      </p:sp>
+      <p:sp>
+        <p:nvSpPr>
+          <p:cNvPr id="4" name="Slide Number Placeholder 3"/>
+          <p:cNvSpPr>
+            <a:spLocks noGrp="1"/>
+          </p:cNvSpPr>
+          <p:nvPr>
+            <p:ph type="sldNum" sz="quarter" idx="10"/>
+          </p:nvPr>
+        </p:nvSpPr>
+        <p:spPr/>
+        <p:txBody>
+          <a:bodyPr/>
+          <a:lstStyle/>
+          <a:p>
+            <a:pPr>
+              <a:defRPr/>
+            </a:pPr>
+            <a:fld id="{DC3734AA-3150-D947-AC52-2F5DF48BFCD5}" type="slidenum">
+              <a:rPr lang="en-US" smtClean="0"/>
+              <a:pPr>
+                <a:defRPr/>
+              </a:pPr>
+              <a:t>20</a:t>
+            </a:fld>
+            <a:endParaRPr lang="en-US" dirty="0"/>
+          </a:p>
+        </p:txBody>
+      </p:sp>
+      <p:sp>
+        <p:nvSpPr>
+          <p:cNvPr id="5" name="Header Placeholder 4"/>
+          <p:cNvSpPr>
+            <a:spLocks noGrp="1"/>
+          </p:cNvSpPr>
+          <p:nvPr>
+            <p:ph type="hdr" sz="quarter" idx="11"/>
+          </p:nvPr>
+        </p:nvSpPr>
+        <p:spPr/>
+        <p:txBody>
+          <a:bodyPr/>
+          <a:lstStyle/>
+          <a:p>
+            <a:pPr>
+              <a:defRPr/>
+            </a:pPr>
+            <a:endParaRPr lang="en-US"/>
+          </a:p>
+        </p:txBody>
+      </p:sp>
+      <p:sp>
+        <p:nvSpPr>
+          <p:cNvPr id="6" name="Footer Placeholder 5"/>
+          <p:cNvSpPr>
+            <a:spLocks noGrp="1"/>
+          </p:cNvSpPr>
+          <p:nvPr>
+            <p:ph type="ftr" sz="quarter" idx="12"/>
+          </p:nvPr>
+        </p:nvSpPr>
+        <p:spPr/>
+        <p:txBody>
+          <a:bodyPr/>
+          <a:lstStyle/>
+          <a:p>
+            <a:pPr>
+              <a:defRPr/>
+            </a:pPr>
+            <a:endParaRPr lang="en-US"/>
+          </a:p>
+        </p:txBody>
+      </p:sp>
+    </p:spTree>
+    <p:extLst>
+      <p:ext uri="{BB962C8B-B14F-4D97-AF65-F5344CB8AC3E}">
+        <p14:creationId xmlns:p14="http://schemas.microsoft.com/office/powerpoint/2010/main" val="1269756380"/>
+      </p:ext>
+    </p:extLst>
+  </p:cSld>
+  <p:clrMapOvr>
+    <a:masterClrMapping/>
+  </p:clrMapOvr>
+</p:notes>
+</file>
+
+<file path=ppt/notesSlides/notesSlide11.xml><?xml version="1.0" encoding="utf-8"?>
+<p:notes xmlns:a="http://schemas.openxmlformats.org/drawingml/2006/main" xmlns:r="http://schemas.openxmlformats.org/officeDocument/2006/relationships" xmlns:p="http://schemas.openxmlformats.org/presentationml/2006/main">
+  <p:cSld>
+    <p:spTree>
+      <p:nvGrpSpPr>
+        <p:cNvPr id="1" name=""/>
+        <p:cNvGrpSpPr/>
+        <p:nvPr/>
+      </p:nvGrpSpPr>
+      <p:grpSpPr>
+        <a:xfrm>
+          <a:off x="0" y="0"/>
+          <a:ext cx="0" cy="0"/>
+          <a:chOff x="0" y="0"/>
+          <a:chExt cx="0" cy="0"/>
+        </a:xfrm>
+      </p:grpSpPr>
+      <p:sp>
+        <p:nvSpPr>
+          <p:cNvPr id="2" name="Slide Image Placeholder 1"/>
+          <p:cNvSpPr>
+            <a:spLocks noGrp="1" noRot="1" noChangeAspect="1"/>
+          </p:cNvSpPr>
+          <p:nvPr>
+            <p:ph type="sldImg"/>
+          </p:nvPr>
+        </p:nvSpPr>
+        <p:spPr/>
+      </p:sp>
+      <p:sp>
+        <p:nvSpPr>
+          <p:cNvPr id="3" name="Notes Placeholder 2"/>
+          <p:cNvSpPr>
+            <a:spLocks noGrp="1"/>
+          </p:cNvSpPr>
+          <p:nvPr>
+            <p:ph type="body" idx="1"/>
+          </p:nvPr>
+        </p:nvSpPr>
+        <p:spPr/>
+        <p:txBody>
+          <a:bodyPr>
+            <a:normAutofit fontScale="25000" lnSpcReduction="20000"/>
+          </a:bodyPr>
+          <a:lstStyle/>
+          <a:p>
+            <a:r>
+              <a:rPr lang="en-US" dirty="0" smtClean="0">
+                <a:effectLst/>
+              </a:rPr>
+              <a:t>Hi Dominik....Is there a document that explains a use case for running scheduled scans?</a:t>
+            </a:r>
+            <a:r>
+              <a:rPr lang="en-US" i="1" dirty="0" smtClean="0">
+                <a:effectLst/>
+              </a:rPr>
+              <a:t/>
+            </a:r>
+            <a:br>
+              <a:rPr lang="en-US" i="1" dirty="0" smtClean="0">
+                <a:effectLst/>
+              </a:rPr>
+            </a:br>
+            <a:endParaRPr lang="en-US" dirty="0" smtClean="0">
+              <a:effectLst/>
+            </a:endParaRPr>
+          </a:p>
+          <a:p>
+            <a:r>
+              <a:rPr lang="en-US" sz="1200" u="none" strike="noStrike" kern="1200" dirty="0" smtClean="0">
+                <a:solidFill>
+                  <a:schemeClr val="tx1"/>
+                </a:solidFill>
+                <a:effectLst/>
+                <a:latin typeface="Arial" panose="020B0604020202020204" pitchFamily="34" charset="0"/>
+                <a:ea typeface="ＭＳ Ｐゴシック" charset="0"/>
+                <a:cs typeface="Arial" panose="020B0604020202020204" pitchFamily="34" charset="0"/>
+                <a:hlinkClick r:id="rId3" tooltip="Today at 9:31:29 AM&#10;Click to open in archives"/>
+              </a:rPr>
+              <a:t>​</a:t>
+            </a:r>
+            <a:r>
+              <a:rPr lang="en-US" sz="1200" i="1" u="none" strike="noStrike" kern="1200" dirty="0" smtClean="0">
+                <a:solidFill>
+                  <a:schemeClr val="tx1"/>
+                </a:solidFill>
+                <a:effectLst/>
+                <a:latin typeface="Arial" panose="020B0604020202020204" pitchFamily="34" charset="0"/>
+                <a:ea typeface="ＭＳ Ｐゴシック" charset="0"/>
+                <a:cs typeface="Arial" panose="020B0604020202020204" pitchFamily="34" charset="0"/>
+                <a:hlinkClick r:id="rId3" tooltip="Today at 9:31:29 AM&#10;Click to open in archives"/>
+              </a:rPr>
+              <a:t>[</a:t>
+            </a:r>
+            <a:r>
+              <a:rPr lang="en-US" sz="1200" u="none" strike="noStrike" kern="1200" dirty="0" smtClean="0">
+                <a:solidFill>
+                  <a:schemeClr val="tx1"/>
+                </a:solidFill>
+                <a:effectLst/>
+                <a:latin typeface="Arial" panose="020B0604020202020204" pitchFamily="34" charset="0"/>
+                <a:ea typeface="ＭＳ Ｐゴシック" charset="0"/>
+                <a:cs typeface="Arial" panose="020B0604020202020204" pitchFamily="34" charset="0"/>
+                <a:hlinkClick r:id="rId3" tooltip="Today at 9:31:29 AM&#10;Click to open in archives"/>
+              </a:rPr>
+              <a:t>9:31 AM</a:t>
+            </a:r>
+            <a:r>
+              <a:rPr lang="en-US" sz="1200" i="1" u="none" strike="noStrike" kern="1200" dirty="0" smtClean="0">
+                <a:solidFill>
+                  <a:schemeClr val="tx1"/>
+                </a:solidFill>
+                <a:effectLst/>
+                <a:latin typeface="Arial" panose="020B0604020202020204" pitchFamily="34" charset="0"/>
+                <a:ea typeface="ＭＳ Ｐゴシック" charset="0"/>
+                <a:cs typeface="Arial" panose="020B0604020202020204" pitchFamily="34" charset="0"/>
+                <a:hlinkClick r:id="rId3" tooltip="Today at 9:31:29 AM&#10;Click to open in archives"/>
+              </a:rPr>
+              <a:t>]</a:t>
+            </a:r>
+            <a:r>
+              <a:rPr lang="en-US" dirty="0" smtClean="0">
+                <a:effectLst/>
+              </a:rPr>
+              <a:t> </a:t>
+            </a:r>
+          </a:p>
+          <a:p>
+            <a:r>
+              <a:rPr lang="en-US" sz="1200" b="1" u="none" strike="noStrike" kern="1200" dirty="0" err="1" smtClean="0">
+                <a:solidFill>
+                  <a:schemeClr val="tx1"/>
+                </a:solidFill>
+                <a:effectLst/>
+                <a:latin typeface="Arial" panose="020B0604020202020204" pitchFamily="34" charset="0"/>
+                <a:ea typeface="ＭＳ Ｐゴシック" charset="0"/>
+                <a:cs typeface="Arial" panose="020B0604020202020204" pitchFamily="34" charset="0"/>
+                <a:hlinkClick r:id="rId4"/>
+              </a:rPr>
+              <a:t>dominik</a:t>
+            </a:r>
+            <a:r>
+              <a:rPr lang="en-US" dirty="0" smtClean="0">
+                <a:effectLst/>
+              </a:rPr>
+              <a:t> Not really right now :</a:t>
+            </a:r>
+            <a:r>
+              <a:rPr lang="en-US" dirty="0" err="1" smtClean="0">
+                <a:effectLst/>
+              </a:rPr>
+              <a:t>simple_smile</a:t>
+            </a:r>
+            <a:r>
+              <a:rPr lang="en-US" dirty="0" smtClean="0">
+                <a:effectLst/>
+              </a:rPr>
+              <a:t>: We have them included, but their functionality is still a bit limited in the UI. what are you interested in ?</a:t>
+            </a:r>
+            <a:r>
+              <a:rPr lang="en-US" i="1" dirty="0" smtClean="0">
+                <a:effectLst/>
+              </a:rPr>
+              <a:t/>
+            </a:r>
+            <a:br>
+              <a:rPr lang="en-US" i="1" dirty="0" smtClean="0">
+                <a:effectLst/>
+              </a:rPr>
+            </a:br>
+            <a:endParaRPr lang="en-US" dirty="0" smtClean="0">
+              <a:effectLst/>
+            </a:endParaRPr>
+          </a:p>
+          <a:p>
+            <a:r>
+              <a:rPr lang="en-US" sz="1200" u="none" strike="noStrike" kern="1200" dirty="0" smtClean="0">
+                <a:solidFill>
+                  <a:schemeClr val="tx1"/>
+                </a:solidFill>
+                <a:effectLst/>
+                <a:latin typeface="Arial" panose="020B0604020202020204" pitchFamily="34" charset="0"/>
+                <a:ea typeface="ＭＳ Ｐゴシック" charset="0"/>
+                <a:cs typeface="Arial" panose="020B0604020202020204" pitchFamily="34" charset="0"/>
+                <a:hlinkClick r:id="rId5"/>
+              </a:rPr>
+              <a:t>​</a:t>
+            </a:r>
+            <a:r>
+              <a:rPr lang="en-US" sz="1200" i="1" u="none" strike="noStrike" kern="1200" dirty="0" smtClean="0">
+                <a:solidFill>
+                  <a:schemeClr val="tx1"/>
+                </a:solidFill>
+                <a:effectLst/>
+                <a:latin typeface="Arial" panose="020B0604020202020204" pitchFamily="34" charset="0"/>
+                <a:ea typeface="ＭＳ Ｐゴシック" charset="0"/>
+                <a:cs typeface="Arial" panose="020B0604020202020204" pitchFamily="34" charset="0"/>
+                <a:hlinkClick r:id="rId5"/>
+              </a:rPr>
+              <a:t>[</a:t>
+            </a:r>
+            <a:r>
+              <a:rPr lang="en-US" sz="1200" u="none" strike="noStrike" kern="1200" dirty="0" smtClean="0">
+                <a:solidFill>
+                  <a:schemeClr val="tx1"/>
+                </a:solidFill>
+                <a:effectLst/>
+                <a:latin typeface="Arial" panose="020B0604020202020204" pitchFamily="34" charset="0"/>
+                <a:ea typeface="ＭＳ Ｐゴシック" charset="0"/>
+                <a:cs typeface="Arial" panose="020B0604020202020204" pitchFamily="34" charset="0"/>
+                <a:hlinkClick r:id="rId5"/>
+              </a:rPr>
+              <a:t>9:32 AM</a:t>
+            </a:r>
+            <a:r>
+              <a:rPr lang="en-US" sz="1200" i="1" u="none" strike="noStrike" kern="1200" dirty="0" smtClean="0">
+                <a:solidFill>
+                  <a:schemeClr val="tx1"/>
+                </a:solidFill>
+                <a:effectLst/>
+                <a:latin typeface="Arial" panose="020B0604020202020204" pitchFamily="34" charset="0"/>
+                <a:ea typeface="ＭＳ Ｐゴシック" charset="0"/>
+                <a:cs typeface="Arial" panose="020B0604020202020204" pitchFamily="34" charset="0"/>
+                <a:hlinkClick r:id="rId5"/>
+              </a:rPr>
+              <a:t>]</a:t>
+            </a:r>
+            <a:r>
+              <a:rPr lang="en-US" dirty="0" smtClean="0">
+                <a:effectLst/>
+              </a:rPr>
+              <a:t> </a:t>
+            </a:r>
+          </a:p>
+          <a:p>
+            <a:r>
+              <a:rPr lang="en-US" sz="1200" b="1" u="none" strike="noStrike" kern="1200" dirty="0" err="1" smtClean="0">
+                <a:solidFill>
+                  <a:schemeClr val="tx1"/>
+                </a:solidFill>
+                <a:effectLst/>
+                <a:latin typeface="Arial" panose="020B0604020202020204" pitchFamily="34" charset="0"/>
+                <a:ea typeface="ＭＳ Ｐゴシック" charset="0"/>
+                <a:cs typeface="Arial" panose="020B0604020202020204" pitchFamily="34" charset="0"/>
+                <a:hlinkClick r:id="rId6"/>
+              </a:rPr>
+              <a:t>steve_delfante</a:t>
+            </a:r>
+            <a:r>
+              <a:rPr lang="en-US" dirty="0" smtClean="0">
+                <a:effectLst/>
+              </a:rPr>
+              <a:t> I wrote a short lab on how to schedule scans and read the results but I gave no reason why someone would want to schedule a scan rather than do one on the fly.</a:t>
+            </a:r>
+            <a:r>
+              <a:rPr lang="en-US" sz="1200" kern="1200" dirty="0" smtClean="0">
+                <a:solidFill>
+                  <a:schemeClr val="tx1"/>
+                </a:solidFill>
+                <a:effectLst/>
+                <a:latin typeface="Arial" panose="020B0604020202020204" pitchFamily="34" charset="0"/>
+                <a:ea typeface="ＭＳ Ｐゴシック" charset="0"/>
+                <a:cs typeface="Arial" panose="020B0604020202020204" pitchFamily="34" charset="0"/>
+              </a:rPr>
+              <a:t>(edited)</a:t>
+            </a:r>
+            <a:r>
+              <a:rPr lang="en-US" i="1" dirty="0" smtClean="0">
+                <a:effectLst/>
+              </a:rPr>
+              <a:t/>
+            </a:r>
+            <a:br>
+              <a:rPr lang="en-US" i="1" dirty="0" smtClean="0">
+                <a:effectLst/>
+              </a:rPr>
+            </a:br>
+            <a:endParaRPr lang="en-US" dirty="0" smtClean="0">
+              <a:effectLst/>
+            </a:endParaRPr>
+          </a:p>
+          <a:p>
+            <a:r>
+              <a:rPr lang="en-US" sz="1200" u="none" strike="noStrike" kern="1200" dirty="0" smtClean="0">
+                <a:solidFill>
+                  <a:schemeClr val="tx1"/>
+                </a:solidFill>
+                <a:effectLst/>
+                <a:latin typeface="Arial" panose="020B0604020202020204" pitchFamily="34" charset="0"/>
+                <a:ea typeface="ＭＳ Ｐゴシック" charset="0"/>
+                <a:cs typeface="Arial" panose="020B0604020202020204" pitchFamily="34" charset="0"/>
+                <a:hlinkClick r:id="rId7"/>
+              </a:rPr>
+              <a:t>​</a:t>
+            </a:r>
+            <a:r>
+              <a:rPr lang="en-US" sz="1200" i="1" u="none" strike="noStrike" kern="1200" dirty="0" smtClean="0">
+                <a:solidFill>
+                  <a:schemeClr val="tx1"/>
+                </a:solidFill>
+                <a:effectLst/>
+                <a:latin typeface="Arial" panose="020B0604020202020204" pitchFamily="34" charset="0"/>
+                <a:ea typeface="ＭＳ Ｐゴシック" charset="0"/>
+                <a:cs typeface="Arial" panose="020B0604020202020204" pitchFamily="34" charset="0"/>
+                <a:hlinkClick r:id="rId7"/>
+              </a:rPr>
+              <a:t>[</a:t>
+            </a:r>
+            <a:r>
+              <a:rPr lang="en-US" sz="1200" u="none" strike="noStrike" kern="1200" dirty="0" smtClean="0">
+                <a:solidFill>
+                  <a:schemeClr val="tx1"/>
+                </a:solidFill>
+                <a:effectLst/>
+                <a:latin typeface="Arial" panose="020B0604020202020204" pitchFamily="34" charset="0"/>
+                <a:ea typeface="ＭＳ Ｐゴシック" charset="0"/>
+                <a:cs typeface="Arial" panose="020B0604020202020204" pitchFamily="34" charset="0"/>
+                <a:hlinkClick r:id="rId7"/>
+              </a:rPr>
+              <a:t>9:33 AM</a:t>
+            </a:r>
+            <a:r>
+              <a:rPr lang="en-US" sz="1200" i="1" u="none" strike="noStrike" kern="1200" dirty="0" smtClean="0">
+                <a:solidFill>
+                  <a:schemeClr val="tx1"/>
+                </a:solidFill>
+                <a:effectLst/>
+                <a:latin typeface="Arial" panose="020B0604020202020204" pitchFamily="34" charset="0"/>
+                <a:ea typeface="ＭＳ Ｐゴシック" charset="0"/>
+                <a:cs typeface="Arial" panose="020B0604020202020204" pitchFamily="34" charset="0"/>
+                <a:hlinkClick r:id="rId7"/>
+              </a:rPr>
+              <a:t>]</a:t>
+            </a:r>
+            <a:r>
+              <a:rPr lang="en-US" dirty="0" smtClean="0">
+                <a:effectLst/>
+              </a:rPr>
+              <a:t> </a:t>
+            </a:r>
+          </a:p>
+          <a:p>
+            <a:r>
+              <a:rPr lang="en-US" sz="1200" b="1" u="none" strike="noStrike" kern="1200" dirty="0" err="1" smtClean="0">
+                <a:solidFill>
+                  <a:schemeClr val="tx1"/>
+                </a:solidFill>
+                <a:effectLst/>
+                <a:latin typeface="Arial" panose="020B0604020202020204" pitchFamily="34" charset="0"/>
+                <a:ea typeface="ＭＳ Ｐゴシック" charset="0"/>
+                <a:cs typeface="Arial" panose="020B0604020202020204" pitchFamily="34" charset="0"/>
+                <a:hlinkClick r:id="rId4"/>
+              </a:rPr>
+              <a:t>dominik</a:t>
+            </a:r>
+            <a:r>
+              <a:rPr lang="en-US" dirty="0" smtClean="0">
+                <a:effectLst/>
+              </a:rPr>
+              <a:t> For example: Run a compliance scan every night on your whole infrastructure. Instead of pushing it off manually, you could ask chef compliance to do it for </a:t>
+            </a:r>
+            <a:r>
+              <a:rPr lang="en-US" dirty="0" err="1" smtClean="0">
+                <a:effectLst/>
+              </a:rPr>
+              <a:t>yoou</a:t>
+            </a:r>
+            <a:r>
+              <a:rPr lang="en-US" i="1" dirty="0" smtClean="0">
+                <a:effectLst/>
+              </a:rPr>
+              <a:t/>
+            </a:r>
+            <a:br>
+              <a:rPr lang="en-US" i="1" dirty="0" smtClean="0">
+                <a:effectLst/>
+              </a:rPr>
+            </a:br>
+            <a:endParaRPr lang="en-US" dirty="0" smtClean="0">
+              <a:effectLst/>
+            </a:endParaRPr>
+          </a:p>
+          <a:p>
+            <a:r>
+              <a:rPr lang="en-US" sz="1200" u="none" strike="noStrike" kern="1200" dirty="0" smtClean="0">
+                <a:solidFill>
+                  <a:schemeClr val="tx1"/>
+                </a:solidFill>
+                <a:effectLst/>
+                <a:latin typeface="Arial" panose="020B0604020202020204" pitchFamily="34" charset="0"/>
+                <a:ea typeface="ＭＳ Ｐゴシック" charset="0"/>
+                <a:cs typeface="Arial" panose="020B0604020202020204" pitchFamily="34" charset="0"/>
+                <a:hlinkClick r:id="rId8"/>
+              </a:rPr>
+              <a:t>​</a:t>
+            </a:r>
+            <a:r>
+              <a:rPr lang="en-US" sz="1200" i="1" u="none" strike="noStrike" kern="1200" dirty="0" smtClean="0">
+                <a:solidFill>
+                  <a:schemeClr val="tx1"/>
+                </a:solidFill>
+                <a:effectLst/>
+                <a:latin typeface="Arial" panose="020B0604020202020204" pitchFamily="34" charset="0"/>
+                <a:ea typeface="ＭＳ Ｐゴシック" charset="0"/>
+                <a:cs typeface="Arial" panose="020B0604020202020204" pitchFamily="34" charset="0"/>
+                <a:hlinkClick r:id="rId8"/>
+              </a:rPr>
+              <a:t>[</a:t>
+            </a:r>
+            <a:r>
+              <a:rPr lang="en-US" sz="1200" u="none" strike="noStrike" kern="1200" dirty="0" smtClean="0">
+                <a:solidFill>
+                  <a:schemeClr val="tx1"/>
+                </a:solidFill>
+                <a:effectLst/>
+                <a:latin typeface="Arial" panose="020B0604020202020204" pitchFamily="34" charset="0"/>
+                <a:ea typeface="ＭＳ Ｐゴシック" charset="0"/>
+                <a:cs typeface="Arial" panose="020B0604020202020204" pitchFamily="34" charset="0"/>
+                <a:hlinkClick r:id="rId8"/>
+              </a:rPr>
+              <a:t>9:33 AM</a:t>
+            </a:r>
+            <a:r>
+              <a:rPr lang="en-US" sz="1200" i="1" u="none" strike="noStrike" kern="1200" dirty="0" smtClean="0">
+                <a:solidFill>
+                  <a:schemeClr val="tx1"/>
+                </a:solidFill>
+                <a:effectLst/>
+                <a:latin typeface="Arial" panose="020B0604020202020204" pitchFamily="34" charset="0"/>
+                <a:ea typeface="ＭＳ Ｐゴシック" charset="0"/>
+                <a:cs typeface="Arial" panose="020B0604020202020204" pitchFamily="34" charset="0"/>
+                <a:hlinkClick r:id="rId8"/>
+              </a:rPr>
+              <a:t>]</a:t>
+            </a:r>
+            <a:r>
+              <a:rPr lang="en-US" dirty="0" smtClean="0">
+                <a:effectLst/>
+              </a:rPr>
+              <a:t> </a:t>
+            </a:r>
+          </a:p>
+          <a:p>
+            <a:r>
+              <a:rPr lang="en-US" dirty="0" smtClean="0">
+                <a:effectLst/>
+              </a:rPr>
+              <a:t>This would give you up to date information on a daily basis without interruptions in reporting.</a:t>
+            </a:r>
+            <a:r>
+              <a:rPr lang="en-US" i="1" dirty="0" smtClean="0">
+                <a:effectLst/>
+              </a:rPr>
+              <a:t/>
+            </a:r>
+            <a:br>
+              <a:rPr lang="en-US" i="1" dirty="0" smtClean="0">
+                <a:effectLst/>
+              </a:rPr>
+            </a:br>
+            <a:endParaRPr lang="en-US" dirty="0" smtClean="0">
+              <a:effectLst/>
+            </a:endParaRPr>
+          </a:p>
+          <a:p>
+            <a:r>
+              <a:rPr lang="en-US" sz="1200" u="none" strike="noStrike" kern="1200" dirty="0" smtClean="0">
+                <a:solidFill>
+                  <a:schemeClr val="tx1"/>
+                </a:solidFill>
+                <a:effectLst/>
+                <a:latin typeface="Arial" panose="020B0604020202020204" pitchFamily="34" charset="0"/>
+                <a:ea typeface="ＭＳ Ｐゴシック" charset="0"/>
+                <a:cs typeface="Arial" panose="020B0604020202020204" pitchFamily="34" charset="0"/>
+                <a:hlinkClick r:id="rId9" tooltip="Today at 9:33:45 AM&#10;Click to open in archives"/>
+              </a:rPr>
+              <a:t>​</a:t>
+            </a:r>
+            <a:r>
+              <a:rPr lang="en-US" sz="1200" i="1" u="none" strike="noStrike" kern="1200" dirty="0" smtClean="0">
+                <a:solidFill>
+                  <a:schemeClr val="tx1"/>
+                </a:solidFill>
+                <a:effectLst/>
+                <a:latin typeface="Arial" panose="020B0604020202020204" pitchFamily="34" charset="0"/>
+                <a:ea typeface="ＭＳ Ｐゴシック" charset="0"/>
+                <a:cs typeface="Arial" panose="020B0604020202020204" pitchFamily="34" charset="0"/>
+                <a:hlinkClick r:id="rId9" tooltip="Today at 9:33:45 AM&#10;Click to open in archives"/>
+              </a:rPr>
+              <a:t>[</a:t>
+            </a:r>
+            <a:r>
+              <a:rPr lang="en-US" sz="1200" u="none" strike="noStrike" kern="1200" dirty="0" smtClean="0">
+                <a:solidFill>
+                  <a:schemeClr val="tx1"/>
+                </a:solidFill>
+                <a:effectLst/>
+                <a:latin typeface="Arial" panose="020B0604020202020204" pitchFamily="34" charset="0"/>
+                <a:ea typeface="ＭＳ Ｐゴシック" charset="0"/>
+                <a:cs typeface="Arial" panose="020B0604020202020204" pitchFamily="34" charset="0"/>
+                <a:hlinkClick r:id="rId9" tooltip="Today at 9:33:45 AM&#10;Click to open in archives"/>
+              </a:rPr>
+              <a:t>9:33 AM</a:t>
+            </a:r>
+            <a:r>
+              <a:rPr lang="en-US" sz="1200" i="1" u="none" strike="noStrike" kern="1200" dirty="0" smtClean="0">
+                <a:solidFill>
+                  <a:schemeClr val="tx1"/>
+                </a:solidFill>
+                <a:effectLst/>
+                <a:latin typeface="Arial" panose="020B0604020202020204" pitchFamily="34" charset="0"/>
+                <a:ea typeface="ＭＳ Ｐゴシック" charset="0"/>
+                <a:cs typeface="Arial" panose="020B0604020202020204" pitchFamily="34" charset="0"/>
+                <a:hlinkClick r:id="rId9" tooltip="Today at 9:33:45 AM&#10;Click to open in archives"/>
+              </a:rPr>
+              <a:t>]</a:t>
+            </a:r>
+            <a:r>
+              <a:rPr lang="en-US" dirty="0" smtClean="0">
+                <a:effectLst/>
+              </a:rPr>
+              <a:t> </a:t>
+            </a:r>
+          </a:p>
+          <a:p>
+            <a:r>
+              <a:rPr lang="en-US" sz="1200" b="1" u="none" strike="noStrike" kern="1200" dirty="0" err="1" smtClean="0">
+                <a:solidFill>
+                  <a:schemeClr val="tx1"/>
+                </a:solidFill>
+                <a:effectLst/>
+                <a:latin typeface="Arial" panose="020B0604020202020204" pitchFamily="34" charset="0"/>
+                <a:ea typeface="ＭＳ Ｐゴシック" charset="0"/>
+                <a:cs typeface="Arial" panose="020B0604020202020204" pitchFamily="34" charset="0"/>
+                <a:hlinkClick r:id="rId6"/>
+              </a:rPr>
+              <a:t>steve_delfante</a:t>
+            </a:r>
+            <a:r>
+              <a:rPr lang="en-US" dirty="0" smtClean="0">
+                <a:effectLst/>
+              </a:rPr>
+              <a:t> OK, because nodes cold fall out of compliance due to updates others may have made </a:t>
+            </a:r>
+            <a:r>
+              <a:rPr lang="en-US" dirty="0" err="1" smtClean="0">
+                <a:effectLst/>
+              </a:rPr>
+              <a:t>throught</a:t>
+            </a:r>
+            <a:r>
+              <a:rPr lang="en-US" dirty="0" smtClean="0">
+                <a:effectLst/>
+              </a:rPr>
+              <a:t> the day?</a:t>
+            </a:r>
+            <a:r>
+              <a:rPr lang="en-US" i="1" dirty="0" smtClean="0">
+                <a:effectLst/>
+              </a:rPr>
+              <a:t/>
+            </a:r>
+            <a:br>
+              <a:rPr lang="en-US" i="1" dirty="0" smtClean="0">
+                <a:effectLst/>
+              </a:rPr>
+            </a:br>
+            <a:endParaRPr lang="en-US" dirty="0" smtClean="0">
+              <a:effectLst/>
+            </a:endParaRPr>
+          </a:p>
+          <a:p>
+            <a:r>
+              <a:rPr lang="en-US" sz="1200" u="none" strike="noStrike" kern="1200" dirty="0" smtClean="0">
+                <a:solidFill>
+                  <a:schemeClr val="tx1"/>
+                </a:solidFill>
+                <a:effectLst/>
+                <a:latin typeface="Arial" panose="020B0604020202020204" pitchFamily="34" charset="0"/>
+                <a:ea typeface="ＭＳ Ｐゴシック" charset="0"/>
+                <a:cs typeface="Arial" panose="020B0604020202020204" pitchFamily="34" charset="0"/>
+                <a:hlinkClick r:id="rId10" tooltip="Today at 9:34:40 AM&#10;Click to open in archives"/>
+              </a:rPr>
+              <a:t>​</a:t>
+            </a:r>
+            <a:r>
+              <a:rPr lang="en-US" sz="1200" i="1" u="none" strike="noStrike" kern="1200" dirty="0" smtClean="0">
+                <a:solidFill>
+                  <a:schemeClr val="tx1"/>
+                </a:solidFill>
+                <a:effectLst/>
+                <a:latin typeface="Arial" panose="020B0604020202020204" pitchFamily="34" charset="0"/>
+                <a:ea typeface="ＭＳ Ｐゴシック" charset="0"/>
+                <a:cs typeface="Arial" panose="020B0604020202020204" pitchFamily="34" charset="0"/>
+                <a:hlinkClick r:id="rId10" tooltip="Today at 9:34:40 AM&#10;Click to open in archives"/>
+              </a:rPr>
+              <a:t>[</a:t>
+            </a:r>
+            <a:r>
+              <a:rPr lang="en-US" sz="1200" u="none" strike="noStrike" kern="1200" dirty="0" smtClean="0">
+                <a:solidFill>
+                  <a:schemeClr val="tx1"/>
+                </a:solidFill>
+                <a:effectLst/>
+                <a:latin typeface="Arial" panose="020B0604020202020204" pitchFamily="34" charset="0"/>
+                <a:ea typeface="ＭＳ Ｐゴシック" charset="0"/>
+                <a:cs typeface="Arial" panose="020B0604020202020204" pitchFamily="34" charset="0"/>
+                <a:hlinkClick r:id="rId10" tooltip="Today at 9:34:40 AM&#10;Click to open in archives"/>
+              </a:rPr>
+              <a:t>9:34 AM</a:t>
+            </a:r>
+            <a:r>
+              <a:rPr lang="en-US" sz="1200" i="1" u="none" strike="noStrike" kern="1200" dirty="0" smtClean="0">
+                <a:solidFill>
+                  <a:schemeClr val="tx1"/>
+                </a:solidFill>
+                <a:effectLst/>
+                <a:latin typeface="Arial" panose="020B0604020202020204" pitchFamily="34" charset="0"/>
+                <a:ea typeface="ＭＳ Ｐゴシック" charset="0"/>
+                <a:cs typeface="Arial" panose="020B0604020202020204" pitchFamily="34" charset="0"/>
+                <a:hlinkClick r:id="rId10" tooltip="Today at 9:34:40 AM&#10;Click to open in archives"/>
+              </a:rPr>
+              <a:t>]</a:t>
+            </a:r>
+            <a:r>
+              <a:rPr lang="en-US" dirty="0" smtClean="0">
+                <a:effectLst/>
+              </a:rPr>
+              <a:t> </a:t>
+            </a:r>
+          </a:p>
+          <a:p>
+            <a:r>
+              <a:rPr lang="en-US" sz="1200" b="1" u="none" strike="noStrike" kern="1200" dirty="0" err="1" smtClean="0">
+                <a:solidFill>
+                  <a:schemeClr val="tx1"/>
+                </a:solidFill>
+                <a:effectLst/>
+                <a:latin typeface="Arial" panose="020B0604020202020204" pitchFamily="34" charset="0"/>
+                <a:ea typeface="ＭＳ Ｐゴシック" charset="0"/>
+                <a:cs typeface="Arial" panose="020B0604020202020204" pitchFamily="34" charset="0"/>
+                <a:hlinkClick r:id="rId4"/>
+              </a:rPr>
+              <a:t>dominik</a:t>
+            </a:r>
+            <a:r>
+              <a:rPr lang="en-US" dirty="0" smtClean="0">
+                <a:effectLst/>
+              </a:rPr>
+              <a:t> for example; or if you had changed your chef automation and something went wrong (because you didn’t use delivery to verify </a:t>
+            </a:r>
+            <a:r>
+              <a:rPr lang="en-US" dirty="0" err="1" smtClean="0">
+                <a:effectLst/>
+              </a:rPr>
+              <a:t>compiance</a:t>
+            </a:r>
+            <a:r>
+              <a:rPr lang="en-US" dirty="0" smtClean="0">
+                <a:effectLst/>
+              </a:rPr>
+              <a:t> of your changes)</a:t>
+            </a:r>
+            <a:r>
+              <a:rPr lang="en-US" i="1" dirty="0" smtClean="0">
+                <a:effectLst/>
+              </a:rPr>
+              <a:t/>
+            </a:r>
+            <a:br>
+              <a:rPr lang="en-US" i="1" dirty="0" smtClean="0">
+                <a:effectLst/>
+              </a:rPr>
+            </a:br>
+            <a:endParaRPr lang="en-US" dirty="0" smtClean="0">
+              <a:effectLst/>
+            </a:endParaRPr>
+          </a:p>
+          <a:p>
+            <a:r>
+              <a:rPr lang="en-US" sz="1200" u="none" strike="noStrike" kern="1200" dirty="0" smtClean="0">
+                <a:solidFill>
+                  <a:schemeClr val="tx1"/>
+                </a:solidFill>
+                <a:effectLst/>
+                <a:latin typeface="Arial" panose="020B0604020202020204" pitchFamily="34" charset="0"/>
+                <a:ea typeface="ＭＳ Ｐゴシック" charset="0"/>
+                <a:cs typeface="Arial" panose="020B0604020202020204" pitchFamily="34" charset="0"/>
+                <a:hlinkClick r:id="rId11" tooltip="Today at 9:35:57 AM&#10;Click to open in archives"/>
+              </a:rPr>
+              <a:t>​</a:t>
+            </a:r>
+            <a:r>
+              <a:rPr lang="en-US" sz="1200" i="1" u="none" strike="noStrike" kern="1200" dirty="0" smtClean="0">
+                <a:solidFill>
+                  <a:schemeClr val="tx1"/>
+                </a:solidFill>
+                <a:effectLst/>
+                <a:latin typeface="Arial" panose="020B0604020202020204" pitchFamily="34" charset="0"/>
+                <a:ea typeface="ＭＳ Ｐゴシック" charset="0"/>
+                <a:cs typeface="Arial" panose="020B0604020202020204" pitchFamily="34" charset="0"/>
+                <a:hlinkClick r:id="rId11" tooltip="Today at 9:35:57 AM&#10;Click to open in archives"/>
+              </a:rPr>
+              <a:t>[</a:t>
+            </a:r>
+            <a:r>
+              <a:rPr lang="en-US" sz="1200" u="none" strike="noStrike" kern="1200" dirty="0" smtClean="0">
+                <a:solidFill>
+                  <a:schemeClr val="tx1"/>
+                </a:solidFill>
+                <a:effectLst/>
+                <a:latin typeface="Arial" panose="020B0604020202020204" pitchFamily="34" charset="0"/>
+                <a:ea typeface="ＭＳ Ｐゴシック" charset="0"/>
+                <a:cs typeface="Arial" panose="020B0604020202020204" pitchFamily="34" charset="0"/>
+                <a:hlinkClick r:id="rId11" tooltip="Today at 9:35:57 AM&#10;Click to open in archives"/>
+              </a:rPr>
+              <a:t>9:35 AM</a:t>
+            </a:r>
+            <a:r>
+              <a:rPr lang="en-US" sz="1200" i="1" u="none" strike="noStrike" kern="1200" dirty="0" smtClean="0">
+                <a:solidFill>
+                  <a:schemeClr val="tx1"/>
+                </a:solidFill>
+                <a:effectLst/>
+                <a:latin typeface="Arial" panose="020B0604020202020204" pitchFamily="34" charset="0"/>
+                <a:ea typeface="ＭＳ Ｐゴシック" charset="0"/>
+                <a:cs typeface="Arial" panose="020B0604020202020204" pitchFamily="34" charset="0"/>
+                <a:hlinkClick r:id="rId11" tooltip="Today at 9:35:57 AM&#10;Click to open in archives"/>
+              </a:rPr>
+              <a:t>]</a:t>
+            </a:r>
+            <a:r>
+              <a:rPr lang="en-US" dirty="0" smtClean="0">
+                <a:effectLst/>
+              </a:rPr>
+              <a:t> </a:t>
+            </a:r>
+          </a:p>
+          <a:p>
+            <a:r>
+              <a:rPr lang="en-US" dirty="0" smtClean="0">
+                <a:effectLst/>
+              </a:rPr>
+              <a:t>or if any component was changed, that you didn’t yet explicitly manage through chef; for example: have telnet listen on </a:t>
+            </a:r>
+            <a:r>
+              <a:rPr lang="en-US" dirty="0" err="1" smtClean="0">
+                <a:effectLst/>
+              </a:rPr>
+              <a:t>tcp</a:t>
+            </a:r>
+            <a:r>
+              <a:rPr lang="en-US" dirty="0" smtClean="0">
+                <a:effectLst/>
+              </a:rPr>
+              <a:t> for some reason you didn’t expect; apart from uninstalling telnet through chef, we don’t tend to write cookbooks for negative cases :wink: so that’s a great example for compliance</a:t>
+            </a:r>
+            <a:r>
+              <a:rPr lang="en-US" i="1" dirty="0" smtClean="0">
+                <a:effectLst/>
+              </a:rPr>
+              <a:t/>
+            </a:r>
+            <a:br>
+              <a:rPr lang="en-US" i="1" dirty="0" smtClean="0">
+                <a:effectLst/>
+              </a:rPr>
+            </a:br>
+            <a:endParaRPr lang="en-US" dirty="0" smtClean="0">
+              <a:effectLst/>
+            </a:endParaRPr>
+          </a:p>
+          <a:p>
+            <a:r>
+              <a:rPr lang="en-US" sz="1200" u="none" strike="noStrike" kern="1200" dirty="0" smtClean="0">
+                <a:solidFill>
+                  <a:schemeClr val="tx1"/>
+                </a:solidFill>
+                <a:effectLst/>
+                <a:latin typeface="Arial" panose="020B0604020202020204" pitchFamily="34" charset="0"/>
+                <a:ea typeface="ＭＳ Ｐゴシック" charset="0"/>
+                <a:cs typeface="Arial" panose="020B0604020202020204" pitchFamily="34" charset="0"/>
+                <a:hlinkClick r:id="rId12" tooltip="Today at 9:36:14 AM&#10;Click to open in archives"/>
+              </a:rPr>
+              <a:t>​</a:t>
+            </a:r>
+            <a:r>
+              <a:rPr lang="en-US" sz="1200" i="1" u="none" strike="noStrike" kern="1200" dirty="0" smtClean="0">
+                <a:solidFill>
+                  <a:schemeClr val="tx1"/>
+                </a:solidFill>
+                <a:effectLst/>
+                <a:latin typeface="Arial" panose="020B0604020202020204" pitchFamily="34" charset="0"/>
+                <a:ea typeface="ＭＳ Ｐゴシック" charset="0"/>
+                <a:cs typeface="Arial" panose="020B0604020202020204" pitchFamily="34" charset="0"/>
+                <a:hlinkClick r:id="rId12" tooltip="Today at 9:36:14 AM&#10;Click to open in archives"/>
+              </a:rPr>
+              <a:t>[</a:t>
+            </a:r>
+            <a:r>
+              <a:rPr lang="en-US" sz="1200" u="none" strike="noStrike" kern="1200" dirty="0" smtClean="0">
+                <a:solidFill>
+                  <a:schemeClr val="tx1"/>
+                </a:solidFill>
+                <a:effectLst/>
+                <a:latin typeface="Arial" panose="020B0604020202020204" pitchFamily="34" charset="0"/>
+                <a:ea typeface="ＭＳ Ｐゴシック" charset="0"/>
+                <a:cs typeface="Arial" panose="020B0604020202020204" pitchFamily="34" charset="0"/>
+                <a:hlinkClick r:id="rId12" tooltip="Today at 9:36:14 AM&#10;Click to open in archives"/>
+              </a:rPr>
+              <a:t>9:36 AM</a:t>
+            </a:r>
+            <a:r>
+              <a:rPr lang="en-US" sz="1200" i="1" u="none" strike="noStrike" kern="1200" dirty="0" smtClean="0">
+                <a:solidFill>
+                  <a:schemeClr val="tx1"/>
+                </a:solidFill>
+                <a:effectLst/>
+                <a:latin typeface="Arial" panose="020B0604020202020204" pitchFamily="34" charset="0"/>
+                <a:ea typeface="ＭＳ Ｐゴシック" charset="0"/>
+                <a:cs typeface="Arial" panose="020B0604020202020204" pitchFamily="34" charset="0"/>
+                <a:hlinkClick r:id="rId12" tooltip="Today at 9:36:14 AM&#10;Click to open in archives"/>
+              </a:rPr>
+              <a:t>]</a:t>
+            </a:r>
+            <a:r>
+              <a:rPr lang="en-US" dirty="0" smtClean="0">
+                <a:effectLst/>
+              </a:rPr>
+              <a:t> </a:t>
+            </a:r>
+          </a:p>
+          <a:p>
+            <a:r>
+              <a:rPr lang="en-US" sz="1200" b="1" u="none" strike="noStrike" kern="1200" dirty="0" err="1" smtClean="0">
+                <a:solidFill>
+                  <a:schemeClr val="tx1"/>
+                </a:solidFill>
+                <a:effectLst/>
+                <a:latin typeface="Arial" panose="020B0604020202020204" pitchFamily="34" charset="0"/>
+                <a:ea typeface="ＭＳ Ｐゴシック" charset="0"/>
+                <a:cs typeface="Arial" panose="020B0604020202020204" pitchFamily="34" charset="0"/>
+                <a:hlinkClick r:id="rId6"/>
+              </a:rPr>
+              <a:t>steve_delfante</a:t>
+            </a:r>
+            <a:r>
+              <a:rPr lang="en-US" dirty="0" smtClean="0">
+                <a:effectLst/>
+              </a:rPr>
+              <a:t> Cool. thanks!</a:t>
+            </a:r>
+            <a:r>
+              <a:rPr lang="en-US" i="1" dirty="0" smtClean="0">
+                <a:effectLst/>
+              </a:rPr>
+              <a:t/>
+            </a:r>
+            <a:br>
+              <a:rPr lang="en-US" i="1" dirty="0" smtClean="0">
+                <a:effectLst/>
+              </a:rPr>
+            </a:br>
+            <a:endParaRPr lang="en-US" dirty="0" smtClean="0">
+              <a:effectLst/>
+            </a:endParaRPr>
+          </a:p>
+          <a:p>
+            <a:r>
+              <a:rPr lang="en-US" sz="1200" u="none" strike="noStrike" kern="1200" dirty="0" smtClean="0">
+                <a:solidFill>
+                  <a:schemeClr val="tx1"/>
+                </a:solidFill>
+                <a:effectLst/>
+                <a:latin typeface="Arial" panose="020B0604020202020204" pitchFamily="34" charset="0"/>
+                <a:ea typeface="ＭＳ Ｐゴシック" charset="0"/>
+                <a:cs typeface="Arial" panose="020B0604020202020204" pitchFamily="34" charset="0"/>
+                <a:hlinkClick r:id="rId13"/>
+              </a:rPr>
+              <a:t>​</a:t>
+            </a:r>
+            <a:r>
+              <a:rPr lang="en-US" sz="1200" i="1" u="none" strike="noStrike" kern="1200" dirty="0" smtClean="0">
+                <a:solidFill>
+                  <a:schemeClr val="tx1"/>
+                </a:solidFill>
+                <a:effectLst/>
+                <a:latin typeface="Arial" panose="020B0604020202020204" pitchFamily="34" charset="0"/>
+                <a:ea typeface="ＭＳ Ｐゴシック" charset="0"/>
+                <a:cs typeface="Arial" panose="020B0604020202020204" pitchFamily="34" charset="0"/>
+                <a:hlinkClick r:id="rId13"/>
+              </a:rPr>
+              <a:t>[</a:t>
+            </a:r>
+            <a:r>
+              <a:rPr lang="en-US" sz="1200" u="none" strike="noStrike" kern="1200" dirty="0" smtClean="0">
+                <a:solidFill>
+                  <a:schemeClr val="tx1"/>
+                </a:solidFill>
+                <a:effectLst/>
+                <a:latin typeface="Arial" panose="020B0604020202020204" pitchFamily="34" charset="0"/>
+                <a:ea typeface="ＭＳ Ｐゴシック" charset="0"/>
+                <a:cs typeface="Arial" panose="020B0604020202020204" pitchFamily="34" charset="0"/>
+                <a:hlinkClick r:id="rId13"/>
+              </a:rPr>
+              <a:t>9:36 AM</a:t>
+            </a:r>
+            <a:r>
+              <a:rPr lang="en-US" sz="1200" i="1" u="none" strike="noStrike" kern="1200" dirty="0" smtClean="0">
+                <a:solidFill>
+                  <a:schemeClr val="tx1"/>
+                </a:solidFill>
+                <a:effectLst/>
+                <a:latin typeface="Arial" panose="020B0604020202020204" pitchFamily="34" charset="0"/>
+                <a:ea typeface="ＭＳ Ｐゴシック" charset="0"/>
+                <a:cs typeface="Arial" panose="020B0604020202020204" pitchFamily="34" charset="0"/>
+                <a:hlinkClick r:id="rId13"/>
+              </a:rPr>
+              <a:t>]</a:t>
+            </a:r>
+            <a:r>
+              <a:rPr lang="en-US" dirty="0" smtClean="0">
+                <a:effectLst/>
+              </a:rPr>
+              <a:t> </a:t>
+            </a:r>
+          </a:p>
+          <a:p>
+            <a:r>
+              <a:rPr lang="en-US" dirty="0" smtClean="0">
+                <a:effectLst/>
+              </a:rPr>
+              <a:t>One more question for now please....</a:t>
+            </a:r>
+            <a:r>
+              <a:rPr lang="en-US" i="1" dirty="0" smtClean="0">
+                <a:effectLst/>
+              </a:rPr>
+              <a:t/>
+            </a:r>
+            <a:br>
+              <a:rPr lang="en-US" i="1" dirty="0" smtClean="0">
+                <a:effectLst/>
+              </a:rPr>
+            </a:br>
+            <a:endParaRPr lang="en-US" dirty="0" smtClean="0">
+              <a:effectLst/>
+            </a:endParaRPr>
+          </a:p>
+          <a:p>
+            <a:r>
+              <a:rPr lang="en-US" sz="1200" u="none" strike="noStrike" kern="1200" dirty="0" smtClean="0">
+                <a:solidFill>
+                  <a:schemeClr val="tx1"/>
+                </a:solidFill>
+                <a:effectLst/>
+                <a:latin typeface="Arial" panose="020B0604020202020204" pitchFamily="34" charset="0"/>
+                <a:ea typeface="ＭＳ Ｐゴシック" charset="0"/>
+                <a:cs typeface="Arial" panose="020B0604020202020204" pitchFamily="34" charset="0"/>
+                <a:hlinkClick r:id="rId14" tooltip="Today at 9:37:33 AM&#10;Click to open in archives"/>
+              </a:rPr>
+              <a:t>​</a:t>
+            </a:r>
+            <a:r>
+              <a:rPr lang="en-US" sz="1200" i="1" u="none" strike="noStrike" kern="1200" dirty="0" smtClean="0">
+                <a:solidFill>
+                  <a:schemeClr val="tx1"/>
+                </a:solidFill>
+                <a:effectLst/>
+                <a:latin typeface="Arial" panose="020B0604020202020204" pitchFamily="34" charset="0"/>
+                <a:ea typeface="ＭＳ Ｐゴシック" charset="0"/>
+                <a:cs typeface="Arial" panose="020B0604020202020204" pitchFamily="34" charset="0"/>
+                <a:hlinkClick r:id="rId14" tooltip="Today at 9:37:33 AM&#10;Click to open in archives"/>
+              </a:rPr>
+              <a:t>[</a:t>
+            </a:r>
+            <a:r>
+              <a:rPr lang="en-US" sz="1200" u="none" strike="noStrike" kern="1200" dirty="0" smtClean="0">
+                <a:solidFill>
+                  <a:schemeClr val="tx1"/>
+                </a:solidFill>
+                <a:effectLst/>
+                <a:latin typeface="Arial" panose="020B0604020202020204" pitchFamily="34" charset="0"/>
+                <a:ea typeface="ＭＳ Ｐゴシック" charset="0"/>
+                <a:cs typeface="Arial" panose="020B0604020202020204" pitchFamily="34" charset="0"/>
+                <a:hlinkClick r:id="rId14" tooltip="Today at 9:37:33 AM&#10;Click to open in archives"/>
+              </a:rPr>
+              <a:t>9:37 AM</a:t>
+            </a:r>
+            <a:r>
+              <a:rPr lang="en-US" sz="1200" i="1" u="none" strike="noStrike" kern="1200" dirty="0" smtClean="0">
+                <a:solidFill>
+                  <a:schemeClr val="tx1"/>
+                </a:solidFill>
+                <a:effectLst/>
+                <a:latin typeface="Arial" panose="020B0604020202020204" pitchFamily="34" charset="0"/>
+                <a:ea typeface="ＭＳ Ｐゴシック" charset="0"/>
+                <a:cs typeface="Arial" panose="020B0604020202020204" pitchFamily="34" charset="0"/>
+                <a:hlinkClick r:id="rId14" tooltip="Today at 9:37:33 AM&#10;Click to open in archives"/>
+              </a:rPr>
+              <a:t>]</a:t>
+            </a:r>
+            <a:r>
+              <a:rPr lang="en-US" dirty="0" smtClean="0">
+                <a:effectLst/>
+              </a:rPr>
+              <a:t> </a:t>
+            </a:r>
+          </a:p>
+          <a:p>
+            <a:r>
+              <a:rPr lang="en-US" dirty="0" smtClean="0">
+                <a:effectLst/>
+              </a:rPr>
+              <a:t>Is there going to be a way to export  reports or do we only have people view results live?</a:t>
+            </a:r>
+            <a:r>
+              <a:rPr lang="en-US" i="1" dirty="0" smtClean="0">
+                <a:effectLst/>
+              </a:rPr>
+              <a:t/>
+            </a:r>
+            <a:br>
+              <a:rPr lang="en-US" i="1" dirty="0" smtClean="0">
+                <a:effectLst/>
+              </a:rPr>
+            </a:br>
+            <a:endParaRPr lang="en-US" dirty="0" smtClean="0">
+              <a:effectLst/>
+            </a:endParaRPr>
+          </a:p>
+          <a:p>
+            <a:r>
+              <a:rPr lang="en-US" sz="1200" u="none" strike="noStrike" kern="1200" dirty="0" smtClean="0">
+                <a:solidFill>
+                  <a:schemeClr val="tx1"/>
+                </a:solidFill>
+                <a:effectLst/>
+                <a:latin typeface="Arial" panose="020B0604020202020204" pitchFamily="34" charset="0"/>
+                <a:ea typeface="ＭＳ Ｐゴシック" charset="0"/>
+                <a:cs typeface="Arial" panose="020B0604020202020204" pitchFamily="34" charset="0"/>
+                <a:hlinkClick r:id="rId15"/>
+              </a:rPr>
+              <a:t>​</a:t>
+            </a:r>
+            <a:r>
+              <a:rPr lang="en-US" sz="1200" i="1" u="none" strike="noStrike" kern="1200" dirty="0" smtClean="0">
+                <a:solidFill>
+                  <a:schemeClr val="tx1"/>
+                </a:solidFill>
+                <a:effectLst/>
+                <a:latin typeface="Arial" panose="020B0604020202020204" pitchFamily="34" charset="0"/>
+                <a:ea typeface="ＭＳ Ｐゴシック" charset="0"/>
+                <a:cs typeface="Arial" panose="020B0604020202020204" pitchFamily="34" charset="0"/>
+                <a:hlinkClick r:id="rId15"/>
+              </a:rPr>
+              <a:t>[</a:t>
+            </a:r>
+            <a:r>
+              <a:rPr lang="en-US" sz="1200" u="none" strike="noStrike" kern="1200" dirty="0" smtClean="0">
+                <a:solidFill>
+                  <a:schemeClr val="tx1"/>
+                </a:solidFill>
+                <a:effectLst/>
+                <a:latin typeface="Arial" panose="020B0604020202020204" pitchFamily="34" charset="0"/>
+                <a:ea typeface="ＭＳ Ｐゴシック" charset="0"/>
+                <a:cs typeface="Arial" panose="020B0604020202020204" pitchFamily="34" charset="0"/>
+                <a:hlinkClick r:id="rId15"/>
+              </a:rPr>
+              <a:t>9:37 AM</a:t>
+            </a:r>
+            <a:r>
+              <a:rPr lang="en-US" sz="1200" i="1" u="none" strike="noStrike" kern="1200" dirty="0" smtClean="0">
+                <a:solidFill>
+                  <a:schemeClr val="tx1"/>
+                </a:solidFill>
+                <a:effectLst/>
+                <a:latin typeface="Arial" panose="020B0604020202020204" pitchFamily="34" charset="0"/>
+                <a:ea typeface="ＭＳ Ｐゴシック" charset="0"/>
+                <a:cs typeface="Arial" panose="020B0604020202020204" pitchFamily="34" charset="0"/>
+                <a:hlinkClick r:id="rId15"/>
+              </a:rPr>
+              <a:t>]</a:t>
+            </a:r>
+            <a:r>
+              <a:rPr lang="en-US" dirty="0" smtClean="0">
+                <a:effectLst/>
+              </a:rPr>
+              <a:t> </a:t>
+            </a:r>
+          </a:p>
+          <a:p>
+            <a:r>
+              <a:rPr lang="en-US" sz="1200" b="1" u="none" strike="noStrike" kern="1200" dirty="0" err="1" smtClean="0">
+                <a:solidFill>
+                  <a:schemeClr val="tx1"/>
+                </a:solidFill>
+                <a:effectLst/>
+                <a:latin typeface="Arial" panose="020B0604020202020204" pitchFamily="34" charset="0"/>
+                <a:ea typeface="ＭＳ Ｐゴシック" charset="0"/>
+                <a:cs typeface="Arial" panose="020B0604020202020204" pitchFamily="34" charset="0"/>
+                <a:hlinkClick r:id="rId4"/>
+              </a:rPr>
+              <a:t>dominik</a:t>
+            </a:r>
+            <a:r>
+              <a:rPr lang="en-US" dirty="0" smtClean="0">
+                <a:effectLst/>
+              </a:rPr>
+              <a:t> Yes there is; We are looking into exporting reports to PDF and (some type of) Excel format</a:t>
+            </a:r>
+            <a:r>
+              <a:rPr lang="en-US" i="1" dirty="0" smtClean="0">
+                <a:effectLst/>
+              </a:rPr>
+              <a:t/>
+            </a:r>
+            <a:br>
+              <a:rPr lang="en-US" i="1" dirty="0" smtClean="0">
+                <a:effectLst/>
+              </a:rPr>
+            </a:br>
+            <a:endParaRPr lang="en-US" dirty="0" smtClean="0">
+              <a:effectLst/>
+            </a:endParaRPr>
+          </a:p>
+          <a:p>
+            <a:r>
+              <a:rPr lang="en-US" sz="1200" u="none" strike="noStrike" kern="1200" dirty="0" smtClean="0">
+                <a:solidFill>
+                  <a:schemeClr val="tx1"/>
+                </a:solidFill>
+                <a:effectLst/>
+                <a:latin typeface="Arial" panose="020B0604020202020204" pitchFamily="34" charset="0"/>
+                <a:ea typeface="ＭＳ Ｐゴシック" charset="0"/>
+                <a:cs typeface="Arial" panose="020B0604020202020204" pitchFamily="34" charset="0"/>
+                <a:hlinkClick r:id="rId16" tooltip="Today at 9:38:08 AM&#10;Click to open in archives"/>
+              </a:rPr>
+              <a:t>​</a:t>
+            </a:r>
+            <a:r>
+              <a:rPr lang="en-US" sz="1200" i="1" u="none" strike="noStrike" kern="1200" dirty="0" smtClean="0">
+                <a:solidFill>
+                  <a:schemeClr val="tx1"/>
+                </a:solidFill>
+                <a:effectLst/>
+                <a:latin typeface="Arial" panose="020B0604020202020204" pitchFamily="34" charset="0"/>
+                <a:ea typeface="ＭＳ Ｐゴシック" charset="0"/>
+                <a:cs typeface="Arial" panose="020B0604020202020204" pitchFamily="34" charset="0"/>
+                <a:hlinkClick r:id="rId16" tooltip="Today at 9:38:08 AM&#10;Click to open in archives"/>
+              </a:rPr>
+              <a:t>[</a:t>
+            </a:r>
+            <a:r>
+              <a:rPr lang="en-US" sz="1200" u="none" strike="noStrike" kern="1200" dirty="0" smtClean="0">
+                <a:solidFill>
+                  <a:schemeClr val="tx1"/>
+                </a:solidFill>
+                <a:effectLst/>
+                <a:latin typeface="Arial" panose="020B0604020202020204" pitchFamily="34" charset="0"/>
+                <a:ea typeface="ＭＳ Ｐゴシック" charset="0"/>
+                <a:cs typeface="Arial" panose="020B0604020202020204" pitchFamily="34" charset="0"/>
+                <a:hlinkClick r:id="rId16" tooltip="Today at 9:38:08 AM&#10;Click to open in archives"/>
+              </a:rPr>
+              <a:t>9:38 AM</a:t>
+            </a:r>
+            <a:r>
+              <a:rPr lang="en-US" sz="1200" i="1" u="none" strike="noStrike" kern="1200" dirty="0" smtClean="0">
+                <a:solidFill>
+                  <a:schemeClr val="tx1"/>
+                </a:solidFill>
+                <a:effectLst/>
+                <a:latin typeface="Arial" panose="020B0604020202020204" pitchFamily="34" charset="0"/>
+                <a:ea typeface="ＭＳ Ｐゴシック" charset="0"/>
+                <a:cs typeface="Arial" panose="020B0604020202020204" pitchFamily="34" charset="0"/>
+                <a:hlinkClick r:id="rId16" tooltip="Today at 9:38:08 AM&#10;Click to open in archives"/>
+              </a:rPr>
+              <a:t>]</a:t>
+            </a:r>
+            <a:r>
+              <a:rPr lang="en-US" dirty="0" smtClean="0">
+                <a:effectLst/>
+              </a:rPr>
+              <a:t> </a:t>
+            </a:r>
+          </a:p>
+          <a:p>
+            <a:r>
+              <a:rPr lang="en-US" dirty="0" smtClean="0">
+                <a:effectLst/>
+              </a:rPr>
+              <a:t>There is also the alternative to retrieve reports via JSON </a:t>
+            </a:r>
+            <a:r>
+              <a:rPr lang="en-US" dirty="0" err="1" smtClean="0">
+                <a:effectLst/>
+              </a:rPr>
+              <a:t>api</a:t>
+            </a:r>
+            <a:r>
+              <a:rPr lang="en-US" i="1" dirty="0" smtClean="0">
+                <a:effectLst/>
+              </a:rPr>
+              <a:t/>
+            </a:r>
+            <a:br>
+              <a:rPr lang="en-US" i="1" dirty="0" smtClean="0">
+                <a:effectLst/>
+              </a:rPr>
+            </a:br>
+            <a:endParaRPr lang="en-US" dirty="0" smtClean="0">
+              <a:effectLst/>
+            </a:endParaRPr>
+          </a:p>
+          <a:p>
+            <a:r>
+              <a:rPr lang="en-US" sz="1200" u="none" strike="noStrike" kern="1200" dirty="0" smtClean="0">
+                <a:solidFill>
+                  <a:schemeClr val="tx1"/>
+                </a:solidFill>
+                <a:effectLst/>
+                <a:latin typeface="Arial" panose="020B0604020202020204" pitchFamily="34" charset="0"/>
+                <a:ea typeface="ＭＳ Ｐゴシック" charset="0"/>
+                <a:cs typeface="Arial" panose="020B0604020202020204" pitchFamily="34" charset="0"/>
+                <a:hlinkClick r:id="rId17" tooltip="Today at 9:38:19 AM&#10;Click to open in archives"/>
+              </a:rPr>
+              <a:t>​</a:t>
+            </a:r>
+            <a:r>
+              <a:rPr lang="en-US" sz="1200" i="1" u="none" strike="noStrike" kern="1200" dirty="0" smtClean="0">
+                <a:solidFill>
+                  <a:schemeClr val="tx1"/>
+                </a:solidFill>
+                <a:effectLst/>
+                <a:latin typeface="Arial" panose="020B0604020202020204" pitchFamily="34" charset="0"/>
+                <a:ea typeface="ＭＳ Ｐゴシック" charset="0"/>
+                <a:cs typeface="Arial" panose="020B0604020202020204" pitchFamily="34" charset="0"/>
+                <a:hlinkClick r:id="rId17" tooltip="Today at 9:38:19 AM&#10;Click to open in archives"/>
+              </a:rPr>
+              <a:t>[</a:t>
+            </a:r>
+            <a:r>
+              <a:rPr lang="en-US" sz="1200" u="none" strike="noStrike" kern="1200" dirty="0" smtClean="0">
+                <a:solidFill>
+                  <a:schemeClr val="tx1"/>
+                </a:solidFill>
+                <a:effectLst/>
+                <a:latin typeface="Arial" panose="020B0604020202020204" pitchFamily="34" charset="0"/>
+                <a:ea typeface="ＭＳ Ｐゴシック" charset="0"/>
+                <a:cs typeface="Arial" panose="020B0604020202020204" pitchFamily="34" charset="0"/>
+                <a:hlinkClick r:id="rId17" tooltip="Today at 9:38:19 AM&#10;Click to open in archives"/>
+              </a:rPr>
+              <a:t>9:38 AM</a:t>
+            </a:r>
+            <a:r>
+              <a:rPr lang="en-US" sz="1200" i="1" u="none" strike="noStrike" kern="1200" dirty="0" smtClean="0">
+                <a:solidFill>
+                  <a:schemeClr val="tx1"/>
+                </a:solidFill>
+                <a:effectLst/>
+                <a:latin typeface="Arial" panose="020B0604020202020204" pitchFamily="34" charset="0"/>
+                <a:ea typeface="ＭＳ Ｐゴシック" charset="0"/>
+                <a:cs typeface="Arial" panose="020B0604020202020204" pitchFamily="34" charset="0"/>
+                <a:hlinkClick r:id="rId17" tooltip="Today at 9:38:19 AM&#10;Click to open in archives"/>
+              </a:rPr>
+              <a:t>]</a:t>
+            </a:r>
+            <a:r>
+              <a:rPr lang="en-US" dirty="0" smtClean="0">
+                <a:effectLst/>
+              </a:rPr>
+              <a:t> </a:t>
+            </a:r>
+          </a:p>
+          <a:p>
+            <a:r>
+              <a:rPr lang="en-US" dirty="0" smtClean="0">
+                <a:effectLst/>
+              </a:rPr>
+              <a:t>we will have the PDF and Excel options in UI</a:t>
+            </a:r>
+            <a:r>
+              <a:rPr lang="en-US" i="1" dirty="0" smtClean="0">
+                <a:effectLst/>
+              </a:rPr>
+              <a:t/>
+            </a:r>
+            <a:br>
+              <a:rPr lang="en-US" i="1" dirty="0" smtClean="0">
+                <a:effectLst/>
+              </a:rPr>
+            </a:br>
+            <a:endParaRPr lang="en-US" dirty="0" smtClean="0">
+              <a:effectLst/>
+            </a:endParaRPr>
+          </a:p>
+          <a:p>
+            <a:r>
+              <a:rPr lang="en-US" sz="1200" u="none" strike="noStrike" kern="1200" dirty="0" smtClean="0">
+                <a:solidFill>
+                  <a:schemeClr val="tx1"/>
+                </a:solidFill>
+                <a:effectLst/>
+                <a:latin typeface="Arial" panose="020B0604020202020204" pitchFamily="34" charset="0"/>
+                <a:ea typeface="ＭＳ Ｐゴシック" charset="0"/>
+                <a:cs typeface="Arial" panose="020B0604020202020204" pitchFamily="34" charset="0"/>
+                <a:hlinkClick r:id="rId18" tooltip="Today at 9:38:42 AM&#10;Click to open in archives"/>
+              </a:rPr>
+              <a:t>​</a:t>
+            </a:r>
+            <a:r>
+              <a:rPr lang="en-US" sz="1200" i="1" u="none" strike="noStrike" kern="1200" dirty="0" smtClean="0">
+                <a:solidFill>
+                  <a:schemeClr val="tx1"/>
+                </a:solidFill>
+                <a:effectLst/>
+                <a:latin typeface="Arial" panose="020B0604020202020204" pitchFamily="34" charset="0"/>
+                <a:ea typeface="ＭＳ Ｐゴシック" charset="0"/>
+                <a:cs typeface="Arial" panose="020B0604020202020204" pitchFamily="34" charset="0"/>
+                <a:hlinkClick r:id="rId18" tooltip="Today at 9:38:42 AM&#10;Click to open in archives"/>
+              </a:rPr>
+              <a:t>[</a:t>
+            </a:r>
+            <a:r>
+              <a:rPr lang="en-US" sz="1200" u="none" strike="noStrike" kern="1200" dirty="0" smtClean="0">
+                <a:solidFill>
+                  <a:schemeClr val="tx1"/>
+                </a:solidFill>
+                <a:effectLst/>
+                <a:latin typeface="Arial" panose="020B0604020202020204" pitchFamily="34" charset="0"/>
+                <a:ea typeface="ＭＳ Ｐゴシック" charset="0"/>
+                <a:cs typeface="Arial" panose="020B0604020202020204" pitchFamily="34" charset="0"/>
+                <a:hlinkClick r:id="rId18" tooltip="Today at 9:38:42 AM&#10;Click to open in archives"/>
+              </a:rPr>
+              <a:t>9:38 AM</a:t>
+            </a:r>
+            <a:r>
+              <a:rPr lang="en-US" sz="1200" i="1" u="none" strike="noStrike" kern="1200" dirty="0" smtClean="0">
+                <a:solidFill>
+                  <a:schemeClr val="tx1"/>
+                </a:solidFill>
+                <a:effectLst/>
+                <a:latin typeface="Arial" panose="020B0604020202020204" pitchFamily="34" charset="0"/>
+                <a:ea typeface="ＭＳ Ｐゴシック" charset="0"/>
+                <a:cs typeface="Arial" panose="020B0604020202020204" pitchFamily="34" charset="0"/>
+                <a:hlinkClick r:id="rId18" tooltip="Today at 9:38:42 AM&#10;Click to open in archives"/>
+              </a:rPr>
+              <a:t>]</a:t>
+            </a:r>
+            <a:r>
+              <a:rPr lang="en-US" dirty="0" smtClean="0">
+                <a:effectLst/>
+              </a:rPr>
+              <a:t> </a:t>
+            </a:r>
+          </a:p>
+          <a:p>
+            <a:r>
+              <a:rPr lang="en-US" sz="1200" b="1" u="none" strike="noStrike" kern="1200" dirty="0" err="1" smtClean="0">
+                <a:solidFill>
+                  <a:schemeClr val="tx1"/>
+                </a:solidFill>
+                <a:effectLst/>
+                <a:latin typeface="Arial" panose="020B0604020202020204" pitchFamily="34" charset="0"/>
+                <a:ea typeface="ＭＳ Ｐゴシック" charset="0"/>
+                <a:cs typeface="Arial" panose="020B0604020202020204" pitchFamily="34" charset="0"/>
+                <a:hlinkClick r:id="rId6"/>
+              </a:rPr>
+              <a:t>steve_delfante</a:t>
+            </a:r>
+            <a:r>
+              <a:rPr lang="en-US" dirty="0" smtClean="0">
+                <a:effectLst/>
+              </a:rPr>
+              <a:t> Sounds good. Do you have an ETA for exporting?</a:t>
+            </a:r>
+            <a:r>
+              <a:rPr lang="en-US" sz="1200" kern="1200" dirty="0" smtClean="0">
+                <a:solidFill>
+                  <a:schemeClr val="tx1"/>
+                </a:solidFill>
+                <a:effectLst/>
+                <a:latin typeface="Arial" panose="020B0604020202020204" pitchFamily="34" charset="0"/>
+                <a:ea typeface="ＭＳ Ｐゴシック" charset="0"/>
+                <a:cs typeface="Arial" panose="020B0604020202020204" pitchFamily="34" charset="0"/>
+              </a:rPr>
+              <a:t>(edited)</a:t>
+            </a:r>
+            <a:r>
+              <a:rPr lang="en-US" i="1" dirty="0" smtClean="0">
+                <a:effectLst/>
+              </a:rPr>
+              <a:t/>
+            </a:r>
+            <a:br>
+              <a:rPr lang="en-US" i="1" dirty="0" smtClean="0">
+                <a:effectLst/>
+              </a:rPr>
+            </a:br>
+            <a:endParaRPr lang="en-US" dirty="0" smtClean="0">
+              <a:effectLst/>
+            </a:endParaRPr>
+          </a:p>
+          <a:p>
+            <a:r>
+              <a:rPr lang="en-US" sz="1200" u="none" strike="noStrike" kern="1200" dirty="0" smtClean="0">
+                <a:solidFill>
+                  <a:schemeClr val="tx1"/>
+                </a:solidFill>
+                <a:effectLst/>
+                <a:latin typeface="Arial" panose="020B0604020202020204" pitchFamily="34" charset="0"/>
+                <a:ea typeface="ＭＳ Ｐゴシック" charset="0"/>
+                <a:cs typeface="Arial" panose="020B0604020202020204" pitchFamily="34" charset="0"/>
+                <a:hlinkClick r:id="rId19" tooltip="Today at 9:39:10 AM&#10;Click to open in archives"/>
+              </a:rPr>
+              <a:t>​</a:t>
+            </a:r>
+            <a:r>
+              <a:rPr lang="en-US" sz="1200" i="1" u="none" strike="noStrike" kern="1200" dirty="0" smtClean="0">
+                <a:solidFill>
+                  <a:schemeClr val="tx1"/>
+                </a:solidFill>
+                <a:effectLst/>
+                <a:latin typeface="Arial" panose="020B0604020202020204" pitchFamily="34" charset="0"/>
+                <a:ea typeface="ＭＳ Ｐゴシック" charset="0"/>
+                <a:cs typeface="Arial" panose="020B0604020202020204" pitchFamily="34" charset="0"/>
+                <a:hlinkClick r:id="rId19" tooltip="Today at 9:39:10 AM&#10;Click to open in archives"/>
+              </a:rPr>
+              <a:t>[</a:t>
+            </a:r>
+            <a:r>
+              <a:rPr lang="en-US" sz="1200" u="none" strike="noStrike" kern="1200" dirty="0" smtClean="0">
+                <a:solidFill>
+                  <a:schemeClr val="tx1"/>
+                </a:solidFill>
+                <a:effectLst/>
+                <a:latin typeface="Arial" panose="020B0604020202020204" pitchFamily="34" charset="0"/>
+                <a:ea typeface="ＭＳ Ｐゴシック" charset="0"/>
+                <a:cs typeface="Arial" panose="020B0604020202020204" pitchFamily="34" charset="0"/>
+                <a:hlinkClick r:id="rId19" tooltip="Today at 9:39:10 AM&#10;Click to open in archives"/>
+              </a:rPr>
+              <a:t>9:39 AM</a:t>
+            </a:r>
+            <a:r>
+              <a:rPr lang="en-US" sz="1200" i="1" u="none" strike="noStrike" kern="1200" dirty="0" smtClean="0">
+                <a:solidFill>
+                  <a:schemeClr val="tx1"/>
+                </a:solidFill>
+                <a:effectLst/>
+                <a:latin typeface="Arial" panose="020B0604020202020204" pitchFamily="34" charset="0"/>
+                <a:ea typeface="ＭＳ Ｐゴシック" charset="0"/>
+                <a:cs typeface="Arial" panose="020B0604020202020204" pitchFamily="34" charset="0"/>
+                <a:hlinkClick r:id="rId19" tooltip="Today at 9:39:10 AM&#10;Click to open in archives"/>
+              </a:rPr>
+              <a:t>]</a:t>
+            </a:r>
+            <a:r>
+              <a:rPr lang="en-US" dirty="0" smtClean="0">
+                <a:effectLst/>
+              </a:rPr>
+              <a:t> </a:t>
+            </a:r>
+          </a:p>
+          <a:p>
+            <a:r>
+              <a:rPr lang="en-US" sz="1200" b="1" u="none" strike="noStrike" kern="1200" dirty="0" err="1" smtClean="0">
+                <a:solidFill>
+                  <a:schemeClr val="tx1"/>
+                </a:solidFill>
+                <a:effectLst/>
+                <a:latin typeface="Arial" panose="020B0604020202020204" pitchFamily="34" charset="0"/>
+                <a:ea typeface="ＭＳ Ｐゴシック" charset="0"/>
+                <a:cs typeface="Arial" panose="020B0604020202020204" pitchFamily="34" charset="0"/>
+                <a:hlinkClick r:id="rId4"/>
+              </a:rPr>
+              <a:t>dominik</a:t>
+            </a:r>
+            <a:r>
+              <a:rPr lang="en-US" dirty="0" smtClean="0">
+                <a:effectLst/>
+              </a:rPr>
+              <a:t> It has not been explicitly planned yet. My expectation is for end of Q1, but it could just as easily move into early Q2</a:t>
+            </a:r>
+            <a:r>
+              <a:rPr lang="en-US" i="1" dirty="0" smtClean="0">
+                <a:effectLst/>
+              </a:rPr>
+              <a:t/>
+            </a:r>
+            <a:br>
+              <a:rPr lang="en-US" i="1" dirty="0" smtClean="0">
+                <a:effectLst/>
+              </a:rPr>
+            </a:br>
+            <a:endParaRPr lang="en-US" dirty="0" smtClean="0">
+              <a:effectLst/>
+            </a:endParaRPr>
+          </a:p>
+          <a:p>
+            <a:r>
+              <a:rPr lang="en-US" sz="1200" u="none" strike="noStrike" kern="1200" dirty="0" smtClean="0">
+                <a:solidFill>
+                  <a:schemeClr val="tx1"/>
+                </a:solidFill>
+                <a:effectLst/>
+                <a:latin typeface="Arial" panose="020B0604020202020204" pitchFamily="34" charset="0"/>
+                <a:ea typeface="ＭＳ Ｐゴシック" charset="0"/>
+                <a:cs typeface="Arial" panose="020B0604020202020204" pitchFamily="34" charset="0"/>
+                <a:hlinkClick r:id="rId20" tooltip="Today at 9:39:20 AM&#10;Click to open in archives"/>
+              </a:rPr>
+              <a:t>​</a:t>
+            </a:r>
+            <a:r>
+              <a:rPr lang="en-US" sz="1200" i="1" u="none" strike="noStrike" kern="1200" dirty="0" smtClean="0">
+                <a:solidFill>
+                  <a:schemeClr val="tx1"/>
+                </a:solidFill>
+                <a:effectLst/>
+                <a:latin typeface="Arial" panose="020B0604020202020204" pitchFamily="34" charset="0"/>
+                <a:ea typeface="ＭＳ Ｐゴシック" charset="0"/>
+                <a:cs typeface="Arial" panose="020B0604020202020204" pitchFamily="34" charset="0"/>
+                <a:hlinkClick r:id="rId20" tooltip="Today at 9:39:20 AM&#10;Click to open in archives"/>
+              </a:rPr>
+              <a:t>[</a:t>
+            </a:r>
+            <a:r>
+              <a:rPr lang="en-US" sz="1200" u="none" strike="noStrike" kern="1200" dirty="0" smtClean="0">
+                <a:solidFill>
+                  <a:schemeClr val="tx1"/>
+                </a:solidFill>
+                <a:effectLst/>
+                <a:latin typeface="Arial" panose="020B0604020202020204" pitchFamily="34" charset="0"/>
+                <a:ea typeface="ＭＳ Ｐゴシック" charset="0"/>
+                <a:cs typeface="Arial" panose="020B0604020202020204" pitchFamily="34" charset="0"/>
+                <a:hlinkClick r:id="rId20" tooltip="Today at 9:39:20 AM&#10;Click to open in archives"/>
+              </a:rPr>
+              <a:t>9:39 AM</a:t>
+            </a:r>
+            <a:r>
+              <a:rPr lang="en-US" sz="1200" i="1" u="none" strike="noStrike" kern="1200" dirty="0" smtClean="0">
+                <a:solidFill>
+                  <a:schemeClr val="tx1"/>
+                </a:solidFill>
+                <a:effectLst/>
+                <a:latin typeface="Arial" panose="020B0604020202020204" pitchFamily="34" charset="0"/>
+                <a:ea typeface="ＭＳ Ｐゴシック" charset="0"/>
+                <a:cs typeface="Arial" panose="020B0604020202020204" pitchFamily="34" charset="0"/>
+                <a:hlinkClick r:id="rId20" tooltip="Today at 9:39:20 AM&#10;Click to open in archives"/>
+              </a:rPr>
+              <a:t>]</a:t>
+            </a:r>
+            <a:r>
+              <a:rPr lang="en-US" dirty="0" smtClean="0">
+                <a:effectLst/>
+              </a:rPr>
+              <a:t> </a:t>
+            </a:r>
+          </a:p>
+          <a:p>
+            <a:r>
+              <a:rPr lang="en-US" sz="1200" b="1" u="none" strike="noStrike" kern="1200" dirty="0" err="1" smtClean="0">
+                <a:solidFill>
+                  <a:schemeClr val="tx1"/>
+                </a:solidFill>
+                <a:effectLst/>
+                <a:latin typeface="Arial" panose="020B0604020202020204" pitchFamily="34" charset="0"/>
+                <a:ea typeface="ＭＳ Ｐゴシック" charset="0"/>
+                <a:cs typeface="Arial" panose="020B0604020202020204" pitchFamily="34" charset="0"/>
+                <a:hlinkClick r:id="rId6"/>
+              </a:rPr>
+              <a:t>steve_delfante</a:t>
+            </a:r>
+            <a:r>
+              <a:rPr lang="en-US" dirty="0" smtClean="0">
+                <a:effectLst/>
+              </a:rPr>
+              <a:t> Ok. Thanks!</a:t>
+            </a:r>
+            <a:r>
+              <a:rPr lang="en-US" i="1" dirty="0" smtClean="0">
+                <a:effectLst/>
+              </a:rPr>
+              <a:t/>
+            </a:r>
+            <a:br>
+              <a:rPr lang="en-US" i="1" dirty="0" smtClean="0">
+                <a:effectLst/>
+              </a:rPr>
+            </a:br>
+            <a:endParaRPr lang="en-US" dirty="0" smtClean="0">
+              <a:effectLst/>
+            </a:endParaRPr>
+          </a:p>
+          <a:p>
+            <a:r>
+              <a:rPr lang="en-US" sz="1200" u="none" strike="noStrike" kern="1200" dirty="0" smtClean="0">
+                <a:solidFill>
+                  <a:schemeClr val="tx1"/>
+                </a:solidFill>
+                <a:effectLst/>
+                <a:latin typeface="Arial" panose="020B0604020202020204" pitchFamily="34" charset="0"/>
+                <a:ea typeface="ＭＳ Ｐゴシック" charset="0"/>
+                <a:cs typeface="Arial" panose="020B0604020202020204" pitchFamily="34" charset="0"/>
+                <a:hlinkClick r:id="rId21" tooltip="Today at 9:39:26 AM&#10;Click to open in archives"/>
+              </a:rPr>
+              <a:t>​</a:t>
+            </a:r>
+            <a:r>
+              <a:rPr lang="en-US" sz="1200" i="1" u="none" strike="noStrike" kern="1200" dirty="0" smtClean="0">
+                <a:solidFill>
+                  <a:schemeClr val="tx1"/>
+                </a:solidFill>
+                <a:effectLst/>
+                <a:latin typeface="Arial" panose="020B0604020202020204" pitchFamily="34" charset="0"/>
+                <a:ea typeface="ＭＳ Ｐゴシック" charset="0"/>
+                <a:cs typeface="Arial" panose="020B0604020202020204" pitchFamily="34" charset="0"/>
+                <a:hlinkClick r:id="rId21" tooltip="Today at 9:39:26 AM&#10;Click to open in archives"/>
+              </a:rPr>
+              <a:t>[</a:t>
+            </a:r>
+            <a:r>
+              <a:rPr lang="en-US" sz="1200" u="none" strike="noStrike" kern="1200" dirty="0" smtClean="0">
+                <a:solidFill>
+                  <a:schemeClr val="tx1"/>
+                </a:solidFill>
+                <a:effectLst/>
+                <a:latin typeface="Arial" panose="020B0604020202020204" pitchFamily="34" charset="0"/>
+                <a:ea typeface="ＭＳ Ｐゴシック" charset="0"/>
+                <a:cs typeface="Arial" panose="020B0604020202020204" pitchFamily="34" charset="0"/>
+                <a:hlinkClick r:id="rId21" tooltip="Today at 9:39:26 AM&#10;Click to open in archives"/>
+              </a:rPr>
+              <a:t>9:39 AM</a:t>
+            </a:r>
+            <a:r>
+              <a:rPr lang="en-US" sz="1200" i="1" u="none" strike="noStrike" kern="1200" dirty="0" smtClean="0">
+                <a:solidFill>
+                  <a:schemeClr val="tx1"/>
+                </a:solidFill>
+                <a:effectLst/>
+                <a:latin typeface="Arial" panose="020B0604020202020204" pitchFamily="34" charset="0"/>
+                <a:ea typeface="ＭＳ Ｐゴシック" charset="0"/>
+                <a:cs typeface="Arial" panose="020B0604020202020204" pitchFamily="34" charset="0"/>
+                <a:hlinkClick r:id="rId21" tooltip="Today at 9:39:26 AM&#10;Click to open in archives"/>
+              </a:rPr>
+              <a:t>]</a:t>
+            </a:r>
+            <a:r>
+              <a:rPr lang="en-US" dirty="0" smtClean="0">
+                <a:effectLst/>
+              </a:rPr>
+              <a:t> </a:t>
+            </a:r>
+          </a:p>
+          <a:p>
+            <a:r>
+              <a:rPr lang="en-US" sz="1200" b="1" u="none" strike="noStrike" kern="1200" dirty="0" err="1" smtClean="0">
+                <a:solidFill>
+                  <a:schemeClr val="tx1"/>
+                </a:solidFill>
+                <a:effectLst/>
+                <a:latin typeface="Arial" panose="020B0604020202020204" pitchFamily="34" charset="0"/>
+                <a:ea typeface="ＭＳ Ｐゴシック" charset="0"/>
+                <a:cs typeface="Arial" panose="020B0604020202020204" pitchFamily="34" charset="0"/>
+                <a:hlinkClick r:id="rId4"/>
+              </a:rPr>
+              <a:t>dominik</a:t>
+            </a:r>
+            <a:r>
+              <a:rPr lang="en-US" dirty="0" smtClean="0">
+                <a:effectLst/>
+              </a:rPr>
+              <a:t> JSON-based exporting however is already supported</a:t>
+            </a:r>
+            <a:r>
+              <a:rPr lang="en-US" i="1" dirty="0" smtClean="0">
+                <a:effectLst/>
+              </a:rPr>
+              <a:t/>
+            </a:r>
+            <a:br>
+              <a:rPr lang="en-US" i="1" dirty="0" smtClean="0">
+                <a:effectLst/>
+              </a:rPr>
+            </a:br>
+            <a:endParaRPr lang="en-US" dirty="0" smtClean="0">
+              <a:effectLst/>
+            </a:endParaRPr>
+          </a:p>
+          <a:p>
+            <a:r>
+              <a:rPr lang="en-US" sz="1200" b="1" i="0" kern="1200" dirty="0" smtClean="0">
+                <a:solidFill>
+                  <a:schemeClr val="tx1"/>
+                </a:solidFill>
+                <a:effectLst/>
+                <a:latin typeface="Arial" panose="020B0604020202020204" pitchFamily="34" charset="0"/>
+                <a:ea typeface="ＭＳ Ｐゴシック" charset="0"/>
+                <a:cs typeface="Arial" panose="020B0604020202020204" pitchFamily="34" charset="0"/>
+              </a:rPr>
+              <a:t>new messages</a:t>
+            </a:r>
+            <a:endParaRPr lang="en-US" sz="1200" b="0" i="0" kern="1200" dirty="0" smtClean="0">
+              <a:solidFill>
+                <a:schemeClr val="tx1"/>
+              </a:solidFill>
+              <a:effectLst/>
+              <a:latin typeface="Arial" panose="020B0604020202020204" pitchFamily="34" charset="0"/>
+              <a:ea typeface="ＭＳ Ｐゴシック" charset="0"/>
+              <a:cs typeface="Arial" panose="020B0604020202020204" pitchFamily="34" charset="0"/>
+            </a:endParaRPr>
+          </a:p>
+          <a:p>
+            <a:r>
+              <a:rPr lang="en-US" sz="1200" u="none" strike="noStrike" kern="1200" dirty="0" smtClean="0">
+                <a:solidFill>
+                  <a:schemeClr val="tx1"/>
+                </a:solidFill>
+                <a:effectLst/>
+                <a:latin typeface="Arial" panose="020B0604020202020204" pitchFamily="34" charset="0"/>
+                <a:ea typeface="ＭＳ Ｐゴシック" charset="0"/>
+                <a:cs typeface="Arial" panose="020B0604020202020204" pitchFamily="34" charset="0"/>
+                <a:hlinkClick r:id="rId22" tooltip="Today at 9:39:37 AM&#10;Click to open in archives"/>
+              </a:rPr>
+              <a:t>​</a:t>
+            </a:r>
+            <a:r>
+              <a:rPr lang="en-US" sz="1200" i="1" u="none" strike="noStrike" kern="1200" dirty="0" smtClean="0">
+                <a:solidFill>
+                  <a:schemeClr val="tx1"/>
+                </a:solidFill>
+                <a:effectLst/>
+                <a:latin typeface="Arial" panose="020B0604020202020204" pitchFamily="34" charset="0"/>
+                <a:ea typeface="ＭＳ Ｐゴシック" charset="0"/>
+                <a:cs typeface="Arial" panose="020B0604020202020204" pitchFamily="34" charset="0"/>
+                <a:hlinkClick r:id="rId22" tooltip="Today at 9:39:37 AM&#10;Click to open in archives"/>
+              </a:rPr>
+              <a:t>[</a:t>
+            </a:r>
+            <a:r>
+              <a:rPr lang="en-US" sz="1200" u="none" strike="noStrike" kern="1200" dirty="0" smtClean="0">
+                <a:solidFill>
+                  <a:schemeClr val="tx1"/>
+                </a:solidFill>
+                <a:effectLst/>
+                <a:latin typeface="Arial" panose="020B0604020202020204" pitchFamily="34" charset="0"/>
+                <a:ea typeface="ＭＳ Ｐゴシック" charset="0"/>
+                <a:cs typeface="Arial" panose="020B0604020202020204" pitchFamily="34" charset="0"/>
+                <a:hlinkClick r:id="rId22" tooltip="Today at 9:39:37 AM&#10;Click to open in archives"/>
+              </a:rPr>
+              <a:t>9:39 AM</a:t>
+            </a:r>
+            <a:r>
+              <a:rPr lang="en-US" sz="1200" i="1" u="none" strike="noStrike" kern="1200" dirty="0" smtClean="0">
+                <a:solidFill>
+                  <a:schemeClr val="tx1"/>
+                </a:solidFill>
+                <a:effectLst/>
+                <a:latin typeface="Arial" panose="020B0604020202020204" pitchFamily="34" charset="0"/>
+                <a:ea typeface="ＭＳ Ｐゴシック" charset="0"/>
+                <a:cs typeface="Arial" panose="020B0604020202020204" pitchFamily="34" charset="0"/>
+                <a:hlinkClick r:id="rId22" tooltip="Today at 9:39:37 AM&#10;Click to open in archives"/>
+              </a:rPr>
+              <a:t>]</a:t>
+            </a:r>
+            <a:r>
+              <a:rPr lang="en-US" dirty="0" smtClean="0">
+                <a:effectLst/>
+              </a:rPr>
+              <a:t> </a:t>
+            </a:r>
+          </a:p>
+          <a:p>
+            <a:r>
+              <a:rPr lang="en-US" dirty="0" smtClean="0">
+                <a:effectLst/>
+              </a:rPr>
+              <a:t>and we are rewriting the API to be much better at generating large reports</a:t>
+            </a:r>
+            <a:r>
+              <a:rPr lang="en-US" i="1" dirty="0" smtClean="0">
+                <a:effectLst/>
+              </a:rPr>
+              <a:t/>
+            </a:r>
+            <a:br>
+              <a:rPr lang="en-US" i="1" dirty="0" smtClean="0">
+                <a:effectLst/>
+              </a:rPr>
+            </a:br>
+            <a:endParaRPr lang="en-US" dirty="0" smtClean="0">
+              <a:effectLst/>
+            </a:endParaRPr>
+          </a:p>
+          <a:p>
+            <a:r>
+              <a:rPr lang="en-US" sz="1200" u="none" strike="noStrike" kern="1200" dirty="0" smtClean="0">
+                <a:solidFill>
+                  <a:schemeClr val="tx1"/>
+                </a:solidFill>
+                <a:effectLst/>
+                <a:latin typeface="Arial" panose="020B0604020202020204" pitchFamily="34" charset="0"/>
+                <a:ea typeface="ＭＳ Ｐゴシック" charset="0"/>
+                <a:cs typeface="Arial" panose="020B0604020202020204" pitchFamily="34" charset="0"/>
+                <a:hlinkClick r:id="rId23" tooltip="Today at 9:39:49 AM&#10;Click to open in archives"/>
+              </a:rPr>
+              <a:t>​</a:t>
+            </a:r>
+            <a:r>
+              <a:rPr lang="en-US" sz="1200" i="1" u="none" strike="noStrike" kern="1200" dirty="0" smtClean="0">
+                <a:solidFill>
+                  <a:schemeClr val="tx1"/>
+                </a:solidFill>
+                <a:effectLst/>
+                <a:latin typeface="Arial" panose="020B0604020202020204" pitchFamily="34" charset="0"/>
+                <a:ea typeface="ＭＳ Ｐゴシック" charset="0"/>
+                <a:cs typeface="Arial" panose="020B0604020202020204" pitchFamily="34" charset="0"/>
+                <a:hlinkClick r:id="rId23" tooltip="Today at 9:39:49 AM&#10;Click to open in archives"/>
+              </a:rPr>
+              <a:t>[</a:t>
+            </a:r>
+            <a:r>
+              <a:rPr lang="en-US" sz="1200" u="none" strike="noStrike" kern="1200" dirty="0" smtClean="0">
+                <a:solidFill>
+                  <a:schemeClr val="tx1"/>
+                </a:solidFill>
+                <a:effectLst/>
+                <a:latin typeface="Arial" panose="020B0604020202020204" pitchFamily="34" charset="0"/>
+                <a:ea typeface="ＭＳ Ｐゴシック" charset="0"/>
+                <a:cs typeface="Arial" panose="020B0604020202020204" pitchFamily="34" charset="0"/>
+                <a:hlinkClick r:id="rId23" tooltip="Today at 9:39:49 AM&#10;Click to open in archives"/>
+              </a:rPr>
+              <a:t>9:39 AM</a:t>
+            </a:r>
+            <a:r>
+              <a:rPr lang="en-US" sz="1200" i="1" u="none" strike="noStrike" kern="1200" dirty="0" smtClean="0">
+                <a:solidFill>
+                  <a:schemeClr val="tx1"/>
+                </a:solidFill>
+                <a:effectLst/>
+                <a:latin typeface="Arial" panose="020B0604020202020204" pitchFamily="34" charset="0"/>
+                <a:ea typeface="ＭＳ Ｐゴシック" charset="0"/>
+                <a:cs typeface="Arial" panose="020B0604020202020204" pitchFamily="34" charset="0"/>
+                <a:hlinkClick r:id="rId23" tooltip="Today at 9:39:49 AM&#10;Click to open in archives"/>
+              </a:rPr>
+              <a:t>]</a:t>
+            </a:r>
+            <a:r>
+              <a:rPr lang="en-US" dirty="0" smtClean="0">
+                <a:effectLst/>
+              </a:rPr>
+              <a:t> </a:t>
+            </a:r>
+          </a:p>
+          <a:p>
+            <a:r>
+              <a:rPr lang="en-US" dirty="0" smtClean="0">
+                <a:effectLst/>
+              </a:rPr>
+              <a:t>let me know if customers have different priorities</a:t>
+            </a:r>
+          </a:p>
+          <a:p>
+            <a:endParaRPr lang="en-US" dirty="0"/>
+          </a:p>
+        </p:txBody>
+      </p:sp>
+      <p:sp>
+        <p:nvSpPr>
+          <p:cNvPr id="4" name="Slide Number Placeholder 3"/>
+          <p:cNvSpPr>
+            <a:spLocks noGrp="1"/>
+          </p:cNvSpPr>
+          <p:nvPr>
+            <p:ph type="sldNum" sz="quarter" idx="10"/>
+          </p:nvPr>
+        </p:nvSpPr>
+        <p:spPr/>
+        <p:txBody>
+          <a:bodyPr/>
+          <a:lstStyle/>
+          <a:p>
+            <a:pPr>
+              <a:defRPr/>
+            </a:pPr>
+            <a:fld id="{DC3734AA-3150-D947-AC52-2F5DF48BFCD5}" type="slidenum">
+              <a:rPr lang="en-US" smtClean="0"/>
+              <a:pPr>
+                <a:defRPr/>
+              </a:pPr>
+              <a:t>21</a:t>
+            </a:fld>
+            <a:endParaRPr lang="en-US" dirty="0"/>
+          </a:p>
+        </p:txBody>
+      </p:sp>
+      <p:sp>
+        <p:nvSpPr>
+          <p:cNvPr id="5" name="Header Placeholder 4"/>
+          <p:cNvSpPr>
+            <a:spLocks noGrp="1"/>
+          </p:cNvSpPr>
+          <p:nvPr>
+            <p:ph type="hdr" sz="quarter" idx="11"/>
+          </p:nvPr>
+        </p:nvSpPr>
+        <p:spPr/>
+        <p:txBody>
+          <a:bodyPr/>
+          <a:lstStyle/>
+          <a:p>
+            <a:pPr>
+              <a:defRPr/>
+            </a:pPr>
+            <a:endParaRPr lang="en-US"/>
+          </a:p>
+        </p:txBody>
+      </p:sp>
+      <p:sp>
+        <p:nvSpPr>
+          <p:cNvPr id="6" name="Footer Placeholder 5"/>
+          <p:cNvSpPr>
+            <a:spLocks noGrp="1"/>
+          </p:cNvSpPr>
+          <p:nvPr>
+            <p:ph type="ftr" sz="quarter" idx="12"/>
+          </p:nvPr>
+        </p:nvSpPr>
+        <p:spPr/>
+        <p:txBody>
+          <a:bodyPr/>
+          <a:lstStyle/>
+          <a:p>
+            <a:pPr>
+              <a:defRPr/>
+            </a:pPr>
+            <a:endParaRPr lang="en-US"/>
+          </a:p>
+        </p:txBody>
+      </p:sp>
+    </p:spTree>
+    <p:extLst>
+      <p:ext uri="{BB962C8B-B14F-4D97-AF65-F5344CB8AC3E}">
+        <p14:creationId xmlns:p14="http://schemas.microsoft.com/office/powerpoint/2010/main" val="2076100887"/>
+      </p:ext>
+    </p:extLst>
+  </p:cSld>
+  <p:clrMapOvr>
+    <a:masterClrMapping/>
+  </p:clrMapOvr>
+</p:notes>
+</file>
+
+<file path=ppt/notesSlides/notesSlide12.xml><?xml version="1.0" encoding="utf-8"?>
+<p:notes xmlns:a="http://schemas.openxmlformats.org/drawingml/2006/main" xmlns:r="http://schemas.openxmlformats.org/officeDocument/2006/relationships" xmlns:p="http://schemas.openxmlformats.org/presentationml/2006/main">
+  <p:cSld>
+    <p:spTree>
+      <p:nvGrpSpPr>
+        <p:cNvPr id="1" name=""/>
+        <p:cNvGrpSpPr/>
+        <p:nvPr/>
+      </p:nvGrpSpPr>
+      <p:grpSpPr>
+        <a:xfrm>
+          <a:off x="0" y="0"/>
+          <a:ext cx="0" cy="0"/>
+          <a:chOff x="0" y="0"/>
+          <a:chExt cx="0" cy="0"/>
+        </a:xfrm>
+      </p:grpSpPr>
+      <p:sp>
+        <p:nvSpPr>
+          <p:cNvPr id="2" name="Slide Image Placeholder 1"/>
+          <p:cNvSpPr>
+            <a:spLocks noGrp="1" noRot="1" noChangeAspect="1"/>
+          </p:cNvSpPr>
+          <p:nvPr>
+            <p:ph type="sldImg"/>
+          </p:nvPr>
+        </p:nvSpPr>
+        <p:spPr/>
+      </p:sp>
+      <p:sp>
+        <p:nvSpPr>
+          <p:cNvPr id="3" name="Notes Placeholder 2"/>
+          <p:cNvSpPr>
+            <a:spLocks noGrp="1"/>
+          </p:cNvSpPr>
+          <p:nvPr>
+            <p:ph type="body" idx="1"/>
+          </p:nvPr>
+        </p:nvSpPr>
+        <p:spPr/>
+        <p:txBody>
+          <a:bodyPr/>
+          <a:lstStyle/>
+          <a:p>
+            <a:endParaRPr lang="en-US" dirty="0"/>
+          </a:p>
+        </p:txBody>
+      </p:sp>
+      <p:sp>
+        <p:nvSpPr>
+          <p:cNvPr id="4" name="Slide Number Placeholder 3"/>
+          <p:cNvSpPr>
+            <a:spLocks noGrp="1"/>
+          </p:cNvSpPr>
+          <p:nvPr>
+            <p:ph type="sldNum" sz="quarter" idx="10"/>
+          </p:nvPr>
+        </p:nvSpPr>
+        <p:spPr/>
+        <p:txBody>
+          <a:bodyPr/>
+          <a:lstStyle/>
+          <a:p>
+            <a:pPr>
+              <a:defRPr/>
+            </a:pPr>
+            <a:fld id="{DC3734AA-3150-D947-AC52-2F5DF48BFCD5}" type="slidenum">
+              <a:rPr lang="en-US" smtClean="0"/>
+              <a:pPr>
+                <a:defRPr/>
+              </a:pPr>
+              <a:t>22</a:t>
+            </a:fld>
+            <a:endParaRPr lang="en-US" dirty="0"/>
+          </a:p>
+        </p:txBody>
+      </p:sp>
+      <p:sp>
+        <p:nvSpPr>
+          <p:cNvPr id="5" name="Header Placeholder 4"/>
+          <p:cNvSpPr>
+            <a:spLocks noGrp="1"/>
+          </p:cNvSpPr>
+          <p:nvPr>
+            <p:ph type="hdr" sz="quarter" idx="11"/>
+          </p:nvPr>
+        </p:nvSpPr>
+        <p:spPr/>
+        <p:txBody>
+          <a:bodyPr/>
+          <a:lstStyle/>
+          <a:p>
+            <a:pPr>
+              <a:defRPr/>
+            </a:pPr>
+            <a:endParaRPr lang="en-US"/>
+          </a:p>
+        </p:txBody>
+      </p:sp>
+      <p:sp>
+        <p:nvSpPr>
+          <p:cNvPr id="6" name="Footer Placeholder 5"/>
+          <p:cNvSpPr>
+            <a:spLocks noGrp="1"/>
+          </p:cNvSpPr>
+          <p:nvPr>
+            <p:ph type="ftr" sz="quarter" idx="12"/>
+          </p:nvPr>
+        </p:nvSpPr>
+        <p:spPr/>
+        <p:txBody>
+          <a:bodyPr/>
+          <a:lstStyle/>
+          <a:p>
+            <a:pPr>
+              <a:defRPr/>
+            </a:pPr>
+            <a:endParaRPr lang="en-US"/>
+          </a:p>
+        </p:txBody>
+      </p:sp>
+    </p:spTree>
+    <p:extLst>
+      <p:ext uri="{BB962C8B-B14F-4D97-AF65-F5344CB8AC3E}">
+        <p14:creationId xmlns:p14="http://schemas.microsoft.com/office/powerpoint/2010/main" val="2361220506"/>
       </p:ext>
     </p:extLst>
   </p:cSld>
@@ -1057,53 +3287,6 @@
           <a:bodyPr/>
           <a:lstStyle/>
           <a:p>
-            <a:r>
-              <a:rPr lang="en-US" dirty="0" smtClean="0"/>
-              <a:t>This time distinction is important</a:t>
-            </a:r>
-            <a:r>
-              <a:rPr lang="en-US" baseline="0" dirty="0" smtClean="0"/>
-              <a:t> when scheduling scans or if viewing the compliance logs.</a:t>
-            </a:r>
-          </a:p>
-          <a:p>
-            <a:endParaRPr lang="en-US" baseline="0" dirty="0" smtClean="0"/>
-          </a:p>
-          <a:p>
-            <a:pPr marL="0" marR="0" indent="0" algn="l" defTabSz="1217613" rtl="0" eaLnBrk="1" fontAlgn="base" latinLnBrk="0" hangingPunct="1">
-              <a:lnSpc>
-                <a:spcPct val="90000"/>
-              </a:lnSpc>
-              <a:spcBef>
-                <a:spcPct val="30000"/>
-              </a:spcBef>
-              <a:spcAft>
-                <a:spcPts val="450"/>
-              </a:spcAft>
-              <a:buClrTx/>
-              <a:buSzTx/>
-              <a:buFontTx/>
-              <a:buNone/>
-              <a:tabLst/>
-              <a:defRPr/>
-            </a:pPr>
-            <a:r>
-              <a:rPr lang="en-US" dirty="0" smtClean="0"/>
-              <a:t>Instructor Note: As</a:t>
-            </a:r>
-            <a:r>
-              <a:rPr lang="en-US" baseline="0" dirty="0" smtClean="0"/>
-              <a:t> of this writing this slide is correct but it could be subject to change. Also, here is the `tail` command in case you want to demonstrate the logs as you set a scheduled scan: `</a:t>
-            </a:r>
-            <a:r>
-              <a:rPr lang="en-US" dirty="0" smtClean="0"/>
-              <a:t>sudo tail -f /var/log/chef-compliance/core/current`/</a:t>
-            </a:r>
-          </a:p>
-          <a:p>
-            <a:endParaRPr lang="en-US" dirty="0" smtClean="0"/>
-          </a:p>
-          <a:p>
             <a:endParaRPr lang="en-US" dirty="0"/>
           </a:p>
         </p:txBody>
@@ -1131,7 +3314,7 @@
               <a:pPr>
                 <a:defRPr/>
               </a:pPr>
-              <a:t>4</a:t>
+              <a:t>3</a:t>
             </a:fld>
             <a:endParaRPr lang="en-US" dirty="0"/>
           </a:p>
@@ -1184,7 +3367,7 @@
     </p:spTree>
     <p:extLst>
       <p:ext uri="{BB962C8B-B14F-4D97-AF65-F5344CB8AC3E}">
-        <p14:creationId xmlns:p14="http://schemas.microsoft.com/office/powerpoint/2010/main" val="2214351691"/>
+        <p14:creationId xmlns:p14="http://schemas.microsoft.com/office/powerpoint/2010/main" val="2506830153"/>
       </p:ext>
     </p:extLst>
   </p:cSld>
@@ -1240,8 +3423,94 @@
           <a:p>
             <a:r>
               <a:rPr lang="en-US" dirty="0" smtClean="0"/>
-              <a:t>TBD Delete button after click.</a:t>
-            </a:r>
+              <a:t>This time distinction is important</a:t>
+            </a:r>
+            <a:r>
+              <a:rPr lang="en-US" baseline="0" dirty="0" smtClean="0"/>
+              <a:t> when scheduling scans or if viewing the compliance logs.</a:t>
+            </a:r>
+          </a:p>
+          <a:p>
+            <a:endParaRPr lang="en-US" baseline="0" dirty="0" smtClean="0"/>
+          </a:p>
+          <a:p>
+            <a:pPr marL="0" marR="0" indent="0" algn="l" defTabSz="1217613" rtl="0" eaLnBrk="1" fontAlgn="base" latinLnBrk="0" hangingPunct="1">
+              <a:lnSpc>
+                <a:spcPct val="90000"/>
+              </a:lnSpc>
+              <a:spcBef>
+                <a:spcPct val="30000"/>
+              </a:spcBef>
+              <a:spcAft>
+                <a:spcPts val="450"/>
+              </a:spcAft>
+              <a:buClrTx/>
+              <a:buSzTx/>
+              <a:buFontTx/>
+              <a:buNone/>
+              <a:tabLst/>
+              <a:defRPr/>
+            </a:pPr>
+            <a:r>
+              <a:rPr lang="en-US" dirty="0" smtClean="0"/>
+              <a:t>Instructor Note: As</a:t>
+            </a:r>
+            <a:r>
+              <a:rPr lang="en-US" baseline="0" dirty="0" smtClean="0"/>
+              <a:t> of this writing this slide is correct but it could be subject to change. Also, here is the `tail` command in case you want to demonstrate the logs as you set a scheduled scan: `</a:t>
+            </a:r>
+            <a:r>
+              <a:rPr lang="en-US" dirty="0" smtClean="0"/>
+              <a:t>sudo tail -f /var/log/chef-compliance/core/current`/</a:t>
+            </a:r>
+          </a:p>
+          <a:p>
+            <a:pPr marL="0" marR="0" indent="0" algn="l" defTabSz="1217613" rtl="0" eaLnBrk="1" fontAlgn="base" latinLnBrk="0" hangingPunct="1">
+              <a:lnSpc>
+                <a:spcPct val="90000"/>
+              </a:lnSpc>
+              <a:spcBef>
+                <a:spcPct val="30000"/>
+              </a:spcBef>
+              <a:spcAft>
+                <a:spcPts val="450"/>
+              </a:spcAft>
+              <a:buClrTx/>
+              <a:buSzTx/>
+              <a:buFontTx/>
+              <a:buNone/>
+              <a:tabLst/>
+              <a:defRPr/>
+            </a:pPr>
+            <a:endParaRPr lang="en-US" dirty="0" smtClean="0"/>
+          </a:p>
+          <a:p>
+            <a:pPr marL="0" marR="0" indent="0" algn="l" defTabSz="1217613" rtl="0" eaLnBrk="1" fontAlgn="base" latinLnBrk="0" hangingPunct="1">
+              <a:lnSpc>
+                <a:spcPct val="90000"/>
+              </a:lnSpc>
+              <a:spcBef>
+                <a:spcPct val="30000"/>
+              </a:spcBef>
+              <a:spcAft>
+                <a:spcPts val="450"/>
+              </a:spcAft>
+              <a:buClrTx/>
+              <a:buSzTx/>
+              <a:buFontTx/>
+              <a:buNone/>
+              <a:tabLst/>
+              <a:defRPr/>
+            </a:pPr>
+            <a:r>
+              <a:rPr lang="en-US" dirty="0" smtClean="0"/>
+              <a:t>TBD: Demo this via a slide.</a:t>
+            </a:r>
+          </a:p>
+          <a:p>
+            <a:endParaRPr lang="en-US" dirty="0" smtClean="0"/>
+          </a:p>
+          <a:p>
             <a:endParaRPr lang="en-US" dirty="0"/>
           </a:p>
         </p:txBody>
@@ -1269,7 +3538,7 @@
               <a:pPr>
                 <a:defRPr/>
               </a:pPr>
-              <a:t>10</a:t>
+              <a:t>4</a:t>
             </a:fld>
             <a:endParaRPr lang="en-US" dirty="0"/>
           </a:p>
@@ -1322,7 +3591,7 @@
     </p:spTree>
     <p:extLst>
       <p:ext uri="{BB962C8B-B14F-4D97-AF65-F5344CB8AC3E}">
-        <p14:creationId xmlns:p14="http://schemas.microsoft.com/office/powerpoint/2010/main" val="3077080090"/>
+        <p14:creationId xmlns:p14="http://schemas.microsoft.com/office/powerpoint/2010/main" val="2214351691"/>
       </p:ext>
     </p:extLst>
   </p:cSld>
@@ -1378,19 +3647,7 @@
           <a:p>
             <a:r>
               <a:rPr lang="en-US" dirty="0" smtClean="0"/>
-              <a:t>Instructor Note: We</a:t>
-            </a:r>
-            <a:r>
-              <a:rPr lang="en-US" baseline="0" dirty="0" smtClean="0"/>
-              <a:t> recommend you show </a:t>
-            </a:r>
-            <a:r>
-              <a:rPr lang="en-US" baseline="0" smtClean="0"/>
-              <a:t>the class the </a:t>
-            </a:r>
-            <a:r>
-              <a:rPr lang="en-US" baseline="0" dirty="0" smtClean="0"/>
-              <a:t>available recurrence values in the UI at this time. </a:t>
+              <a:t>TBD Delete button after click.</a:t>
             </a:r>
             <a:endParaRPr lang="en-US" dirty="0"/>
           </a:p>
@@ -1419,7 +3676,7 @@
               <a:pPr>
                 <a:defRPr/>
               </a:pPr>
-              <a:t>14</a:t>
+              <a:t>10</a:t>
             </a:fld>
             <a:endParaRPr lang="en-US" dirty="0"/>
           </a:p>
@@ -1472,7 +3729,7 @@
     </p:spTree>
     <p:extLst>
       <p:ext uri="{BB962C8B-B14F-4D97-AF65-F5344CB8AC3E}">
-        <p14:creationId xmlns:p14="http://schemas.microsoft.com/office/powerpoint/2010/main" val="1630792651"/>
+        <p14:creationId xmlns:p14="http://schemas.microsoft.com/office/powerpoint/2010/main" val="3077080090"/>
       </p:ext>
     </p:extLst>
   </p:cSld>
@@ -1553,7 +3810,7 @@
               <a:pPr>
                 <a:defRPr/>
               </a:pPr>
-              <a:t>15</a:t>
+              <a:t>14</a:t>
             </a:fld>
             <a:endParaRPr lang="en-US" dirty="0"/>
           </a:p>
@@ -1606,7 +3863,7 @@
     </p:spTree>
     <p:extLst>
       <p:ext uri="{BB962C8B-B14F-4D97-AF65-F5344CB8AC3E}">
-        <p14:creationId xmlns:p14="http://schemas.microsoft.com/office/powerpoint/2010/main" val="156069988"/>
+        <p14:creationId xmlns:p14="http://schemas.microsoft.com/office/powerpoint/2010/main" val="1630792651"/>
       </p:ext>
     </p:extLst>
   </p:cSld>
@@ -1660,6 +3917,42 @@
           <a:bodyPr/>
           <a:lstStyle/>
           <a:p>
+            <a:pPr marL="0" marR="0" indent="0" algn="l" defTabSz="1217613" rtl="0" eaLnBrk="1" fontAlgn="base" latinLnBrk="0" hangingPunct="1">
+              <a:lnSpc>
+                <a:spcPct val="90000"/>
+              </a:lnSpc>
+              <a:spcBef>
+                <a:spcPct val="30000"/>
+              </a:spcBef>
+              <a:spcAft>
+                <a:spcPts val="450"/>
+              </a:spcAft>
+              <a:buClrTx/>
+              <a:buSzTx/>
+              <a:buFontTx/>
+              <a:buNone/>
+              <a:tabLst/>
+              <a:defRPr/>
+            </a:pPr>
+            <a:r>
+              <a:rPr lang="en-US" dirty="0" smtClean="0"/>
+              <a:t>Instructor Note: As this slide indicates, tailing the log files is not required but can be of interest to some users. In one scenario where it came in handy, a browser session to the Compliance Server</a:t>
+            </a:r>
+            <a:r>
+              <a:rPr lang="en-US" baseline="0" dirty="0" smtClean="0"/>
+              <a:t> got stale and would not schedule a scan. After tailing the log files and realizing the scan was not even being scheduled, the user refreshed the </a:t>
+            </a:r>
+            <a:r>
+              <a:rPr lang="en-US" dirty="0" smtClean="0"/>
+              <a:t>Compliance Server</a:t>
+            </a:r>
+            <a:r>
+              <a:rPr lang="en-US" baseline="0" dirty="0" smtClean="0"/>
+              <a:t>, logged in again, and the scan would properly schedule and run.</a:t>
+            </a:r>
+            <a:endParaRPr lang="en-US" dirty="0" smtClean="0"/>
+          </a:p>
+          <a:p>
             <a:endParaRPr lang="en-US" dirty="0"/>
           </a:p>
         </p:txBody>
@@ -1687,7 +3980,7 @@
               <a:pPr>
                 <a:defRPr/>
               </a:pPr>
-              <a:t>17</a:t>
+              <a:t>15</a:t>
             </a:fld>
             <a:endParaRPr lang="en-US" dirty="0"/>
           </a:p>
@@ -1740,7 +4033,7 @@
     </p:spTree>
     <p:extLst>
       <p:ext uri="{BB962C8B-B14F-4D97-AF65-F5344CB8AC3E}">
-        <p14:creationId xmlns:p14="http://schemas.microsoft.com/office/powerpoint/2010/main" val="950970001"/>
+        <p14:creationId xmlns:p14="http://schemas.microsoft.com/office/powerpoint/2010/main" val="2421445266"/>
       </p:ext>
     </p:extLst>
   </p:cSld>
@@ -1796,13 +4089,70 @@
           <a:p>
             <a:r>
               <a:rPr lang="en-US" dirty="0" smtClean="0"/>
-              <a:t>Instructor Note: This section is more of a placeholder for exporting Compliance reports after the PDF and Excel</a:t>
+              <a:t>The image on the left shows the user setting the next scheduled scan for 1:45 P.M.</a:t>
             </a:r>
             <a:r>
               <a:rPr lang="en-US" baseline="0" dirty="0" smtClean="0"/>
-              <a:t> methods are ready for release.</a:t>
-            </a:r>
-            <a:endParaRPr lang="en-US" dirty="0"/>
+              <a:t> local browser time.</a:t>
+            </a:r>
+          </a:p>
+          <a:p>
+            <a:endParaRPr lang="en-US" baseline="0" dirty="0" smtClean="0"/>
+          </a:p>
+          <a:p>
+            <a:pPr marL="0" marR="0" indent="0" algn="l" defTabSz="1217613" rtl="0" eaLnBrk="1" fontAlgn="base" latinLnBrk="0" hangingPunct="1">
+              <a:lnSpc>
+                <a:spcPct val="90000"/>
+              </a:lnSpc>
+              <a:spcBef>
+                <a:spcPct val="30000"/>
+              </a:spcBef>
+              <a:spcAft>
+                <a:spcPts val="450"/>
+              </a:spcAft>
+              <a:buClrTx/>
+              <a:buSzTx/>
+              <a:buFontTx/>
+              <a:buNone/>
+              <a:tabLst/>
+              <a:defRPr/>
+            </a:pPr>
+            <a:r>
+              <a:rPr lang="en-US" baseline="0" dirty="0" smtClean="0"/>
+              <a:t>The image on the right shows the output of `</a:t>
+            </a:r>
+            <a:r>
+              <a:rPr lang="en-US" dirty="0" smtClean="0"/>
+              <a:t>sudo tail -f /var/log/chef-compliance/core/current`</a:t>
+            </a:r>
+            <a:r>
+              <a:rPr lang="en-US" baseline="0" dirty="0"/>
+              <a:t> </a:t>
+            </a:r>
+            <a:r>
+              <a:rPr lang="en-US" baseline="0" dirty="0" smtClean="0"/>
+              <a:t>taken at the very same time as the scan was scheduled. Notice the log file timestamps are in UTC and the next schedule scan is set for </a:t>
+            </a:r>
+            <a:br>
+              <a:rPr lang="en-US" baseline="0" dirty="0" smtClean="0"/>
+            </a:br>
+            <a:r>
+              <a:rPr lang="en-US" baseline="0" dirty="0" smtClean="0"/>
+              <a:t>UTC: </a:t>
+            </a:r>
+            <a:r>
+              <a:rPr lang="en-US" sz="1200" b="1" dirty="0" smtClean="0"/>
+              <a:t>2016-01-12 21:45:00 </a:t>
+            </a:r>
+            <a:r>
+              <a:rPr lang="en-US" sz="1200" dirty="0" smtClean="0"/>
+              <a:t>+0000 UTC instead</a:t>
+            </a:r>
+            <a:r>
+              <a:rPr lang="en-US" sz="1200" baseline="0" dirty="0" smtClean="0"/>
+              <a:t> of the local browser time.</a:t>
+            </a:r>
+            <a:endParaRPr lang="en-US" dirty="0" smtClean="0"/>
           </a:p>
         </p:txBody>
       </p:sp>
@@ -1829,7 +4179,7 @@
               <a:pPr>
                 <a:defRPr/>
               </a:pPr>
-              <a:t>18</a:t>
+              <a:t>16</a:t>
             </a:fld>
             <a:endParaRPr lang="en-US" dirty="0"/>
           </a:p>
@@ -1882,7 +4232,7 @@
     </p:spTree>
     <p:extLst>
       <p:ext uri="{BB962C8B-B14F-4D97-AF65-F5344CB8AC3E}">
-        <p14:creationId xmlns:p14="http://schemas.microsoft.com/office/powerpoint/2010/main" val="1269756380"/>
+        <p14:creationId xmlns:p14="http://schemas.microsoft.com/office/powerpoint/2010/main" val="1606503175"/>
       </p:ext>
     </p:extLst>
   </p:cSld>
@@ -1933,1826 +4283,8 @@
         </p:nvSpPr>
         <p:spPr/>
         <p:txBody>
-          <a:bodyPr>
-            <a:normAutofit fontScale="25000" lnSpcReduction="20000"/>
-          </a:bodyPr>
+          <a:bodyPr/>
           <a:lstStyle/>
-          <a:p>
-            <a:r>
-              <a:rPr lang="en-US" dirty="0" smtClean="0">
-                <a:effectLst/>
-              </a:rPr>
-              <a:t>Hi Dominik....Is there a document that explains a use case for running scheduled scans?</a:t>
-            </a:r>
-            <a:r>
-              <a:rPr lang="en-US" i="1" dirty="0" smtClean="0">
-                <a:effectLst/>
-              </a:rPr>
-              <a:t/>
-            </a:r>
-            <a:br>
-              <a:rPr lang="en-US" i="1" dirty="0" smtClean="0">
-                <a:effectLst/>
-              </a:rPr>
-            </a:br>
-            <a:endParaRPr lang="en-US" dirty="0" smtClean="0">
-              <a:effectLst/>
-            </a:endParaRPr>
-          </a:p>
-          <a:p>
-            <a:r>
-              <a:rPr lang="en-US" sz="1200" u="none" strike="noStrike" kern="1200" dirty="0" smtClean="0">
-                <a:solidFill>
-                  <a:schemeClr val="tx1"/>
-                </a:solidFill>
-                <a:effectLst/>
-                <a:latin typeface="Arial" panose="020B0604020202020204" pitchFamily="34" charset="0"/>
-                <a:ea typeface="ＭＳ Ｐゴシック" charset="0"/>
-                <a:cs typeface="Arial" panose="020B0604020202020204" pitchFamily="34" charset="0"/>
-                <a:hlinkClick r:id="rId3" tooltip="Today at 9:31:29 AM&#10;Click to open in archives"/>
-              </a:rPr>
-              <a:t>​</a:t>
-            </a:r>
-            <a:r>
-              <a:rPr lang="en-US" sz="1200" i="1" u="none" strike="noStrike" kern="1200" dirty="0" smtClean="0">
-                <a:solidFill>
-                  <a:schemeClr val="tx1"/>
-                </a:solidFill>
-                <a:effectLst/>
-                <a:latin typeface="Arial" panose="020B0604020202020204" pitchFamily="34" charset="0"/>
-                <a:ea typeface="ＭＳ Ｐゴシック" charset="0"/>
-                <a:cs typeface="Arial" panose="020B0604020202020204" pitchFamily="34" charset="0"/>
-                <a:hlinkClick r:id="rId3" tooltip="Today at 9:31:29 AM&#10;Click to open in archives"/>
-              </a:rPr>
-              <a:t>[</a:t>
-            </a:r>
-            <a:r>
-              <a:rPr lang="en-US" sz="1200" u="none" strike="noStrike" kern="1200" dirty="0" smtClean="0">
-                <a:solidFill>
-                  <a:schemeClr val="tx1"/>
-                </a:solidFill>
-                <a:effectLst/>
-                <a:latin typeface="Arial" panose="020B0604020202020204" pitchFamily="34" charset="0"/>
-                <a:ea typeface="ＭＳ Ｐゴシック" charset="0"/>
-                <a:cs typeface="Arial" panose="020B0604020202020204" pitchFamily="34" charset="0"/>
-                <a:hlinkClick r:id="rId3" tooltip="Today at 9:31:29 AM&#10;Click to open in archives"/>
-              </a:rPr>
-              <a:t>9:31 AM</a:t>
-            </a:r>
-            <a:r>
-              <a:rPr lang="en-US" sz="1200" i="1" u="none" strike="noStrike" kern="1200" dirty="0" smtClean="0">
-                <a:solidFill>
-                  <a:schemeClr val="tx1"/>
-                </a:solidFill>
-                <a:effectLst/>
-                <a:latin typeface="Arial" panose="020B0604020202020204" pitchFamily="34" charset="0"/>
-                <a:ea typeface="ＭＳ Ｐゴシック" charset="0"/>
-                <a:cs typeface="Arial" panose="020B0604020202020204" pitchFamily="34" charset="0"/>
-                <a:hlinkClick r:id="rId3" tooltip="Today at 9:31:29 AM&#10;Click to open in archives"/>
-              </a:rPr>
-              <a:t>]</a:t>
-            </a:r>
-            <a:r>
-              <a:rPr lang="en-US" dirty="0" smtClean="0">
-                <a:effectLst/>
-              </a:rPr>
-              <a:t> </a:t>
-            </a:r>
-          </a:p>
-          <a:p>
-            <a:r>
-              <a:rPr lang="en-US" sz="1200" b="1" u="none" strike="noStrike" kern="1200" dirty="0" err="1" smtClean="0">
-                <a:solidFill>
-                  <a:schemeClr val="tx1"/>
-                </a:solidFill>
-                <a:effectLst/>
-                <a:latin typeface="Arial" panose="020B0604020202020204" pitchFamily="34" charset="0"/>
-                <a:ea typeface="ＭＳ Ｐゴシック" charset="0"/>
-                <a:cs typeface="Arial" panose="020B0604020202020204" pitchFamily="34" charset="0"/>
-                <a:hlinkClick r:id="rId4"/>
-              </a:rPr>
-              <a:t>dominik</a:t>
-            </a:r>
-            <a:r>
-              <a:rPr lang="en-US" dirty="0" smtClean="0">
-                <a:effectLst/>
-              </a:rPr>
-              <a:t> Not really right now :</a:t>
-            </a:r>
-            <a:r>
-              <a:rPr lang="en-US" dirty="0" err="1" smtClean="0">
-                <a:effectLst/>
-              </a:rPr>
-              <a:t>simple_smile</a:t>
-            </a:r>
-            <a:r>
-              <a:rPr lang="en-US" dirty="0" smtClean="0">
-                <a:effectLst/>
-              </a:rPr>
-              <a:t>: We have them included, but their functionality is still a bit limited in the UI. what are you interested in ?</a:t>
-            </a:r>
-            <a:r>
-              <a:rPr lang="en-US" i="1" dirty="0" smtClean="0">
-                <a:effectLst/>
-              </a:rPr>
-              <a:t/>
-            </a:r>
-            <a:br>
-              <a:rPr lang="en-US" i="1" dirty="0" smtClean="0">
-                <a:effectLst/>
-              </a:rPr>
-            </a:br>
-            <a:endParaRPr lang="en-US" dirty="0" smtClean="0">
-              <a:effectLst/>
-            </a:endParaRPr>
-          </a:p>
-          <a:p>
-            <a:r>
-              <a:rPr lang="en-US" sz="1200" u="none" strike="noStrike" kern="1200" dirty="0" smtClean="0">
-                <a:solidFill>
-                  <a:schemeClr val="tx1"/>
-                </a:solidFill>
-                <a:effectLst/>
-                <a:latin typeface="Arial" panose="020B0604020202020204" pitchFamily="34" charset="0"/>
-                <a:ea typeface="ＭＳ Ｐゴシック" charset="0"/>
-                <a:cs typeface="Arial" panose="020B0604020202020204" pitchFamily="34" charset="0"/>
-                <a:hlinkClick r:id="rId5"/>
-              </a:rPr>
-              <a:t>​</a:t>
-            </a:r>
-            <a:r>
-              <a:rPr lang="en-US" sz="1200" i="1" u="none" strike="noStrike" kern="1200" dirty="0" smtClean="0">
-                <a:solidFill>
-                  <a:schemeClr val="tx1"/>
-                </a:solidFill>
-                <a:effectLst/>
-                <a:latin typeface="Arial" panose="020B0604020202020204" pitchFamily="34" charset="0"/>
-                <a:ea typeface="ＭＳ Ｐゴシック" charset="0"/>
-                <a:cs typeface="Arial" panose="020B0604020202020204" pitchFamily="34" charset="0"/>
-                <a:hlinkClick r:id="rId5"/>
-              </a:rPr>
-              <a:t>[</a:t>
-            </a:r>
-            <a:r>
-              <a:rPr lang="en-US" sz="1200" u="none" strike="noStrike" kern="1200" dirty="0" smtClean="0">
-                <a:solidFill>
-                  <a:schemeClr val="tx1"/>
-                </a:solidFill>
-                <a:effectLst/>
-                <a:latin typeface="Arial" panose="020B0604020202020204" pitchFamily="34" charset="0"/>
-                <a:ea typeface="ＭＳ Ｐゴシック" charset="0"/>
-                <a:cs typeface="Arial" panose="020B0604020202020204" pitchFamily="34" charset="0"/>
-                <a:hlinkClick r:id="rId5"/>
-              </a:rPr>
-              <a:t>9:32 AM</a:t>
-            </a:r>
-            <a:r>
-              <a:rPr lang="en-US" sz="1200" i="1" u="none" strike="noStrike" kern="1200" dirty="0" smtClean="0">
-                <a:solidFill>
-                  <a:schemeClr val="tx1"/>
-                </a:solidFill>
-                <a:effectLst/>
-                <a:latin typeface="Arial" panose="020B0604020202020204" pitchFamily="34" charset="0"/>
-                <a:ea typeface="ＭＳ Ｐゴシック" charset="0"/>
-                <a:cs typeface="Arial" panose="020B0604020202020204" pitchFamily="34" charset="0"/>
-                <a:hlinkClick r:id="rId5"/>
-              </a:rPr>
-              <a:t>]</a:t>
-            </a:r>
-            <a:r>
-              <a:rPr lang="en-US" dirty="0" smtClean="0">
-                <a:effectLst/>
-              </a:rPr>
-              <a:t> </a:t>
-            </a:r>
-          </a:p>
-          <a:p>
-            <a:r>
-              <a:rPr lang="en-US" sz="1200" b="1" u="none" strike="noStrike" kern="1200" dirty="0" err="1" smtClean="0">
-                <a:solidFill>
-                  <a:schemeClr val="tx1"/>
-                </a:solidFill>
-                <a:effectLst/>
-                <a:latin typeface="Arial" panose="020B0604020202020204" pitchFamily="34" charset="0"/>
-                <a:ea typeface="ＭＳ Ｐゴシック" charset="0"/>
-                <a:cs typeface="Arial" panose="020B0604020202020204" pitchFamily="34" charset="0"/>
-                <a:hlinkClick r:id="rId6"/>
-              </a:rPr>
-              <a:t>steve_delfante</a:t>
-            </a:r>
-            <a:r>
-              <a:rPr lang="en-US" dirty="0" smtClean="0">
-                <a:effectLst/>
-              </a:rPr>
-              <a:t> I wrote a short lab on how to schedule scans and read the results but I gave no reason why someone would want to schedule a scan rather than do one on the fly.</a:t>
-            </a:r>
-            <a:r>
-              <a:rPr lang="en-US" sz="1200" kern="1200" dirty="0" smtClean="0">
-                <a:solidFill>
-                  <a:schemeClr val="tx1"/>
-                </a:solidFill>
-                <a:effectLst/>
-                <a:latin typeface="Arial" panose="020B0604020202020204" pitchFamily="34" charset="0"/>
-                <a:ea typeface="ＭＳ Ｐゴシック" charset="0"/>
-                <a:cs typeface="Arial" panose="020B0604020202020204" pitchFamily="34" charset="0"/>
-              </a:rPr>
-              <a:t>(edited)</a:t>
-            </a:r>
-            <a:r>
-              <a:rPr lang="en-US" i="1" dirty="0" smtClean="0">
-                <a:effectLst/>
-              </a:rPr>
-              <a:t/>
-            </a:r>
-            <a:br>
-              <a:rPr lang="en-US" i="1" dirty="0" smtClean="0">
-                <a:effectLst/>
-              </a:rPr>
-            </a:br>
-            <a:endParaRPr lang="en-US" dirty="0" smtClean="0">
-              <a:effectLst/>
-            </a:endParaRPr>
-          </a:p>
-          <a:p>
-            <a:r>
-              <a:rPr lang="en-US" sz="1200" u="none" strike="noStrike" kern="1200" dirty="0" smtClean="0">
-                <a:solidFill>
-                  <a:schemeClr val="tx1"/>
-                </a:solidFill>
-                <a:effectLst/>
-                <a:latin typeface="Arial" panose="020B0604020202020204" pitchFamily="34" charset="0"/>
-                <a:ea typeface="ＭＳ Ｐゴシック" charset="0"/>
-                <a:cs typeface="Arial" panose="020B0604020202020204" pitchFamily="34" charset="0"/>
-                <a:hlinkClick r:id="rId7"/>
-              </a:rPr>
-              <a:t>​</a:t>
-            </a:r>
-            <a:r>
-              <a:rPr lang="en-US" sz="1200" i="1" u="none" strike="noStrike" kern="1200" dirty="0" smtClean="0">
-                <a:solidFill>
-                  <a:schemeClr val="tx1"/>
-                </a:solidFill>
-                <a:effectLst/>
-                <a:latin typeface="Arial" panose="020B0604020202020204" pitchFamily="34" charset="0"/>
-                <a:ea typeface="ＭＳ Ｐゴシック" charset="0"/>
-                <a:cs typeface="Arial" panose="020B0604020202020204" pitchFamily="34" charset="0"/>
-                <a:hlinkClick r:id="rId7"/>
-              </a:rPr>
-              <a:t>[</a:t>
-            </a:r>
-            <a:r>
-              <a:rPr lang="en-US" sz="1200" u="none" strike="noStrike" kern="1200" dirty="0" smtClean="0">
-                <a:solidFill>
-                  <a:schemeClr val="tx1"/>
-                </a:solidFill>
-                <a:effectLst/>
-                <a:latin typeface="Arial" panose="020B0604020202020204" pitchFamily="34" charset="0"/>
-                <a:ea typeface="ＭＳ Ｐゴシック" charset="0"/>
-                <a:cs typeface="Arial" panose="020B0604020202020204" pitchFamily="34" charset="0"/>
-                <a:hlinkClick r:id="rId7"/>
-              </a:rPr>
-              <a:t>9:33 AM</a:t>
-            </a:r>
-            <a:r>
-              <a:rPr lang="en-US" sz="1200" i="1" u="none" strike="noStrike" kern="1200" dirty="0" smtClean="0">
-                <a:solidFill>
-                  <a:schemeClr val="tx1"/>
-                </a:solidFill>
-                <a:effectLst/>
-                <a:latin typeface="Arial" panose="020B0604020202020204" pitchFamily="34" charset="0"/>
-                <a:ea typeface="ＭＳ Ｐゴシック" charset="0"/>
-                <a:cs typeface="Arial" panose="020B0604020202020204" pitchFamily="34" charset="0"/>
-                <a:hlinkClick r:id="rId7"/>
-              </a:rPr>
-              <a:t>]</a:t>
-            </a:r>
-            <a:r>
-              <a:rPr lang="en-US" dirty="0" smtClean="0">
-                <a:effectLst/>
-              </a:rPr>
-              <a:t> </a:t>
-            </a:r>
-          </a:p>
-          <a:p>
-            <a:r>
-              <a:rPr lang="en-US" sz="1200" b="1" u="none" strike="noStrike" kern="1200" dirty="0" err="1" smtClean="0">
-                <a:solidFill>
-                  <a:schemeClr val="tx1"/>
-                </a:solidFill>
-                <a:effectLst/>
-                <a:latin typeface="Arial" panose="020B0604020202020204" pitchFamily="34" charset="0"/>
-                <a:ea typeface="ＭＳ Ｐゴシック" charset="0"/>
-                <a:cs typeface="Arial" panose="020B0604020202020204" pitchFamily="34" charset="0"/>
-                <a:hlinkClick r:id="rId4"/>
-              </a:rPr>
-              <a:t>dominik</a:t>
-            </a:r>
-            <a:r>
-              <a:rPr lang="en-US" dirty="0" smtClean="0">
-                <a:effectLst/>
-              </a:rPr>
-              <a:t> For example: Run a compliance scan every night on your whole infrastructure. Instead of pushing it off manually, you could ask chef compliance to do it for </a:t>
-            </a:r>
-            <a:r>
-              <a:rPr lang="en-US" dirty="0" err="1" smtClean="0">
-                <a:effectLst/>
-              </a:rPr>
-              <a:t>yoou</a:t>
-            </a:r>
-            <a:r>
-              <a:rPr lang="en-US" i="1" dirty="0" smtClean="0">
-                <a:effectLst/>
-              </a:rPr>
-              <a:t/>
-            </a:r>
-            <a:br>
-              <a:rPr lang="en-US" i="1" dirty="0" smtClean="0">
-                <a:effectLst/>
-              </a:rPr>
-            </a:br>
-            <a:endParaRPr lang="en-US" dirty="0" smtClean="0">
-              <a:effectLst/>
-            </a:endParaRPr>
-          </a:p>
-          <a:p>
-            <a:r>
-              <a:rPr lang="en-US" sz="1200" u="none" strike="noStrike" kern="1200" dirty="0" smtClean="0">
-                <a:solidFill>
-                  <a:schemeClr val="tx1"/>
-                </a:solidFill>
-                <a:effectLst/>
-                <a:latin typeface="Arial" panose="020B0604020202020204" pitchFamily="34" charset="0"/>
-                <a:ea typeface="ＭＳ Ｐゴシック" charset="0"/>
-                <a:cs typeface="Arial" panose="020B0604020202020204" pitchFamily="34" charset="0"/>
-                <a:hlinkClick r:id="rId8"/>
-              </a:rPr>
-              <a:t>​</a:t>
-            </a:r>
-            <a:r>
-              <a:rPr lang="en-US" sz="1200" i="1" u="none" strike="noStrike" kern="1200" dirty="0" smtClean="0">
-                <a:solidFill>
-                  <a:schemeClr val="tx1"/>
-                </a:solidFill>
-                <a:effectLst/>
-                <a:latin typeface="Arial" panose="020B0604020202020204" pitchFamily="34" charset="0"/>
-                <a:ea typeface="ＭＳ Ｐゴシック" charset="0"/>
-                <a:cs typeface="Arial" panose="020B0604020202020204" pitchFamily="34" charset="0"/>
-                <a:hlinkClick r:id="rId8"/>
-              </a:rPr>
-              <a:t>[</a:t>
-            </a:r>
-            <a:r>
-              <a:rPr lang="en-US" sz="1200" u="none" strike="noStrike" kern="1200" dirty="0" smtClean="0">
-                <a:solidFill>
-                  <a:schemeClr val="tx1"/>
-                </a:solidFill>
-                <a:effectLst/>
-                <a:latin typeface="Arial" panose="020B0604020202020204" pitchFamily="34" charset="0"/>
-                <a:ea typeface="ＭＳ Ｐゴシック" charset="0"/>
-                <a:cs typeface="Arial" panose="020B0604020202020204" pitchFamily="34" charset="0"/>
-                <a:hlinkClick r:id="rId8"/>
-              </a:rPr>
-              <a:t>9:33 AM</a:t>
-            </a:r>
-            <a:r>
-              <a:rPr lang="en-US" sz="1200" i="1" u="none" strike="noStrike" kern="1200" dirty="0" smtClean="0">
-                <a:solidFill>
-                  <a:schemeClr val="tx1"/>
-                </a:solidFill>
-                <a:effectLst/>
-                <a:latin typeface="Arial" panose="020B0604020202020204" pitchFamily="34" charset="0"/>
-                <a:ea typeface="ＭＳ Ｐゴシック" charset="0"/>
-                <a:cs typeface="Arial" panose="020B0604020202020204" pitchFamily="34" charset="0"/>
-                <a:hlinkClick r:id="rId8"/>
-              </a:rPr>
-              <a:t>]</a:t>
-            </a:r>
-            <a:r>
-              <a:rPr lang="en-US" dirty="0" smtClean="0">
-                <a:effectLst/>
-              </a:rPr>
-              <a:t> </a:t>
-            </a:r>
-          </a:p>
-          <a:p>
-            <a:r>
-              <a:rPr lang="en-US" dirty="0" smtClean="0">
-                <a:effectLst/>
-              </a:rPr>
-              <a:t>This would give you up to date information on a daily basis without interruptions in reporting.</a:t>
-            </a:r>
-            <a:r>
-              <a:rPr lang="en-US" i="1" dirty="0" smtClean="0">
-                <a:effectLst/>
-              </a:rPr>
-              <a:t/>
-            </a:r>
-            <a:br>
-              <a:rPr lang="en-US" i="1" dirty="0" smtClean="0">
-                <a:effectLst/>
-              </a:rPr>
-            </a:br>
-            <a:endParaRPr lang="en-US" dirty="0" smtClean="0">
-              <a:effectLst/>
-            </a:endParaRPr>
-          </a:p>
-          <a:p>
-            <a:r>
-              <a:rPr lang="en-US" sz="1200" u="none" strike="noStrike" kern="1200" dirty="0" smtClean="0">
-                <a:solidFill>
-                  <a:schemeClr val="tx1"/>
-                </a:solidFill>
-                <a:effectLst/>
-                <a:latin typeface="Arial" panose="020B0604020202020204" pitchFamily="34" charset="0"/>
-                <a:ea typeface="ＭＳ Ｐゴシック" charset="0"/>
-                <a:cs typeface="Arial" panose="020B0604020202020204" pitchFamily="34" charset="0"/>
-                <a:hlinkClick r:id="rId9" tooltip="Today at 9:33:45 AM&#10;Click to open in archives"/>
-              </a:rPr>
-              <a:t>​</a:t>
-            </a:r>
-            <a:r>
-              <a:rPr lang="en-US" sz="1200" i="1" u="none" strike="noStrike" kern="1200" dirty="0" smtClean="0">
-                <a:solidFill>
-                  <a:schemeClr val="tx1"/>
-                </a:solidFill>
-                <a:effectLst/>
-                <a:latin typeface="Arial" panose="020B0604020202020204" pitchFamily="34" charset="0"/>
-                <a:ea typeface="ＭＳ Ｐゴシック" charset="0"/>
-                <a:cs typeface="Arial" panose="020B0604020202020204" pitchFamily="34" charset="0"/>
-                <a:hlinkClick r:id="rId9" tooltip="Today at 9:33:45 AM&#10;Click to open in archives"/>
-              </a:rPr>
-              <a:t>[</a:t>
-            </a:r>
-            <a:r>
-              <a:rPr lang="en-US" sz="1200" u="none" strike="noStrike" kern="1200" dirty="0" smtClean="0">
-                <a:solidFill>
-                  <a:schemeClr val="tx1"/>
-                </a:solidFill>
-                <a:effectLst/>
-                <a:latin typeface="Arial" panose="020B0604020202020204" pitchFamily="34" charset="0"/>
-                <a:ea typeface="ＭＳ Ｐゴシック" charset="0"/>
-                <a:cs typeface="Arial" panose="020B0604020202020204" pitchFamily="34" charset="0"/>
-                <a:hlinkClick r:id="rId9" tooltip="Today at 9:33:45 AM&#10;Click to open in archives"/>
-              </a:rPr>
-              <a:t>9:33 AM</a:t>
-            </a:r>
-            <a:r>
-              <a:rPr lang="en-US" sz="1200" i="1" u="none" strike="noStrike" kern="1200" dirty="0" smtClean="0">
-                <a:solidFill>
-                  <a:schemeClr val="tx1"/>
-                </a:solidFill>
-                <a:effectLst/>
-                <a:latin typeface="Arial" panose="020B0604020202020204" pitchFamily="34" charset="0"/>
-                <a:ea typeface="ＭＳ Ｐゴシック" charset="0"/>
-                <a:cs typeface="Arial" panose="020B0604020202020204" pitchFamily="34" charset="0"/>
-                <a:hlinkClick r:id="rId9" tooltip="Today at 9:33:45 AM&#10;Click to open in archives"/>
-              </a:rPr>
-              <a:t>]</a:t>
-            </a:r>
-            <a:r>
-              <a:rPr lang="en-US" dirty="0" smtClean="0">
-                <a:effectLst/>
-              </a:rPr>
-              <a:t> </a:t>
-            </a:r>
-          </a:p>
-          <a:p>
-            <a:r>
-              <a:rPr lang="en-US" sz="1200" b="1" u="none" strike="noStrike" kern="1200" dirty="0" err="1" smtClean="0">
-                <a:solidFill>
-                  <a:schemeClr val="tx1"/>
-                </a:solidFill>
-                <a:effectLst/>
-                <a:latin typeface="Arial" panose="020B0604020202020204" pitchFamily="34" charset="0"/>
-                <a:ea typeface="ＭＳ Ｐゴシック" charset="0"/>
-                <a:cs typeface="Arial" panose="020B0604020202020204" pitchFamily="34" charset="0"/>
-                <a:hlinkClick r:id="rId6"/>
-              </a:rPr>
-              <a:t>steve_delfante</a:t>
-            </a:r>
-            <a:r>
-              <a:rPr lang="en-US" dirty="0" smtClean="0">
-                <a:effectLst/>
-              </a:rPr>
-              <a:t> OK, because nodes cold fall out of compliance due to updates others may have made </a:t>
-            </a:r>
-            <a:r>
-              <a:rPr lang="en-US" dirty="0" err="1" smtClean="0">
-                <a:effectLst/>
-              </a:rPr>
-              <a:t>throught</a:t>
-            </a:r>
-            <a:r>
-              <a:rPr lang="en-US" dirty="0" smtClean="0">
-                <a:effectLst/>
-              </a:rPr>
-              <a:t> the day?</a:t>
-            </a:r>
-            <a:r>
-              <a:rPr lang="en-US" i="1" dirty="0" smtClean="0">
-                <a:effectLst/>
-              </a:rPr>
-              <a:t/>
-            </a:r>
-            <a:br>
-              <a:rPr lang="en-US" i="1" dirty="0" smtClean="0">
-                <a:effectLst/>
-              </a:rPr>
-            </a:br>
-            <a:endParaRPr lang="en-US" dirty="0" smtClean="0">
-              <a:effectLst/>
-            </a:endParaRPr>
-          </a:p>
-          <a:p>
-            <a:r>
-              <a:rPr lang="en-US" sz="1200" u="none" strike="noStrike" kern="1200" dirty="0" smtClean="0">
-                <a:solidFill>
-                  <a:schemeClr val="tx1"/>
-                </a:solidFill>
-                <a:effectLst/>
-                <a:latin typeface="Arial" panose="020B0604020202020204" pitchFamily="34" charset="0"/>
-                <a:ea typeface="ＭＳ Ｐゴシック" charset="0"/>
-                <a:cs typeface="Arial" panose="020B0604020202020204" pitchFamily="34" charset="0"/>
-                <a:hlinkClick r:id="rId10" tooltip="Today at 9:34:40 AM&#10;Click to open in archives"/>
-              </a:rPr>
-              <a:t>​</a:t>
-            </a:r>
-            <a:r>
-              <a:rPr lang="en-US" sz="1200" i="1" u="none" strike="noStrike" kern="1200" dirty="0" smtClean="0">
-                <a:solidFill>
-                  <a:schemeClr val="tx1"/>
-                </a:solidFill>
-                <a:effectLst/>
-                <a:latin typeface="Arial" panose="020B0604020202020204" pitchFamily="34" charset="0"/>
-                <a:ea typeface="ＭＳ Ｐゴシック" charset="0"/>
-                <a:cs typeface="Arial" panose="020B0604020202020204" pitchFamily="34" charset="0"/>
-                <a:hlinkClick r:id="rId10" tooltip="Today at 9:34:40 AM&#10;Click to open in archives"/>
-              </a:rPr>
-              <a:t>[</a:t>
-            </a:r>
-            <a:r>
-              <a:rPr lang="en-US" sz="1200" u="none" strike="noStrike" kern="1200" dirty="0" smtClean="0">
-                <a:solidFill>
-                  <a:schemeClr val="tx1"/>
-                </a:solidFill>
-                <a:effectLst/>
-                <a:latin typeface="Arial" panose="020B0604020202020204" pitchFamily="34" charset="0"/>
-                <a:ea typeface="ＭＳ Ｐゴシック" charset="0"/>
-                <a:cs typeface="Arial" panose="020B0604020202020204" pitchFamily="34" charset="0"/>
-                <a:hlinkClick r:id="rId10" tooltip="Today at 9:34:40 AM&#10;Click to open in archives"/>
-              </a:rPr>
-              <a:t>9:34 AM</a:t>
-            </a:r>
-            <a:r>
-              <a:rPr lang="en-US" sz="1200" i="1" u="none" strike="noStrike" kern="1200" dirty="0" smtClean="0">
-                <a:solidFill>
-                  <a:schemeClr val="tx1"/>
-                </a:solidFill>
-                <a:effectLst/>
-                <a:latin typeface="Arial" panose="020B0604020202020204" pitchFamily="34" charset="0"/>
-                <a:ea typeface="ＭＳ Ｐゴシック" charset="0"/>
-                <a:cs typeface="Arial" panose="020B0604020202020204" pitchFamily="34" charset="0"/>
-                <a:hlinkClick r:id="rId10" tooltip="Today at 9:34:40 AM&#10;Click to open in archives"/>
-              </a:rPr>
-              <a:t>]</a:t>
-            </a:r>
-            <a:r>
-              <a:rPr lang="en-US" dirty="0" smtClean="0">
-                <a:effectLst/>
-              </a:rPr>
-              <a:t> </a:t>
-            </a:r>
-          </a:p>
-          <a:p>
-            <a:r>
-              <a:rPr lang="en-US" sz="1200" b="1" u="none" strike="noStrike" kern="1200" dirty="0" err="1" smtClean="0">
-                <a:solidFill>
-                  <a:schemeClr val="tx1"/>
-                </a:solidFill>
-                <a:effectLst/>
-                <a:latin typeface="Arial" panose="020B0604020202020204" pitchFamily="34" charset="0"/>
-                <a:ea typeface="ＭＳ Ｐゴシック" charset="0"/>
-                <a:cs typeface="Arial" panose="020B0604020202020204" pitchFamily="34" charset="0"/>
-                <a:hlinkClick r:id="rId4"/>
-              </a:rPr>
-              <a:t>dominik</a:t>
-            </a:r>
-            <a:r>
-              <a:rPr lang="en-US" dirty="0" smtClean="0">
-                <a:effectLst/>
-              </a:rPr>
-              <a:t> for example; or if you had changed your chef automation and something went wrong (because you didn’t use delivery to verify </a:t>
-            </a:r>
-            <a:r>
-              <a:rPr lang="en-US" dirty="0" err="1" smtClean="0">
-                <a:effectLst/>
-              </a:rPr>
-              <a:t>compiance</a:t>
-            </a:r>
-            <a:r>
-              <a:rPr lang="en-US" dirty="0" smtClean="0">
-                <a:effectLst/>
-              </a:rPr>
-              <a:t> of your changes)</a:t>
-            </a:r>
-            <a:r>
-              <a:rPr lang="en-US" i="1" dirty="0" smtClean="0">
-                <a:effectLst/>
-              </a:rPr>
-              <a:t/>
-            </a:r>
-            <a:br>
-              <a:rPr lang="en-US" i="1" dirty="0" smtClean="0">
-                <a:effectLst/>
-              </a:rPr>
-            </a:br>
-            <a:endParaRPr lang="en-US" dirty="0" smtClean="0">
-              <a:effectLst/>
-            </a:endParaRPr>
-          </a:p>
-          <a:p>
-            <a:r>
-              <a:rPr lang="en-US" sz="1200" u="none" strike="noStrike" kern="1200" dirty="0" smtClean="0">
-                <a:solidFill>
-                  <a:schemeClr val="tx1"/>
-                </a:solidFill>
-                <a:effectLst/>
-                <a:latin typeface="Arial" panose="020B0604020202020204" pitchFamily="34" charset="0"/>
-                <a:ea typeface="ＭＳ Ｐゴシック" charset="0"/>
-                <a:cs typeface="Arial" panose="020B0604020202020204" pitchFamily="34" charset="0"/>
-                <a:hlinkClick r:id="rId11" tooltip="Today at 9:35:57 AM&#10;Click to open in archives"/>
-              </a:rPr>
-              <a:t>​</a:t>
-            </a:r>
-            <a:r>
-              <a:rPr lang="en-US" sz="1200" i="1" u="none" strike="noStrike" kern="1200" dirty="0" smtClean="0">
-                <a:solidFill>
-                  <a:schemeClr val="tx1"/>
-                </a:solidFill>
-                <a:effectLst/>
-                <a:latin typeface="Arial" panose="020B0604020202020204" pitchFamily="34" charset="0"/>
-                <a:ea typeface="ＭＳ Ｐゴシック" charset="0"/>
-                <a:cs typeface="Arial" panose="020B0604020202020204" pitchFamily="34" charset="0"/>
-                <a:hlinkClick r:id="rId11" tooltip="Today at 9:35:57 AM&#10;Click to open in archives"/>
-              </a:rPr>
-              <a:t>[</a:t>
-            </a:r>
-            <a:r>
-              <a:rPr lang="en-US" sz="1200" u="none" strike="noStrike" kern="1200" dirty="0" smtClean="0">
-                <a:solidFill>
-                  <a:schemeClr val="tx1"/>
-                </a:solidFill>
-                <a:effectLst/>
-                <a:latin typeface="Arial" panose="020B0604020202020204" pitchFamily="34" charset="0"/>
-                <a:ea typeface="ＭＳ Ｐゴシック" charset="0"/>
-                <a:cs typeface="Arial" panose="020B0604020202020204" pitchFamily="34" charset="0"/>
-                <a:hlinkClick r:id="rId11" tooltip="Today at 9:35:57 AM&#10;Click to open in archives"/>
-              </a:rPr>
-              <a:t>9:35 AM</a:t>
-            </a:r>
-            <a:r>
-              <a:rPr lang="en-US" sz="1200" i="1" u="none" strike="noStrike" kern="1200" dirty="0" smtClean="0">
-                <a:solidFill>
-                  <a:schemeClr val="tx1"/>
-                </a:solidFill>
-                <a:effectLst/>
-                <a:latin typeface="Arial" panose="020B0604020202020204" pitchFamily="34" charset="0"/>
-                <a:ea typeface="ＭＳ Ｐゴシック" charset="0"/>
-                <a:cs typeface="Arial" panose="020B0604020202020204" pitchFamily="34" charset="0"/>
-                <a:hlinkClick r:id="rId11" tooltip="Today at 9:35:57 AM&#10;Click to open in archives"/>
-              </a:rPr>
-              <a:t>]</a:t>
-            </a:r>
-            <a:r>
-              <a:rPr lang="en-US" dirty="0" smtClean="0">
-                <a:effectLst/>
-              </a:rPr>
-              <a:t> </a:t>
-            </a:r>
-          </a:p>
-          <a:p>
-            <a:r>
-              <a:rPr lang="en-US" dirty="0" smtClean="0">
-                <a:effectLst/>
-              </a:rPr>
-              <a:t>or if any component was changed, that you didn’t yet explicitly manage through chef; for example: have telnet listen on </a:t>
-            </a:r>
-            <a:r>
-              <a:rPr lang="en-US" dirty="0" err="1" smtClean="0">
-                <a:effectLst/>
-              </a:rPr>
-              <a:t>tcp</a:t>
-            </a:r>
-            <a:r>
-              <a:rPr lang="en-US" dirty="0" smtClean="0">
-                <a:effectLst/>
-              </a:rPr>
-              <a:t> for some reason you didn’t expect; apart from uninstalling telnet through chef, we don’t tend to write cookbooks for negative cases :wink: so that’s a great example for compliance</a:t>
-            </a:r>
-            <a:r>
-              <a:rPr lang="en-US" i="1" dirty="0" smtClean="0">
-                <a:effectLst/>
-              </a:rPr>
-              <a:t/>
-            </a:r>
-            <a:br>
-              <a:rPr lang="en-US" i="1" dirty="0" smtClean="0">
-                <a:effectLst/>
-              </a:rPr>
-            </a:br>
-            <a:endParaRPr lang="en-US" dirty="0" smtClean="0">
-              <a:effectLst/>
-            </a:endParaRPr>
-          </a:p>
-          <a:p>
-            <a:r>
-              <a:rPr lang="en-US" sz="1200" u="none" strike="noStrike" kern="1200" dirty="0" smtClean="0">
-                <a:solidFill>
-                  <a:schemeClr val="tx1"/>
-                </a:solidFill>
-                <a:effectLst/>
-                <a:latin typeface="Arial" panose="020B0604020202020204" pitchFamily="34" charset="0"/>
-                <a:ea typeface="ＭＳ Ｐゴシック" charset="0"/>
-                <a:cs typeface="Arial" panose="020B0604020202020204" pitchFamily="34" charset="0"/>
-                <a:hlinkClick r:id="rId12" tooltip="Today at 9:36:14 AM&#10;Click to open in archives"/>
-              </a:rPr>
-              <a:t>​</a:t>
-            </a:r>
-            <a:r>
-              <a:rPr lang="en-US" sz="1200" i="1" u="none" strike="noStrike" kern="1200" dirty="0" smtClean="0">
-                <a:solidFill>
-                  <a:schemeClr val="tx1"/>
-                </a:solidFill>
-                <a:effectLst/>
-                <a:latin typeface="Arial" panose="020B0604020202020204" pitchFamily="34" charset="0"/>
-                <a:ea typeface="ＭＳ Ｐゴシック" charset="0"/>
-                <a:cs typeface="Arial" panose="020B0604020202020204" pitchFamily="34" charset="0"/>
-                <a:hlinkClick r:id="rId12" tooltip="Today at 9:36:14 AM&#10;Click to open in archives"/>
-              </a:rPr>
-              <a:t>[</a:t>
-            </a:r>
-            <a:r>
-              <a:rPr lang="en-US" sz="1200" u="none" strike="noStrike" kern="1200" dirty="0" smtClean="0">
-                <a:solidFill>
-                  <a:schemeClr val="tx1"/>
-                </a:solidFill>
-                <a:effectLst/>
-                <a:latin typeface="Arial" panose="020B0604020202020204" pitchFamily="34" charset="0"/>
-                <a:ea typeface="ＭＳ Ｐゴシック" charset="0"/>
-                <a:cs typeface="Arial" panose="020B0604020202020204" pitchFamily="34" charset="0"/>
-                <a:hlinkClick r:id="rId12" tooltip="Today at 9:36:14 AM&#10;Click to open in archives"/>
-              </a:rPr>
-              <a:t>9:36 AM</a:t>
-            </a:r>
-            <a:r>
-              <a:rPr lang="en-US" sz="1200" i="1" u="none" strike="noStrike" kern="1200" dirty="0" smtClean="0">
-                <a:solidFill>
-                  <a:schemeClr val="tx1"/>
-                </a:solidFill>
-                <a:effectLst/>
-                <a:latin typeface="Arial" panose="020B0604020202020204" pitchFamily="34" charset="0"/>
-                <a:ea typeface="ＭＳ Ｐゴシック" charset="0"/>
-                <a:cs typeface="Arial" panose="020B0604020202020204" pitchFamily="34" charset="0"/>
-                <a:hlinkClick r:id="rId12" tooltip="Today at 9:36:14 AM&#10;Click to open in archives"/>
-              </a:rPr>
-              <a:t>]</a:t>
-            </a:r>
-            <a:r>
-              <a:rPr lang="en-US" dirty="0" smtClean="0">
-                <a:effectLst/>
-              </a:rPr>
-              <a:t> </a:t>
-            </a:r>
-          </a:p>
-          <a:p>
-            <a:r>
-              <a:rPr lang="en-US" sz="1200" b="1" u="none" strike="noStrike" kern="1200" dirty="0" err="1" smtClean="0">
-                <a:solidFill>
-                  <a:schemeClr val="tx1"/>
-                </a:solidFill>
-                <a:effectLst/>
-                <a:latin typeface="Arial" panose="020B0604020202020204" pitchFamily="34" charset="0"/>
-                <a:ea typeface="ＭＳ Ｐゴシック" charset="0"/>
-                <a:cs typeface="Arial" panose="020B0604020202020204" pitchFamily="34" charset="0"/>
-                <a:hlinkClick r:id="rId6"/>
-              </a:rPr>
-              <a:t>steve_delfante</a:t>
-            </a:r>
-            <a:r>
-              <a:rPr lang="en-US" dirty="0" smtClean="0">
-                <a:effectLst/>
-              </a:rPr>
-              <a:t> Cool. thanks!</a:t>
-            </a:r>
-            <a:r>
-              <a:rPr lang="en-US" i="1" dirty="0" smtClean="0">
-                <a:effectLst/>
-              </a:rPr>
-              <a:t/>
-            </a:r>
-            <a:br>
-              <a:rPr lang="en-US" i="1" dirty="0" smtClean="0">
-                <a:effectLst/>
-              </a:rPr>
-            </a:br>
-            <a:endParaRPr lang="en-US" dirty="0" smtClean="0">
-              <a:effectLst/>
-            </a:endParaRPr>
-          </a:p>
-          <a:p>
-            <a:r>
-              <a:rPr lang="en-US" sz="1200" u="none" strike="noStrike" kern="1200" dirty="0" smtClean="0">
-                <a:solidFill>
-                  <a:schemeClr val="tx1"/>
-                </a:solidFill>
-                <a:effectLst/>
-                <a:latin typeface="Arial" panose="020B0604020202020204" pitchFamily="34" charset="0"/>
-                <a:ea typeface="ＭＳ Ｐゴシック" charset="0"/>
-                <a:cs typeface="Arial" panose="020B0604020202020204" pitchFamily="34" charset="0"/>
-                <a:hlinkClick r:id="rId13"/>
-              </a:rPr>
-              <a:t>​</a:t>
-            </a:r>
-            <a:r>
-              <a:rPr lang="en-US" sz="1200" i="1" u="none" strike="noStrike" kern="1200" dirty="0" smtClean="0">
-                <a:solidFill>
-                  <a:schemeClr val="tx1"/>
-                </a:solidFill>
-                <a:effectLst/>
-                <a:latin typeface="Arial" panose="020B0604020202020204" pitchFamily="34" charset="0"/>
-                <a:ea typeface="ＭＳ Ｐゴシック" charset="0"/>
-                <a:cs typeface="Arial" panose="020B0604020202020204" pitchFamily="34" charset="0"/>
-                <a:hlinkClick r:id="rId13"/>
-              </a:rPr>
-              <a:t>[</a:t>
-            </a:r>
-            <a:r>
-              <a:rPr lang="en-US" sz="1200" u="none" strike="noStrike" kern="1200" dirty="0" smtClean="0">
-                <a:solidFill>
-                  <a:schemeClr val="tx1"/>
-                </a:solidFill>
-                <a:effectLst/>
-                <a:latin typeface="Arial" panose="020B0604020202020204" pitchFamily="34" charset="0"/>
-                <a:ea typeface="ＭＳ Ｐゴシック" charset="0"/>
-                <a:cs typeface="Arial" panose="020B0604020202020204" pitchFamily="34" charset="0"/>
-                <a:hlinkClick r:id="rId13"/>
-              </a:rPr>
-              <a:t>9:36 AM</a:t>
-            </a:r>
-            <a:r>
-              <a:rPr lang="en-US" sz="1200" i="1" u="none" strike="noStrike" kern="1200" dirty="0" smtClean="0">
-                <a:solidFill>
-                  <a:schemeClr val="tx1"/>
-                </a:solidFill>
-                <a:effectLst/>
-                <a:latin typeface="Arial" panose="020B0604020202020204" pitchFamily="34" charset="0"/>
-                <a:ea typeface="ＭＳ Ｐゴシック" charset="0"/>
-                <a:cs typeface="Arial" panose="020B0604020202020204" pitchFamily="34" charset="0"/>
-                <a:hlinkClick r:id="rId13"/>
-              </a:rPr>
-              <a:t>]</a:t>
-            </a:r>
-            <a:r>
-              <a:rPr lang="en-US" dirty="0" smtClean="0">
-                <a:effectLst/>
-              </a:rPr>
-              <a:t> </a:t>
-            </a:r>
-          </a:p>
-          <a:p>
-            <a:r>
-              <a:rPr lang="en-US" dirty="0" smtClean="0">
-                <a:effectLst/>
-              </a:rPr>
-              <a:t>One more question for now please....</a:t>
-            </a:r>
-            <a:r>
-              <a:rPr lang="en-US" i="1" dirty="0" smtClean="0">
-                <a:effectLst/>
-              </a:rPr>
-              <a:t/>
-            </a:r>
-            <a:br>
-              <a:rPr lang="en-US" i="1" dirty="0" smtClean="0">
-                <a:effectLst/>
-              </a:rPr>
-            </a:br>
-            <a:endParaRPr lang="en-US" dirty="0" smtClean="0">
-              <a:effectLst/>
-            </a:endParaRPr>
-          </a:p>
-          <a:p>
-            <a:r>
-              <a:rPr lang="en-US" sz="1200" u="none" strike="noStrike" kern="1200" dirty="0" smtClean="0">
-                <a:solidFill>
-                  <a:schemeClr val="tx1"/>
-                </a:solidFill>
-                <a:effectLst/>
-                <a:latin typeface="Arial" panose="020B0604020202020204" pitchFamily="34" charset="0"/>
-                <a:ea typeface="ＭＳ Ｐゴシック" charset="0"/>
-                <a:cs typeface="Arial" panose="020B0604020202020204" pitchFamily="34" charset="0"/>
-                <a:hlinkClick r:id="rId14" tooltip="Today at 9:37:33 AM&#10;Click to open in archives"/>
-              </a:rPr>
-              <a:t>​</a:t>
-            </a:r>
-            <a:r>
-              <a:rPr lang="en-US" sz="1200" i="1" u="none" strike="noStrike" kern="1200" dirty="0" smtClean="0">
-                <a:solidFill>
-                  <a:schemeClr val="tx1"/>
-                </a:solidFill>
-                <a:effectLst/>
-                <a:latin typeface="Arial" panose="020B0604020202020204" pitchFamily="34" charset="0"/>
-                <a:ea typeface="ＭＳ Ｐゴシック" charset="0"/>
-                <a:cs typeface="Arial" panose="020B0604020202020204" pitchFamily="34" charset="0"/>
-                <a:hlinkClick r:id="rId14" tooltip="Today at 9:37:33 AM&#10;Click to open in archives"/>
-              </a:rPr>
-              <a:t>[</a:t>
-            </a:r>
-            <a:r>
-              <a:rPr lang="en-US" sz="1200" u="none" strike="noStrike" kern="1200" dirty="0" smtClean="0">
-                <a:solidFill>
-                  <a:schemeClr val="tx1"/>
-                </a:solidFill>
-                <a:effectLst/>
-                <a:latin typeface="Arial" panose="020B0604020202020204" pitchFamily="34" charset="0"/>
-                <a:ea typeface="ＭＳ Ｐゴシック" charset="0"/>
-                <a:cs typeface="Arial" panose="020B0604020202020204" pitchFamily="34" charset="0"/>
-                <a:hlinkClick r:id="rId14" tooltip="Today at 9:37:33 AM&#10;Click to open in archives"/>
-              </a:rPr>
-              <a:t>9:37 AM</a:t>
-            </a:r>
-            <a:r>
-              <a:rPr lang="en-US" sz="1200" i="1" u="none" strike="noStrike" kern="1200" dirty="0" smtClean="0">
-                <a:solidFill>
-                  <a:schemeClr val="tx1"/>
-                </a:solidFill>
-                <a:effectLst/>
-                <a:latin typeface="Arial" panose="020B0604020202020204" pitchFamily="34" charset="0"/>
-                <a:ea typeface="ＭＳ Ｐゴシック" charset="0"/>
-                <a:cs typeface="Arial" panose="020B0604020202020204" pitchFamily="34" charset="0"/>
-                <a:hlinkClick r:id="rId14" tooltip="Today at 9:37:33 AM&#10;Click to open in archives"/>
-              </a:rPr>
-              <a:t>]</a:t>
-            </a:r>
-            <a:r>
-              <a:rPr lang="en-US" dirty="0" smtClean="0">
-                <a:effectLst/>
-              </a:rPr>
-              <a:t> </a:t>
-            </a:r>
-          </a:p>
-          <a:p>
-            <a:r>
-              <a:rPr lang="en-US" dirty="0" smtClean="0">
-                <a:effectLst/>
-              </a:rPr>
-              <a:t>Is there going to be a way to export  reports or do we only have people view results live?</a:t>
-            </a:r>
-            <a:r>
-              <a:rPr lang="en-US" i="1" dirty="0" smtClean="0">
-                <a:effectLst/>
-              </a:rPr>
-              <a:t/>
-            </a:r>
-            <a:br>
-              <a:rPr lang="en-US" i="1" dirty="0" smtClean="0">
-                <a:effectLst/>
-              </a:rPr>
-            </a:br>
-            <a:endParaRPr lang="en-US" dirty="0" smtClean="0">
-              <a:effectLst/>
-            </a:endParaRPr>
-          </a:p>
-          <a:p>
-            <a:r>
-              <a:rPr lang="en-US" sz="1200" u="none" strike="noStrike" kern="1200" dirty="0" smtClean="0">
-                <a:solidFill>
-                  <a:schemeClr val="tx1"/>
-                </a:solidFill>
-                <a:effectLst/>
-                <a:latin typeface="Arial" panose="020B0604020202020204" pitchFamily="34" charset="0"/>
-                <a:ea typeface="ＭＳ Ｐゴシック" charset="0"/>
-                <a:cs typeface="Arial" panose="020B0604020202020204" pitchFamily="34" charset="0"/>
-                <a:hlinkClick r:id="rId15"/>
-              </a:rPr>
-              <a:t>​</a:t>
-            </a:r>
-            <a:r>
-              <a:rPr lang="en-US" sz="1200" i="1" u="none" strike="noStrike" kern="1200" dirty="0" smtClean="0">
-                <a:solidFill>
-                  <a:schemeClr val="tx1"/>
-                </a:solidFill>
-                <a:effectLst/>
-                <a:latin typeface="Arial" panose="020B0604020202020204" pitchFamily="34" charset="0"/>
-                <a:ea typeface="ＭＳ Ｐゴシック" charset="0"/>
-                <a:cs typeface="Arial" panose="020B0604020202020204" pitchFamily="34" charset="0"/>
-                <a:hlinkClick r:id="rId15"/>
-              </a:rPr>
-              <a:t>[</a:t>
-            </a:r>
-            <a:r>
-              <a:rPr lang="en-US" sz="1200" u="none" strike="noStrike" kern="1200" dirty="0" smtClean="0">
-                <a:solidFill>
-                  <a:schemeClr val="tx1"/>
-                </a:solidFill>
-                <a:effectLst/>
-                <a:latin typeface="Arial" panose="020B0604020202020204" pitchFamily="34" charset="0"/>
-                <a:ea typeface="ＭＳ Ｐゴシック" charset="0"/>
-                <a:cs typeface="Arial" panose="020B0604020202020204" pitchFamily="34" charset="0"/>
-                <a:hlinkClick r:id="rId15"/>
-              </a:rPr>
-              <a:t>9:37 AM</a:t>
-            </a:r>
-            <a:r>
-              <a:rPr lang="en-US" sz="1200" i="1" u="none" strike="noStrike" kern="1200" dirty="0" smtClean="0">
-                <a:solidFill>
-                  <a:schemeClr val="tx1"/>
-                </a:solidFill>
-                <a:effectLst/>
-                <a:latin typeface="Arial" panose="020B0604020202020204" pitchFamily="34" charset="0"/>
-                <a:ea typeface="ＭＳ Ｐゴシック" charset="0"/>
-                <a:cs typeface="Arial" panose="020B0604020202020204" pitchFamily="34" charset="0"/>
-                <a:hlinkClick r:id="rId15"/>
-              </a:rPr>
-              <a:t>]</a:t>
-            </a:r>
-            <a:r>
-              <a:rPr lang="en-US" dirty="0" smtClean="0">
-                <a:effectLst/>
-              </a:rPr>
-              <a:t> </a:t>
-            </a:r>
-          </a:p>
-          <a:p>
-            <a:r>
-              <a:rPr lang="en-US" sz="1200" b="1" u="none" strike="noStrike" kern="1200" dirty="0" err="1" smtClean="0">
-                <a:solidFill>
-                  <a:schemeClr val="tx1"/>
-                </a:solidFill>
-                <a:effectLst/>
-                <a:latin typeface="Arial" panose="020B0604020202020204" pitchFamily="34" charset="0"/>
-                <a:ea typeface="ＭＳ Ｐゴシック" charset="0"/>
-                <a:cs typeface="Arial" panose="020B0604020202020204" pitchFamily="34" charset="0"/>
-                <a:hlinkClick r:id="rId4"/>
-              </a:rPr>
-              <a:t>dominik</a:t>
-            </a:r>
-            <a:r>
-              <a:rPr lang="en-US" dirty="0" smtClean="0">
-                <a:effectLst/>
-              </a:rPr>
-              <a:t> Yes there is; We are looking into exporting reports to PDF and (some type of) Excel format</a:t>
-            </a:r>
-            <a:r>
-              <a:rPr lang="en-US" i="1" dirty="0" smtClean="0">
-                <a:effectLst/>
-              </a:rPr>
-              <a:t/>
-            </a:r>
-            <a:br>
-              <a:rPr lang="en-US" i="1" dirty="0" smtClean="0">
-                <a:effectLst/>
-              </a:rPr>
-            </a:br>
-            <a:endParaRPr lang="en-US" dirty="0" smtClean="0">
-              <a:effectLst/>
-            </a:endParaRPr>
-          </a:p>
-          <a:p>
-            <a:r>
-              <a:rPr lang="en-US" sz="1200" u="none" strike="noStrike" kern="1200" dirty="0" smtClean="0">
-                <a:solidFill>
-                  <a:schemeClr val="tx1"/>
-                </a:solidFill>
-                <a:effectLst/>
-                <a:latin typeface="Arial" panose="020B0604020202020204" pitchFamily="34" charset="0"/>
-                <a:ea typeface="ＭＳ Ｐゴシック" charset="0"/>
-                <a:cs typeface="Arial" panose="020B0604020202020204" pitchFamily="34" charset="0"/>
-                <a:hlinkClick r:id="rId16" tooltip="Today at 9:38:08 AM&#10;Click to open in archives"/>
-              </a:rPr>
-              <a:t>​</a:t>
-            </a:r>
-            <a:r>
-              <a:rPr lang="en-US" sz="1200" i="1" u="none" strike="noStrike" kern="1200" dirty="0" smtClean="0">
-                <a:solidFill>
-                  <a:schemeClr val="tx1"/>
-                </a:solidFill>
-                <a:effectLst/>
-                <a:latin typeface="Arial" panose="020B0604020202020204" pitchFamily="34" charset="0"/>
-                <a:ea typeface="ＭＳ Ｐゴシック" charset="0"/>
-                <a:cs typeface="Arial" panose="020B0604020202020204" pitchFamily="34" charset="0"/>
-                <a:hlinkClick r:id="rId16" tooltip="Today at 9:38:08 AM&#10;Click to open in archives"/>
-              </a:rPr>
-              <a:t>[</a:t>
-            </a:r>
-            <a:r>
-              <a:rPr lang="en-US" sz="1200" u="none" strike="noStrike" kern="1200" dirty="0" smtClean="0">
-                <a:solidFill>
-                  <a:schemeClr val="tx1"/>
-                </a:solidFill>
-                <a:effectLst/>
-                <a:latin typeface="Arial" panose="020B0604020202020204" pitchFamily="34" charset="0"/>
-                <a:ea typeface="ＭＳ Ｐゴシック" charset="0"/>
-                <a:cs typeface="Arial" panose="020B0604020202020204" pitchFamily="34" charset="0"/>
-                <a:hlinkClick r:id="rId16" tooltip="Today at 9:38:08 AM&#10;Click to open in archives"/>
-              </a:rPr>
-              <a:t>9:38 AM</a:t>
-            </a:r>
-            <a:r>
-              <a:rPr lang="en-US" sz="1200" i="1" u="none" strike="noStrike" kern="1200" dirty="0" smtClean="0">
-                <a:solidFill>
-                  <a:schemeClr val="tx1"/>
-                </a:solidFill>
-                <a:effectLst/>
-                <a:latin typeface="Arial" panose="020B0604020202020204" pitchFamily="34" charset="0"/>
-                <a:ea typeface="ＭＳ Ｐゴシック" charset="0"/>
-                <a:cs typeface="Arial" panose="020B0604020202020204" pitchFamily="34" charset="0"/>
-                <a:hlinkClick r:id="rId16" tooltip="Today at 9:38:08 AM&#10;Click to open in archives"/>
-              </a:rPr>
-              <a:t>]</a:t>
-            </a:r>
-            <a:r>
-              <a:rPr lang="en-US" dirty="0" smtClean="0">
-                <a:effectLst/>
-              </a:rPr>
-              <a:t> </a:t>
-            </a:r>
-          </a:p>
-          <a:p>
-            <a:r>
-              <a:rPr lang="en-US" dirty="0" smtClean="0">
-                <a:effectLst/>
-              </a:rPr>
-              <a:t>There is also the alternative to retrieve reports via JSON </a:t>
-            </a:r>
-            <a:r>
-              <a:rPr lang="en-US" dirty="0" err="1" smtClean="0">
-                <a:effectLst/>
-              </a:rPr>
-              <a:t>api</a:t>
-            </a:r>
-            <a:r>
-              <a:rPr lang="en-US" i="1" dirty="0" smtClean="0">
-                <a:effectLst/>
-              </a:rPr>
-              <a:t/>
-            </a:r>
-            <a:br>
-              <a:rPr lang="en-US" i="1" dirty="0" smtClean="0">
-                <a:effectLst/>
-              </a:rPr>
-            </a:br>
-            <a:endParaRPr lang="en-US" dirty="0" smtClean="0">
-              <a:effectLst/>
-            </a:endParaRPr>
-          </a:p>
-          <a:p>
-            <a:r>
-              <a:rPr lang="en-US" sz="1200" u="none" strike="noStrike" kern="1200" dirty="0" smtClean="0">
-                <a:solidFill>
-                  <a:schemeClr val="tx1"/>
-                </a:solidFill>
-                <a:effectLst/>
-                <a:latin typeface="Arial" panose="020B0604020202020204" pitchFamily="34" charset="0"/>
-                <a:ea typeface="ＭＳ Ｐゴシック" charset="0"/>
-                <a:cs typeface="Arial" panose="020B0604020202020204" pitchFamily="34" charset="0"/>
-                <a:hlinkClick r:id="rId17" tooltip="Today at 9:38:19 AM&#10;Click to open in archives"/>
-              </a:rPr>
-              <a:t>​</a:t>
-            </a:r>
-            <a:r>
-              <a:rPr lang="en-US" sz="1200" i="1" u="none" strike="noStrike" kern="1200" dirty="0" smtClean="0">
-                <a:solidFill>
-                  <a:schemeClr val="tx1"/>
-                </a:solidFill>
-                <a:effectLst/>
-                <a:latin typeface="Arial" panose="020B0604020202020204" pitchFamily="34" charset="0"/>
-                <a:ea typeface="ＭＳ Ｐゴシック" charset="0"/>
-                <a:cs typeface="Arial" panose="020B0604020202020204" pitchFamily="34" charset="0"/>
-                <a:hlinkClick r:id="rId17" tooltip="Today at 9:38:19 AM&#10;Click to open in archives"/>
-              </a:rPr>
-              <a:t>[</a:t>
-            </a:r>
-            <a:r>
-              <a:rPr lang="en-US" sz="1200" u="none" strike="noStrike" kern="1200" dirty="0" smtClean="0">
-                <a:solidFill>
-                  <a:schemeClr val="tx1"/>
-                </a:solidFill>
-                <a:effectLst/>
-                <a:latin typeface="Arial" panose="020B0604020202020204" pitchFamily="34" charset="0"/>
-                <a:ea typeface="ＭＳ Ｐゴシック" charset="0"/>
-                <a:cs typeface="Arial" panose="020B0604020202020204" pitchFamily="34" charset="0"/>
-                <a:hlinkClick r:id="rId17" tooltip="Today at 9:38:19 AM&#10;Click to open in archives"/>
-              </a:rPr>
-              <a:t>9:38 AM</a:t>
-            </a:r>
-            <a:r>
-              <a:rPr lang="en-US" sz="1200" i="1" u="none" strike="noStrike" kern="1200" dirty="0" smtClean="0">
-                <a:solidFill>
-                  <a:schemeClr val="tx1"/>
-                </a:solidFill>
-                <a:effectLst/>
-                <a:latin typeface="Arial" panose="020B0604020202020204" pitchFamily="34" charset="0"/>
-                <a:ea typeface="ＭＳ Ｐゴシック" charset="0"/>
-                <a:cs typeface="Arial" panose="020B0604020202020204" pitchFamily="34" charset="0"/>
-                <a:hlinkClick r:id="rId17" tooltip="Today at 9:38:19 AM&#10;Click to open in archives"/>
-              </a:rPr>
-              <a:t>]</a:t>
-            </a:r>
-            <a:r>
-              <a:rPr lang="en-US" dirty="0" smtClean="0">
-                <a:effectLst/>
-              </a:rPr>
-              <a:t> </a:t>
-            </a:r>
-          </a:p>
-          <a:p>
-            <a:r>
-              <a:rPr lang="en-US" dirty="0" smtClean="0">
-                <a:effectLst/>
-              </a:rPr>
-              <a:t>we will have the PDF and Excel options in UI</a:t>
-            </a:r>
-            <a:r>
-              <a:rPr lang="en-US" i="1" dirty="0" smtClean="0">
-                <a:effectLst/>
-              </a:rPr>
-              <a:t/>
-            </a:r>
-            <a:br>
-              <a:rPr lang="en-US" i="1" dirty="0" smtClean="0">
-                <a:effectLst/>
-              </a:rPr>
-            </a:br>
-            <a:endParaRPr lang="en-US" dirty="0" smtClean="0">
-              <a:effectLst/>
-            </a:endParaRPr>
-          </a:p>
-          <a:p>
-            <a:r>
-              <a:rPr lang="en-US" sz="1200" u="none" strike="noStrike" kern="1200" dirty="0" smtClean="0">
-                <a:solidFill>
-                  <a:schemeClr val="tx1"/>
-                </a:solidFill>
-                <a:effectLst/>
-                <a:latin typeface="Arial" panose="020B0604020202020204" pitchFamily="34" charset="0"/>
-                <a:ea typeface="ＭＳ Ｐゴシック" charset="0"/>
-                <a:cs typeface="Arial" panose="020B0604020202020204" pitchFamily="34" charset="0"/>
-                <a:hlinkClick r:id="rId18" tooltip="Today at 9:38:42 AM&#10;Click to open in archives"/>
-              </a:rPr>
-              <a:t>​</a:t>
-            </a:r>
-            <a:r>
-              <a:rPr lang="en-US" sz="1200" i="1" u="none" strike="noStrike" kern="1200" dirty="0" smtClean="0">
-                <a:solidFill>
-                  <a:schemeClr val="tx1"/>
-                </a:solidFill>
-                <a:effectLst/>
-                <a:latin typeface="Arial" panose="020B0604020202020204" pitchFamily="34" charset="0"/>
-                <a:ea typeface="ＭＳ Ｐゴシック" charset="0"/>
-                <a:cs typeface="Arial" panose="020B0604020202020204" pitchFamily="34" charset="0"/>
-                <a:hlinkClick r:id="rId18" tooltip="Today at 9:38:42 AM&#10;Click to open in archives"/>
-              </a:rPr>
-              <a:t>[</a:t>
-            </a:r>
-            <a:r>
-              <a:rPr lang="en-US" sz="1200" u="none" strike="noStrike" kern="1200" dirty="0" smtClean="0">
-                <a:solidFill>
-                  <a:schemeClr val="tx1"/>
-                </a:solidFill>
-                <a:effectLst/>
-                <a:latin typeface="Arial" panose="020B0604020202020204" pitchFamily="34" charset="0"/>
-                <a:ea typeface="ＭＳ Ｐゴシック" charset="0"/>
-                <a:cs typeface="Arial" panose="020B0604020202020204" pitchFamily="34" charset="0"/>
-                <a:hlinkClick r:id="rId18" tooltip="Today at 9:38:42 AM&#10;Click to open in archives"/>
-              </a:rPr>
-              <a:t>9:38 AM</a:t>
-            </a:r>
-            <a:r>
-              <a:rPr lang="en-US" sz="1200" i="1" u="none" strike="noStrike" kern="1200" dirty="0" smtClean="0">
-                <a:solidFill>
-                  <a:schemeClr val="tx1"/>
-                </a:solidFill>
-                <a:effectLst/>
-                <a:latin typeface="Arial" panose="020B0604020202020204" pitchFamily="34" charset="0"/>
-                <a:ea typeface="ＭＳ Ｐゴシック" charset="0"/>
-                <a:cs typeface="Arial" panose="020B0604020202020204" pitchFamily="34" charset="0"/>
-                <a:hlinkClick r:id="rId18" tooltip="Today at 9:38:42 AM&#10;Click to open in archives"/>
-              </a:rPr>
-              <a:t>]</a:t>
-            </a:r>
-            <a:r>
-              <a:rPr lang="en-US" dirty="0" smtClean="0">
-                <a:effectLst/>
-              </a:rPr>
-              <a:t> </a:t>
-            </a:r>
-          </a:p>
-          <a:p>
-            <a:r>
-              <a:rPr lang="en-US" sz="1200" b="1" u="none" strike="noStrike" kern="1200" dirty="0" err="1" smtClean="0">
-                <a:solidFill>
-                  <a:schemeClr val="tx1"/>
-                </a:solidFill>
-                <a:effectLst/>
-                <a:latin typeface="Arial" panose="020B0604020202020204" pitchFamily="34" charset="0"/>
-                <a:ea typeface="ＭＳ Ｐゴシック" charset="0"/>
-                <a:cs typeface="Arial" panose="020B0604020202020204" pitchFamily="34" charset="0"/>
-                <a:hlinkClick r:id="rId6"/>
-              </a:rPr>
-              <a:t>steve_delfante</a:t>
-            </a:r>
-            <a:r>
-              <a:rPr lang="en-US" dirty="0" smtClean="0">
-                <a:effectLst/>
-              </a:rPr>
-              <a:t> Sounds good. Do you have an ETA for exporting?</a:t>
-            </a:r>
-            <a:r>
-              <a:rPr lang="en-US" sz="1200" kern="1200" dirty="0" smtClean="0">
-                <a:solidFill>
-                  <a:schemeClr val="tx1"/>
-                </a:solidFill>
-                <a:effectLst/>
-                <a:latin typeface="Arial" panose="020B0604020202020204" pitchFamily="34" charset="0"/>
-                <a:ea typeface="ＭＳ Ｐゴシック" charset="0"/>
-                <a:cs typeface="Arial" panose="020B0604020202020204" pitchFamily="34" charset="0"/>
-              </a:rPr>
-              <a:t>(edited)</a:t>
-            </a:r>
-            <a:r>
-              <a:rPr lang="en-US" i="1" dirty="0" smtClean="0">
-                <a:effectLst/>
-              </a:rPr>
-              <a:t/>
-            </a:r>
-            <a:br>
-              <a:rPr lang="en-US" i="1" dirty="0" smtClean="0">
-                <a:effectLst/>
-              </a:rPr>
-            </a:br>
-            <a:endParaRPr lang="en-US" dirty="0" smtClean="0">
-              <a:effectLst/>
-            </a:endParaRPr>
-          </a:p>
-          <a:p>
-            <a:r>
-              <a:rPr lang="en-US" sz="1200" u="none" strike="noStrike" kern="1200" dirty="0" smtClean="0">
-                <a:solidFill>
-                  <a:schemeClr val="tx1"/>
-                </a:solidFill>
-                <a:effectLst/>
-                <a:latin typeface="Arial" panose="020B0604020202020204" pitchFamily="34" charset="0"/>
-                <a:ea typeface="ＭＳ Ｐゴシック" charset="0"/>
-                <a:cs typeface="Arial" panose="020B0604020202020204" pitchFamily="34" charset="0"/>
-                <a:hlinkClick r:id="rId19" tooltip="Today at 9:39:10 AM&#10;Click to open in archives"/>
-              </a:rPr>
-              <a:t>​</a:t>
-            </a:r>
-            <a:r>
-              <a:rPr lang="en-US" sz="1200" i="1" u="none" strike="noStrike" kern="1200" dirty="0" smtClean="0">
-                <a:solidFill>
-                  <a:schemeClr val="tx1"/>
-                </a:solidFill>
-                <a:effectLst/>
-                <a:latin typeface="Arial" panose="020B0604020202020204" pitchFamily="34" charset="0"/>
-                <a:ea typeface="ＭＳ Ｐゴシック" charset="0"/>
-                <a:cs typeface="Arial" panose="020B0604020202020204" pitchFamily="34" charset="0"/>
-                <a:hlinkClick r:id="rId19" tooltip="Today at 9:39:10 AM&#10;Click to open in archives"/>
-              </a:rPr>
-              <a:t>[</a:t>
-            </a:r>
-            <a:r>
-              <a:rPr lang="en-US" sz="1200" u="none" strike="noStrike" kern="1200" dirty="0" smtClean="0">
-                <a:solidFill>
-                  <a:schemeClr val="tx1"/>
-                </a:solidFill>
-                <a:effectLst/>
-                <a:latin typeface="Arial" panose="020B0604020202020204" pitchFamily="34" charset="0"/>
-                <a:ea typeface="ＭＳ Ｐゴシック" charset="0"/>
-                <a:cs typeface="Arial" panose="020B0604020202020204" pitchFamily="34" charset="0"/>
-                <a:hlinkClick r:id="rId19" tooltip="Today at 9:39:10 AM&#10;Click to open in archives"/>
-              </a:rPr>
-              <a:t>9:39 AM</a:t>
-            </a:r>
-            <a:r>
-              <a:rPr lang="en-US" sz="1200" i="1" u="none" strike="noStrike" kern="1200" dirty="0" smtClean="0">
-                <a:solidFill>
-                  <a:schemeClr val="tx1"/>
-                </a:solidFill>
-                <a:effectLst/>
-                <a:latin typeface="Arial" panose="020B0604020202020204" pitchFamily="34" charset="0"/>
-                <a:ea typeface="ＭＳ Ｐゴシック" charset="0"/>
-                <a:cs typeface="Arial" panose="020B0604020202020204" pitchFamily="34" charset="0"/>
-                <a:hlinkClick r:id="rId19" tooltip="Today at 9:39:10 AM&#10;Click to open in archives"/>
-              </a:rPr>
-              <a:t>]</a:t>
-            </a:r>
-            <a:r>
-              <a:rPr lang="en-US" dirty="0" smtClean="0">
-                <a:effectLst/>
-              </a:rPr>
-              <a:t> </a:t>
-            </a:r>
-          </a:p>
-          <a:p>
-            <a:r>
-              <a:rPr lang="en-US" sz="1200" b="1" u="none" strike="noStrike" kern="1200" dirty="0" err="1" smtClean="0">
-                <a:solidFill>
-                  <a:schemeClr val="tx1"/>
-                </a:solidFill>
-                <a:effectLst/>
-                <a:latin typeface="Arial" panose="020B0604020202020204" pitchFamily="34" charset="0"/>
-                <a:ea typeface="ＭＳ Ｐゴシック" charset="0"/>
-                <a:cs typeface="Arial" panose="020B0604020202020204" pitchFamily="34" charset="0"/>
-                <a:hlinkClick r:id="rId4"/>
-              </a:rPr>
-              <a:t>dominik</a:t>
-            </a:r>
-            <a:r>
-              <a:rPr lang="en-US" dirty="0" smtClean="0">
-                <a:effectLst/>
-              </a:rPr>
-              <a:t> It has not been explicitly planned yet. My expectation is for end of Q1, but it could just as easily move into early Q2</a:t>
-            </a:r>
-            <a:r>
-              <a:rPr lang="en-US" i="1" dirty="0" smtClean="0">
-                <a:effectLst/>
-              </a:rPr>
-              <a:t/>
-            </a:r>
-            <a:br>
-              <a:rPr lang="en-US" i="1" dirty="0" smtClean="0">
-                <a:effectLst/>
-              </a:rPr>
-            </a:br>
-            <a:endParaRPr lang="en-US" dirty="0" smtClean="0">
-              <a:effectLst/>
-            </a:endParaRPr>
-          </a:p>
-          <a:p>
-            <a:r>
-              <a:rPr lang="en-US" sz="1200" u="none" strike="noStrike" kern="1200" dirty="0" smtClean="0">
-                <a:solidFill>
-                  <a:schemeClr val="tx1"/>
-                </a:solidFill>
-                <a:effectLst/>
-                <a:latin typeface="Arial" panose="020B0604020202020204" pitchFamily="34" charset="0"/>
-                <a:ea typeface="ＭＳ Ｐゴシック" charset="0"/>
-                <a:cs typeface="Arial" panose="020B0604020202020204" pitchFamily="34" charset="0"/>
-                <a:hlinkClick r:id="rId20" tooltip="Today at 9:39:20 AM&#10;Click to open in archives"/>
-              </a:rPr>
-              <a:t>​</a:t>
-            </a:r>
-            <a:r>
-              <a:rPr lang="en-US" sz="1200" i="1" u="none" strike="noStrike" kern="1200" dirty="0" smtClean="0">
-                <a:solidFill>
-                  <a:schemeClr val="tx1"/>
-                </a:solidFill>
-                <a:effectLst/>
-                <a:latin typeface="Arial" panose="020B0604020202020204" pitchFamily="34" charset="0"/>
-                <a:ea typeface="ＭＳ Ｐゴシック" charset="0"/>
-                <a:cs typeface="Arial" panose="020B0604020202020204" pitchFamily="34" charset="0"/>
-                <a:hlinkClick r:id="rId20" tooltip="Today at 9:39:20 AM&#10;Click to open in archives"/>
-              </a:rPr>
-              <a:t>[</a:t>
-            </a:r>
-            <a:r>
-              <a:rPr lang="en-US" sz="1200" u="none" strike="noStrike" kern="1200" dirty="0" smtClean="0">
-                <a:solidFill>
-                  <a:schemeClr val="tx1"/>
-                </a:solidFill>
-                <a:effectLst/>
-                <a:latin typeface="Arial" panose="020B0604020202020204" pitchFamily="34" charset="0"/>
-                <a:ea typeface="ＭＳ Ｐゴシック" charset="0"/>
-                <a:cs typeface="Arial" panose="020B0604020202020204" pitchFamily="34" charset="0"/>
-                <a:hlinkClick r:id="rId20" tooltip="Today at 9:39:20 AM&#10;Click to open in archives"/>
-              </a:rPr>
-              <a:t>9:39 AM</a:t>
-            </a:r>
-            <a:r>
-              <a:rPr lang="en-US" sz="1200" i="1" u="none" strike="noStrike" kern="1200" dirty="0" smtClean="0">
-                <a:solidFill>
-                  <a:schemeClr val="tx1"/>
-                </a:solidFill>
-                <a:effectLst/>
-                <a:latin typeface="Arial" panose="020B0604020202020204" pitchFamily="34" charset="0"/>
-                <a:ea typeface="ＭＳ Ｐゴシック" charset="0"/>
-                <a:cs typeface="Arial" panose="020B0604020202020204" pitchFamily="34" charset="0"/>
-                <a:hlinkClick r:id="rId20" tooltip="Today at 9:39:20 AM&#10;Click to open in archives"/>
-              </a:rPr>
-              <a:t>]</a:t>
-            </a:r>
-            <a:r>
-              <a:rPr lang="en-US" dirty="0" smtClean="0">
-                <a:effectLst/>
-              </a:rPr>
-              <a:t> </a:t>
-            </a:r>
-          </a:p>
-          <a:p>
-            <a:r>
-              <a:rPr lang="en-US" sz="1200" b="1" u="none" strike="noStrike" kern="1200" dirty="0" err="1" smtClean="0">
-                <a:solidFill>
-                  <a:schemeClr val="tx1"/>
-                </a:solidFill>
-                <a:effectLst/>
-                <a:latin typeface="Arial" panose="020B0604020202020204" pitchFamily="34" charset="0"/>
-                <a:ea typeface="ＭＳ Ｐゴシック" charset="0"/>
-                <a:cs typeface="Arial" panose="020B0604020202020204" pitchFamily="34" charset="0"/>
-                <a:hlinkClick r:id="rId6"/>
-              </a:rPr>
-              <a:t>steve_delfante</a:t>
-            </a:r>
-            <a:r>
-              <a:rPr lang="en-US" dirty="0" smtClean="0">
-                <a:effectLst/>
-              </a:rPr>
-              <a:t> Ok. Thanks!</a:t>
-            </a:r>
-            <a:r>
-              <a:rPr lang="en-US" i="1" dirty="0" smtClean="0">
-                <a:effectLst/>
-              </a:rPr>
-              <a:t/>
-            </a:r>
-            <a:br>
-              <a:rPr lang="en-US" i="1" dirty="0" smtClean="0">
-                <a:effectLst/>
-              </a:rPr>
-            </a:br>
-            <a:endParaRPr lang="en-US" dirty="0" smtClean="0">
-              <a:effectLst/>
-            </a:endParaRPr>
-          </a:p>
-          <a:p>
-            <a:r>
-              <a:rPr lang="en-US" sz="1200" u="none" strike="noStrike" kern="1200" dirty="0" smtClean="0">
-                <a:solidFill>
-                  <a:schemeClr val="tx1"/>
-                </a:solidFill>
-                <a:effectLst/>
-                <a:latin typeface="Arial" panose="020B0604020202020204" pitchFamily="34" charset="0"/>
-                <a:ea typeface="ＭＳ Ｐゴシック" charset="0"/>
-                <a:cs typeface="Arial" panose="020B0604020202020204" pitchFamily="34" charset="0"/>
-                <a:hlinkClick r:id="rId21" tooltip="Today at 9:39:26 AM&#10;Click to open in archives"/>
-              </a:rPr>
-              <a:t>​</a:t>
-            </a:r>
-            <a:r>
-              <a:rPr lang="en-US" sz="1200" i="1" u="none" strike="noStrike" kern="1200" dirty="0" smtClean="0">
-                <a:solidFill>
-                  <a:schemeClr val="tx1"/>
-                </a:solidFill>
-                <a:effectLst/>
-                <a:latin typeface="Arial" panose="020B0604020202020204" pitchFamily="34" charset="0"/>
-                <a:ea typeface="ＭＳ Ｐゴシック" charset="0"/>
-                <a:cs typeface="Arial" panose="020B0604020202020204" pitchFamily="34" charset="0"/>
-                <a:hlinkClick r:id="rId21" tooltip="Today at 9:39:26 AM&#10;Click to open in archives"/>
-              </a:rPr>
-              <a:t>[</a:t>
-            </a:r>
-            <a:r>
-              <a:rPr lang="en-US" sz="1200" u="none" strike="noStrike" kern="1200" dirty="0" smtClean="0">
-                <a:solidFill>
-                  <a:schemeClr val="tx1"/>
-                </a:solidFill>
-                <a:effectLst/>
-                <a:latin typeface="Arial" panose="020B0604020202020204" pitchFamily="34" charset="0"/>
-                <a:ea typeface="ＭＳ Ｐゴシック" charset="0"/>
-                <a:cs typeface="Arial" panose="020B0604020202020204" pitchFamily="34" charset="0"/>
-                <a:hlinkClick r:id="rId21" tooltip="Today at 9:39:26 AM&#10;Click to open in archives"/>
-              </a:rPr>
-              <a:t>9:39 AM</a:t>
-            </a:r>
-            <a:r>
-              <a:rPr lang="en-US" sz="1200" i="1" u="none" strike="noStrike" kern="1200" dirty="0" smtClean="0">
-                <a:solidFill>
-                  <a:schemeClr val="tx1"/>
-                </a:solidFill>
-                <a:effectLst/>
-                <a:latin typeface="Arial" panose="020B0604020202020204" pitchFamily="34" charset="0"/>
-                <a:ea typeface="ＭＳ Ｐゴシック" charset="0"/>
-                <a:cs typeface="Arial" panose="020B0604020202020204" pitchFamily="34" charset="0"/>
-                <a:hlinkClick r:id="rId21" tooltip="Today at 9:39:26 AM&#10;Click to open in archives"/>
-              </a:rPr>
-              <a:t>]</a:t>
-            </a:r>
-            <a:r>
-              <a:rPr lang="en-US" dirty="0" smtClean="0">
-                <a:effectLst/>
-              </a:rPr>
-              <a:t> </a:t>
-            </a:r>
-          </a:p>
-          <a:p>
-            <a:r>
-              <a:rPr lang="en-US" sz="1200" b="1" u="none" strike="noStrike" kern="1200" dirty="0" err="1" smtClean="0">
-                <a:solidFill>
-                  <a:schemeClr val="tx1"/>
-                </a:solidFill>
-                <a:effectLst/>
-                <a:latin typeface="Arial" panose="020B0604020202020204" pitchFamily="34" charset="0"/>
-                <a:ea typeface="ＭＳ Ｐゴシック" charset="0"/>
-                <a:cs typeface="Arial" panose="020B0604020202020204" pitchFamily="34" charset="0"/>
-                <a:hlinkClick r:id="rId4"/>
-              </a:rPr>
-              <a:t>dominik</a:t>
-            </a:r>
-            <a:r>
-              <a:rPr lang="en-US" dirty="0" smtClean="0">
-                <a:effectLst/>
-              </a:rPr>
-              <a:t> JSON-based exporting however is already supported</a:t>
-            </a:r>
-            <a:r>
-              <a:rPr lang="en-US" i="1" dirty="0" smtClean="0">
-                <a:effectLst/>
-              </a:rPr>
-              <a:t/>
-            </a:r>
-            <a:br>
-              <a:rPr lang="en-US" i="1" dirty="0" smtClean="0">
-                <a:effectLst/>
-              </a:rPr>
-            </a:br>
-            <a:endParaRPr lang="en-US" dirty="0" smtClean="0">
-              <a:effectLst/>
-            </a:endParaRPr>
-          </a:p>
-          <a:p>
-            <a:r>
-              <a:rPr lang="en-US" sz="1200" b="1" i="0" kern="1200" dirty="0" smtClean="0">
-                <a:solidFill>
-                  <a:schemeClr val="tx1"/>
-                </a:solidFill>
-                <a:effectLst/>
-                <a:latin typeface="Arial" panose="020B0604020202020204" pitchFamily="34" charset="0"/>
-                <a:ea typeface="ＭＳ Ｐゴシック" charset="0"/>
-                <a:cs typeface="Arial" panose="020B0604020202020204" pitchFamily="34" charset="0"/>
-              </a:rPr>
-              <a:t>new messages</a:t>
-            </a:r>
-            <a:endParaRPr lang="en-US" sz="1200" b="0" i="0" kern="1200" dirty="0" smtClean="0">
-              <a:solidFill>
-                <a:schemeClr val="tx1"/>
-              </a:solidFill>
-              <a:effectLst/>
-              <a:latin typeface="Arial" panose="020B0604020202020204" pitchFamily="34" charset="0"/>
-              <a:ea typeface="ＭＳ Ｐゴシック" charset="0"/>
-              <a:cs typeface="Arial" panose="020B0604020202020204" pitchFamily="34" charset="0"/>
-            </a:endParaRPr>
-          </a:p>
-          <a:p>
-            <a:r>
-              <a:rPr lang="en-US" sz="1200" u="none" strike="noStrike" kern="1200" dirty="0" smtClean="0">
-                <a:solidFill>
-                  <a:schemeClr val="tx1"/>
-                </a:solidFill>
-                <a:effectLst/>
-                <a:latin typeface="Arial" panose="020B0604020202020204" pitchFamily="34" charset="0"/>
-                <a:ea typeface="ＭＳ Ｐゴシック" charset="0"/>
-                <a:cs typeface="Arial" panose="020B0604020202020204" pitchFamily="34" charset="0"/>
-                <a:hlinkClick r:id="rId22" tooltip="Today at 9:39:37 AM&#10;Click to open in archives"/>
-              </a:rPr>
-              <a:t>​</a:t>
-            </a:r>
-            <a:r>
-              <a:rPr lang="en-US" sz="1200" i="1" u="none" strike="noStrike" kern="1200" dirty="0" smtClean="0">
-                <a:solidFill>
-                  <a:schemeClr val="tx1"/>
-                </a:solidFill>
-                <a:effectLst/>
-                <a:latin typeface="Arial" panose="020B0604020202020204" pitchFamily="34" charset="0"/>
-                <a:ea typeface="ＭＳ Ｐゴシック" charset="0"/>
-                <a:cs typeface="Arial" panose="020B0604020202020204" pitchFamily="34" charset="0"/>
-                <a:hlinkClick r:id="rId22" tooltip="Today at 9:39:37 AM&#10;Click to open in archives"/>
-              </a:rPr>
-              <a:t>[</a:t>
-            </a:r>
-            <a:r>
-              <a:rPr lang="en-US" sz="1200" u="none" strike="noStrike" kern="1200" dirty="0" smtClean="0">
-                <a:solidFill>
-                  <a:schemeClr val="tx1"/>
-                </a:solidFill>
-                <a:effectLst/>
-                <a:latin typeface="Arial" panose="020B0604020202020204" pitchFamily="34" charset="0"/>
-                <a:ea typeface="ＭＳ Ｐゴシック" charset="0"/>
-                <a:cs typeface="Arial" panose="020B0604020202020204" pitchFamily="34" charset="0"/>
-                <a:hlinkClick r:id="rId22" tooltip="Today at 9:39:37 AM&#10;Click to open in archives"/>
-              </a:rPr>
-              <a:t>9:39 AM</a:t>
-            </a:r>
-            <a:r>
-              <a:rPr lang="en-US" sz="1200" i="1" u="none" strike="noStrike" kern="1200" dirty="0" smtClean="0">
-                <a:solidFill>
-                  <a:schemeClr val="tx1"/>
-                </a:solidFill>
-                <a:effectLst/>
-                <a:latin typeface="Arial" panose="020B0604020202020204" pitchFamily="34" charset="0"/>
-                <a:ea typeface="ＭＳ Ｐゴシック" charset="0"/>
-                <a:cs typeface="Arial" panose="020B0604020202020204" pitchFamily="34" charset="0"/>
-                <a:hlinkClick r:id="rId22" tooltip="Today at 9:39:37 AM&#10;Click to open in archives"/>
-              </a:rPr>
-              <a:t>]</a:t>
-            </a:r>
-            <a:r>
-              <a:rPr lang="en-US" dirty="0" smtClean="0">
-                <a:effectLst/>
-              </a:rPr>
-              <a:t> </a:t>
-            </a:r>
-          </a:p>
-          <a:p>
-            <a:r>
-              <a:rPr lang="en-US" dirty="0" smtClean="0">
-                <a:effectLst/>
-              </a:rPr>
-              <a:t>and we are rewriting the API to be much better at generating large reports</a:t>
-            </a:r>
-            <a:r>
-              <a:rPr lang="en-US" i="1" dirty="0" smtClean="0">
-                <a:effectLst/>
-              </a:rPr>
-              <a:t/>
-            </a:r>
-            <a:br>
-              <a:rPr lang="en-US" i="1" dirty="0" smtClean="0">
-                <a:effectLst/>
-              </a:rPr>
-            </a:br>
-            <a:endParaRPr lang="en-US" dirty="0" smtClean="0">
-              <a:effectLst/>
-            </a:endParaRPr>
-          </a:p>
-          <a:p>
-            <a:r>
-              <a:rPr lang="en-US" sz="1200" u="none" strike="noStrike" kern="1200" dirty="0" smtClean="0">
-                <a:solidFill>
-                  <a:schemeClr val="tx1"/>
-                </a:solidFill>
-                <a:effectLst/>
-                <a:latin typeface="Arial" panose="020B0604020202020204" pitchFamily="34" charset="0"/>
-                <a:ea typeface="ＭＳ Ｐゴシック" charset="0"/>
-                <a:cs typeface="Arial" panose="020B0604020202020204" pitchFamily="34" charset="0"/>
-                <a:hlinkClick r:id="rId23" tooltip="Today at 9:39:49 AM&#10;Click to open in archives"/>
-              </a:rPr>
-              <a:t>​</a:t>
-            </a:r>
-            <a:r>
-              <a:rPr lang="en-US" sz="1200" i="1" u="none" strike="noStrike" kern="1200" dirty="0" smtClean="0">
-                <a:solidFill>
-                  <a:schemeClr val="tx1"/>
-                </a:solidFill>
-                <a:effectLst/>
-                <a:latin typeface="Arial" panose="020B0604020202020204" pitchFamily="34" charset="0"/>
-                <a:ea typeface="ＭＳ Ｐゴシック" charset="0"/>
-                <a:cs typeface="Arial" panose="020B0604020202020204" pitchFamily="34" charset="0"/>
-                <a:hlinkClick r:id="rId23" tooltip="Today at 9:39:49 AM&#10;Click to open in archives"/>
-              </a:rPr>
-              <a:t>[</a:t>
-            </a:r>
-            <a:r>
-              <a:rPr lang="en-US" sz="1200" u="none" strike="noStrike" kern="1200" dirty="0" smtClean="0">
-                <a:solidFill>
-                  <a:schemeClr val="tx1"/>
-                </a:solidFill>
-                <a:effectLst/>
-                <a:latin typeface="Arial" panose="020B0604020202020204" pitchFamily="34" charset="0"/>
-                <a:ea typeface="ＭＳ Ｐゴシック" charset="0"/>
-                <a:cs typeface="Arial" panose="020B0604020202020204" pitchFamily="34" charset="0"/>
-                <a:hlinkClick r:id="rId23" tooltip="Today at 9:39:49 AM&#10;Click to open in archives"/>
-              </a:rPr>
-              <a:t>9:39 AM</a:t>
-            </a:r>
-            <a:r>
-              <a:rPr lang="en-US" sz="1200" i="1" u="none" strike="noStrike" kern="1200" dirty="0" smtClean="0">
-                <a:solidFill>
-                  <a:schemeClr val="tx1"/>
-                </a:solidFill>
-                <a:effectLst/>
-                <a:latin typeface="Arial" panose="020B0604020202020204" pitchFamily="34" charset="0"/>
-                <a:ea typeface="ＭＳ Ｐゴシック" charset="0"/>
-                <a:cs typeface="Arial" panose="020B0604020202020204" pitchFamily="34" charset="0"/>
-                <a:hlinkClick r:id="rId23" tooltip="Today at 9:39:49 AM&#10;Click to open in archives"/>
-              </a:rPr>
-              <a:t>]</a:t>
-            </a:r>
-            <a:r>
-              <a:rPr lang="en-US" dirty="0" smtClean="0">
-                <a:effectLst/>
-              </a:rPr>
-              <a:t> </a:t>
-            </a:r>
-          </a:p>
-          <a:p>
-            <a:r>
-              <a:rPr lang="en-US" dirty="0" smtClean="0">
-                <a:effectLst/>
-              </a:rPr>
-              <a:t>let me know if customers have different priorities</a:t>
-            </a:r>
-          </a:p>
           <a:p>
             <a:endParaRPr lang="en-US" dirty="0"/>
           </a:p>
@@ -3781,7 +4313,7 @@
               <a:pPr>
                 <a:defRPr/>
               </a:pPr>
-              <a:t>19</a:t>
+              <a:t>17</a:t>
             </a:fld>
             <a:endParaRPr lang="en-US" dirty="0"/>
           </a:p>
@@ -3834,7 +4366,7 @@
     </p:spTree>
     <p:extLst>
       <p:ext uri="{BB962C8B-B14F-4D97-AF65-F5344CB8AC3E}">
-        <p14:creationId xmlns:p14="http://schemas.microsoft.com/office/powerpoint/2010/main" val="2076100887"/>
+        <p14:creationId xmlns:p14="http://schemas.microsoft.com/office/powerpoint/2010/main" val="156069988"/>
       </p:ext>
     </p:extLst>
   </p:cSld>
@@ -3915,7 +4447,7 @@
               <a:pPr>
                 <a:defRPr/>
               </a:pPr>
-              <a:t>20</a:t>
+              <a:t>19</a:t>
             </a:fld>
             <a:endParaRPr lang="en-US" dirty="0"/>
           </a:p>
@@ -3968,7 +4500,7 @@
     </p:spTree>
     <p:extLst>
       <p:ext uri="{BB962C8B-B14F-4D97-AF65-F5344CB8AC3E}">
-        <p14:creationId xmlns:p14="http://schemas.microsoft.com/office/powerpoint/2010/main" val="2361220506"/>
+        <p14:creationId xmlns:p14="http://schemas.microsoft.com/office/powerpoint/2010/main" val="950970001"/>
       </p:ext>
     </p:extLst>
   </p:cSld>
@@ -11109,7 +11641,7 @@
                 <a:ea typeface="+mn-ea"/>
                 <a:cs typeface="+mn-cs"/>
               </a:rPr>
-              <a:t>5-</a:t>
+              <a:t>6-</a:t>
             </a:r>
             <a:fld id="{F0B79B2F-E1DD-4D43-95B3-EA08C411D807}" type="slidenum">
               <a:rPr lang="en-US" smtClean="0">
@@ -11869,7 +12401,7 @@
                 <a:ea typeface="+mn-ea"/>
                 <a:cs typeface="+mn-cs"/>
               </a:rPr>
-              <a:t>5-</a:t>
+              <a:t>6-</a:t>
             </a:r>
             <a:fld id="{F0B79B2F-E1DD-4D43-95B3-EA08C411D807}" type="slidenum">
               <a:rPr lang="en-US" smtClean="0">
@@ -12489,7 +13021,27 @@
           <a:p>
             <a:r>
               <a:rPr lang="en-US" dirty="0" smtClean="0"/>
-              <a:t>Scheduling scans for future reporting</a:t>
+              <a:t>Scheduling </a:t>
+            </a:r>
+            <a:r>
+              <a:rPr lang="en-US" dirty="0" smtClean="0"/>
+              <a:t>Scans </a:t>
+            </a:r>
+            <a:r>
+              <a:rPr lang="en-US" dirty="0" smtClean="0"/>
+              <a:t>for </a:t>
+            </a:r>
+            <a:r>
+              <a:rPr lang="en-US" dirty="0" smtClean="0"/>
+              <a:t>Future </a:t>
+            </a:r>
+            <a:r>
+              <a:rPr lang="en-US" dirty="0"/>
+              <a:t>R</a:t>
+            </a:r>
+            <a:r>
+              <a:rPr lang="en-US" dirty="0" smtClean="0"/>
+              <a:t>eporting</a:t>
             </a:r>
             <a:endParaRPr lang="en-US" dirty="0"/>
           </a:p>
@@ -13228,6 +13780,299 @@
             <a:spLocks noGrp="1"/>
           </p:cNvSpPr>
           <p:nvPr>
+            <p:ph type="title"/>
+          </p:nvPr>
+        </p:nvSpPr>
+        <p:spPr/>
+        <p:txBody>
+          <a:bodyPr/>
+          <a:lstStyle/>
+          <a:p>
+            <a:r>
+              <a:rPr lang="en-US" dirty="0" smtClean="0"/>
+              <a:t>Demonstration: </a:t>
+            </a:r>
+            <a:r>
+              <a:rPr lang="en-US" dirty="0" smtClean="0"/>
+              <a:t>Scheduled Scan Logs</a:t>
+            </a:r>
+            <a:endParaRPr lang="en-US" dirty="0"/>
+          </a:p>
+        </p:txBody>
+      </p:sp>
+      <p:sp>
+        <p:nvSpPr>
+          <p:cNvPr id="3" name="Text Placeholder 2"/>
+          <p:cNvSpPr>
+            <a:spLocks noGrp="1"/>
+          </p:cNvSpPr>
+          <p:nvPr>
+            <p:ph type="body" sz="quarter" idx="12"/>
+          </p:nvPr>
+        </p:nvSpPr>
+        <p:spPr>
+          <a:xfrm>
+            <a:off x="650039" y="1856198"/>
+            <a:ext cx="14694039" cy="5345953"/>
+          </a:xfrm>
+        </p:spPr>
+        <p:txBody>
+          <a:bodyPr/>
+          <a:lstStyle/>
+          <a:p>
+            <a:r>
+              <a:rPr lang="en-US" dirty="0" smtClean="0"/>
+              <a:t>While not necessary, if you ever want to view the Compliance log files while you are scheduling or running a scan, keep in mind </a:t>
+            </a:r>
+            <a:r>
+              <a:rPr lang="en-US" dirty="0"/>
+              <a:t>that </a:t>
+            </a:r>
+            <a:r>
+              <a:rPr lang="en-US" dirty="0" smtClean="0"/>
+              <a:t>log files use </a:t>
+            </a:r>
+            <a:r>
+              <a:rPr lang="en-US" dirty="0"/>
+              <a:t>UTC time instead of your local browser time. </a:t>
+            </a:r>
+          </a:p>
+          <a:p>
+            <a:endParaRPr lang="en-US" dirty="0" smtClean="0"/>
+          </a:p>
+          <a:p>
+            <a:r>
+              <a:rPr lang="en-US" dirty="0" smtClean="0"/>
+              <a:t>To tail those logs, f</a:t>
+            </a:r>
+            <a:r>
+              <a:rPr lang="en-US" dirty="0" smtClean="0"/>
+              <a:t>rom your Compliance Server you can run:</a:t>
+            </a:r>
+            <a:br>
+              <a:rPr lang="en-US" dirty="0" smtClean="0"/>
+            </a:br>
+            <a:r>
+              <a:rPr lang="en-US" dirty="0" smtClean="0"/>
+              <a:t/>
+            </a:r>
+            <a:br>
+              <a:rPr lang="en-US" dirty="0" smtClean="0"/>
+            </a:br>
+            <a:r>
+              <a:rPr lang="en-US" dirty="0" smtClean="0"/>
+              <a:t>`sudo </a:t>
+            </a:r>
+            <a:r>
+              <a:rPr lang="en-US" dirty="0"/>
+              <a:t>tail -f /</a:t>
+            </a:r>
+            <a:r>
+              <a:rPr lang="en-US" dirty="0" smtClean="0"/>
+              <a:t>var/log/chef-compliance/core/current`</a:t>
+            </a:r>
+          </a:p>
+          <a:p>
+            <a:endParaRPr lang="en-US" dirty="0"/>
+          </a:p>
+          <a:p>
+            <a:endParaRPr lang="en-US" dirty="0" smtClean="0"/>
+          </a:p>
+          <a:p>
+            <a:endParaRPr lang="en-US" dirty="0"/>
+          </a:p>
+        </p:txBody>
+      </p:sp>
+    </p:spTree>
+    <p:extLst>
+      <p:ext uri="{BB962C8B-B14F-4D97-AF65-F5344CB8AC3E}">
+        <p14:creationId xmlns:p14="http://schemas.microsoft.com/office/powerpoint/2010/main" val="936402553"/>
+      </p:ext>
+    </p:extLst>
+  </p:cSld>
+  <p:clrMapOvr>
+    <a:masterClrMapping/>
+  </p:clrMapOvr>
+  <p:transition spd="med">
+    <p:fade/>
+  </p:transition>
+</p:sld>
+</file>
+
+<file path=ppt/slides/slide16.xml><?xml version="1.0" encoding="utf-8"?>
+<p:sld xmlns:a="http://schemas.openxmlformats.org/drawingml/2006/main" xmlns:r="http://schemas.openxmlformats.org/officeDocument/2006/relationships" xmlns:p="http://schemas.openxmlformats.org/presentationml/2006/main">
+  <p:cSld>
+    <p:spTree>
+      <p:nvGrpSpPr>
+        <p:cNvPr id="1" name=""/>
+        <p:cNvGrpSpPr/>
+        <p:nvPr/>
+      </p:nvGrpSpPr>
+      <p:grpSpPr>
+        <a:xfrm>
+          <a:off x="0" y="0"/>
+          <a:ext cx="0" cy="0"/>
+          <a:chOff x="0" y="0"/>
+          <a:chExt cx="0" cy="0"/>
+        </a:xfrm>
+      </p:grpSpPr>
+      <p:sp>
+        <p:nvSpPr>
+          <p:cNvPr id="2" name="Title 1"/>
+          <p:cNvSpPr>
+            <a:spLocks noGrp="1"/>
+          </p:cNvSpPr>
+          <p:nvPr>
+            <p:ph type="title"/>
+          </p:nvPr>
+        </p:nvSpPr>
+        <p:spPr/>
+        <p:txBody>
+          <a:bodyPr/>
+          <a:lstStyle/>
+          <a:p>
+            <a:r>
+              <a:rPr lang="en-US" dirty="0" smtClean="0"/>
+              <a:t>Demonstration: </a:t>
+            </a:r>
+            <a:r>
+              <a:rPr lang="en-US" dirty="0" smtClean="0"/>
+              <a:t>Scheduled Scan Logs</a:t>
+            </a:r>
+            <a:endParaRPr lang="en-US" dirty="0"/>
+          </a:p>
+        </p:txBody>
+      </p:sp>
+      <p:sp>
+        <p:nvSpPr>
+          <p:cNvPr id="3" name="Text Placeholder 2"/>
+          <p:cNvSpPr>
+            <a:spLocks noGrp="1"/>
+          </p:cNvSpPr>
+          <p:nvPr>
+            <p:ph type="body" sz="quarter" idx="12"/>
+          </p:nvPr>
+        </p:nvSpPr>
+        <p:spPr>
+          <a:xfrm>
+            <a:off x="7939667" y="1856198"/>
+            <a:ext cx="8051181" cy="5345953"/>
+          </a:xfrm>
+          <a:ln>
+            <a:solidFill>
+              <a:schemeClr val="accent1"/>
+            </a:solidFill>
+          </a:ln>
+        </p:spPr>
+        <p:txBody>
+          <a:bodyPr/>
+          <a:lstStyle/>
+          <a:p>
+            <a:r>
+              <a:rPr lang="en-US" sz="2400" dirty="0"/>
+              <a:t>2016-01-12_21:41:16.82603 21:41:16.825 DEB =&gt; Add job: admin/2e48b32c-bd3b-4024-9d15-f3fc82537290  2016-01-12 21:45:00 +0000 UTC  next: </a:t>
+            </a:r>
+            <a:r>
+              <a:rPr lang="en-US" sz="2400" b="1" dirty="0"/>
+              <a:t>2016-01-12 21:45:00</a:t>
+            </a:r>
+            <a:r>
+              <a:rPr lang="en-US" sz="2400" dirty="0"/>
+              <a:t> +0000 UTC</a:t>
+            </a:r>
+          </a:p>
+          <a:p>
+            <a:r>
+              <a:rPr lang="en-US" sz="2400" dirty="0"/>
+              <a:t>2016-01-12_21:41:16.83327 [GIN] 2016/01/12 - 21:41:16 | 200 |    9.475356ms | 50.170.125.99 |   POST    /owners/admin/jobs</a:t>
+            </a:r>
+          </a:p>
+          <a:p>
+            <a:r>
+              <a:rPr lang="en-US" sz="2400" dirty="0"/>
+              <a:t>2016-01-12_21:41:16.94064 [GIN] 2016/01/12 - 21:41:16 | 200 |    3.283171ms | 50.170.125.99 |   GET     /owners/admin/jobs</a:t>
+            </a:r>
+          </a:p>
+          <a:p>
+            <a:endParaRPr lang="en-US" sz="2400" dirty="0"/>
+          </a:p>
+          <a:p>
+            <a:endParaRPr lang="en-US" sz="2400" dirty="0" smtClean="0"/>
+          </a:p>
+          <a:p>
+            <a:endParaRPr lang="en-US" sz="2400" dirty="0"/>
+          </a:p>
+        </p:txBody>
+      </p:sp>
+      <p:pic>
+        <p:nvPicPr>
+          <p:cNvPr id="5" name="Picture 4"/>
+          <p:cNvPicPr>
+            <a:picLocks noChangeAspect="1"/>
+          </p:cNvPicPr>
+          <p:nvPr/>
+        </p:nvPicPr>
+        <p:blipFill>
+          <a:blip r:embed="rId3"/>
+          <a:stretch>
+            <a:fillRect/>
+          </a:stretch>
+        </p:blipFill>
+        <p:spPr>
+          <a:xfrm>
+            <a:off x="237781" y="1178079"/>
+            <a:ext cx="7269221" cy="6650076"/>
+          </a:xfrm>
+          <a:prstGeom prst="rect">
+            <a:avLst/>
+          </a:prstGeom>
+          <a:ln>
+            <a:solidFill>
+              <a:schemeClr val="accent1"/>
+            </a:solidFill>
+          </a:ln>
+        </p:spPr>
+      </p:pic>
+    </p:spTree>
+    <p:extLst>
+      <p:ext uri="{BB962C8B-B14F-4D97-AF65-F5344CB8AC3E}">
+        <p14:creationId xmlns:p14="http://schemas.microsoft.com/office/powerpoint/2010/main" val="2696772952"/>
+      </p:ext>
+    </p:extLst>
+  </p:cSld>
+  <p:clrMapOvr>
+    <a:masterClrMapping/>
+  </p:clrMapOvr>
+  <p:transition spd="med">
+    <p:fade/>
+  </p:transition>
+</p:sld>
+</file>
+
+<file path=ppt/slides/slide17.xml><?xml version="1.0" encoding="utf-8"?>
+<p:sld xmlns:a="http://schemas.openxmlformats.org/drawingml/2006/main" xmlns:r="http://schemas.openxmlformats.org/officeDocument/2006/relationships" xmlns:p="http://schemas.openxmlformats.org/presentationml/2006/main">
+  <p:cSld>
+    <p:spTree>
+      <p:nvGrpSpPr>
+        <p:cNvPr id="1" name=""/>
+        <p:cNvGrpSpPr/>
+        <p:nvPr/>
+      </p:nvGrpSpPr>
+      <p:grpSpPr>
+        <a:xfrm>
+          <a:off x="0" y="0"/>
+          <a:ext cx="0" cy="0"/>
+          <a:chOff x="0" y="0"/>
+          <a:chExt cx="0" cy="0"/>
+        </a:xfrm>
+      </p:grpSpPr>
+      <p:sp>
+        <p:nvSpPr>
+          <p:cNvPr id="2" name="Title 1"/>
+          <p:cNvSpPr>
+            <a:spLocks noGrp="1"/>
+          </p:cNvSpPr>
+          <p:nvPr>
             <p:ph type="ctrTitle"/>
           </p:nvPr>
         </p:nvSpPr>
@@ -13300,7 +14145,7 @@
 </p:sld>
 </file>
 
-<file path=ppt/slides/slide16.xml><?xml version="1.0" encoding="utf-8"?>
+<file path=ppt/slides/slide18.xml><?xml version="1.0" encoding="utf-8"?>
 <p:sld xmlns:a="http://schemas.openxmlformats.org/drawingml/2006/main" xmlns:r="http://schemas.openxmlformats.org/officeDocument/2006/relationships" xmlns:p="http://schemas.openxmlformats.org/presentationml/2006/main">
   <p:cSld>
     <p:spTree>
@@ -13461,7 +14306,7 @@
 </p:sld>
 </file>
 
-<file path=ppt/slides/slide17.xml><?xml version="1.0" encoding="utf-8"?>
+<file path=ppt/slides/slide19.xml><?xml version="1.0" encoding="utf-8"?>
 <p:sld xmlns:a="http://schemas.openxmlformats.org/drawingml/2006/main" xmlns:r="http://schemas.openxmlformats.org/officeDocument/2006/relationships" xmlns:p="http://schemas.openxmlformats.org/presentationml/2006/main">
   <p:cSld>
     <p:spTree>
@@ -13602,7 +14447,145 @@
 </p:sld>
 </file>
 
-<file path=ppt/slides/slide18.xml><?xml version="1.0" encoding="utf-8"?>
+<file path=ppt/slides/slide2.xml><?xml version="1.0" encoding="utf-8"?>
+<p:sld xmlns:a="http://schemas.openxmlformats.org/drawingml/2006/main" xmlns:r="http://schemas.openxmlformats.org/officeDocument/2006/relationships" xmlns:p="http://schemas.openxmlformats.org/presentationml/2006/main">
+  <p:cSld>
+    <p:bg>
+      <p:bgPr>
+        <a:gradFill rotWithShape="0">
+          <a:gsLst>
+            <a:gs pos="0">
+              <a:srgbClr val="F0F0F0"/>
+            </a:gs>
+            <a:gs pos="100000">
+              <a:schemeClr val="bg2"/>
+            </a:gs>
+          </a:gsLst>
+          <a:lin ang="5400000" scaled="1"/>
+        </a:gradFill>
+        <a:effectLst/>
+      </p:bgPr>
+    </p:bg>
+    <p:spTree>
+      <p:nvGrpSpPr>
+        <p:cNvPr id="1" name=""/>
+        <p:cNvGrpSpPr/>
+        <p:nvPr/>
+      </p:nvGrpSpPr>
+      <p:grpSpPr>
+        <a:xfrm>
+          <a:off x="0" y="0"/>
+          <a:ext cx="0" cy="0"/>
+          <a:chOff x="0" y="0"/>
+          <a:chExt cx="0" cy="0"/>
+        </a:xfrm>
+      </p:grpSpPr>
+      <p:sp>
+        <p:nvSpPr>
+          <p:cNvPr id="2" name="Title 1"/>
+          <p:cNvSpPr>
+            <a:spLocks noGrp="1"/>
+          </p:cNvSpPr>
+          <p:nvPr>
+            <p:ph type="title"/>
+          </p:nvPr>
+        </p:nvSpPr>
+        <p:spPr/>
+        <p:txBody>
+          <a:bodyPr/>
+          <a:lstStyle/>
+          <a:p>
+            <a:r>
+              <a:rPr lang="en-US" dirty="0" smtClean="0"/>
+              <a:t>Objectives</a:t>
+            </a:r>
+            <a:endParaRPr lang="en-US" dirty="0"/>
+          </a:p>
+        </p:txBody>
+      </p:sp>
+      <p:sp>
+        <p:nvSpPr>
+          <p:cNvPr id="3" name="Text Placeholder 2"/>
+          <p:cNvSpPr>
+            <a:spLocks noGrp="1"/>
+          </p:cNvSpPr>
+          <p:nvPr>
+            <p:ph type="body" sz="quarter" idx="12"/>
+          </p:nvPr>
+        </p:nvSpPr>
+        <p:spPr/>
+        <p:txBody>
+          <a:bodyPr/>
+          <a:lstStyle/>
+          <a:p>
+            <a:r>
+              <a:rPr lang="en-US" dirty="0" smtClean="0"/>
+              <a:t>After completing this module, you should be able to:</a:t>
+            </a:r>
+          </a:p>
+          <a:p>
+            <a:endParaRPr lang="en-US" dirty="0"/>
+          </a:p>
+          <a:p>
+            <a:pPr marL="457200" indent="-457200">
+              <a:buFont typeface="Wingdings" charset="2"/>
+              <a:buChar char="Ø"/>
+            </a:pPr>
+            <a:r>
+              <a:rPr lang="en-US" dirty="0" smtClean="0"/>
+              <a:t>Schedule scans.</a:t>
+            </a:r>
+          </a:p>
+          <a:p>
+            <a:pPr marL="457200" indent="-457200">
+              <a:buFont typeface="Wingdings" charset="2"/>
+              <a:buChar char="Ø"/>
+            </a:pPr>
+            <a:r>
+              <a:rPr lang="en-US" smtClean="0"/>
+              <a:t>View pending jobs.</a:t>
+            </a:r>
+            <a:endParaRPr lang="en-US" dirty="0" smtClean="0"/>
+          </a:p>
+          <a:p>
+            <a:pPr marL="457200" indent="-457200">
+              <a:buFont typeface="Wingdings" charset="2"/>
+              <a:buChar char="Ø"/>
+            </a:pPr>
+            <a:r>
+              <a:rPr lang="en-US" dirty="0" smtClean="0"/>
+              <a:t>Run Reports.</a:t>
+            </a:r>
+          </a:p>
+          <a:p>
+            <a:endParaRPr lang="en-US" dirty="0"/>
+          </a:p>
+        </p:txBody>
+      </p:sp>
+    </p:spTree>
+    <p:extLst>
+      <p:ext uri="{BB962C8B-B14F-4D97-AF65-F5344CB8AC3E}">
+        <p14:creationId xmlns:p14="http://schemas.microsoft.com/office/powerpoint/2010/main" val="3816834146"/>
+      </p:ext>
+    </p:extLst>
+  </p:cSld>
+  <p:clrMapOvr>
+    <a:masterClrMapping/>
+  </p:clrMapOvr>
+  <p:transition spd="med">
+    <p:fade/>
+  </p:transition>
+  <p:timing>
+    <p:tnLst>
+      <p:par>
+        <p:cTn id="1" dur="indefinite" restart="never" nodeType="tmRoot"/>
+      </p:par>
+    </p:tnLst>
+  </p:timing>
+</p:sld>
+</file>
+
+<file path=ppt/slides/slide20.xml><?xml version="1.0" encoding="utf-8"?>
 <p:sld xmlns:a="http://schemas.openxmlformats.org/drawingml/2006/main" xmlns:r="http://schemas.openxmlformats.org/officeDocument/2006/relationships" xmlns:p="http://schemas.openxmlformats.org/presentationml/2006/main">
   <p:cSld>
     <p:spTree>
@@ -13666,8 +14649,21 @@
           <a:p>
             <a:r>
               <a:rPr lang="en-US" dirty="0" smtClean="0"/>
-              <a:t>In the near future, Chef Compliance will also support exporting reports to Excel and PDF.</a:t>
-            </a:r>
+              <a:t>In the near future, Chef Compliance will also support exporting reports to Excel and sending to an </a:t>
+            </a:r>
+            <a:r>
+              <a:rPr lang="en-US" smtClean="0"/>
+              <a:t>email</a:t>
+            </a:r>
+            <a:r>
+              <a:rPr lang="en-US"/>
+              <a:t> </a:t>
+            </a:r>
+            <a:r>
+              <a:rPr lang="en-US" smtClean="0"/>
+              <a:t>recipient.</a:t>
+            </a:r>
+            <a:endParaRPr lang="en-US" dirty="0" smtClean="0"/>
           </a:p>
           <a:p>
             <a:endParaRPr lang="en-US" dirty="0"/>
@@ -13732,7 +14728,7 @@
 </p:sld>
 </file>
 
-<file path=ppt/slides/slide19.xml><?xml version="1.0" encoding="utf-8"?>
+<file path=ppt/slides/slide21.xml><?xml version="1.0" encoding="utf-8"?>
 <p:sld xmlns:a="http://schemas.openxmlformats.org/drawingml/2006/main" xmlns:r="http://schemas.openxmlformats.org/officeDocument/2006/relationships" xmlns:p="http://schemas.openxmlformats.org/presentationml/2006/main">
   <p:cSld>
     <p:spTree>
@@ -13825,7 +14821,172 @@
 </p:sld>
 </file>
 
-<file path=ppt/slides/slide2.xml><?xml version="1.0" encoding="utf-8"?>
+<file path=ppt/slides/slide22.xml><?xml version="1.0" encoding="utf-8"?>
+<p:sld xmlns:a="http://schemas.openxmlformats.org/drawingml/2006/main" xmlns:r="http://schemas.openxmlformats.org/officeDocument/2006/relationships" xmlns:p="http://schemas.openxmlformats.org/presentationml/2006/main">
+  <p:cSld>
+    <p:spTree>
+      <p:nvGrpSpPr>
+        <p:cNvPr id="1" name=""/>
+        <p:cNvGrpSpPr/>
+        <p:nvPr/>
+      </p:nvGrpSpPr>
+      <p:grpSpPr>
+        <a:xfrm>
+          <a:off x="0" y="0"/>
+          <a:ext cx="0" cy="0"/>
+          <a:chOff x="0" y="0"/>
+          <a:chExt cx="0" cy="0"/>
+        </a:xfrm>
+      </p:grpSpPr>
+      <p:sp>
+        <p:nvSpPr>
+          <p:cNvPr id="2" name="Title 1"/>
+          <p:cNvSpPr>
+            <a:spLocks noGrp="1"/>
+          </p:cNvSpPr>
+          <p:nvPr>
+            <p:ph type="ctrTitle"/>
+          </p:nvPr>
+        </p:nvSpPr>
+        <p:spPr/>
+        <p:txBody>
+          <a:bodyPr>
+            <a:normAutofit fontScale="90000"/>
+          </a:bodyPr>
+          <a:lstStyle/>
+          <a:p>
+            <a:r>
+              <a:rPr lang="en-US" dirty="0" smtClean="0"/>
+              <a:t>Scheduling Scans</a:t>
+            </a:r>
+            <a:endParaRPr lang="en-US" dirty="0"/>
+          </a:p>
+        </p:txBody>
+      </p:sp>
+      <p:sp>
+        <p:nvSpPr>
+          <p:cNvPr id="3" name="Subtitle 2"/>
+          <p:cNvSpPr>
+            <a:spLocks noGrp="1"/>
+          </p:cNvSpPr>
+          <p:nvPr>
+            <p:ph type="subTitle" idx="1"/>
+          </p:nvPr>
+        </p:nvSpPr>
+        <p:spPr>
+          <a:xfrm>
+            <a:off x="1671638" y="3271838"/>
+            <a:ext cx="12319000" cy="4317682"/>
+          </a:xfrm>
+        </p:spPr>
+        <p:txBody>
+          <a:bodyPr/>
+          <a:lstStyle/>
+          <a:p>
+            <a:endParaRPr lang="en-US" dirty="0"/>
+          </a:p>
+          <a:p>
+            <a:r>
+              <a:rPr lang="en-US" dirty="0"/>
+              <a:t>sudo tail -f /</a:t>
+            </a:r>
+            <a:r>
+              <a:rPr lang="en-US" dirty="0" smtClean="0"/>
+              <a:t>var/log/chef-compliance/core/current</a:t>
+            </a:r>
+          </a:p>
+          <a:p>
+            <a:endParaRPr lang="en-US" dirty="0"/>
+          </a:p>
+          <a:p>
+            <a:endParaRPr lang="en-US" dirty="0" smtClean="0"/>
+          </a:p>
+          <a:p>
+            <a:r>
+              <a:rPr lang="en-US" b="1" dirty="0" err="1">
+                <a:hlinkClick r:id="rId3"/>
+              </a:rPr>
+              <a:t>srenatus</a:t>
+            </a:r>
+            <a:r>
+              <a:rPr lang="en-US" b="1" dirty="0"/>
+              <a:t> </a:t>
+            </a:r>
+            <a:r>
+              <a:rPr lang="en-US" dirty="0"/>
+              <a:t>commented </a:t>
+            </a:r>
+            <a:r>
+              <a:rPr lang="en-US" dirty="0">
+                <a:hlinkClick r:id="rId4"/>
+              </a:rPr>
+              <a:t>9 minutes ago</a:t>
+            </a:r>
+            <a:endParaRPr lang="en-US" dirty="0"/>
+          </a:p>
+          <a:p>
+            <a:r>
+              <a:rPr lang="en-US" b="1" dirty="0">
+                <a:hlinkClick r:id="rId5"/>
+              </a:rPr>
+              <a:t>@</a:t>
+            </a:r>
+            <a:r>
+              <a:rPr lang="en-US" b="1" dirty="0" err="1">
+                <a:hlinkClick r:id="rId5"/>
+              </a:rPr>
+              <a:t>SteveDelFante</a:t>
+            </a:r>
+            <a:r>
+              <a:rPr lang="en-US" dirty="0"/>
+              <a:t> Hehe, I might hope so, but I wouldn't hold my breath. We have not found the real issue at play here yet. But tomorrows release is much more explicit about errors, and rejects "old jobs", so we can hopefully tackle this bug better with it. ;)</a:t>
+            </a:r>
+          </a:p>
+          <a:p>
+            <a:r>
+              <a:rPr lang="en-US" dirty="0"/>
+              <a:t>Scheduled times are still a rather split: recurring jobs uses UTC, one-off jobs local time. Nothing has changed there (yet -- </a:t>
+            </a:r>
+            <a:r>
+              <a:rPr lang="en-US" dirty="0">
+                <a:hlinkClick r:id="rId6" tooltip="Homogenize the handling of times, reject schedules in the past"/>
+              </a:rPr>
+              <a:t>#237</a:t>
+            </a:r>
+            <a:r>
+              <a:rPr lang="en-US" dirty="0"/>
+              <a:t>).</a:t>
+            </a:r>
+          </a:p>
+          <a:p>
+            <a:endParaRPr lang="en-US" dirty="0"/>
+          </a:p>
+        </p:txBody>
+      </p:sp>
+    </p:spTree>
+    <p:extLst>
+      <p:ext uri="{BB962C8B-B14F-4D97-AF65-F5344CB8AC3E}">
+        <p14:creationId xmlns:p14="http://schemas.microsoft.com/office/powerpoint/2010/main" val="2662865422"/>
+      </p:ext>
+    </p:extLst>
+  </p:cSld>
+  <p:clrMapOvr>
+    <a:masterClrMapping/>
+  </p:clrMapOvr>
+  <p:transition spd="med">
+    <p:fade/>
+  </p:transition>
+  <p:timing>
+    <p:tnLst>
+      <p:par>
+        <p:cTn id="1" dur="indefinite" restart="never" nodeType="tmRoot"/>
+      </p:par>
+    </p:tnLst>
+  </p:timing>
+</p:sld>
+</file>
+
+<file path=ppt/slides/slide23.xml><?xml version="1.0" encoding="utf-8"?>
 <p:sld xmlns:a="http://schemas.openxmlformats.org/drawingml/2006/main" xmlns:r="http://schemas.openxmlformats.org/officeDocument/2006/relationships" xmlns:p="http://schemas.openxmlformats.org/presentationml/2006/main">
   <p:cSld>
     <p:bg>
@@ -13875,309 +15036,6 @@
           <a:p>
             <a:r>
               <a:rPr lang="en-US" dirty="0" smtClean="0"/>
-              <a:t>Objectives</a:t>
-            </a:r>
-            <a:endParaRPr lang="en-US" dirty="0"/>
-          </a:p>
-        </p:txBody>
-      </p:sp>
-      <p:sp>
-        <p:nvSpPr>
-          <p:cNvPr id="3" name="Text Placeholder 2"/>
-          <p:cNvSpPr>
-            <a:spLocks noGrp="1"/>
-          </p:cNvSpPr>
-          <p:nvPr>
-            <p:ph type="body" sz="quarter" idx="12"/>
-          </p:nvPr>
-        </p:nvSpPr>
-        <p:spPr/>
-        <p:txBody>
-          <a:bodyPr/>
-          <a:lstStyle/>
-          <a:p>
-            <a:r>
-              <a:rPr lang="en-US" dirty="0" smtClean="0"/>
-              <a:t>After completing this module, you should be able to:</a:t>
-            </a:r>
-          </a:p>
-          <a:p>
-            <a:endParaRPr lang="en-US" dirty="0"/>
-          </a:p>
-          <a:p>
-            <a:pPr marL="457200" indent="-457200">
-              <a:buFont typeface="Wingdings" charset="2"/>
-              <a:buChar char="Ø"/>
-            </a:pPr>
-            <a:r>
-              <a:rPr lang="en-US" dirty="0" smtClean="0"/>
-              <a:t>Schedule scans.</a:t>
-            </a:r>
-          </a:p>
-          <a:p>
-            <a:pPr marL="457200" indent="-457200">
-              <a:buFont typeface="Wingdings" charset="2"/>
-              <a:buChar char="Ø"/>
-            </a:pPr>
-            <a:r>
-              <a:rPr lang="en-US" smtClean="0"/>
-              <a:t>View pending jobs.</a:t>
-            </a:r>
-            <a:endParaRPr lang="en-US" dirty="0" smtClean="0"/>
-          </a:p>
-          <a:p>
-            <a:pPr marL="457200" indent="-457200">
-              <a:buFont typeface="Wingdings" charset="2"/>
-              <a:buChar char="Ø"/>
-            </a:pPr>
-            <a:r>
-              <a:rPr lang="en-US" dirty="0" smtClean="0"/>
-              <a:t>Run Reports.</a:t>
-            </a:r>
-          </a:p>
-          <a:p>
-            <a:endParaRPr lang="en-US" dirty="0"/>
-          </a:p>
-        </p:txBody>
-      </p:sp>
-    </p:spTree>
-    <p:extLst>
-      <p:ext uri="{BB962C8B-B14F-4D97-AF65-F5344CB8AC3E}">
-        <p14:creationId xmlns:p14="http://schemas.microsoft.com/office/powerpoint/2010/main" val="3816834146"/>
-      </p:ext>
-    </p:extLst>
-  </p:cSld>
-  <p:clrMapOvr>
-    <a:masterClrMapping/>
-  </p:clrMapOvr>
-  <p:transition spd="med">
-    <p:fade/>
-  </p:transition>
-  <p:timing>
-    <p:tnLst>
-      <p:par>
-        <p:cTn id="1" dur="indefinite" restart="never" nodeType="tmRoot"/>
-      </p:par>
-    </p:tnLst>
-  </p:timing>
-</p:sld>
-</file>
-
-<file path=ppt/slides/slide20.xml><?xml version="1.0" encoding="utf-8"?>
-<p:sld xmlns:a="http://schemas.openxmlformats.org/drawingml/2006/main" xmlns:r="http://schemas.openxmlformats.org/officeDocument/2006/relationships" xmlns:p="http://schemas.openxmlformats.org/presentationml/2006/main">
-  <p:cSld>
-    <p:spTree>
-      <p:nvGrpSpPr>
-        <p:cNvPr id="1" name=""/>
-        <p:cNvGrpSpPr/>
-        <p:nvPr/>
-      </p:nvGrpSpPr>
-      <p:grpSpPr>
-        <a:xfrm>
-          <a:off x="0" y="0"/>
-          <a:ext cx="0" cy="0"/>
-          <a:chOff x="0" y="0"/>
-          <a:chExt cx="0" cy="0"/>
-        </a:xfrm>
-      </p:grpSpPr>
-      <p:sp>
-        <p:nvSpPr>
-          <p:cNvPr id="2" name="Title 1"/>
-          <p:cNvSpPr>
-            <a:spLocks noGrp="1"/>
-          </p:cNvSpPr>
-          <p:nvPr>
-            <p:ph type="ctrTitle"/>
-          </p:nvPr>
-        </p:nvSpPr>
-        <p:spPr/>
-        <p:txBody>
-          <a:bodyPr>
-            <a:normAutofit fontScale="90000"/>
-          </a:bodyPr>
-          <a:lstStyle/>
-          <a:p>
-            <a:r>
-              <a:rPr lang="en-US" dirty="0" smtClean="0"/>
-              <a:t>Scheduling Scans</a:t>
-            </a:r>
-            <a:endParaRPr lang="en-US" dirty="0"/>
-          </a:p>
-        </p:txBody>
-      </p:sp>
-      <p:sp>
-        <p:nvSpPr>
-          <p:cNvPr id="3" name="Subtitle 2"/>
-          <p:cNvSpPr>
-            <a:spLocks noGrp="1"/>
-          </p:cNvSpPr>
-          <p:nvPr>
-            <p:ph type="subTitle" idx="1"/>
-          </p:nvPr>
-        </p:nvSpPr>
-        <p:spPr>
-          <a:xfrm>
-            <a:off x="1671638" y="3271838"/>
-            <a:ext cx="12319000" cy="4317682"/>
-          </a:xfrm>
-        </p:spPr>
-        <p:txBody>
-          <a:bodyPr/>
-          <a:lstStyle/>
-          <a:p>
-            <a:endParaRPr lang="en-US" dirty="0"/>
-          </a:p>
-          <a:p>
-            <a:r>
-              <a:rPr lang="en-US" dirty="0"/>
-              <a:t>sudo tail -f /</a:t>
-            </a:r>
-            <a:r>
-              <a:rPr lang="en-US" dirty="0" smtClean="0"/>
-              <a:t>var/log/chef-compliance/core/current</a:t>
-            </a:r>
-          </a:p>
-          <a:p>
-            <a:endParaRPr lang="en-US" dirty="0"/>
-          </a:p>
-          <a:p>
-            <a:endParaRPr lang="en-US" dirty="0" smtClean="0"/>
-          </a:p>
-          <a:p>
-            <a:r>
-              <a:rPr lang="en-US" b="1" dirty="0" err="1">
-                <a:hlinkClick r:id="rId3"/>
-              </a:rPr>
-              <a:t>srenatus</a:t>
-            </a:r>
-            <a:r>
-              <a:rPr lang="en-US" b="1" dirty="0"/>
-              <a:t> </a:t>
-            </a:r>
-            <a:r>
-              <a:rPr lang="en-US" dirty="0"/>
-              <a:t>commented </a:t>
-            </a:r>
-            <a:r>
-              <a:rPr lang="en-US" dirty="0">
-                <a:hlinkClick r:id="rId4"/>
-              </a:rPr>
-              <a:t>9 minutes ago</a:t>
-            </a:r>
-            <a:endParaRPr lang="en-US" dirty="0"/>
-          </a:p>
-          <a:p>
-            <a:r>
-              <a:rPr lang="en-US" b="1" dirty="0">
-                <a:hlinkClick r:id="rId5"/>
-              </a:rPr>
-              <a:t>@</a:t>
-            </a:r>
-            <a:r>
-              <a:rPr lang="en-US" b="1" dirty="0" err="1">
-                <a:hlinkClick r:id="rId5"/>
-              </a:rPr>
-              <a:t>SteveDelFante</a:t>
-            </a:r>
-            <a:r>
-              <a:rPr lang="en-US" dirty="0"/>
-              <a:t> Hehe, I might hope so, but I wouldn't hold my breath. We have not found the real issue at play here yet. But tomorrows release is much more explicit about errors, and rejects "old jobs", so we can hopefully tackle this bug better with it. ;)</a:t>
-            </a:r>
-          </a:p>
-          <a:p>
-            <a:r>
-              <a:rPr lang="en-US" dirty="0"/>
-              <a:t>Scheduled times are still a rather split: recurring jobs uses UTC, one-off jobs local time. Nothing has changed there (yet -- </a:t>
-            </a:r>
-            <a:r>
-              <a:rPr lang="en-US" dirty="0">
-                <a:hlinkClick r:id="rId6" tooltip="Homogenize the handling of times, reject schedules in the past"/>
-              </a:rPr>
-              <a:t>#237</a:t>
-            </a:r>
-            <a:r>
-              <a:rPr lang="en-US" dirty="0"/>
-              <a:t>).</a:t>
-            </a:r>
-          </a:p>
-          <a:p>
-            <a:endParaRPr lang="en-US" dirty="0"/>
-          </a:p>
-        </p:txBody>
-      </p:sp>
-    </p:spTree>
-    <p:extLst>
-      <p:ext uri="{BB962C8B-B14F-4D97-AF65-F5344CB8AC3E}">
-        <p14:creationId xmlns:p14="http://schemas.microsoft.com/office/powerpoint/2010/main" val="2662865422"/>
-      </p:ext>
-    </p:extLst>
-  </p:cSld>
-  <p:clrMapOvr>
-    <a:masterClrMapping/>
-  </p:clrMapOvr>
-  <p:transition spd="med">
-    <p:fade/>
-  </p:transition>
-  <p:timing>
-    <p:tnLst>
-      <p:par>
-        <p:cTn id="1" dur="indefinite" restart="never" nodeType="tmRoot"/>
-      </p:par>
-    </p:tnLst>
-  </p:timing>
-</p:sld>
-</file>
-
-<file path=ppt/slides/slide21.xml><?xml version="1.0" encoding="utf-8"?>
-<p:sld xmlns:a="http://schemas.openxmlformats.org/drawingml/2006/main" xmlns:r="http://schemas.openxmlformats.org/officeDocument/2006/relationships" xmlns:p="http://schemas.openxmlformats.org/presentationml/2006/main">
-  <p:cSld>
-    <p:bg>
-      <p:bgPr>
-        <a:gradFill rotWithShape="0">
-          <a:gsLst>
-            <a:gs pos="0">
-              <a:srgbClr val="F0F0F0"/>
-            </a:gs>
-            <a:gs pos="100000">
-              <a:schemeClr val="bg2"/>
-            </a:gs>
-          </a:gsLst>
-          <a:lin ang="5400000" scaled="1"/>
-        </a:gradFill>
-        <a:effectLst/>
-      </p:bgPr>
-    </p:bg>
-    <p:spTree>
-      <p:nvGrpSpPr>
-        <p:cNvPr id="1" name=""/>
-        <p:cNvGrpSpPr/>
-        <p:nvPr/>
-      </p:nvGrpSpPr>
-      <p:grpSpPr>
-        <a:xfrm>
-          <a:off x="0" y="0"/>
-          <a:ext cx="0" cy="0"/>
-          <a:chOff x="0" y="0"/>
-          <a:chExt cx="0" cy="0"/>
-        </a:xfrm>
-      </p:grpSpPr>
-      <p:sp>
-        <p:nvSpPr>
-          <p:cNvPr id="2" name="Title 1"/>
-          <p:cNvSpPr>
-            <a:spLocks noGrp="1"/>
-          </p:cNvSpPr>
-          <p:nvPr>
-            <p:ph type="title"/>
-          </p:nvPr>
-        </p:nvSpPr>
-        <p:spPr/>
-        <p:txBody>
-          <a:bodyPr/>
-          <a:lstStyle/>
-          <a:p>
-            <a:r>
-              <a:rPr lang="en-US" dirty="0" smtClean="0"/>
               <a:t>Review Questions</a:t>
             </a:r>
             <a:endParaRPr lang="en-US" dirty="0"/>
@@ -14308,7 +15166,7 @@
 </p:sld>
 </file>
 
-<file path=ppt/slides/slide22.xml><?xml version="1.0" encoding="utf-8"?>
+<file path=ppt/slides/slide24.xml><?xml version="1.0" encoding="utf-8"?>
 <p:sld xmlns:a="http://schemas.openxmlformats.org/drawingml/2006/main" xmlns:r="http://schemas.openxmlformats.org/officeDocument/2006/relationships" xmlns:p="http://schemas.openxmlformats.org/presentationml/2006/main">
   <p:cSld>
     <p:spTree>
@@ -14741,7 +15599,7 @@
             </a:r>
             <a:r>
               <a:rPr lang="en-US" dirty="0" smtClean="0"/>
-              <a:t>UTC.</a:t>
+              <a:t>UTC. (Universal Time Coordinated which equals GMT.)</a:t>
             </a:r>
             <a:endParaRPr lang="en-US" dirty="0"/>
           </a:p>
@@ -14830,25 +15688,6 @@
       </p:sp>
       <p:sp>
         <p:nvSpPr>
-          <p:cNvPr id="3" name="Content Placeholder 2"/>
-          <p:cNvSpPr>
-            <a:spLocks noGrp="1"/>
-          </p:cNvSpPr>
-          <p:nvPr>
-            <p:ph sz="quarter" idx="11"/>
-          </p:nvPr>
-        </p:nvSpPr>
-        <p:spPr/>
-        <p:txBody>
-          <a:bodyPr/>
-          <a:lstStyle/>
-          <a:p>
-            <a:endParaRPr lang="en-US"/>
-          </a:p>
-        </p:txBody>
-      </p:sp>
-      <p:sp>
-        <p:nvSpPr>
           <p:cNvPr id="4" name="Text Placeholder 3"/>
           <p:cNvSpPr>
             <a:spLocks noGrp="1"/>
@@ -14888,7 +15727,7 @@
             </a:pPr>
             <a:r>
               <a:rPr lang="en-US" dirty="0" smtClean="0"/>
-              <a:t>tail the log file when the scheduled scan runs.</a:t>
+              <a:t>TBD tail the log file when the scheduled scan runs.</a:t>
             </a:r>
             <a:endParaRPr lang="en-US" dirty="0"/>
           </a:p>
@@ -14986,8 +15825,13 @@
             </a:r>
             <a:r>
               <a:rPr lang="en-US" dirty="0" smtClean="0"/>
-              <a:t>elect your Linux target node.</a:t>
-            </a:r>
+              <a:t>elect </a:t>
+            </a:r>
+            <a:r>
+              <a:rPr lang="en-US" dirty="0" smtClean="0"/>
+              <a:t>one of your target nodes.</a:t>
+            </a:r>
+            <a:endParaRPr lang="en-US" dirty="0" smtClean="0"/>
           </a:p>
           <a:p>
             <a:r>
@@ -15115,7 +15959,7 @@
           <a:p>
             <a:r>
               <a:rPr lang="en-US" dirty="0" smtClean="0"/>
-              <a:t>4.Deselect all profiles.</a:t>
+              <a:t>4. Deselect all profiles.</a:t>
             </a:r>
           </a:p>
           <a:p>
@@ -15129,8 +15973,21 @@
             </a:r>
             <a:r>
               <a:rPr lang="en-US" dirty="0" smtClean="0"/>
-              <a:t> profile</a:t>
-            </a:r>
+              <a:t> </a:t>
+            </a:r>
+            <a:r>
+              <a:rPr lang="en-US" dirty="0" smtClean="0"/>
+              <a:t>profile for a Linux node or </a:t>
+            </a:r>
+            <a:r>
+              <a:rPr lang="en-US" b="1" dirty="0" smtClean="0"/>
+              <a:t>base/windows</a:t>
+            </a:r>
+            <a:r>
+              <a:rPr lang="en-US" dirty="0" smtClean="0"/>
+              <a:t> profile for a Windows node</a:t>
+            </a:r>
+            <a:endParaRPr lang="en-US" dirty="0" smtClean="0"/>
           </a:p>
           <a:p>
             <a:r>
@@ -15258,7 +16115,7 @@
           <a:p>
             <a:r>
               <a:rPr lang="en-US" dirty="0" smtClean="0"/>
-              <a:t>7. If you like, type a name for this scan in the </a:t>
+              <a:t>7. Type a name for this scan in the </a:t>
             </a:r>
             <a:r>
               <a:rPr lang="en-US" b="1" dirty="0" smtClean="0"/>
@@ -16829,73 +17686,6 @@
 </file>
 
 <file path=customXml/item1.xml><?xml version="1.0" encoding="utf-8"?>
-<p:properties xmlns:p="http://schemas.microsoft.com/office/2006/metadata/properties" xmlns:xsi="http://www.w3.org/2001/XMLSchema-instance" xmlns:pc="http://schemas.microsoft.com/office/infopath/2007/PartnerControls">
-  <documentManagement>
-    <_dlc_DocId xmlns="7bb5d761-a2ea-4873-95f7-7a6658fb3ef0">M4CWTKMW727E-592-73</_dlc_DocId>
-    <_dlc_DocIdUrl xmlns="7bb5d761-a2ea-4873-95f7-7a6658fb3ef0">
-      <Url>https://kms.vci.local/marketing/team/_layouts/DocIdRedir.aspx?ID=M4CWTKMW727E-592-73</Url>
-      <Description>M4CWTKMW727E-592-73</Description>
-    </_dlc_DocIdUrl>
-  </documentManagement>
-</p:properties>
-</file>
-
-<file path=customXml/item2.xml><?xml version="1.0" encoding="utf-8"?>
-<?mso-contentType ?>
-<FormTemplates xmlns="http://schemas.microsoft.com/sharepoint/v3/contenttype/forms">
-  <Display>DocumentLibraryForm</Display>
-  <Edit>DocumentLibraryForm</Edit>
-  <New>DocumentLibraryForm</New>
-</FormTemplates>
-</file>
-
-<file path=customXml/item3.xml><?xml version="1.0" encoding="utf-8"?>
-<?mso-contentType ?>
-<spe:Receivers xmlns:spe="http://schemas.microsoft.com/sharepoint/events">
-  <Receiver>
-    <Name>Document ID Generator</Name>
-    <Synchronization>Synchronous</Synchronization>
-    <Type>10001</Type>
-    <SequenceNumber>1000</SequenceNumber>
-    <Assembly>Microsoft.Office.DocumentManagement, Version=14.0.0.0, Culture=neutral, PublicKeyToken=71e9bce111e9429c</Assembly>
-    <Class>Microsoft.Office.DocumentManagement.Internal.DocIdHandler</Class>
-    <Data/>
-    <Filter/>
-  </Receiver>
-  <Receiver>
-    <Name>Document ID Generator</Name>
-    <Synchronization>Synchronous</Synchronization>
-    <Type>10002</Type>
-    <SequenceNumber>1001</SequenceNumber>
-    <Assembly>Microsoft.Office.DocumentManagement, Version=14.0.0.0, Culture=neutral, PublicKeyToken=71e9bce111e9429c</Assembly>
-    <Class>Microsoft.Office.DocumentManagement.Internal.DocIdHandler</Class>
-    <Data/>
-    <Filter/>
-  </Receiver>
-  <Receiver>
-    <Name>Document ID Generator</Name>
-    <Synchronization>Synchronous</Synchronization>
-    <Type>10004</Type>
-    <SequenceNumber>1002</SequenceNumber>
-    <Assembly>Microsoft.Office.DocumentManagement, Version=14.0.0.0, Culture=neutral, PublicKeyToken=71e9bce111e9429c</Assembly>
-    <Class>Microsoft.Office.DocumentManagement.Internal.DocIdHandler</Class>
-    <Data/>
-    <Filter/>
-  </Receiver>
-  <Receiver>
-    <Name>Document ID Generator</Name>
-    <Synchronization>Synchronous</Synchronization>
-    <Type>10006</Type>
-    <SequenceNumber>1003</SequenceNumber>
-    <Assembly>Microsoft.Office.DocumentManagement, Version=14.0.0.0, Culture=neutral, PublicKeyToken=71e9bce111e9429c</Assembly>
-    <Class>Microsoft.Office.DocumentManagement.Internal.DocIdHandler</Class>
-    <Data/>
-    <Filter/>
-  </Receiver>
-</spe:Receivers>
-</file>
-
-<file path=customXml/item4.xml><?xml version="1.0" encoding="utf-8"?>
 <ct:contentTypeSchema xmlns:ct="http://schemas.microsoft.com/office/2006/metadata/contentType" xmlns:ma="http://schemas.microsoft.com/office/2006/metadata/properties/metaAttributes" ct:_="" ma:_="" ma:contentTypeName="Document" ma:contentTypeID="0x0101000812F700BE7F874999720E88173FE491" ma:contentTypeVersion="0" ma:contentTypeDescription="Create a new document." ma:contentTypeScope="" ma:versionID="3f79f408e2ca720b7aba6e0e32464d0c">
   <xsd:schema xmlns:xsd="http://www.w3.org/2001/XMLSchema" xmlns:xs="http://www.w3.org/2001/XMLSchema" xmlns:p="http://schemas.microsoft.com/office/2006/metadata/properties" xmlns:ns2="7bb5d761-a2ea-4873-95f7-7a6658fb3ef0" targetNamespace="http://schemas.microsoft.com/office/2006/metadata/properties" ma:root="true" ma:fieldsID="1e062cd38ba31e406bfc4340fbc7f87a" ns2:_="">
     <xsd:import namespace="7bb5d761-a2ea-4873-95f7-7a6658fb3ef0"/>
@@ -17040,7 +17830,92 @@
 </ct:contentTypeSchema>
 </file>
 
+<file path=customXml/item2.xml><?xml version="1.0" encoding="utf-8"?>
+<p:properties xmlns:p="http://schemas.microsoft.com/office/2006/metadata/properties" xmlns:xsi="http://www.w3.org/2001/XMLSchema-instance" xmlns:pc="http://schemas.microsoft.com/office/infopath/2007/PartnerControls">
+  <documentManagement>
+    <_dlc_DocId xmlns="7bb5d761-a2ea-4873-95f7-7a6658fb3ef0">M4CWTKMW727E-592-73</_dlc_DocId>
+    <_dlc_DocIdUrl xmlns="7bb5d761-a2ea-4873-95f7-7a6658fb3ef0">
+      <Url>https://kms.vci.local/marketing/team/_layouts/DocIdRedir.aspx?ID=M4CWTKMW727E-592-73</Url>
+      <Description>M4CWTKMW727E-592-73</Description>
+    </_dlc_DocIdUrl>
+  </documentManagement>
+</p:properties>
+</file>
+
+<file path=customXml/item3.xml><?xml version="1.0" encoding="utf-8"?>
+<?mso-contentType ?>
+<FormTemplates xmlns="http://schemas.microsoft.com/sharepoint/v3/contenttype/forms">
+  <Display>DocumentLibraryForm</Display>
+  <Edit>DocumentLibraryForm</Edit>
+  <New>DocumentLibraryForm</New>
+</FormTemplates>
+</file>
+
+<file path=customXml/item4.xml><?xml version="1.0" encoding="utf-8"?>
+<?mso-contentType ?>
+<spe:Receivers xmlns:spe="http://schemas.microsoft.com/sharepoint/events">
+  <Receiver>
+    <Name>Document ID Generator</Name>
+    <Synchronization>Synchronous</Synchronization>
+    <Type>10001</Type>
+    <SequenceNumber>1000</SequenceNumber>
+    <Assembly>Microsoft.Office.DocumentManagement, Version=14.0.0.0, Culture=neutral, PublicKeyToken=71e9bce111e9429c</Assembly>
+    <Class>Microsoft.Office.DocumentManagement.Internal.DocIdHandler</Class>
+    <Data/>
+    <Filter/>
+  </Receiver>
+  <Receiver>
+    <Name>Document ID Generator</Name>
+    <Synchronization>Synchronous</Synchronization>
+    <Type>10002</Type>
+    <SequenceNumber>1001</SequenceNumber>
+    <Assembly>Microsoft.Office.DocumentManagement, Version=14.0.0.0, Culture=neutral, PublicKeyToken=71e9bce111e9429c</Assembly>
+    <Class>Microsoft.Office.DocumentManagement.Internal.DocIdHandler</Class>
+    <Data/>
+    <Filter/>
+  </Receiver>
+  <Receiver>
+    <Name>Document ID Generator</Name>
+    <Synchronization>Synchronous</Synchronization>
+    <Type>10004</Type>
+    <SequenceNumber>1002</SequenceNumber>
+    <Assembly>Microsoft.Office.DocumentManagement, Version=14.0.0.0, Culture=neutral, PublicKeyToken=71e9bce111e9429c</Assembly>
+    <Class>Microsoft.Office.DocumentManagement.Internal.DocIdHandler</Class>
+    <Data/>
+    <Filter/>
+  </Receiver>
+  <Receiver>
+    <Name>Document ID Generator</Name>
+    <Synchronization>Synchronous</Synchronization>
+    <Type>10006</Type>
+    <SequenceNumber>1003</SequenceNumber>
+    <Assembly>Microsoft.Office.DocumentManagement, Version=14.0.0.0, Culture=neutral, PublicKeyToken=71e9bce111e9429c</Assembly>
+    <Class>Microsoft.Office.DocumentManagement.Internal.DocIdHandler</Class>
+    <Data/>
+    <Filter/>
+  </Receiver>
+</spe:Receivers>
+</file>
+
 <file path=customXml/itemProps1.xml><?xml version="1.0" encoding="utf-8"?>
+<ds:datastoreItem xmlns:ds="http://schemas.openxmlformats.org/officeDocument/2006/customXml" ds:itemID="{164479E5-0B02-49AC-B79E-EC1D6164DDD3}">
+  <ds:schemaRefs>
+    <ds:schemaRef ds:uri="http://schemas.microsoft.com/office/2006/metadata/contentType"/>
+    <ds:schemaRef ds:uri="http://schemas.microsoft.com/office/2006/metadata/properties/metaAttributes"/>
+    <ds:schemaRef ds:uri="http://www.w3.org/2001/XMLSchema"/>
+    <ds:schemaRef ds:uri="http://schemas.microsoft.com/office/2006/metadata/properties"/>
+    <ds:schemaRef ds:uri="7bb5d761-a2ea-4873-95f7-7a6658fb3ef0"/>
+    <ds:schemaRef ds:uri="http://schemas.microsoft.com/office/2006/documentManagement/types"/>
+    <ds:schemaRef ds:uri="http://schemas.microsoft.com/office/infopath/2007/PartnerControls"/>
+    <ds:schemaRef ds:uri="http://schemas.openxmlformats.org/package/2006/metadata/core-properties"/>
+    <ds:schemaRef ds:uri="http://purl.org/dc/elements/1.1/"/>
+    <ds:schemaRef ds:uri="http://purl.org/dc/terms/"/>
+    <ds:schemaRef ds:uri="http://schemas.microsoft.com/internal/obd"/>
+  </ds:schemaRefs>
+</ds:datastoreItem>
+</file>
+
+<file path=customXml/itemProps2.xml><?xml version="1.0" encoding="utf-8"?>
 <ds:datastoreItem xmlns:ds="http://schemas.openxmlformats.org/officeDocument/2006/customXml" ds:itemID="{6921749B-AEB7-461B-845F-603CABD25259}">
   <ds:schemaRefs>
     <ds:schemaRef ds:uri="http://schemas.microsoft.com/office/2006/documentManagement/types"/>
@@ -17056,7 +17931,7 @@
 </ds:datastoreItem>
 </file>
 
-<file path=customXml/itemProps2.xml><?xml version="1.0" encoding="utf-8"?>
+<file path=customXml/itemProps3.xml><?xml version="1.0" encoding="utf-8"?>
 <ds:datastoreItem xmlns:ds="http://schemas.openxmlformats.org/officeDocument/2006/customXml" ds:itemID="{5CDEB364-43EC-4510-9881-539C2A3FCE9E}">
   <ds:schemaRefs>
     <ds:schemaRef ds:uri="http://schemas.microsoft.com/sharepoint/v3/contenttype/forms"/>
@@ -17064,28 +17939,10 @@
 </ds:datastoreItem>
 </file>
 
-<file path=customXml/itemProps3.xml><?xml version="1.0" encoding="utf-8"?>
+<file path=customXml/itemProps4.xml><?xml version="1.0" encoding="utf-8"?>
 <ds:datastoreItem xmlns:ds="http://schemas.openxmlformats.org/officeDocument/2006/customXml" ds:itemID="{B13EBC30-FE27-4C6A-B723-23FC2188F7DC}">
   <ds:schemaRefs>
     <ds:schemaRef ds:uri="http://schemas.microsoft.com/sharepoint/events"/>
   </ds:schemaRefs>
 </ds:datastoreItem>
-</file>
-
-<file path=customXml/itemProps4.xml><?xml version="1.0" encoding="utf-8"?>
-<ds:datastoreItem xmlns:ds="http://schemas.openxmlformats.org/officeDocument/2006/customXml" ds:itemID="{164479E5-0B02-49AC-B79E-EC1D6164DDD3}">
-  <ds:schemaRefs>
-    <ds:schemaRef ds:uri="http://schemas.microsoft.com/office/2006/metadata/contentType"/>
-    <ds:schemaRef ds:uri="http://schemas.microsoft.com/office/2006/metadata/properties/metaAttributes"/>
-    <ds:schemaRef ds:uri="http://www.w3.org/2001/XMLSchema"/>
-    <ds:schemaRef ds:uri="http://schemas.microsoft.com/office/2006/metadata/properties"/>
-    <ds:schemaRef ds:uri="7bb5d761-a2ea-4873-95f7-7a6658fb3ef0"/>
-    <ds:schemaRef ds:uri="http://schemas.microsoft.com/office/2006/documentManagement/types"/>
-    <ds:schemaRef ds:uri="http://schemas.microsoft.com/office/infopath/2007/PartnerControls"/>
-    <ds:schemaRef ds:uri="http://schemas.openxmlformats.org/package/2006/metadata/core-properties"/>
-    <ds:schemaRef ds:uri="http://purl.org/dc/elements/1.1/"/>
-    <ds:schemaRef ds:uri="http://purl.org/dc/terms/"/>
-    <ds:schemaRef ds:uri="http://schemas.microsoft.com/internal/obd"/>
-  </ds:schemaRefs>
-</ds:datastoreItem>
 </file>
--- a/06-scheduling-scans-reports.pptx
+++ b/06-scheduling-scans-reports.pptx
@@ -6,10 +6,10 @@
     <p:sldMasterId id="2147483847" r:id="rId6"/>
   </p:sldMasterIdLst>
   <p:notesMasterIdLst>
-    <p:notesMasterId r:id="rId31"/>
+    <p:notesMasterId r:id="rId33"/>
   </p:notesMasterIdLst>
   <p:handoutMasterIdLst>
-    <p:handoutMasterId r:id="rId32"/>
+    <p:handoutMasterId r:id="rId34"/>
   </p:handoutMasterIdLst>
   <p:sldIdLst>
     <p:sldId id="256" r:id="rId7"/>
@@ -32,10 +32,12 @@
     <p:sldId id="327" r:id="rId24"/>
     <p:sldId id="326" r:id="rId25"/>
     <p:sldId id="335" r:id="rId26"/>
-    <p:sldId id="316" r:id="rId27"/>
-    <p:sldId id="332" r:id="rId28"/>
-    <p:sldId id="276" r:id="rId29"/>
-    <p:sldId id="267" r:id="rId30"/>
+    <p:sldId id="338" r:id="rId27"/>
+    <p:sldId id="339" r:id="rId28"/>
+    <p:sldId id="340" r:id="rId29"/>
+    <p:sldId id="316" r:id="rId30"/>
+    <p:sldId id="276" r:id="rId31"/>
+    <p:sldId id="267" r:id="rId32"/>
   </p:sldIdLst>
   <p:sldSz cx="16256000" cy="9144000"/>
   <p:notesSz cx="6858000" cy="9144000"/>
@@ -297,7 +299,7 @@
               <a:pPr>
                 <a:defRPr/>
               </a:pPr>
-              <a:t>2016-01-12</a:t>
+              <a:t>2016-01-14</a:t>
             </a:fld>
             <a:endParaRPr lang="en-US" dirty="0"/>
           </a:p>
@@ -480,7 +482,7 @@
               <a:pPr>
                 <a:defRPr/>
               </a:pPr>
-              <a:t>2016-01-12</a:t>
+              <a:t>2016-01-14</a:t>
             </a:fld>
             <a:endParaRPr lang="en-US" dirty="0"/>
           </a:p>
@@ -3046,7 +3048,7 @@
               <a:pPr>
                 <a:defRPr/>
               </a:pPr>
-              <a:t>21</a:t>
+              <a:t>24</a:t>
             </a:fld>
             <a:endParaRPr lang="en-US" dirty="0"/>
           </a:p>
@@ -3100,140 +3102,6 @@
     <p:extLst>
       <p:ext uri="{BB962C8B-B14F-4D97-AF65-F5344CB8AC3E}">
         <p14:creationId xmlns:p14="http://schemas.microsoft.com/office/powerpoint/2010/main" val="2076100887"/>
-      </p:ext>
-    </p:extLst>
-  </p:cSld>
-  <p:clrMapOvr>
-    <a:masterClrMapping/>
-  </p:clrMapOvr>
-</p:notes>
-</file>
-
-<file path=ppt/notesSlides/notesSlide12.xml><?xml version="1.0" encoding="utf-8"?>
-<p:notes xmlns:a="http://schemas.openxmlformats.org/drawingml/2006/main" xmlns:r="http://schemas.openxmlformats.org/officeDocument/2006/relationships" xmlns:p="http://schemas.openxmlformats.org/presentationml/2006/main">
-  <p:cSld>
-    <p:spTree>
-      <p:nvGrpSpPr>
-        <p:cNvPr id="1" name=""/>
-        <p:cNvGrpSpPr/>
-        <p:nvPr/>
-      </p:nvGrpSpPr>
-      <p:grpSpPr>
-        <a:xfrm>
-          <a:off x="0" y="0"/>
-          <a:ext cx="0" cy="0"/>
-          <a:chOff x="0" y="0"/>
-          <a:chExt cx="0" cy="0"/>
-        </a:xfrm>
-      </p:grpSpPr>
-      <p:sp>
-        <p:nvSpPr>
-          <p:cNvPr id="2" name="Slide Image Placeholder 1"/>
-          <p:cNvSpPr>
-            <a:spLocks noGrp="1" noRot="1" noChangeAspect="1"/>
-          </p:cNvSpPr>
-          <p:nvPr>
-            <p:ph type="sldImg"/>
-          </p:nvPr>
-        </p:nvSpPr>
-        <p:spPr/>
-      </p:sp>
-      <p:sp>
-        <p:nvSpPr>
-          <p:cNvPr id="3" name="Notes Placeholder 2"/>
-          <p:cNvSpPr>
-            <a:spLocks noGrp="1"/>
-          </p:cNvSpPr>
-          <p:nvPr>
-            <p:ph type="body" idx="1"/>
-          </p:nvPr>
-        </p:nvSpPr>
-        <p:spPr/>
-        <p:txBody>
-          <a:bodyPr/>
-          <a:lstStyle/>
-          <a:p>
-            <a:endParaRPr lang="en-US" dirty="0"/>
-          </a:p>
-        </p:txBody>
-      </p:sp>
-      <p:sp>
-        <p:nvSpPr>
-          <p:cNvPr id="4" name="Slide Number Placeholder 3"/>
-          <p:cNvSpPr>
-            <a:spLocks noGrp="1"/>
-          </p:cNvSpPr>
-          <p:nvPr>
-            <p:ph type="sldNum" sz="quarter" idx="10"/>
-          </p:nvPr>
-        </p:nvSpPr>
-        <p:spPr/>
-        <p:txBody>
-          <a:bodyPr/>
-          <a:lstStyle/>
-          <a:p>
-            <a:pPr>
-              <a:defRPr/>
-            </a:pPr>
-            <a:fld id="{DC3734AA-3150-D947-AC52-2F5DF48BFCD5}" type="slidenum">
-              <a:rPr lang="en-US" smtClean="0"/>
-              <a:pPr>
-                <a:defRPr/>
-              </a:pPr>
-              <a:t>22</a:t>
-            </a:fld>
-            <a:endParaRPr lang="en-US" dirty="0"/>
-          </a:p>
-        </p:txBody>
-      </p:sp>
-      <p:sp>
-        <p:nvSpPr>
-          <p:cNvPr id="5" name="Header Placeholder 4"/>
-          <p:cNvSpPr>
-            <a:spLocks noGrp="1"/>
-          </p:cNvSpPr>
-          <p:nvPr>
-            <p:ph type="hdr" sz="quarter" idx="11"/>
-          </p:nvPr>
-        </p:nvSpPr>
-        <p:spPr/>
-        <p:txBody>
-          <a:bodyPr/>
-          <a:lstStyle/>
-          <a:p>
-            <a:pPr>
-              <a:defRPr/>
-            </a:pPr>
-            <a:endParaRPr lang="en-US"/>
-          </a:p>
-        </p:txBody>
-      </p:sp>
-      <p:sp>
-        <p:nvSpPr>
-          <p:cNvPr id="6" name="Footer Placeholder 5"/>
-          <p:cNvSpPr>
-            <a:spLocks noGrp="1"/>
-          </p:cNvSpPr>
-          <p:nvPr>
-            <p:ph type="ftr" sz="quarter" idx="12"/>
-          </p:nvPr>
-        </p:nvSpPr>
-        <p:spPr/>
-        <p:txBody>
-          <a:bodyPr/>
-          <a:lstStyle/>
-          <a:p>
-            <a:pPr>
-              <a:defRPr/>
-            </a:pPr>
-            <a:endParaRPr lang="en-US"/>
-          </a:p>
-        </p:txBody>
-      </p:sp>
-    </p:spTree>
-    <p:extLst>
-      <p:ext uri="{BB962C8B-B14F-4D97-AF65-F5344CB8AC3E}">
-        <p14:creationId xmlns:p14="http://schemas.microsoft.com/office/powerpoint/2010/main" val="2361220506"/>
       </p:ext>
     </p:extLst>
   </p:cSld>
@@ -3944,11 +3812,58 @@
             </a:r>
             <a:r>
               <a:rPr lang="en-US" dirty="0" smtClean="0"/>
-              <a:t>Compliance Server</a:t>
+              <a:t>Compliance Server web UI</a:t>
             </a:r>
             <a:r>
               <a:rPr lang="en-US" baseline="0" dirty="0" smtClean="0"/>
               <a:t>, logged in again, and the scan would properly schedule and run.</a:t>
+            </a:r>
+          </a:p>
+          <a:p>
+            <a:pPr marL="0" marR="0" indent="0" algn="l" defTabSz="1217613" rtl="0" eaLnBrk="1" fontAlgn="base" latinLnBrk="0" hangingPunct="1">
+              <a:lnSpc>
+                <a:spcPct val="90000"/>
+              </a:lnSpc>
+              <a:spcBef>
+                <a:spcPct val="30000"/>
+              </a:spcBef>
+              <a:spcAft>
+                <a:spcPts val="450"/>
+              </a:spcAft>
+              <a:buClrTx/>
+              <a:buSzTx/>
+              <a:buFontTx/>
+              <a:buNone/>
+              <a:tabLst/>
+              <a:defRPr/>
+            </a:pPr>
+            <a:endParaRPr lang="en-US" baseline="0" dirty="0" smtClean="0"/>
+          </a:p>
+          <a:p>
+            <a:pPr marL="0" marR="0" indent="0" algn="l" defTabSz="1217613" rtl="0" eaLnBrk="1" fontAlgn="base" latinLnBrk="0" hangingPunct="1">
+              <a:lnSpc>
+                <a:spcPct val="90000"/>
+              </a:lnSpc>
+              <a:spcBef>
+                <a:spcPct val="30000"/>
+              </a:spcBef>
+              <a:spcAft>
+                <a:spcPts val="450"/>
+              </a:spcAft>
+              <a:buClrTx/>
+              <a:buSzTx/>
+              <a:buFontTx/>
+              <a:buNone/>
+              <a:tabLst/>
+              <a:defRPr/>
+            </a:pPr>
+            <a:r>
+              <a:rPr lang="en-US" dirty="0" smtClean="0"/>
+              <a:t>Instructor Note: If you find yourself ahead of schedule, you can spend some</a:t>
+            </a:r>
+            <a:r>
+              <a:rPr lang="en-US" baseline="0" dirty="0" smtClean="0"/>
+              <a:t> time demonstration the output of this log file as you perform a number of procedures via the Web UI.</a:t>
             </a:r>
             <a:endParaRPr lang="en-US" dirty="0" smtClean="0"/>
           </a:p>
@@ -4131,7 +4046,7 @@
             </a:r>
             <a:r>
               <a:rPr lang="en-US" baseline="0" dirty="0" smtClean="0"/>
-              <a:t>taken at the very same time as the scan was scheduled. Notice the log file timestamps are in UTC and the next schedule scan is set for </a:t>
+              <a:t>taken at the very same time that the scan was scheduled. Notice the log file timestamps are in UTC and the next schedule scan is set for </a:t>
             </a:r>
             <a:br>
               <a:rPr lang="en-US" baseline="0" dirty="0" smtClean="0"/>
@@ -4420,6 +4335,18 @@
           <a:bodyPr/>
           <a:lstStyle/>
           <a:p>
+            <a:r>
+              <a:rPr lang="en-US" dirty="0" smtClean="0"/>
+              <a:t>TBD explain </a:t>
+            </a:r>
+            <a:r>
+              <a:rPr lang="en-US" dirty="0" err="1" smtClean="0"/>
+              <a:t>json</a:t>
+            </a:r>
+            <a:r>
+              <a:rPr lang="en-US" dirty="0" smtClean="0"/>
+              <a:t> exporting?</a:t>
+            </a:r>
             <a:endParaRPr lang="en-US" dirty="0"/>
           </a:p>
         </p:txBody>
@@ -5075,14 +5002,14 @@
           </a:ln>
           <a:extLst>
             <a:ext uri="{909E8E84-426E-40dd-AFC4-6F175D3DCCD1}">
-              <a14:hiddenFill xmlns:a14="http://schemas.microsoft.com/office/drawing/2010/main" xmlns="">
+              <a14:hiddenFill xmlns="" xmlns:a14="http://schemas.microsoft.com/office/drawing/2010/main">
                 <a:solidFill>
                   <a:srgbClr val="FFFFFF"/>
                 </a:solidFill>
               </a14:hiddenFill>
             </a:ext>
             <a:ext uri="{91240B29-F687-4f45-9708-019B960494DF}">
-              <a14:hiddenLine xmlns:a14="http://schemas.microsoft.com/office/drawing/2010/main" xmlns="" w="9525">
+              <a14:hiddenLine xmlns="" xmlns:a14="http://schemas.microsoft.com/office/drawing/2010/main" w="9525">
                 <a:solidFill>
                   <a:srgbClr val="000000"/>
                 </a:solidFill>
@@ -5230,14 +5157,14 @@
           </a:ln>
           <a:extLst>
             <a:ext uri="{909E8E84-426E-40dd-AFC4-6F175D3DCCD1}">
-              <a14:hiddenFill xmlns:a14="http://schemas.microsoft.com/office/drawing/2010/main" xmlns="">
+              <a14:hiddenFill xmlns="" xmlns:a14="http://schemas.microsoft.com/office/drawing/2010/main">
                 <a:solidFill>
                   <a:srgbClr val="FFFFFF"/>
                 </a:solidFill>
               </a14:hiddenFill>
             </a:ext>
             <a:ext uri="{91240B29-F687-4f45-9708-019B960494DF}">
-              <a14:hiddenLine xmlns:a14="http://schemas.microsoft.com/office/drawing/2010/main" xmlns="" w="9525">
+              <a14:hiddenLine xmlns="" xmlns:a14="http://schemas.microsoft.com/office/drawing/2010/main" w="9525">
                 <a:solidFill>
                   <a:srgbClr val="000000"/>
                 </a:solidFill>
@@ -5728,14 +5655,14 @@
           </a:ln>
           <a:extLst>
             <a:ext uri="{909E8E84-426E-40dd-AFC4-6F175D3DCCD1}">
-              <a14:hiddenFill xmlns:a14="http://schemas.microsoft.com/office/drawing/2010/main" xmlns="">
+              <a14:hiddenFill xmlns="" xmlns:a14="http://schemas.microsoft.com/office/drawing/2010/main">
                 <a:solidFill>
                   <a:srgbClr val="FFFFFF"/>
                 </a:solidFill>
               </a14:hiddenFill>
             </a:ext>
             <a:ext uri="{91240B29-F687-4f45-9708-019B960494DF}">
-              <a14:hiddenLine xmlns:a14="http://schemas.microsoft.com/office/drawing/2010/main" xmlns="" w="9525">
+              <a14:hiddenLine xmlns="" xmlns:a14="http://schemas.microsoft.com/office/drawing/2010/main" w="9525">
                 <a:solidFill>
                   <a:srgbClr val="000000"/>
                 </a:solidFill>
@@ -6261,14 +6188,14 @@
           </a:ln>
           <a:extLst>
             <a:ext uri="{909E8E84-426E-40dd-AFC4-6F175D3DCCD1}">
-              <a14:hiddenFill xmlns:a14="http://schemas.microsoft.com/office/drawing/2010/main" xmlns="">
+              <a14:hiddenFill xmlns="" xmlns:a14="http://schemas.microsoft.com/office/drawing/2010/main">
                 <a:solidFill>
                   <a:srgbClr val="FFFFFF"/>
                 </a:solidFill>
               </a14:hiddenFill>
             </a:ext>
             <a:ext uri="{91240B29-F687-4f45-9708-019B960494DF}">
-              <a14:hiddenLine xmlns:a14="http://schemas.microsoft.com/office/drawing/2010/main" xmlns="" w="9525">
+              <a14:hiddenLine xmlns="" xmlns:a14="http://schemas.microsoft.com/office/drawing/2010/main" w="9525">
                 <a:solidFill>
                   <a:srgbClr val="000000"/>
                 </a:solidFill>
@@ -7892,14 +7819,14 @@
           </a:ln>
           <a:extLst>
             <a:ext uri="{909E8E84-426E-40dd-AFC4-6F175D3DCCD1}">
-              <a14:hiddenFill xmlns:a14="http://schemas.microsoft.com/office/drawing/2010/main" xmlns="">
+              <a14:hiddenFill xmlns="" xmlns:a14="http://schemas.microsoft.com/office/drawing/2010/main">
                 <a:solidFill>
                   <a:srgbClr val="FFFFFF"/>
                 </a:solidFill>
               </a14:hiddenFill>
             </a:ext>
             <a:ext uri="{91240B29-F687-4f45-9708-019B960494DF}">
-              <a14:hiddenLine xmlns:a14="http://schemas.microsoft.com/office/drawing/2010/main" xmlns="" w="9525">
+              <a14:hiddenLine xmlns="" xmlns:a14="http://schemas.microsoft.com/office/drawing/2010/main" w="9525">
                 <a:solidFill>
                   <a:srgbClr val="000000"/>
                 </a:solidFill>
@@ -9433,14 +9360,14 @@
           </a:ln>
           <a:extLst>
             <a:ext uri="{909E8E84-426E-40dd-AFC4-6F175D3DCCD1}">
-              <a14:hiddenFill xmlns:a14="http://schemas.microsoft.com/office/drawing/2010/main" xmlns="">
+              <a14:hiddenFill xmlns="" xmlns:a14="http://schemas.microsoft.com/office/drawing/2010/main">
                 <a:solidFill>
                   <a:srgbClr val="FFFFFF"/>
                 </a:solidFill>
               </a14:hiddenFill>
             </a:ext>
             <a:ext uri="{91240B29-F687-4f45-9708-019B960494DF}">
-              <a14:hiddenLine xmlns:a14="http://schemas.microsoft.com/office/drawing/2010/main" xmlns="" w="9525">
+              <a14:hiddenLine xmlns="" xmlns:a14="http://schemas.microsoft.com/office/drawing/2010/main" w="9525">
                 <a:solidFill>
                   <a:srgbClr val="000000"/>
                 </a:solidFill>
@@ -9946,14 +9873,14 @@
           </a:ln>
           <a:extLst>
             <a:ext uri="{909E8E84-426E-40dd-AFC4-6F175D3DCCD1}">
-              <a14:hiddenFill xmlns:a14="http://schemas.microsoft.com/office/drawing/2010/main" xmlns="">
+              <a14:hiddenFill xmlns="" xmlns:a14="http://schemas.microsoft.com/office/drawing/2010/main">
                 <a:solidFill>
                   <a:srgbClr val="FFFFFF"/>
                 </a:solidFill>
               </a14:hiddenFill>
             </a:ext>
             <a:ext uri="{91240B29-F687-4f45-9708-019B960494DF}">
-              <a14:hiddenLine xmlns:a14="http://schemas.microsoft.com/office/drawing/2010/main" xmlns="" w="9525">
+              <a14:hiddenLine xmlns="" xmlns:a14="http://schemas.microsoft.com/office/drawing/2010/main" w="9525">
                 <a:solidFill>
                   <a:srgbClr val="000000"/>
                 </a:solidFill>
@@ -10520,14 +10447,14 @@
           </a:ln>
           <a:extLst>
             <a:ext uri="{909E8E84-426E-40dd-AFC4-6F175D3DCCD1}">
-              <a14:hiddenFill xmlns:a14="http://schemas.microsoft.com/office/drawing/2010/main" xmlns="">
+              <a14:hiddenFill xmlns="" xmlns:a14="http://schemas.microsoft.com/office/drawing/2010/main">
                 <a:solidFill>
                   <a:srgbClr val="FFFFFF"/>
                 </a:solidFill>
               </a14:hiddenFill>
             </a:ext>
             <a:ext uri="{91240B29-F687-4f45-9708-019B960494DF}">
-              <a14:hiddenLine xmlns:a14="http://schemas.microsoft.com/office/drawing/2010/main" xmlns="" w="9525">
+              <a14:hiddenLine xmlns="" xmlns:a14="http://schemas.microsoft.com/office/drawing/2010/main" w="9525">
                 <a:solidFill>
                   <a:srgbClr val="000000"/>
                 </a:solidFill>
@@ -11467,14 +11394,14 @@
           </a:ln>
           <a:extLst>
             <a:ext uri="{909E8E84-426E-40dd-AFC4-6F175D3DCCD1}">
-              <a14:hiddenFill xmlns:a14="http://schemas.microsoft.com/office/drawing/2010/main" xmlns="">
+              <a14:hiddenFill xmlns="" xmlns:a14="http://schemas.microsoft.com/office/drawing/2010/main">
                 <a:solidFill>
                   <a:srgbClr val="FFFFFF"/>
                 </a:solidFill>
               </a14:hiddenFill>
             </a:ext>
             <a:ext uri="{91240B29-F687-4f45-9708-019B960494DF}">
-              <a14:hiddenLine xmlns:a14="http://schemas.microsoft.com/office/drawing/2010/main" xmlns="" w="9525">
+              <a14:hiddenLine xmlns="" xmlns:a14="http://schemas.microsoft.com/office/drawing/2010/main" w="9525">
                 <a:solidFill>
                   <a:srgbClr val="000000"/>
                 </a:solidFill>
@@ -12227,14 +12154,14 @@
           </a:ln>
           <a:extLst>
             <a:ext uri="{909E8E84-426E-40dd-AFC4-6F175D3DCCD1}">
-              <a14:hiddenFill xmlns:a14="http://schemas.microsoft.com/office/drawing/2010/main" xmlns="">
+              <a14:hiddenFill xmlns="" xmlns:a14="http://schemas.microsoft.com/office/drawing/2010/main">
                 <a:solidFill>
                   <a:srgbClr val="FFFFFF"/>
                 </a:solidFill>
               </a14:hiddenFill>
             </a:ext>
             <a:ext uri="{91240B29-F687-4f45-9708-019B960494DF}">
-              <a14:hiddenLine xmlns:a14="http://schemas.microsoft.com/office/drawing/2010/main" xmlns="" w="9525">
+              <a14:hiddenLine xmlns="" xmlns:a14="http://schemas.microsoft.com/office/drawing/2010/main" w="9525">
                 <a:solidFill>
                   <a:srgbClr val="000000"/>
                 </a:solidFill>
@@ -13021,19 +12948,7 @@
           <a:p>
             <a:r>
               <a:rPr lang="en-US" dirty="0" smtClean="0"/>
-              <a:t>Scheduling </a:t>
-            </a:r>
-            <a:r>
-              <a:rPr lang="en-US" dirty="0" smtClean="0"/>
-              <a:t>Scans </a:t>
-            </a:r>
-            <a:r>
-              <a:rPr lang="en-US" dirty="0" smtClean="0"/>
-              <a:t>for </a:t>
-            </a:r>
-            <a:r>
-              <a:rPr lang="en-US" dirty="0" smtClean="0"/>
-              <a:t>Future </a:t>
+              <a:t>Scheduling Scans for Future </a:t>
             </a:r>
             <a:r>
               <a:rPr lang="en-US" dirty="0"/>
@@ -13790,11 +13705,7 @@
           <a:p>
             <a:r>
               <a:rPr lang="en-US" dirty="0" smtClean="0"/>
-              <a:t>Demonstration: </a:t>
-            </a:r>
-            <a:r>
-              <a:rPr lang="en-US" dirty="0" smtClean="0"/>
-              <a:t>Scheduled Scan Logs</a:t>
+              <a:t>Demonstration: Scheduled Scan Logs</a:t>
             </a:r>
             <a:endParaRPr lang="en-US" dirty="0"/>
           </a:p>
@@ -13843,11 +13754,7 @@
           <a:p>
             <a:r>
               <a:rPr lang="en-US" dirty="0" smtClean="0"/>
-              <a:t>To tail those logs, f</a:t>
-            </a:r>
-            <a:r>
-              <a:rPr lang="en-US" dirty="0" smtClean="0"/>
-              <a:t>rom your Compliance Server you can run:</a:t>
+              <a:t>To tail those logs, from your Compliance Server you can run:</a:t>
             </a:r>
             <a:br>
               <a:rPr lang="en-US" dirty="0" smtClean="0"/>
@@ -13933,11 +13840,7 @@
           <a:p>
             <a:r>
               <a:rPr lang="en-US" dirty="0" smtClean="0"/>
-              <a:t>Demonstration: </a:t>
-            </a:r>
-            <a:r>
-              <a:rPr lang="en-US" dirty="0" smtClean="0"/>
-              <a:t>Scheduled Scan Logs</a:t>
+              <a:t>Demonstration: Scheduled Scan Logs</a:t>
             </a:r>
             <a:endParaRPr lang="en-US" dirty="0"/>
           </a:p>
@@ -14116,7 +14019,7 @@
           <a:p>
             <a:r>
               <a:rPr lang="en-US" dirty="0" smtClean="0"/>
-              <a:t>The list of old scheduled jobs can grow so you should delete them if you no longer need them.</a:t>
+              <a:t>The list of old scheduled jobs can grow so you can delete them if you no longer need them.</a:t>
             </a:r>
             <a:endParaRPr lang="en-US" dirty="0"/>
           </a:p>
@@ -14542,10 +14445,9 @@
               <a:buChar char="Ø"/>
             </a:pPr>
             <a:r>
-              <a:rPr lang="en-US" smtClean="0"/>
+              <a:rPr lang="en-US" dirty="0" smtClean="0"/>
               <a:t>View pending jobs.</a:t>
             </a:r>
-            <a:endParaRPr lang="en-US" dirty="0" smtClean="0"/>
           </a:p>
           <a:p>
             <a:pPr marL="457200" indent="-457200">
@@ -14554,7 +14456,11 @@
             </a:pPr>
             <a:r>
               <a:rPr lang="en-US" dirty="0" smtClean="0"/>
-              <a:t>Run Reports.</a:t>
+              <a:t>View and export reports</a:t>
+            </a:r>
+            <a:r>
+              <a:rPr lang="en-US" dirty="0" smtClean="0"/>
+              <a:t>.</a:t>
             </a:r>
           </a:p>
           <a:p>
@@ -14639,8 +14545,8 @@
         </p:nvSpPr>
         <p:spPr>
           <a:xfrm>
-            <a:off x="1671638" y="3228296"/>
-            <a:ext cx="12319000" cy="4317682"/>
+            <a:off x="1671638" y="3188540"/>
+            <a:ext cx="12319000" cy="3033356"/>
           </a:xfrm>
         </p:spPr>
         <p:txBody>
@@ -14649,21 +14555,25 @@
           <a:p>
             <a:r>
               <a:rPr lang="en-US" dirty="0" smtClean="0"/>
-              <a:t>In the near future, Chef Compliance will also support exporting reports to Excel and sending to an </a:t>
-            </a:r>
-            <a:r>
-              <a:rPr lang="en-US" smtClean="0"/>
-              <a:t>email</a:t>
-            </a:r>
-            <a:r>
-              <a:rPr lang="en-US"/>
+              <a:t>You can also export a compliance report as a PDF.</a:t>
+            </a:r>
+          </a:p>
+          <a:p>
+            <a:endParaRPr lang="en-US" dirty="0"/>
+          </a:p>
+          <a:p>
+            <a:r>
+              <a:rPr lang="en-US" dirty="0" smtClean="0"/>
+              <a:t>In the near future, Chef Compliance will also support exporting reports to Excel and sending to an email</a:t>
+            </a:r>
+            <a:r>
+              <a:rPr lang="en-US" dirty="0"/>
               <a:t> </a:t>
             </a:r>
             <a:r>
-              <a:rPr lang="en-US" smtClean="0"/>
+              <a:rPr lang="en-US" dirty="0" smtClean="0"/>
               <a:t>recipient.</a:t>
             </a:r>
-            <a:endParaRPr lang="en-US" dirty="0" smtClean="0"/>
           </a:p>
           <a:p>
             <a:endParaRPr lang="en-US" dirty="0"/>
@@ -14692,8 +14602,8 @@
         </p:blipFill>
         <p:spPr>
           <a:xfrm>
-            <a:off x="2753135" y="4417016"/>
-            <a:ext cx="10749730" cy="3641213"/>
+            <a:off x="4214191" y="5278458"/>
+            <a:ext cx="8089177" cy="2740015"/>
           </a:xfrm>
           <a:prstGeom prst="rect">
             <a:avLst/>
@@ -14752,6 +14662,501 @@
             <a:spLocks noGrp="1"/>
           </p:cNvSpPr>
           <p:nvPr>
+            <p:ph type="title"/>
+          </p:nvPr>
+        </p:nvSpPr>
+        <p:spPr/>
+        <p:txBody>
+          <a:bodyPr/>
+          <a:lstStyle/>
+          <a:p>
+            <a:r>
+              <a:rPr lang="en-US" dirty="0" smtClean="0"/>
+              <a:t>GE: Exporting Reports</a:t>
+            </a:r>
+            <a:endParaRPr lang="en-US" dirty="0"/>
+          </a:p>
+        </p:txBody>
+      </p:sp>
+      <p:sp>
+        <p:nvSpPr>
+          <p:cNvPr id="3" name="Text Placeholder 2"/>
+          <p:cNvSpPr>
+            <a:spLocks noGrp="1"/>
+          </p:cNvSpPr>
+          <p:nvPr>
+            <p:ph type="body" sz="quarter" idx="12"/>
+          </p:nvPr>
+        </p:nvSpPr>
+        <p:spPr>
+          <a:xfrm>
+            <a:off x="650040" y="1856198"/>
+            <a:ext cx="4876117" cy="5345953"/>
+          </a:xfrm>
+        </p:spPr>
+        <p:txBody>
+          <a:bodyPr/>
+          <a:lstStyle/>
+          <a:p>
+            <a:pPr marL="514350" indent="-514350">
+              <a:buFont typeface="+mj-lt"/>
+              <a:buAutoNum type="arabicPeriod"/>
+            </a:pPr>
+            <a:r>
+              <a:rPr lang="en-US" dirty="0" smtClean="0"/>
+              <a:t>From the left column of the web UI, click </a:t>
+            </a:r>
+            <a:r>
+              <a:rPr lang="en-US" b="1" dirty="0" smtClean="0"/>
+              <a:t>Reports</a:t>
+            </a:r>
+            <a:r>
+              <a:rPr lang="en-US" dirty="0" smtClean="0"/>
+              <a:t> and then click any report that may exist.</a:t>
+            </a:r>
+          </a:p>
+          <a:p>
+            <a:endParaRPr lang="en-US" dirty="0"/>
+          </a:p>
+        </p:txBody>
+      </p:sp>
+      <p:pic>
+        <p:nvPicPr>
+          <p:cNvPr id="7" name="Picture 6"/>
+          <p:cNvPicPr>
+            <a:picLocks noChangeAspect="1"/>
+          </p:cNvPicPr>
+          <p:nvPr/>
+        </p:nvPicPr>
+        <p:blipFill>
+          <a:blip r:embed="rId2"/>
+          <a:stretch>
+            <a:fillRect/>
+          </a:stretch>
+        </p:blipFill>
+        <p:spPr>
+          <a:xfrm>
+            <a:off x="6762655" y="1856198"/>
+            <a:ext cx="8446743" cy="2868475"/>
+          </a:xfrm>
+          <a:prstGeom prst="rect">
+            <a:avLst/>
+          </a:prstGeom>
+          <a:ln>
+            <a:solidFill>
+              <a:schemeClr val="accent1"/>
+            </a:solidFill>
+          </a:ln>
+        </p:spPr>
+      </p:pic>
+    </p:spTree>
+    <p:extLst>
+      <p:ext uri="{BB962C8B-B14F-4D97-AF65-F5344CB8AC3E}">
+        <p14:creationId xmlns:p14="http://schemas.microsoft.com/office/powerpoint/2010/main" val="3910387577"/>
+      </p:ext>
+    </p:extLst>
+  </p:cSld>
+  <p:clrMapOvr>
+    <a:masterClrMapping/>
+  </p:clrMapOvr>
+  <p:transition spd="med">
+    <p:fade/>
+  </p:transition>
+</p:sld>
+</file>
+
+<file path=ppt/slides/slide22.xml><?xml version="1.0" encoding="utf-8"?>
+<p:sld xmlns:a="http://schemas.openxmlformats.org/drawingml/2006/main" xmlns:r="http://schemas.openxmlformats.org/officeDocument/2006/relationships" xmlns:p="http://schemas.openxmlformats.org/presentationml/2006/main">
+  <p:cSld>
+    <p:spTree>
+      <p:nvGrpSpPr>
+        <p:cNvPr id="1" name=""/>
+        <p:cNvGrpSpPr/>
+        <p:nvPr/>
+      </p:nvGrpSpPr>
+      <p:grpSpPr>
+        <a:xfrm>
+          <a:off x="0" y="0"/>
+          <a:ext cx="0" cy="0"/>
+          <a:chOff x="0" y="0"/>
+          <a:chExt cx="0" cy="0"/>
+        </a:xfrm>
+      </p:grpSpPr>
+      <p:sp>
+        <p:nvSpPr>
+          <p:cNvPr id="2" name="Title 1"/>
+          <p:cNvSpPr>
+            <a:spLocks noGrp="1"/>
+          </p:cNvSpPr>
+          <p:nvPr>
+            <p:ph type="title"/>
+          </p:nvPr>
+        </p:nvSpPr>
+        <p:spPr/>
+        <p:txBody>
+          <a:bodyPr/>
+          <a:lstStyle/>
+          <a:p>
+            <a:r>
+              <a:rPr lang="en-US" dirty="0" smtClean="0"/>
+              <a:t>GE: Exporting Reports</a:t>
+            </a:r>
+            <a:endParaRPr lang="en-US" dirty="0"/>
+          </a:p>
+        </p:txBody>
+      </p:sp>
+      <p:sp>
+        <p:nvSpPr>
+          <p:cNvPr id="3" name="Text Placeholder 2"/>
+          <p:cNvSpPr>
+            <a:spLocks noGrp="1"/>
+          </p:cNvSpPr>
+          <p:nvPr>
+            <p:ph type="body" sz="quarter" idx="12"/>
+          </p:nvPr>
+        </p:nvSpPr>
+        <p:spPr>
+          <a:xfrm>
+            <a:off x="272352" y="1856198"/>
+            <a:ext cx="4876117" cy="5345953"/>
+          </a:xfrm>
+        </p:spPr>
+        <p:txBody>
+          <a:bodyPr/>
+          <a:lstStyle/>
+          <a:p>
+            <a:pPr marL="514350" indent="-514350">
+              <a:buFont typeface="+mj-lt"/>
+              <a:buAutoNum type="arabicPeriod" startAt="2"/>
+            </a:pPr>
+            <a:r>
+              <a:rPr lang="en-US" dirty="0" smtClean="0"/>
+              <a:t>Right-click on the report page and then click </a:t>
+            </a:r>
+            <a:r>
+              <a:rPr lang="en-US" b="1" dirty="0" smtClean="0"/>
+              <a:t>Print</a:t>
+            </a:r>
+            <a:r>
+              <a:rPr lang="en-US" dirty="0" smtClean="0"/>
+              <a:t>.</a:t>
+            </a:r>
+          </a:p>
+          <a:p>
+            <a:pPr marL="514350" indent="-514350">
+              <a:buFont typeface="+mj-lt"/>
+              <a:buAutoNum type="arabicPeriod" startAt="2"/>
+            </a:pPr>
+            <a:r>
+              <a:rPr lang="en-US" dirty="0" smtClean="0"/>
+              <a:t>Ensure your print option is set to PDF and save and then click </a:t>
+            </a:r>
+            <a:r>
+              <a:rPr lang="en-US" b="1" dirty="0" smtClean="0"/>
+              <a:t>Save</a:t>
+            </a:r>
+            <a:r>
+              <a:rPr lang="en-US" dirty="0" smtClean="0"/>
+              <a:t>, thus saving to you local laptop.</a:t>
+            </a:r>
+          </a:p>
+          <a:p>
+            <a:pPr marL="514350" indent="-514350">
+              <a:buFont typeface="+mj-lt"/>
+              <a:buAutoNum type="arabicPeriod" startAt="2"/>
+            </a:pPr>
+            <a:endParaRPr lang="en-US" dirty="0" smtClean="0"/>
+          </a:p>
+          <a:p>
+            <a:endParaRPr lang="en-US" dirty="0"/>
+          </a:p>
+        </p:txBody>
+      </p:sp>
+      <p:pic>
+        <p:nvPicPr>
+          <p:cNvPr id="4" name="Picture 3"/>
+          <p:cNvPicPr>
+            <a:picLocks noChangeAspect="1"/>
+          </p:cNvPicPr>
+          <p:nvPr/>
+        </p:nvPicPr>
+        <p:blipFill>
+          <a:blip r:embed="rId2"/>
+          <a:stretch>
+            <a:fillRect/>
+          </a:stretch>
+        </p:blipFill>
+        <p:spPr>
+          <a:xfrm>
+            <a:off x="7171979" y="1172365"/>
+            <a:ext cx="8651117" cy="2425644"/>
+          </a:xfrm>
+          <a:prstGeom prst="rect">
+            <a:avLst/>
+          </a:prstGeom>
+          <a:ln>
+            <a:solidFill>
+              <a:schemeClr val="accent1"/>
+            </a:solidFill>
+          </a:ln>
+        </p:spPr>
+      </p:pic>
+      <p:pic>
+        <p:nvPicPr>
+          <p:cNvPr id="5" name="Picture 4"/>
+          <p:cNvPicPr>
+            <a:picLocks noChangeAspect="1"/>
+          </p:cNvPicPr>
+          <p:nvPr/>
+        </p:nvPicPr>
+        <p:blipFill>
+          <a:blip r:embed="rId3"/>
+          <a:stretch>
+            <a:fillRect/>
+          </a:stretch>
+        </p:blipFill>
+        <p:spPr>
+          <a:xfrm>
+            <a:off x="5301283" y="3791024"/>
+            <a:ext cx="10601325" cy="4133850"/>
+          </a:xfrm>
+          <a:prstGeom prst="rect">
+            <a:avLst/>
+          </a:prstGeom>
+          <a:ln>
+            <a:solidFill>
+              <a:schemeClr val="accent1"/>
+            </a:solidFill>
+          </a:ln>
+        </p:spPr>
+      </p:pic>
+      <p:cxnSp>
+        <p:nvCxnSpPr>
+          <p:cNvPr id="8" name="Straight Arrow Connector 7"/>
+          <p:cNvCxnSpPr/>
+          <p:nvPr/>
+        </p:nvCxnSpPr>
+        <p:spPr>
+          <a:xfrm>
+            <a:off x="4253948" y="2902226"/>
+            <a:ext cx="7176052" cy="19878"/>
+          </a:xfrm>
+          <a:prstGeom prst="straightConnector1">
+            <a:avLst/>
+          </a:prstGeom>
+          <a:ln>
+            <a:solidFill>
+              <a:schemeClr val="accent4"/>
+            </a:solidFill>
+            <a:tailEnd type="triangle"/>
+          </a:ln>
+        </p:spPr>
+        <p:style>
+          <a:lnRef idx="3">
+            <a:schemeClr val="accent1"/>
+          </a:lnRef>
+          <a:fillRef idx="0">
+            <a:schemeClr val="accent1"/>
+          </a:fillRef>
+          <a:effectRef idx="2">
+            <a:schemeClr val="accent1"/>
+          </a:effectRef>
+          <a:fontRef idx="minor">
+            <a:schemeClr val="tx1"/>
+          </a:fontRef>
+        </p:style>
+      </p:cxnSp>
+      <p:cxnSp>
+        <p:nvCxnSpPr>
+          <p:cNvPr id="9" name="Straight Arrow Connector 8"/>
+          <p:cNvCxnSpPr/>
+          <p:nvPr/>
+        </p:nvCxnSpPr>
+        <p:spPr>
+          <a:xfrm flipV="1">
+            <a:off x="2572198" y="5052188"/>
+            <a:ext cx="4385193" cy="805761"/>
+          </a:xfrm>
+          <a:prstGeom prst="straightConnector1">
+            <a:avLst/>
+          </a:prstGeom>
+          <a:ln>
+            <a:solidFill>
+              <a:schemeClr val="accent4"/>
+            </a:solidFill>
+            <a:tailEnd type="triangle"/>
+          </a:ln>
+        </p:spPr>
+        <p:style>
+          <a:lnRef idx="3">
+            <a:schemeClr val="accent1"/>
+          </a:lnRef>
+          <a:fillRef idx="0">
+            <a:schemeClr val="accent1"/>
+          </a:fillRef>
+          <a:effectRef idx="2">
+            <a:schemeClr val="accent1"/>
+          </a:effectRef>
+          <a:fontRef idx="minor">
+            <a:schemeClr val="tx1"/>
+          </a:fontRef>
+        </p:style>
+      </p:cxnSp>
+    </p:spTree>
+    <p:extLst>
+      <p:ext uri="{BB962C8B-B14F-4D97-AF65-F5344CB8AC3E}">
+        <p14:creationId xmlns:p14="http://schemas.microsoft.com/office/powerpoint/2010/main" val="1298460256"/>
+      </p:ext>
+    </p:extLst>
+  </p:cSld>
+  <p:clrMapOvr>
+    <a:masterClrMapping/>
+  </p:clrMapOvr>
+  <p:transition spd="med">
+    <p:fade/>
+  </p:transition>
+</p:sld>
+</file>
+
+<file path=ppt/slides/slide23.xml><?xml version="1.0" encoding="utf-8"?>
+<p:sld xmlns:a="http://schemas.openxmlformats.org/drawingml/2006/main" xmlns:r="http://schemas.openxmlformats.org/officeDocument/2006/relationships" xmlns:p="http://schemas.openxmlformats.org/presentationml/2006/main">
+  <p:cSld>
+    <p:spTree>
+      <p:nvGrpSpPr>
+        <p:cNvPr id="1" name=""/>
+        <p:cNvGrpSpPr/>
+        <p:nvPr/>
+      </p:nvGrpSpPr>
+      <p:grpSpPr>
+        <a:xfrm>
+          <a:off x="0" y="0"/>
+          <a:ext cx="0" cy="0"/>
+          <a:chOff x="0" y="0"/>
+          <a:chExt cx="0" cy="0"/>
+        </a:xfrm>
+      </p:grpSpPr>
+      <p:sp>
+        <p:nvSpPr>
+          <p:cNvPr id="2" name="Title 1"/>
+          <p:cNvSpPr>
+            <a:spLocks noGrp="1"/>
+          </p:cNvSpPr>
+          <p:nvPr>
+            <p:ph type="title"/>
+          </p:nvPr>
+        </p:nvSpPr>
+        <p:spPr/>
+        <p:txBody>
+          <a:bodyPr/>
+          <a:lstStyle/>
+          <a:p>
+            <a:r>
+              <a:rPr lang="en-US" dirty="0" smtClean="0"/>
+              <a:t>GE: Exporting Reports</a:t>
+            </a:r>
+            <a:endParaRPr lang="en-US" dirty="0"/>
+          </a:p>
+        </p:txBody>
+      </p:sp>
+      <p:sp>
+        <p:nvSpPr>
+          <p:cNvPr id="3" name="Text Placeholder 2"/>
+          <p:cNvSpPr>
+            <a:spLocks noGrp="1"/>
+          </p:cNvSpPr>
+          <p:nvPr>
+            <p:ph type="body" sz="quarter" idx="12"/>
+          </p:nvPr>
+        </p:nvSpPr>
+        <p:spPr>
+          <a:xfrm>
+            <a:off x="590405" y="1856198"/>
+            <a:ext cx="5035144" cy="5345953"/>
+          </a:xfrm>
+        </p:spPr>
+        <p:txBody>
+          <a:bodyPr/>
+          <a:lstStyle/>
+          <a:p>
+            <a:r>
+              <a:rPr lang="en-US" dirty="0" smtClean="0"/>
+              <a:t>Your saved report should look similar to this example with the text properly aligned and formatted.</a:t>
+            </a:r>
+          </a:p>
+          <a:p>
+            <a:endParaRPr lang="en-US" dirty="0"/>
+          </a:p>
+        </p:txBody>
+      </p:sp>
+      <p:pic>
+        <p:nvPicPr>
+          <p:cNvPr id="6" name="Picture 5"/>
+          <p:cNvPicPr>
+            <a:picLocks noChangeAspect="1"/>
+          </p:cNvPicPr>
+          <p:nvPr/>
+        </p:nvPicPr>
+        <p:blipFill>
+          <a:blip r:embed="rId2"/>
+          <a:stretch>
+            <a:fillRect/>
+          </a:stretch>
+        </p:blipFill>
+        <p:spPr>
+          <a:xfrm>
+            <a:off x="7474225" y="1060509"/>
+            <a:ext cx="8600523" cy="7035117"/>
+          </a:xfrm>
+          <a:prstGeom prst="rect">
+            <a:avLst/>
+          </a:prstGeom>
+          <a:ln>
+            <a:solidFill>
+              <a:schemeClr val="accent1"/>
+            </a:solidFill>
+          </a:ln>
+        </p:spPr>
+      </p:pic>
+    </p:spTree>
+    <p:extLst>
+      <p:ext uri="{BB962C8B-B14F-4D97-AF65-F5344CB8AC3E}">
+        <p14:creationId xmlns:p14="http://schemas.microsoft.com/office/powerpoint/2010/main" val="1212526399"/>
+      </p:ext>
+    </p:extLst>
+  </p:cSld>
+  <p:clrMapOvr>
+    <a:masterClrMapping/>
+  </p:clrMapOvr>
+  <p:transition spd="med">
+    <p:fade/>
+  </p:transition>
+</p:sld>
+</file>
+
+<file path=ppt/slides/slide24.xml><?xml version="1.0" encoding="utf-8"?>
+<p:sld xmlns:a="http://schemas.openxmlformats.org/drawingml/2006/main" xmlns:r="http://schemas.openxmlformats.org/officeDocument/2006/relationships" xmlns:p="http://schemas.openxmlformats.org/presentationml/2006/main">
+  <p:cSld>
+    <p:spTree>
+      <p:nvGrpSpPr>
+        <p:cNvPr id="1" name=""/>
+        <p:cNvGrpSpPr/>
+        <p:nvPr/>
+      </p:nvGrpSpPr>
+      <p:grpSpPr>
+        <a:xfrm>
+          <a:off x="0" y="0"/>
+          <a:ext cx="0" cy="0"/>
+          <a:chOff x="0" y="0"/>
+          <a:chExt cx="0" cy="0"/>
+        </a:xfrm>
+      </p:grpSpPr>
+      <p:sp>
+        <p:nvSpPr>
+          <p:cNvPr id="2" name="Title 1"/>
+          <p:cNvSpPr>
+            <a:spLocks noGrp="1"/>
+          </p:cNvSpPr>
+          <p:nvPr>
             <p:ph type="ctrTitle"/>
           </p:nvPr>
         </p:nvSpPr>
@@ -14792,7 +15197,13 @@
           <a:p>
             <a:r>
               <a:rPr lang="en-US" dirty="0" smtClean="0"/>
-              <a:t>READ NOTES</a:t>
+              <a:t>SD: My internal notes below to be deleted.</a:t>
+            </a:r>
+          </a:p>
+          <a:p>
+            <a:r>
+              <a:rPr lang="en-US" dirty="0" smtClean="0"/>
+              <a:t>TBD: Need to test PDF export on Mac.</a:t>
             </a:r>
             <a:endParaRPr lang="en-US" dirty="0"/>
           </a:p>
@@ -14821,172 +15232,7 @@
 </p:sld>
 </file>
 
-<file path=ppt/slides/slide22.xml><?xml version="1.0" encoding="utf-8"?>
-<p:sld xmlns:a="http://schemas.openxmlformats.org/drawingml/2006/main" xmlns:r="http://schemas.openxmlformats.org/officeDocument/2006/relationships" xmlns:p="http://schemas.openxmlformats.org/presentationml/2006/main">
-  <p:cSld>
-    <p:spTree>
-      <p:nvGrpSpPr>
-        <p:cNvPr id="1" name=""/>
-        <p:cNvGrpSpPr/>
-        <p:nvPr/>
-      </p:nvGrpSpPr>
-      <p:grpSpPr>
-        <a:xfrm>
-          <a:off x="0" y="0"/>
-          <a:ext cx="0" cy="0"/>
-          <a:chOff x="0" y="0"/>
-          <a:chExt cx="0" cy="0"/>
-        </a:xfrm>
-      </p:grpSpPr>
-      <p:sp>
-        <p:nvSpPr>
-          <p:cNvPr id="2" name="Title 1"/>
-          <p:cNvSpPr>
-            <a:spLocks noGrp="1"/>
-          </p:cNvSpPr>
-          <p:nvPr>
-            <p:ph type="ctrTitle"/>
-          </p:nvPr>
-        </p:nvSpPr>
-        <p:spPr/>
-        <p:txBody>
-          <a:bodyPr>
-            <a:normAutofit fontScale="90000"/>
-          </a:bodyPr>
-          <a:lstStyle/>
-          <a:p>
-            <a:r>
-              <a:rPr lang="en-US" dirty="0" smtClean="0"/>
-              <a:t>Scheduling Scans</a:t>
-            </a:r>
-            <a:endParaRPr lang="en-US" dirty="0"/>
-          </a:p>
-        </p:txBody>
-      </p:sp>
-      <p:sp>
-        <p:nvSpPr>
-          <p:cNvPr id="3" name="Subtitle 2"/>
-          <p:cNvSpPr>
-            <a:spLocks noGrp="1"/>
-          </p:cNvSpPr>
-          <p:nvPr>
-            <p:ph type="subTitle" idx="1"/>
-          </p:nvPr>
-        </p:nvSpPr>
-        <p:spPr>
-          <a:xfrm>
-            <a:off x="1671638" y="3271838"/>
-            <a:ext cx="12319000" cy="4317682"/>
-          </a:xfrm>
-        </p:spPr>
-        <p:txBody>
-          <a:bodyPr/>
-          <a:lstStyle/>
-          <a:p>
-            <a:endParaRPr lang="en-US" dirty="0"/>
-          </a:p>
-          <a:p>
-            <a:r>
-              <a:rPr lang="en-US" dirty="0"/>
-              <a:t>sudo tail -f /</a:t>
-            </a:r>
-            <a:r>
-              <a:rPr lang="en-US" dirty="0" smtClean="0"/>
-              <a:t>var/log/chef-compliance/core/current</a:t>
-            </a:r>
-          </a:p>
-          <a:p>
-            <a:endParaRPr lang="en-US" dirty="0"/>
-          </a:p>
-          <a:p>
-            <a:endParaRPr lang="en-US" dirty="0" smtClean="0"/>
-          </a:p>
-          <a:p>
-            <a:r>
-              <a:rPr lang="en-US" b="1" dirty="0" err="1">
-                <a:hlinkClick r:id="rId3"/>
-              </a:rPr>
-              <a:t>srenatus</a:t>
-            </a:r>
-            <a:r>
-              <a:rPr lang="en-US" b="1" dirty="0"/>
-              <a:t> </a:t>
-            </a:r>
-            <a:r>
-              <a:rPr lang="en-US" dirty="0"/>
-              <a:t>commented </a:t>
-            </a:r>
-            <a:r>
-              <a:rPr lang="en-US" dirty="0">
-                <a:hlinkClick r:id="rId4"/>
-              </a:rPr>
-              <a:t>9 minutes ago</a:t>
-            </a:r>
-            <a:endParaRPr lang="en-US" dirty="0"/>
-          </a:p>
-          <a:p>
-            <a:r>
-              <a:rPr lang="en-US" b="1" dirty="0">
-                <a:hlinkClick r:id="rId5"/>
-              </a:rPr>
-              <a:t>@</a:t>
-            </a:r>
-            <a:r>
-              <a:rPr lang="en-US" b="1" dirty="0" err="1">
-                <a:hlinkClick r:id="rId5"/>
-              </a:rPr>
-              <a:t>SteveDelFante</a:t>
-            </a:r>
-            <a:r>
-              <a:rPr lang="en-US" dirty="0"/>
-              <a:t> Hehe, I might hope so, but I wouldn't hold my breath. We have not found the real issue at play here yet. But tomorrows release is much more explicit about errors, and rejects "old jobs", so we can hopefully tackle this bug better with it. ;)</a:t>
-            </a:r>
-          </a:p>
-          <a:p>
-            <a:r>
-              <a:rPr lang="en-US" dirty="0"/>
-              <a:t>Scheduled times are still a rather split: recurring jobs uses UTC, one-off jobs local time. Nothing has changed there (yet -- </a:t>
-            </a:r>
-            <a:r>
-              <a:rPr lang="en-US" dirty="0">
-                <a:hlinkClick r:id="rId6" tooltip="Homogenize the handling of times, reject schedules in the past"/>
-              </a:rPr>
-              <a:t>#237</a:t>
-            </a:r>
-            <a:r>
-              <a:rPr lang="en-US" dirty="0"/>
-              <a:t>).</a:t>
-            </a:r>
-          </a:p>
-          <a:p>
-            <a:endParaRPr lang="en-US" dirty="0"/>
-          </a:p>
-        </p:txBody>
-      </p:sp>
-    </p:spTree>
-    <p:extLst>
-      <p:ext uri="{BB962C8B-B14F-4D97-AF65-F5344CB8AC3E}">
-        <p14:creationId xmlns:p14="http://schemas.microsoft.com/office/powerpoint/2010/main" val="2662865422"/>
-      </p:ext>
-    </p:extLst>
-  </p:cSld>
-  <p:clrMapOvr>
-    <a:masterClrMapping/>
-  </p:clrMapOvr>
-  <p:transition spd="med">
-    <p:fade/>
-  </p:transition>
-  <p:timing>
-    <p:tnLst>
-      <p:par>
-        <p:cTn id="1" dur="indefinite" restart="never" nodeType="tmRoot"/>
-      </p:par>
-    </p:tnLst>
-  </p:timing>
-</p:sld>
-</file>
-
-<file path=ppt/slides/slide23.xml><?xml version="1.0" encoding="utf-8"?>
+<file path=ppt/slides/slide25.xml><?xml version="1.0" encoding="utf-8"?>
 <p:sld xmlns:a="http://schemas.openxmlformats.org/drawingml/2006/main" xmlns:r="http://schemas.openxmlformats.org/officeDocument/2006/relationships" xmlns:p="http://schemas.openxmlformats.org/presentationml/2006/main">
   <p:cSld>
     <p:bg>
@@ -15166,7 +15412,7 @@
 </p:sld>
 </file>
 
-<file path=ppt/slides/slide24.xml><?xml version="1.0" encoding="utf-8"?>
+<file path=ppt/slides/slide26.xml><?xml version="1.0" encoding="utf-8"?>
 <p:sld xmlns:a="http://schemas.openxmlformats.org/drawingml/2006/main" xmlns:r="http://schemas.openxmlformats.org/officeDocument/2006/relationships" xmlns:p="http://schemas.openxmlformats.org/presentationml/2006/main">
   <p:cSld>
     <p:spTree>
@@ -15469,11 +15715,11 @@
             </a:r>
             <a:r>
               <a:rPr lang="en-US" dirty="0"/>
-              <a:t>on a daily basis without interruptions in reporting</a:t>
-            </a:r>
-            <a:r>
-              <a:rPr lang="en-US" dirty="0" smtClean="0"/>
-              <a:t>.</a:t>
+              <a:t>on a daily </a:t>
+            </a:r>
+            <a:r>
+              <a:rPr lang="en-US" dirty="0" smtClean="0"/>
+              <a:t>basis.</a:t>
             </a:r>
           </a:p>
           <a:p>
@@ -15599,7 +15845,15 @@
             </a:r>
             <a:r>
               <a:rPr lang="en-US" dirty="0" smtClean="0"/>
-              <a:t>UTC. (Universal Time Coordinated which equals GMT.)</a:t>
+              <a:t>UTC. </a:t>
+            </a:r>
+            <a:r>
+              <a:rPr lang="en-US" dirty="0"/>
+              <a:t>(Coordinated Universal Time, </a:t>
+            </a:r>
+            <a:r>
+              <a:rPr lang="en-US" dirty="0" smtClean="0"/>
+              <a:t>which equals GMT.)</a:t>
             </a:r>
             <a:endParaRPr lang="en-US" dirty="0"/>
           </a:p>
@@ -15825,13 +16079,8 @@
             </a:r>
             <a:r>
               <a:rPr lang="en-US" dirty="0" smtClean="0"/>
-              <a:t>elect </a:t>
-            </a:r>
-            <a:r>
-              <a:rPr lang="en-US" dirty="0" smtClean="0"/>
-              <a:t>one of your target nodes.</a:t>
-            </a:r>
-            <a:endParaRPr lang="en-US" dirty="0" smtClean="0"/>
+              <a:t>elect one of your target nodes.</a:t>
+            </a:r>
           </a:p>
           <a:p>
             <a:r>
@@ -15973,11 +16222,7 @@
             </a:r>
             <a:r>
               <a:rPr lang="en-US" dirty="0" smtClean="0"/>
-              <a:t> </a:t>
-            </a:r>
-            <a:r>
-              <a:rPr lang="en-US" dirty="0" smtClean="0"/>
-              <a:t>profile for a Linux node or </a:t>
+              <a:t> profile for a Linux node or the </a:t>
             </a:r>
             <a:r>
               <a:rPr lang="en-US" b="1" dirty="0" smtClean="0"/>
@@ -15987,7 +16232,6 @@
               <a:rPr lang="en-US" dirty="0" smtClean="0"/>
               <a:t> profile for a Windows node</a:t>
             </a:r>
-            <a:endParaRPr lang="en-US" dirty="0" smtClean="0"/>
           </a:p>
           <a:p>
             <a:r>
@@ -17831,27 +18075,6 @@
 </file>
 
 <file path=customXml/item2.xml><?xml version="1.0" encoding="utf-8"?>
-<p:properties xmlns:p="http://schemas.microsoft.com/office/2006/metadata/properties" xmlns:xsi="http://www.w3.org/2001/XMLSchema-instance" xmlns:pc="http://schemas.microsoft.com/office/infopath/2007/PartnerControls">
-  <documentManagement>
-    <_dlc_DocId xmlns="7bb5d761-a2ea-4873-95f7-7a6658fb3ef0">M4CWTKMW727E-592-73</_dlc_DocId>
-    <_dlc_DocIdUrl xmlns="7bb5d761-a2ea-4873-95f7-7a6658fb3ef0">
-      <Url>https://kms.vci.local/marketing/team/_layouts/DocIdRedir.aspx?ID=M4CWTKMW727E-592-73</Url>
-      <Description>M4CWTKMW727E-592-73</Description>
-    </_dlc_DocIdUrl>
-  </documentManagement>
-</p:properties>
-</file>
-
-<file path=customXml/item3.xml><?xml version="1.0" encoding="utf-8"?>
-<?mso-contentType ?>
-<FormTemplates xmlns="http://schemas.microsoft.com/sharepoint/v3/contenttype/forms">
-  <Display>DocumentLibraryForm</Display>
-  <Edit>DocumentLibraryForm</Edit>
-  <New>DocumentLibraryForm</New>
-</FormTemplates>
-</file>
-
-<file path=customXml/item4.xml><?xml version="1.0" encoding="utf-8"?>
 <?mso-contentType ?>
 <spe:Receivers xmlns:spe="http://schemas.microsoft.com/sharepoint/events">
   <Receiver>
@@ -17897,6 +18120,27 @@
 </spe:Receivers>
 </file>
 
+<file path=customXml/item3.xml><?xml version="1.0" encoding="utf-8"?>
+<?mso-contentType ?>
+<FormTemplates xmlns="http://schemas.microsoft.com/sharepoint/v3/contenttype/forms">
+  <Display>DocumentLibraryForm</Display>
+  <Edit>DocumentLibraryForm</Edit>
+  <New>DocumentLibraryForm</New>
+</FormTemplates>
+</file>
+
+<file path=customXml/item4.xml><?xml version="1.0" encoding="utf-8"?>
+<p:properties xmlns:p="http://schemas.microsoft.com/office/2006/metadata/properties" xmlns:xsi="http://www.w3.org/2001/XMLSchema-instance" xmlns:pc="http://schemas.microsoft.com/office/infopath/2007/PartnerControls">
+  <documentManagement>
+    <_dlc_DocId xmlns="7bb5d761-a2ea-4873-95f7-7a6658fb3ef0">M4CWTKMW727E-592-73</_dlc_DocId>
+    <_dlc_DocIdUrl xmlns="7bb5d761-a2ea-4873-95f7-7a6658fb3ef0">
+      <Url>https://kms.vci.local/marketing/team/_layouts/DocIdRedir.aspx?ID=M4CWTKMW727E-592-73</Url>
+      <Description>M4CWTKMW727E-592-73</Description>
+    </_dlc_DocIdUrl>
+  </documentManagement>
+</p:properties>
+</file>
+
 <file path=customXml/itemProps1.xml><?xml version="1.0" encoding="utf-8"?>
 <ds:datastoreItem xmlns:ds="http://schemas.openxmlformats.org/officeDocument/2006/customXml" ds:itemID="{164479E5-0B02-49AC-B79E-EC1D6164DDD3}">
   <ds:schemaRefs>
@@ -17916,6 +18160,22 @@
 </file>
 
 <file path=customXml/itemProps2.xml><?xml version="1.0" encoding="utf-8"?>
+<ds:datastoreItem xmlns:ds="http://schemas.openxmlformats.org/officeDocument/2006/customXml" ds:itemID="{B13EBC30-FE27-4C6A-B723-23FC2188F7DC}">
+  <ds:schemaRefs>
+    <ds:schemaRef ds:uri="http://schemas.microsoft.com/sharepoint/events"/>
+  </ds:schemaRefs>
+</ds:datastoreItem>
+</file>
+
+<file path=customXml/itemProps3.xml><?xml version="1.0" encoding="utf-8"?>
+<ds:datastoreItem xmlns:ds="http://schemas.openxmlformats.org/officeDocument/2006/customXml" ds:itemID="{5CDEB364-43EC-4510-9881-539C2A3FCE9E}">
+  <ds:schemaRefs>
+    <ds:schemaRef ds:uri="http://schemas.microsoft.com/sharepoint/v3/contenttype/forms"/>
+  </ds:schemaRefs>
+</ds:datastoreItem>
+</file>
+
+<file path=customXml/itemProps4.xml><?xml version="1.0" encoding="utf-8"?>
 <ds:datastoreItem xmlns:ds="http://schemas.openxmlformats.org/officeDocument/2006/customXml" ds:itemID="{6921749B-AEB7-461B-845F-603CABD25259}">
   <ds:schemaRefs>
     <ds:schemaRef ds:uri="http://schemas.microsoft.com/office/2006/documentManagement/types"/>
@@ -17929,20 +18189,4 @@
     <ds:schemaRef ds:uri="http://purl.org/dc/dcmitype/"/>
   </ds:schemaRefs>
 </ds:datastoreItem>
-</file>
-
-<file path=customXml/itemProps3.xml><?xml version="1.0" encoding="utf-8"?>
-<ds:datastoreItem xmlns:ds="http://schemas.openxmlformats.org/officeDocument/2006/customXml" ds:itemID="{5CDEB364-43EC-4510-9881-539C2A3FCE9E}">
-  <ds:schemaRefs>
-    <ds:schemaRef ds:uri="http://schemas.microsoft.com/sharepoint/v3/contenttype/forms"/>
-  </ds:schemaRefs>
-</ds:datastoreItem>
-</file>
-
-<file path=customXml/itemProps4.xml><?xml version="1.0" encoding="utf-8"?>
-<ds:datastoreItem xmlns:ds="http://schemas.openxmlformats.org/officeDocument/2006/customXml" ds:itemID="{B13EBC30-FE27-4C6A-B723-23FC2188F7DC}">
-  <ds:schemaRefs>
-    <ds:schemaRef ds:uri="http://schemas.microsoft.com/sharepoint/events"/>
-  </ds:schemaRefs>
-</ds:datastoreItem>
 </file>
--- a/06-scheduling-scans-reports.pptx
+++ b/06-scheduling-scans-reports.pptx
@@ -299,7 +299,7 @@
               <a:pPr>
                 <a:defRPr/>
               </a:pPr>
-              <a:t>2016-01-14</a:t>
+              <a:t>2016-01-19</a:t>
             </a:fld>
             <a:endParaRPr lang="en-US" dirty="0"/>
           </a:p>
@@ -482,7 +482,7 @@
               <a:pPr>
                 <a:defRPr/>
               </a:pPr>
-              <a:t>2016-01-14</a:t>
+              <a:t>2016-01-19</a:t>
             </a:fld>
             <a:endParaRPr lang="en-US" dirty="0"/>
           </a:p>
@@ -5002,14 +5002,14 @@
           </a:ln>
           <a:extLst>
             <a:ext uri="{909E8E84-426E-40dd-AFC4-6F175D3DCCD1}">
-              <a14:hiddenFill xmlns="" xmlns:a14="http://schemas.microsoft.com/office/drawing/2010/main">
+              <a14:hiddenFill xmlns:a14="http://schemas.microsoft.com/office/drawing/2010/main" xmlns="">
                 <a:solidFill>
                   <a:srgbClr val="FFFFFF"/>
                 </a:solidFill>
               </a14:hiddenFill>
             </a:ext>
             <a:ext uri="{91240B29-F687-4f45-9708-019B960494DF}">
-              <a14:hiddenLine xmlns="" xmlns:a14="http://schemas.microsoft.com/office/drawing/2010/main" w="9525">
+              <a14:hiddenLine xmlns:a14="http://schemas.microsoft.com/office/drawing/2010/main" xmlns="" w="9525">
                 <a:solidFill>
                   <a:srgbClr val="000000"/>
                 </a:solidFill>
@@ -5157,14 +5157,14 @@
           </a:ln>
           <a:extLst>
             <a:ext uri="{909E8E84-426E-40dd-AFC4-6F175D3DCCD1}">
-              <a14:hiddenFill xmlns="" xmlns:a14="http://schemas.microsoft.com/office/drawing/2010/main">
+              <a14:hiddenFill xmlns:a14="http://schemas.microsoft.com/office/drawing/2010/main" xmlns="">
                 <a:solidFill>
                   <a:srgbClr val="FFFFFF"/>
                 </a:solidFill>
               </a14:hiddenFill>
             </a:ext>
             <a:ext uri="{91240B29-F687-4f45-9708-019B960494DF}">
-              <a14:hiddenLine xmlns="" xmlns:a14="http://schemas.microsoft.com/office/drawing/2010/main" w="9525">
+              <a14:hiddenLine xmlns:a14="http://schemas.microsoft.com/office/drawing/2010/main" xmlns="" w="9525">
                 <a:solidFill>
                   <a:srgbClr val="000000"/>
                 </a:solidFill>
@@ -5655,14 +5655,14 @@
           </a:ln>
           <a:extLst>
             <a:ext uri="{909E8E84-426E-40dd-AFC4-6F175D3DCCD1}">
-              <a14:hiddenFill xmlns="" xmlns:a14="http://schemas.microsoft.com/office/drawing/2010/main">
+              <a14:hiddenFill xmlns:a14="http://schemas.microsoft.com/office/drawing/2010/main" xmlns="">
                 <a:solidFill>
                   <a:srgbClr val="FFFFFF"/>
                 </a:solidFill>
               </a14:hiddenFill>
             </a:ext>
             <a:ext uri="{91240B29-F687-4f45-9708-019B960494DF}">
-              <a14:hiddenLine xmlns="" xmlns:a14="http://schemas.microsoft.com/office/drawing/2010/main" w="9525">
+              <a14:hiddenLine xmlns:a14="http://schemas.microsoft.com/office/drawing/2010/main" xmlns="" w="9525">
                 <a:solidFill>
                   <a:srgbClr val="000000"/>
                 </a:solidFill>
@@ -6188,14 +6188,14 @@
           </a:ln>
           <a:extLst>
             <a:ext uri="{909E8E84-426E-40dd-AFC4-6F175D3DCCD1}">
-              <a14:hiddenFill xmlns="" xmlns:a14="http://schemas.microsoft.com/office/drawing/2010/main">
+              <a14:hiddenFill xmlns:a14="http://schemas.microsoft.com/office/drawing/2010/main" xmlns="">
                 <a:solidFill>
                   <a:srgbClr val="FFFFFF"/>
                 </a:solidFill>
               </a14:hiddenFill>
             </a:ext>
             <a:ext uri="{91240B29-F687-4f45-9708-019B960494DF}">
-              <a14:hiddenLine xmlns="" xmlns:a14="http://schemas.microsoft.com/office/drawing/2010/main" w="9525">
+              <a14:hiddenLine xmlns:a14="http://schemas.microsoft.com/office/drawing/2010/main" xmlns="" w="9525">
                 <a:solidFill>
                   <a:srgbClr val="000000"/>
                 </a:solidFill>
@@ -7819,14 +7819,14 @@
           </a:ln>
           <a:extLst>
             <a:ext uri="{909E8E84-426E-40dd-AFC4-6F175D3DCCD1}">
-              <a14:hiddenFill xmlns="" xmlns:a14="http://schemas.microsoft.com/office/drawing/2010/main">
+              <a14:hiddenFill xmlns:a14="http://schemas.microsoft.com/office/drawing/2010/main" xmlns="">
                 <a:solidFill>
                   <a:srgbClr val="FFFFFF"/>
                 </a:solidFill>
               </a14:hiddenFill>
             </a:ext>
             <a:ext uri="{91240B29-F687-4f45-9708-019B960494DF}">
-              <a14:hiddenLine xmlns="" xmlns:a14="http://schemas.microsoft.com/office/drawing/2010/main" w="9525">
+              <a14:hiddenLine xmlns:a14="http://schemas.microsoft.com/office/drawing/2010/main" xmlns="" w="9525">
                 <a:solidFill>
                   <a:srgbClr val="000000"/>
                 </a:solidFill>
@@ -9360,14 +9360,14 @@
           </a:ln>
           <a:extLst>
             <a:ext uri="{909E8E84-426E-40dd-AFC4-6F175D3DCCD1}">
-              <a14:hiddenFill xmlns="" xmlns:a14="http://schemas.microsoft.com/office/drawing/2010/main">
+              <a14:hiddenFill xmlns:a14="http://schemas.microsoft.com/office/drawing/2010/main" xmlns="">
                 <a:solidFill>
                   <a:srgbClr val="FFFFFF"/>
                 </a:solidFill>
               </a14:hiddenFill>
             </a:ext>
             <a:ext uri="{91240B29-F687-4f45-9708-019B960494DF}">
-              <a14:hiddenLine xmlns="" xmlns:a14="http://schemas.microsoft.com/office/drawing/2010/main" w="9525">
+              <a14:hiddenLine xmlns:a14="http://schemas.microsoft.com/office/drawing/2010/main" xmlns="" w="9525">
                 <a:solidFill>
                   <a:srgbClr val="000000"/>
                 </a:solidFill>
@@ -9873,14 +9873,14 @@
           </a:ln>
           <a:extLst>
             <a:ext uri="{909E8E84-426E-40dd-AFC4-6F175D3DCCD1}">
-              <a14:hiddenFill xmlns="" xmlns:a14="http://schemas.microsoft.com/office/drawing/2010/main">
+              <a14:hiddenFill xmlns:a14="http://schemas.microsoft.com/office/drawing/2010/main" xmlns="">
                 <a:solidFill>
                   <a:srgbClr val="FFFFFF"/>
                 </a:solidFill>
               </a14:hiddenFill>
             </a:ext>
             <a:ext uri="{91240B29-F687-4f45-9708-019B960494DF}">
-              <a14:hiddenLine xmlns="" xmlns:a14="http://schemas.microsoft.com/office/drawing/2010/main" w="9525">
+              <a14:hiddenLine xmlns:a14="http://schemas.microsoft.com/office/drawing/2010/main" xmlns="" w="9525">
                 <a:solidFill>
                   <a:srgbClr val="000000"/>
                 </a:solidFill>
@@ -10447,14 +10447,14 @@
           </a:ln>
           <a:extLst>
             <a:ext uri="{909E8E84-426E-40dd-AFC4-6F175D3DCCD1}">
-              <a14:hiddenFill xmlns="" xmlns:a14="http://schemas.microsoft.com/office/drawing/2010/main">
+              <a14:hiddenFill xmlns:a14="http://schemas.microsoft.com/office/drawing/2010/main" xmlns="">
                 <a:solidFill>
                   <a:srgbClr val="FFFFFF"/>
                 </a:solidFill>
               </a14:hiddenFill>
             </a:ext>
             <a:ext uri="{91240B29-F687-4f45-9708-019B960494DF}">
-              <a14:hiddenLine xmlns="" xmlns:a14="http://schemas.microsoft.com/office/drawing/2010/main" w="9525">
+              <a14:hiddenLine xmlns:a14="http://schemas.microsoft.com/office/drawing/2010/main" xmlns="" w="9525">
                 <a:solidFill>
                   <a:srgbClr val="000000"/>
                 </a:solidFill>
@@ -11394,14 +11394,14 @@
           </a:ln>
           <a:extLst>
             <a:ext uri="{909E8E84-426E-40dd-AFC4-6F175D3DCCD1}">
-              <a14:hiddenFill xmlns="" xmlns:a14="http://schemas.microsoft.com/office/drawing/2010/main">
+              <a14:hiddenFill xmlns:a14="http://schemas.microsoft.com/office/drawing/2010/main" xmlns="">
                 <a:solidFill>
                   <a:srgbClr val="FFFFFF"/>
                 </a:solidFill>
               </a14:hiddenFill>
             </a:ext>
             <a:ext uri="{91240B29-F687-4f45-9708-019B960494DF}">
-              <a14:hiddenLine xmlns="" xmlns:a14="http://schemas.microsoft.com/office/drawing/2010/main" w="9525">
+              <a14:hiddenLine xmlns:a14="http://schemas.microsoft.com/office/drawing/2010/main" xmlns="" w="9525">
                 <a:solidFill>
                   <a:srgbClr val="000000"/>
                 </a:solidFill>
@@ -12154,14 +12154,14 @@
           </a:ln>
           <a:extLst>
             <a:ext uri="{909E8E84-426E-40dd-AFC4-6F175D3DCCD1}">
-              <a14:hiddenFill xmlns="" xmlns:a14="http://schemas.microsoft.com/office/drawing/2010/main">
+              <a14:hiddenFill xmlns:a14="http://schemas.microsoft.com/office/drawing/2010/main" xmlns="">
                 <a:solidFill>
                   <a:srgbClr val="FFFFFF"/>
                 </a:solidFill>
               </a14:hiddenFill>
             </a:ext>
             <a:ext uri="{91240B29-F687-4f45-9708-019B960494DF}">
-              <a14:hiddenLine xmlns="" xmlns:a14="http://schemas.microsoft.com/office/drawing/2010/main" w="9525">
+              <a14:hiddenLine xmlns:a14="http://schemas.microsoft.com/office/drawing/2010/main" xmlns="" w="9525">
                 <a:solidFill>
                   <a:srgbClr val="000000"/>
                 </a:solidFill>
@@ -14456,11 +14456,7 @@
             </a:pPr>
             <a:r>
               <a:rPr lang="en-US" dirty="0" smtClean="0"/>
-              <a:t>View and export reports</a:t>
-            </a:r>
-            <a:r>
-              <a:rPr lang="en-US" dirty="0" smtClean="0"/>
-              <a:t>.</a:t>
+              <a:t>View and export reports.</a:t>
             </a:r>
           </a:p>
           <a:p>
@@ -17930,6 +17926,52 @@
 </file>
 
 <file path=customXml/item1.xml><?xml version="1.0" encoding="utf-8"?>
+<?mso-contentType ?>
+<spe:Receivers xmlns:spe="http://schemas.microsoft.com/sharepoint/events">
+  <Receiver>
+    <Name>Document ID Generator</Name>
+    <Synchronization>Synchronous</Synchronization>
+    <Type>10001</Type>
+    <SequenceNumber>1000</SequenceNumber>
+    <Assembly>Microsoft.Office.DocumentManagement, Version=14.0.0.0, Culture=neutral, PublicKeyToken=71e9bce111e9429c</Assembly>
+    <Class>Microsoft.Office.DocumentManagement.Internal.DocIdHandler</Class>
+    <Data/>
+    <Filter/>
+  </Receiver>
+  <Receiver>
+    <Name>Document ID Generator</Name>
+    <Synchronization>Synchronous</Synchronization>
+    <Type>10002</Type>
+    <SequenceNumber>1001</SequenceNumber>
+    <Assembly>Microsoft.Office.DocumentManagement, Version=14.0.0.0, Culture=neutral, PublicKeyToken=71e9bce111e9429c</Assembly>
+    <Class>Microsoft.Office.DocumentManagement.Internal.DocIdHandler</Class>
+    <Data/>
+    <Filter/>
+  </Receiver>
+  <Receiver>
+    <Name>Document ID Generator</Name>
+    <Synchronization>Synchronous</Synchronization>
+    <Type>10004</Type>
+    <SequenceNumber>1002</SequenceNumber>
+    <Assembly>Microsoft.Office.DocumentManagement, Version=14.0.0.0, Culture=neutral, PublicKeyToken=71e9bce111e9429c</Assembly>
+    <Class>Microsoft.Office.DocumentManagement.Internal.DocIdHandler</Class>
+    <Data/>
+    <Filter/>
+  </Receiver>
+  <Receiver>
+    <Name>Document ID Generator</Name>
+    <Synchronization>Synchronous</Synchronization>
+    <Type>10006</Type>
+    <SequenceNumber>1003</SequenceNumber>
+    <Assembly>Microsoft.Office.DocumentManagement, Version=14.0.0.0, Culture=neutral, PublicKeyToken=71e9bce111e9429c</Assembly>
+    <Class>Microsoft.Office.DocumentManagement.Internal.DocIdHandler</Class>
+    <Data/>
+    <Filter/>
+  </Receiver>
+</spe:Receivers>
+</file>
+
+<file path=customXml/item2.xml><?xml version="1.0" encoding="utf-8"?>
 <ct:contentTypeSchema xmlns:ct="http://schemas.microsoft.com/office/2006/metadata/contentType" xmlns:ma="http://schemas.microsoft.com/office/2006/metadata/properties/metaAttributes" ct:_="" ma:_="" ma:contentTypeName="Document" ma:contentTypeID="0x0101000812F700BE7F874999720E88173FE491" ma:contentTypeVersion="0" ma:contentTypeDescription="Create a new document." ma:contentTypeScope="" ma:versionID="3f79f408e2ca720b7aba6e0e32464d0c">
   <xsd:schema xmlns:xsd="http://www.w3.org/2001/XMLSchema" xmlns:xs="http://www.w3.org/2001/XMLSchema" xmlns:p="http://schemas.microsoft.com/office/2006/metadata/properties" xmlns:ns2="7bb5d761-a2ea-4873-95f7-7a6658fb3ef0" targetNamespace="http://schemas.microsoft.com/office/2006/metadata/properties" ma:root="true" ma:fieldsID="1e062cd38ba31e406bfc4340fbc7f87a" ns2:_="">
     <xsd:import namespace="7bb5d761-a2ea-4873-95f7-7a6658fb3ef0"/>
@@ -18074,62 +18116,7 @@
 </ct:contentTypeSchema>
 </file>
 
-<file path=customXml/item2.xml><?xml version="1.0" encoding="utf-8"?>
-<?mso-contentType ?>
-<spe:Receivers xmlns:spe="http://schemas.microsoft.com/sharepoint/events">
-  <Receiver>
-    <Name>Document ID Generator</Name>
-    <Synchronization>Synchronous</Synchronization>
-    <Type>10001</Type>
-    <SequenceNumber>1000</SequenceNumber>
-    <Assembly>Microsoft.Office.DocumentManagement, Version=14.0.0.0, Culture=neutral, PublicKeyToken=71e9bce111e9429c</Assembly>
-    <Class>Microsoft.Office.DocumentManagement.Internal.DocIdHandler</Class>
-    <Data/>
-    <Filter/>
-  </Receiver>
-  <Receiver>
-    <Name>Document ID Generator</Name>
-    <Synchronization>Synchronous</Synchronization>
-    <Type>10002</Type>
-    <SequenceNumber>1001</SequenceNumber>
-    <Assembly>Microsoft.Office.DocumentManagement, Version=14.0.0.0, Culture=neutral, PublicKeyToken=71e9bce111e9429c</Assembly>
-    <Class>Microsoft.Office.DocumentManagement.Internal.DocIdHandler</Class>
-    <Data/>
-    <Filter/>
-  </Receiver>
-  <Receiver>
-    <Name>Document ID Generator</Name>
-    <Synchronization>Synchronous</Synchronization>
-    <Type>10004</Type>
-    <SequenceNumber>1002</SequenceNumber>
-    <Assembly>Microsoft.Office.DocumentManagement, Version=14.0.0.0, Culture=neutral, PublicKeyToken=71e9bce111e9429c</Assembly>
-    <Class>Microsoft.Office.DocumentManagement.Internal.DocIdHandler</Class>
-    <Data/>
-    <Filter/>
-  </Receiver>
-  <Receiver>
-    <Name>Document ID Generator</Name>
-    <Synchronization>Synchronous</Synchronization>
-    <Type>10006</Type>
-    <SequenceNumber>1003</SequenceNumber>
-    <Assembly>Microsoft.Office.DocumentManagement, Version=14.0.0.0, Culture=neutral, PublicKeyToken=71e9bce111e9429c</Assembly>
-    <Class>Microsoft.Office.DocumentManagement.Internal.DocIdHandler</Class>
-    <Data/>
-    <Filter/>
-  </Receiver>
-</spe:Receivers>
-</file>
-
 <file path=customXml/item3.xml><?xml version="1.0" encoding="utf-8"?>
-<?mso-contentType ?>
-<FormTemplates xmlns="http://schemas.microsoft.com/sharepoint/v3/contenttype/forms">
-  <Display>DocumentLibraryForm</Display>
-  <Edit>DocumentLibraryForm</Edit>
-  <New>DocumentLibraryForm</New>
-</FormTemplates>
-</file>
-
-<file path=customXml/item4.xml><?xml version="1.0" encoding="utf-8"?>
 <p:properties xmlns:p="http://schemas.microsoft.com/office/2006/metadata/properties" xmlns:xsi="http://www.w3.org/2001/XMLSchema-instance" xmlns:pc="http://schemas.microsoft.com/office/infopath/2007/PartnerControls">
   <documentManagement>
     <_dlc_DocId xmlns="7bb5d761-a2ea-4873-95f7-7a6658fb3ef0">M4CWTKMW727E-592-73</_dlc_DocId>
@@ -18141,7 +18128,24 @@
 </p:properties>
 </file>
 
+<file path=customXml/item4.xml><?xml version="1.0" encoding="utf-8"?>
+<?mso-contentType ?>
+<FormTemplates xmlns="http://schemas.microsoft.com/sharepoint/v3/contenttype/forms">
+  <Display>DocumentLibraryForm</Display>
+  <Edit>DocumentLibraryForm</Edit>
+  <New>DocumentLibraryForm</New>
+</FormTemplates>
+</file>
+
 <file path=customXml/itemProps1.xml><?xml version="1.0" encoding="utf-8"?>
+<ds:datastoreItem xmlns:ds="http://schemas.openxmlformats.org/officeDocument/2006/customXml" ds:itemID="{B13EBC30-FE27-4C6A-B723-23FC2188F7DC}">
+  <ds:schemaRefs>
+    <ds:schemaRef ds:uri="http://schemas.microsoft.com/sharepoint/events"/>
+  </ds:schemaRefs>
+</ds:datastoreItem>
+</file>
+
+<file path=customXml/itemProps2.xml><?xml version="1.0" encoding="utf-8"?>
 <ds:datastoreItem xmlns:ds="http://schemas.openxmlformats.org/officeDocument/2006/customXml" ds:itemID="{164479E5-0B02-49AC-B79E-EC1D6164DDD3}">
   <ds:schemaRefs>
     <ds:schemaRef ds:uri="http://schemas.microsoft.com/office/2006/metadata/contentType"/>
@@ -18159,23 +18163,7 @@
 </ds:datastoreItem>
 </file>
 
-<file path=customXml/itemProps2.xml><?xml version="1.0" encoding="utf-8"?>
-<ds:datastoreItem xmlns:ds="http://schemas.openxmlformats.org/officeDocument/2006/customXml" ds:itemID="{B13EBC30-FE27-4C6A-B723-23FC2188F7DC}">
-  <ds:schemaRefs>
-    <ds:schemaRef ds:uri="http://schemas.microsoft.com/sharepoint/events"/>
-  </ds:schemaRefs>
-</ds:datastoreItem>
-</file>
-
 <file path=customXml/itemProps3.xml><?xml version="1.0" encoding="utf-8"?>
-<ds:datastoreItem xmlns:ds="http://schemas.openxmlformats.org/officeDocument/2006/customXml" ds:itemID="{5CDEB364-43EC-4510-9881-539C2A3FCE9E}">
-  <ds:schemaRefs>
-    <ds:schemaRef ds:uri="http://schemas.microsoft.com/sharepoint/v3/contenttype/forms"/>
-  </ds:schemaRefs>
-</ds:datastoreItem>
-</file>
-
-<file path=customXml/itemProps4.xml><?xml version="1.0" encoding="utf-8"?>
 <ds:datastoreItem xmlns:ds="http://schemas.openxmlformats.org/officeDocument/2006/customXml" ds:itemID="{6921749B-AEB7-461B-845F-603CABD25259}">
   <ds:schemaRefs>
     <ds:schemaRef ds:uri="http://schemas.microsoft.com/office/2006/documentManagement/types"/>
@@ -18189,4 +18177,12 @@
     <ds:schemaRef ds:uri="http://purl.org/dc/dcmitype/"/>
   </ds:schemaRefs>
 </ds:datastoreItem>
+</file>
+
+<file path=customXml/itemProps4.xml><?xml version="1.0" encoding="utf-8"?>
+<ds:datastoreItem xmlns:ds="http://schemas.openxmlformats.org/officeDocument/2006/customXml" ds:itemID="{5CDEB364-43EC-4510-9881-539C2A3FCE9E}">
+  <ds:schemaRefs>
+    <ds:schemaRef ds:uri="http://schemas.microsoft.com/sharepoint/v3/contenttype/forms"/>
+  </ds:schemaRefs>
+</ds:datastoreItem>
 </file>
--- a/06-scheduling-scans-reports.pptx
+++ b/06-scheduling-scans-reports.pptx
@@ -6,10 +6,10 @@
     <p:sldMasterId id="2147483847" r:id="rId6"/>
   </p:sldMasterIdLst>
   <p:notesMasterIdLst>
-    <p:notesMasterId r:id="rId33"/>
+    <p:notesMasterId r:id="rId32"/>
   </p:notesMasterIdLst>
   <p:handoutMasterIdLst>
-    <p:handoutMasterId r:id="rId34"/>
+    <p:handoutMasterId r:id="rId33"/>
   </p:handoutMasterIdLst>
   <p:sldIdLst>
     <p:sldId id="256" r:id="rId7"/>
@@ -35,9 +35,8 @@
     <p:sldId id="338" r:id="rId27"/>
     <p:sldId id="339" r:id="rId28"/>
     <p:sldId id="340" r:id="rId29"/>
-    <p:sldId id="316" r:id="rId30"/>
-    <p:sldId id="276" r:id="rId31"/>
-    <p:sldId id="267" r:id="rId32"/>
+    <p:sldId id="276" r:id="rId30"/>
+    <p:sldId id="267" r:id="rId31"/>
   </p:sldIdLst>
   <p:sldSz cx="16256000" cy="9144000"/>
   <p:notesSz cx="6858000" cy="9144000"/>
@@ -299,7 +298,7 @@
               <a:pPr>
                 <a:defRPr/>
               </a:pPr>
-              <a:t>2016-01-19</a:t>
+              <a:t>2016-01-29</a:t>
             </a:fld>
             <a:endParaRPr lang="en-US" dirty="0"/>
           </a:p>
@@ -482,7 +481,7 @@
               <a:pPr>
                 <a:defRPr/>
               </a:pPr>
-              <a:t>2016-01-19</a:t>
+              <a:t>2016-01-29</a:t>
             </a:fld>
             <a:endParaRPr lang="en-US" dirty="0"/>
           </a:p>
@@ -1063,11 +1062,15 @@
           <a:p>
             <a:r>
               <a:rPr lang="en-US" dirty="0" smtClean="0"/>
-              <a:t>Instructor Note: This section is more of a placeholder for exporting Compliance reports after the email and Excel</a:t>
-            </a:r>
-            <a:r>
-              <a:rPr lang="en-US" baseline="0" dirty="0" smtClean="0"/>
-              <a:t> methods are ready for release.</a:t>
+              <a:t>TBD explain </a:t>
+            </a:r>
+            <a:r>
+              <a:rPr lang="en-US" dirty="0" err="1" smtClean="0"/>
+              <a:t>json</a:t>
+            </a:r>
+            <a:r>
+              <a:rPr lang="en-US" dirty="0" smtClean="0"/>
+              <a:t> exporting?</a:t>
             </a:r>
             <a:endParaRPr lang="en-US" dirty="0"/>
           </a:p>
@@ -1096,7 +1099,7 @@
               <a:pPr>
                 <a:defRPr/>
               </a:pPr>
-              <a:t>20</a:t>
+              <a:t>19</a:t>
             </a:fld>
             <a:endParaRPr lang="en-US" dirty="0"/>
           </a:p>
@@ -1149,7 +1152,7 @@
     </p:spTree>
     <p:extLst>
       <p:ext uri="{BB962C8B-B14F-4D97-AF65-F5344CB8AC3E}">
-        <p14:creationId xmlns:p14="http://schemas.microsoft.com/office/powerpoint/2010/main" val="1269756380"/>
+        <p14:creationId xmlns:p14="http://schemas.microsoft.com/office/powerpoint/2010/main" val="950970001"/>
       </p:ext>
     </p:extLst>
   </p:cSld>
@@ -1200,1827 +1203,17 @@
         </p:nvSpPr>
         <p:spPr/>
         <p:txBody>
-          <a:bodyPr>
-            <a:normAutofit fontScale="25000" lnSpcReduction="20000"/>
-          </a:bodyPr>
+          <a:bodyPr/>
           <a:lstStyle/>
           <a:p>
             <a:r>
-              <a:rPr lang="en-US" dirty="0" smtClean="0">
-                <a:effectLst/>
-              </a:rPr>
-              <a:t>Hi Dominik....Is there a document that explains a use case for running scheduled scans?</a:t>
-            </a:r>
-            <a:r>
-              <a:rPr lang="en-US" i="1" dirty="0" smtClean="0">
-                <a:effectLst/>
-              </a:rPr>
-              <a:t/>
-            </a:r>
-            <a:br>
-              <a:rPr lang="en-US" i="1" dirty="0" smtClean="0">
-                <a:effectLst/>
-              </a:rPr>
-            </a:br>
-            <a:endParaRPr lang="en-US" dirty="0" smtClean="0">
-              <a:effectLst/>
-            </a:endParaRPr>
-          </a:p>
-          <a:p>
-            <a:r>
-              <a:rPr lang="en-US" sz="1200" u="none" strike="noStrike" kern="1200" dirty="0" smtClean="0">
-                <a:solidFill>
-                  <a:schemeClr val="tx1"/>
-                </a:solidFill>
-                <a:effectLst/>
-                <a:latin typeface="Arial" panose="020B0604020202020204" pitchFamily="34" charset="0"/>
-                <a:ea typeface="ＭＳ Ｐゴシック" charset="0"/>
-                <a:cs typeface="Arial" panose="020B0604020202020204" pitchFamily="34" charset="0"/>
-                <a:hlinkClick r:id="rId3" tooltip="Today at 9:31:29 AM&#10;Click to open in archives"/>
-              </a:rPr>
-              <a:t>​</a:t>
-            </a:r>
-            <a:r>
-              <a:rPr lang="en-US" sz="1200" i="1" u="none" strike="noStrike" kern="1200" dirty="0" smtClean="0">
-                <a:solidFill>
-                  <a:schemeClr val="tx1"/>
-                </a:solidFill>
-                <a:effectLst/>
-                <a:latin typeface="Arial" panose="020B0604020202020204" pitchFamily="34" charset="0"/>
-                <a:ea typeface="ＭＳ Ｐゴシック" charset="0"/>
-                <a:cs typeface="Arial" panose="020B0604020202020204" pitchFamily="34" charset="0"/>
-                <a:hlinkClick r:id="rId3" tooltip="Today at 9:31:29 AM&#10;Click to open in archives"/>
-              </a:rPr>
-              <a:t>[</a:t>
-            </a:r>
-            <a:r>
-              <a:rPr lang="en-US" sz="1200" u="none" strike="noStrike" kern="1200" dirty="0" smtClean="0">
-                <a:solidFill>
-                  <a:schemeClr val="tx1"/>
-                </a:solidFill>
-                <a:effectLst/>
-                <a:latin typeface="Arial" panose="020B0604020202020204" pitchFamily="34" charset="0"/>
-                <a:ea typeface="ＭＳ Ｐゴシック" charset="0"/>
-                <a:cs typeface="Arial" panose="020B0604020202020204" pitchFamily="34" charset="0"/>
-                <a:hlinkClick r:id="rId3" tooltip="Today at 9:31:29 AM&#10;Click to open in archives"/>
-              </a:rPr>
-              <a:t>9:31 AM</a:t>
-            </a:r>
-            <a:r>
-              <a:rPr lang="en-US" sz="1200" i="1" u="none" strike="noStrike" kern="1200" dirty="0" smtClean="0">
-                <a:solidFill>
-                  <a:schemeClr val="tx1"/>
-                </a:solidFill>
-                <a:effectLst/>
-                <a:latin typeface="Arial" panose="020B0604020202020204" pitchFamily="34" charset="0"/>
-                <a:ea typeface="ＭＳ Ｐゴシック" charset="0"/>
-                <a:cs typeface="Arial" panose="020B0604020202020204" pitchFamily="34" charset="0"/>
-                <a:hlinkClick r:id="rId3" tooltip="Today at 9:31:29 AM&#10;Click to open in archives"/>
-              </a:rPr>
-              <a:t>]</a:t>
-            </a:r>
-            <a:r>
-              <a:rPr lang="en-US" dirty="0" smtClean="0">
-                <a:effectLst/>
-              </a:rPr>
-              <a:t> </a:t>
-            </a:r>
-          </a:p>
-          <a:p>
-            <a:r>
-              <a:rPr lang="en-US" sz="1200" b="1" u="none" strike="noStrike" kern="1200" dirty="0" err="1" smtClean="0">
-                <a:solidFill>
-                  <a:schemeClr val="tx1"/>
-                </a:solidFill>
-                <a:effectLst/>
-                <a:latin typeface="Arial" panose="020B0604020202020204" pitchFamily="34" charset="0"/>
-                <a:ea typeface="ＭＳ Ｐゴシック" charset="0"/>
-                <a:cs typeface="Arial" panose="020B0604020202020204" pitchFamily="34" charset="0"/>
-                <a:hlinkClick r:id="rId4"/>
-              </a:rPr>
-              <a:t>dominik</a:t>
-            </a:r>
-            <a:r>
-              <a:rPr lang="en-US" dirty="0" smtClean="0">
-                <a:effectLst/>
-              </a:rPr>
-              <a:t> Not really right now :</a:t>
-            </a:r>
-            <a:r>
-              <a:rPr lang="en-US" dirty="0" err="1" smtClean="0">
-                <a:effectLst/>
-              </a:rPr>
-              <a:t>simple_smile</a:t>
-            </a:r>
-            <a:r>
-              <a:rPr lang="en-US" dirty="0" smtClean="0">
-                <a:effectLst/>
-              </a:rPr>
-              <a:t>: We have them included, but their functionality is still a bit limited in the UI. what are you interested in ?</a:t>
-            </a:r>
-            <a:r>
-              <a:rPr lang="en-US" i="1" dirty="0" smtClean="0">
-                <a:effectLst/>
-              </a:rPr>
-              <a:t/>
-            </a:r>
-            <a:br>
-              <a:rPr lang="en-US" i="1" dirty="0" smtClean="0">
-                <a:effectLst/>
-              </a:rPr>
-            </a:br>
-            <a:endParaRPr lang="en-US" dirty="0" smtClean="0">
-              <a:effectLst/>
-            </a:endParaRPr>
-          </a:p>
-          <a:p>
-            <a:r>
-              <a:rPr lang="en-US" sz="1200" u="none" strike="noStrike" kern="1200" dirty="0" smtClean="0">
-                <a:solidFill>
-                  <a:schemeClr val="tx1"/>
-                </a:solidFill>
-                <a:effectLst/>
-                <a:latin typeface="Arial" panose="020B0604020202020204" pitchFamily="34" charset="0"/>
-                <a:ea typeface="ＭＳ Ｐゴシック" charset="0"/>
-                <a:cs typeface="Arial" panose="020B0604020202020204" pitchFamily="34" charset="0"/>
-                <a:hlinkClick r:id="rId5"/>
-              </a:rPr>
-              <a:t>​</a:t>
-            </a:r>
-            <a:r>
-              <a:rPr lang="en-US" sz="1200" i="1" u="none" strike="noStrike" kern="1200" dirty="0" smtClean="0">
-                <a:solidFill>
-                  <a:schemeClr val="tx1"/>
-                </a:solidFill>
-                <a:effectLst/>
-                <a:latin typeface="Arial" panose="020B0604020202020204" pitchFamily="34" charset="0"/>
-                <a:ea typeface="ＭＳ Ｐゴシック" charset="0"/>
-                <a:cs typeface="Arial" panose="020B0604020202020204" pitchFamily="34" charset="0"/>
-                <a:hlinkClick r:id="rId5"/>
-              </a:rPr>
-              <a:t>[</a:t>
-            </a:r>
-            <a:r>
-              <a:rPr lang="en-US" sz="1200" u="none" strike="noStrike" kern="1200" dirty="0" smtClean="0">
-                <a:solidFill>
-                  <a:schemeClr val="tx1"/>
-                </a:solidFill>
-                <a:effectLst/>
-                <a:latin typeface="Arial" panose="020B0604020202020204" pitchFamily="34" charset="0"/>
-                <a:ea typeface="ＭＳ Ｐゴシック" charset="0"/>
-                <a:cs typeface="Arial" panose="020B0604020202020204" pitchFamily="34" charset="0"/>
-                <a:hlinkClick r:id="rId5"/>
-              </a:rPr>
-              <a:t>9:32 AM</a:t>
-            </a:r>
-            <a:r>
-              <a:rPr lang="en-US" sz="1200" i="1" u="none" strike="noStrike" kern="1200" dirty="0" smtClean="0">
-                <a:solidFill>
-                  <a:schemeClr val="tx1"/>
-                </a:solidFill>
-                <a:effectLst/>
-                <a:latin typeface="Arial" panose="020B0604020202020204" pitchFamily="34" charset="0"/>
-                <a:ea typeface="ＭＳ Ｐゴシック" charset="0"/>
-                <a:cs typeface="Arial" panose="020B0604020202020204" pitchFamily="34" charset="0"/>
-                <a:hlinkClick r:id="rId5"/>
-              </a:rPr>
-              <a:t>]</a:t>
-            </a:r>
-            <a:r>
-              <a:rPr lang="en-US" dirty="0" smtClean="0">
-                <a:effectLst/>
-              </a:rPr>
-              <a:t> </a:t>
-            </a:r>
-          </a:p>
-          <a:p>
-            <a:r>
-              <a:rPr lang="en-US" sz="1200" b="1" u="none" strike="noStrike" kern="1200" dirty="0" err="1" smtClean="0">
-                <a:solidFill>
-                  <a:schemeClr val="tx1"/>
-                </a:solidFill>
-                <a:effectLst/>
-                <a:latin typeface="Arial" panose="020B0604020202020204" pitchFamily="34" charset="0"/>
-                <a:ea typeface="ＭＳ Ｐゴシック" charset="0"/>
-                <a:cs typeface="Arial" panose="020B0604020202020204" pitchFamily="34" charset="0"/>
-                <a:hlinkClick r:id="rId6"/>
-              </a:rPr>
-              <a:t>steve_delfante</a:t>
-            </a:r>
-            <a:r>
-              <a:rPr lang="en-US" dirty="0" smtClean="0">
-                <a:effectLst/>
-              </a:rPr>
-              <a:t> I wrote a short lab on how to schedule scans and read the results but I gave no reason why someone would want to schedule a scan rather than do one on the fly.</a:t>
-            </a:r>
-            <a:r>
-              <a:rPr lang="en-US" sz="1200" kern="1200" dirty="0" smtClean="0">
-                <a:solidFill>
-                  <a:schemeClr val="tx1"/>
-                </a:solidFill>
-                <a:effectLst/>
-                <a:latin typeface="Arial" panose="020B0604020202020204" pitchFamily="34" charset="0"/>
-                <a:ea typeface="ＭＳ Ｐゴシック" charset="0"/>
-                <a:cs typeface="Arial" panose="020B0604020202020204" pitchFamily="34" charset="0"/>
-              </a:rPr>
-              <a:t>(edited)</a:t>
-            </a:r>
-            <a:r>
-              <a:rPr lang="en-US" i="1" dirty="0" smtClean="0">
-                <a:effectLst/>
-              </a:rPr>
-              <a:t/>
-            </a:r>
-            <a:br>
-              <a:rPr lang="en-US" i="1" dirty="0" smtClean="0">
-                <a:effectLst/>
-              </a:rPr>
-            </a:br>
-            <a:endParaRPr lang="en-US" dirty="0" smtClean="0">
-              <a:effectLst/>
-            </a:endParaRPr>
-          </a:p>
-          <a:p>
-            <a:r>
-              <a:rPr lang="en-US" sz="1200" u="none" strike="noStrike" kern="1200" dirty="0" smtClean="0">
-                <a:solidFill>
-                  <a:schemeClr val="tx1"/>
-                </a:solidFill>
-                <a:effectLst/>
-                <a:latin typeface="Arial" panose="020B0604020202020204" pitchFamily="34" charset="0"/>
-                <a:ea typeface="ＭＳ Ｐゴシック" charset="0"/>
-                <a:cs typeface="Arial" panose="020B0604020202020204" pitchFamily="34" charset="0"/>
-                <a:hlinkClick r:id="rId7"/>
-              </a:rPr>
-              <a:t>​</a:t>
-            </a:r>
-            <a:r>
-              <a:rPr lang="en-US" sz="1200" i="1" u="none" strike="noStrike" kern="1200" dirty="0" smtClean="0">
-                <a:solidFill>
-                  <a:schemeClr val="tx1"/>
-                </a:solidFill>
-                <a:effectLst/>
-                <a:latin typeface="Arial" panose="020B0604020202020204" pitchFamily="34" charset="0"/>
-                <a:ea typeface="ＭＳ Ｐゴシック" charset="0"/>
-                <a:cs typeface="Arial" panose="020B0604020202020204" pitchFamily="34" charset="0"/>
-                <a:hlinkClick r:id="rId7"/>
-              </a:rPr>
-              <a:t>[</a:t>
-            </a:r>
-            <a:r>
-              <a:rPr lang="en-US" sz="1200" u="none" strike="noStrike" kern="1200" dirty="0" smtClean="0">
-                <a:solidFill>
-                  <a:schemeClr val="tx1"/>
-                </a:solidFill>
-                <a:effectLst/>
-                <a:latin typeface="Arial" panose="020B0604020202020204" pitchFamily="34" charset="0"/>
-                <a:ea typeface="ＭＳ Ｐゴシック" charset="0"/>
-                <a:cs typeface="Arial" panose="020B0604020202020204" pitchFamily="34" charset="0"/>
-                <a:hlinkClick r:id="rId7"/>
-              </a:rPr>
-              <a:t>9:33 AM</a:t>
-            </a:r>
-            <a:r>
-              <a:rPr lang="en-US" sz="1200" i="1" u="none" strike="noStrike" kern="1200" dirty="0" smtClean="0">
-                <a:solidFill>
-                  <a:schemeClr val="tx1"/>
-                </a:solidFill>
-                <a:effectLst/>
-                <a:latin typeface="Arial" panose="020B0604020202020204" pitchFamily="34" charset="0"/>
-                <a:ea typeface="ＭＳ Ｐゴシック" charset="0"/>
-                <a:cs typeface="Arial" panose="020B0604020202020204" pitchFamily="34" charset="0"/>
-                <a:hlinkClick r:id="rId7"/>
-              </a:rPr>
-              <a:t>]</a:t>
-            </a:r>
-            <a:r>
-              <a:rPr lang="en-US" dirty="0" smtClean="0">
-                <a:effectLst/>
-              </a:rPr>
-              <a:t> </a:t>
-            </a:r>
-          </a:p>
-          <a:p>
-            <a:r>
-              <a:rPr lang="en-US" sz="1200" b="1" u="none" strike="noStrike" kern="1200" dirty="0" err="1" smtClean="0">
-                <a:solidFill>
-                  <a:schemeClr val="tx1"/>
-                </a:solidFill>
-                <a:effectLst/>
-                <a:latin typeface="Arial" panose="020B0604020202020204" pitchFamily="34" charset="0"/>
-                <a:ea typeface="ＭＳ Ｐゴシック" charset="0"/>
-                <a:cs typeface="Arial" panose="020B0604020202020204" pitchFamily="34" charset="0"/>
-                <a:hlinkClick r:id="rId4"/>
-              </a:rPr>
-              <a:t>dominik</a:t>
-            </a:r>
-            <a:r>
-              <a:rPr lang="en-US" dirty="0" smtClean="0">
-                <a:effectLst/>
-              </a:rPr>
-              <a:t> For example: Run a compliance scan every night on your whole infrastructure. Instead of pushing it off manually, you could ask chef compliance to do it for </a:t>
-            </a:r>
-            <a:r>
-              <a:rPr lang="en-US" dirty="0" err="1" smtClean="0">
-                <a:effectLst/>
-              </a:rPr>
-              <a:t>yoou</a:t>
-            </a:r>
-            <a:r>
-              <a:rPr lang="en-US" i="1" dirty="0" smtClean="0">
-                <a:effectLst/>
-              </a:rPr>
-              <a:t/>
-            </a:r>
-            <a:br>
-              <a:rPr lang="en-US" i="1" dirty="0" smtClean="0">
-                <a:effectLst/>
-              </a:rPr>
-            </a:br>
-            <a:endParaRPr lang="en-US" dirty="0" smtClean="0">
-              <a:effectLst/>
-            </a:endParaRPr>
-          </a:p>
-          <a:p>
-            <a:r>
-              <a:rPr lang="en-US" sz="1200" u="none" strike="noStrike" kern="1200" dirty="0" smtClean="0">
-                <a:solidFill>
-                  <a:schemeClr val="tx1"/>
-                </a:solidFill>
-                <a:effectLst/>
-                <a:latin typeface="Arial" panose="020B0604020202020204" pitchFamily="34" charset="0"/>
-                <a:ea typeface="ＭＳ Ｐゴシック" charset="0"/>
-                <a:cs typeface="Arial" panose="020B0604020202020204" pitchFamily="34" charset="0"/>
-                <a:hlinkClick r:id="rId8"/>
-              </a:rPr>
-              <a:t>​</a:t>
-            </a:r>
-            <a:r>
-              <a:rPr lang="en-US" sz="1200" i="1" u="none" strike="noStrike" kern="1200" dirty="0" smtClean="0">
-                <a:solidFill>
-                  <a:schemeClr val="tx1"/>
-                </a:solidFill>
-                <a:effectLst/>
-                <a:latin typeface="Arial" panose="020B0604020202020204" pitchFamily="34" charset="0"/>
-                <a:ea typeface="ＭＳ Ｐゴシック" charset="0"/>
-                <a:cs typeface="Arial" panose="020B0604020202020204" pitchFamily="34" charset="0"/>
-                <a:hlinkClick r:id="rId8"/>
-              </a:rPr>
-              <a:t>[</a:t>
-            </a:r>
-            <a:r>
-              <a:rPr lang="en-US" sz="1200" u="none" strike="noStrike" kern="1200" dirty="0" smtClean="0">
-                <a:solidFill>
-                  <a:schemeClr val="tx1"/>
-                </a:solidFill>
-                <a:effectLst/>
-                <a:latin typeface="Arial" panose="020B0604020202020204" pitchFamily="34" charset="0"/>
-                <a:ea typeface="ＭＳ Ｐゴシック" charset="0"/>
-                <a:cs typeface="Arial" panose="020B0604020202020204" pitchFamily="34" charset="0"/>
-                <a:hlinkClick r:id="rId8"/>
-              </a:rPr>
-              <a:t>9:33 AM</a:t>
-            </a:r>
-            <a:r>
-              <a:rPr lang="en-US" sz="1200" i="1" u="none" strike="noStrike" kern="1200" dirty="0" smtClean="0">
-                <a:solidFill>
-                  <a:schemeClr val="tx1"/>
-                </a:solidFill>
-                <a:effectLst/>
-                <a:latin typeface="Arial" panose="020B0604020202020204" pitchFamily="34" charset="0"/>
-                <a:ea typeface="ＭＳ Ｐゴシック" charset="0"/>
-                <a:cs typeface="Arial" panose="020B0604020202020204" pitchFamily="34" charset="0"/>
-                <a:hlinkClick r:id="rId8"/>
-              </a:rPr>
-              <a:t>]</a:t>
-            </a:r>
-            <a:r>
-              <a:rPr lang="en-US" dirty="0" smtClean="0">
-                <a:effectLst/>
-              </a:rPr>
-              <a:t> </a:t>
-            </a:r>
-          </a:p>
-          <a:p>
-            <a:r>
-              <a:rPr lang="en-US" dirty="0" smtClean="0">
-                <a:effectLst/>
-              </a:rPr>
-              <a:t>This would give you up to date information on a daily basis without interruptions in reporting.</a:t>
-            </a:r>
-            <a:r>
-              <a:rPr lang="en-US" i="1" dirty="0" smtClean="0">
-                <a:effectLst/>
-              </a:rPr>
-              <a:t/>
-            </a:r>
-            <a:br>
-              <a:rPr lang="en-US" i="1" dirty="0" smtClean="0">
-                <a:effectLst/>
-              </a:rPr>
-            </a:br>
-            <a:endParaRPr lang="en-US" dirty="0" smtClean="0">
-              <a:effectLst/>
-            </a:endParaRPr>
-          </a:p>
-          <a:p>
-            <a:r>
-              <a:rPr lang="en-US" sz="1200" u="none" strike="noStrike" kern="1200" dirty="0" smtClean="0">
-                <a:solidFill>
-                  <a:schemeClr val="tx1"/>
-                </a:solidFill>
-                <a:effectLst/>
-                <a:latin typeface="Arial" panose="020B0604020202020204" pitchFamily="34" charset="0"/>
-                <a:ea typeface="ＭＳ Ｐゴシック" charset="0"/>
-                <a:cs typeface="Arial" panose="020B0604020202020204" pitchFamily="34" charset="0"/>
-                <a:hlinkClick r:id="rId9" tooltip="Today at 9:33:45 AM&#10;Click to open in archives"/>
-              </a:rPr>
-              <a:t>​</a:t>
-            </a:r>
-            <a:r>
-              <a:rPr lang="en-US" sz="1200" i="1" u="none" strike="noStrike" kern="1200" dirty="0" smtClean="0">
-                <a:solidFill>
-                  <a:schemeClr val="tx1"/>
-                </a:solidFill>
-                <a:effectLst/>
-                <a:latin typeface="Arial" panose="020B0604020202020204" pitchFamily="34" charset="0"/>
-                <a:ea typeface="ＭＳ Ｐゴシック" charset="0"/>
-                <a:cs typeface="Arial" panose="020B0604020202020204" pitchFamily="34" charset="0"/>
-                <a:hlinkClick r:id="rId9" tooltip="Today at 9:33:45 AM&#10;Click to open in archives"/>
-              </a:rPr>
-              <a:t>[</a:t>
-            </a:r>
-            <a:r>
-              <a:rPr lang="en-US" sz="1200" u="none" strike="noStrike" kern="1200" dirty="0" smtClean="0">
-                <a:solidFill>
-                  <a:schemeClr val="tx1"/>
-                </a:solidFill>
-                <a:effectLst/>
-                <a:latin typeface="Arial" panose="020B0604020202020204" pitchFamily="34" charset="0"/>
-                <a:ea typeface="ＭＳ Ｐゴシック" charset="0"/>
-                <a:cs typeface="Arial" panose="020B0604020202020204" pitchFamily="34" charset="0"/>
-                <a:hlinkClick r:id="rId9" tooltip="Today at 9:33:45 AM&#10;Click to open in archives"/>
-              </a:rPr>
-              <a:t>9:33 AM</a:t>
-            </a:r>
-            <a:r>
-              <a:rPr lang="en-US" sz="1200" i="1" u="none" strike="noStrike" kern="1200" dirty="0" smtClean="0">
-                <a:solidFill>
-                  <a:schemeClr val="tx1"/>
-                </a:solidFill>
-                <a:effectLst/>
-                <a:latin typeface="Arial" panose="020B0604020202020204" pitchFamily="34" charset="0"/>
-                <a:ea typeface="ＭＳ Ｐゴシック" charset="0"/>
-                <a:cs typeface="Arial" panose="020B0604020202020204" pitchFamily="34" charset="0"/>
-                <a:hlinkClick r:id="rId9" tooltip="Today at 9:33:45 AM&#10;Click to open in archives"/>
-              </a:rPr>
-              <a:t>]</a:t>
-            </a:r>
-            <a:r>
-              <a:rPr lang="en-US" dirty="0" smtClean="0">
-                <a:effectLst/>
-              </a:rPr>
-              <a:t> </a:t>
-            </a:r>
-          </a:p>
-          <a:p>
-            <a:r>
-              <a:rPr lang="en-US" sz="1200" b="1" u="none" strike="noStrike" kern="1200" dirty="0" err="1" smtClean="0">
-                <a:solidFill>
-                  <a:schemeClr val="tx1"/>
-                </a:solidFill>
-                <a:effectLst/>
-                <a:latin typeface="Arial" panose="020B0604020202020204" pitchFamily="34" charset="0"/>
-                <a:ea typeface="ＭＳ Ｐゴシック" charset="0"/>
-                <a:cs typeface="Arial" panose="020B0604020202020204" pitchFamily="34" charset="0"/>
-                <a:hlinkClick r:id="rId6"/>
-              </a:rPr>
-              <a:t>steve_delfante</a:t>
-            </a:r>
-            <a:r>
-              <a:rPr lang="en-US" dirty="0" smtClean="0">
-                <a:effectLst/>
-              </a:rPr>
-              <a:t> OK, because nodes cold fall out of compliance due to updates others may have made </a:t>
-            </a:r>
-            <a:r>
-              <a:rPr lang="en-US" dirty="0" err="1" smtClean="0">
-                <a:effectLst/>
-              </a:rPr>
-              <a:t>throught</a:t>
-            </a:r>
-            <a:r>
-              <a:rPr lang="en-US" dirty="0" smtClean="0">
-                <a:effectLst/>
-              </a:rPr>
-              <a:t> the day?</a:t>
-            </a:r>
-            <a:r>
-              <a:rPr lang="en-US" i="1" dirty="0" smtClean="0">
-                <a:effectLst/>
-              </a:rPr>
-              <a:t/>
-            </a:r>
-            <a:br>
-              <a:rPr lang="en-US" i="1" dirty="0" smtClean="0">
-                <a:effectLst/>
-              </a:rPr>
-            </a:br>
-            <a:endParaRPr lang="en-US" dirty="0" smtClean="0">
-              <a:effectLst/>
-            </a:endParaRPr>
-          </a:p>
-          <a:p>
-            <a:r>
-              <a:rPr lang="en-US" sz="1200" u="none" strike="noStrike" kern="1200" dirty="0" smtClean="0">
-                <a:solidFill>
-                  <a:schemeClr val="tx1"/>
-                </a:solidFill>
-                <a:effectLst/>
-                <a:latin typeface="Arial" panose="020B0604020202020204" pitchFamily="34" charset="0"/>
-                <a:ea typeface="ＭＳ Ｐゴシック" charset="0"/>
-                <a:cs typeface="Arial" panose="020B0604020202020204" pitchFamily="34" charset="0"/>
-                <a:hlinkClick r:id="rId10" tooltip="Today at 9:34:40 AM&#10;Click to open in archives"/>
-              </a:rPr>
-              <a:t>​</a:t>
-            </a:r>
-            <a:r>
-              <a:rPr lang="en-US" sz="1200" i="1" u="none" strike="noStrike" kern="1200" dirty="0" smtClean="0">
-                <a:solidFill>
-                  <a:schemeClr val="tx1"/>
-                </a:solidFill>
-                <a:effectLst/>
-                <a:latin typeface="Arial" panose="020B0604020202020204" pitchFamily="34" charset="0"/>
-                <a:ea typeface="ＭＳ Ｐゴシック" charset="0"/>
-                <a:cs typeface="Arial" panose="020B0604020202020204" pitchFamily="34" charset="0"/>
-                <a:hlinkClick r:id="rId10" tooltip="Today at 9:34:40 AM&#10;Click to open in archives"/>
-              </a:rPr>
-              <a:t>[</a:t>
-            </a:r>
-            <a:r>
-              <a:rPr lang="en-US" sz="1200" u="none" strike="noStrike" kern="1200" dirty="0" smtClean="0">
-                <a:solidFill>
-                  <a:schemeClr val="tx1"/>
-                </a:solidFill>
-                <a:effectLst/>
-                <a:latin typeface="Arial" panose="020B0604020202020204" pitchFamily="34" charset="0"/>
-                <a:ea typeface="ＭＳ Ｐゴシック" charset="0"/>
-                <a:cs typeface="Arial" panose="020B0604020202020204" pitchFamily="34" charset="0"/>
-                <a:hlinkClick r:id="rId10" tooltip="Today at 9:34:40 AM&#10;Click to open in archives"/>
-              </a:rPr>
-              <a:t>9:34 AM</a:t>
-            </a:r>
-            <a:r>
-              <a:rPr lang="en-US" sz="1200" i="1" u="none" strike="noStrike" kern="1200" dirty="0" smtClean="0">
-                <a:solidFill>
-                  <a:schemeClr val="tx1"/>
-                </a:solidFill>
-                <a:effectLst/>
-                <a:latin typeface="Arial" panose="020B0604020202020204" pitchFamily="34" charset="0"/>
-                <a:ea typeface="ＭＳ Ｐゴシック" charset="0"/>
-                <a:cs typeface="Arial" panose="020B0604020202020204" pitchFamily="34" charset="0"/>
-                <a:hlinkClick r:id="rId10" tooltip="Today at 9:34:40 AM&#10;Click to open in archives"/>
-              </a:rPr>
-              <a:t>]</a:t>
-            </a:r>
-            <a:r>
-              <a:rPr lang="en-US" dirty="0" smtClean="0">
-                <a:effectLst/>
-              </a:rPr>
-              <a:t> </a:t>
-            </a:r>
-          </a:p>
-          <a:p>
-            <a:r>
-              <a:rPr lang="en-US" sz="1200" b="1" u="none" strike="noStrike" kern="1200" dirty="0" err="1" smtClean="0">
-                <a:solidFill>
-                  <a:schemeClr val="tx1"/>
-                </a:solidFill>
-                <a:effectLst/>
-                <a:latin typeface="Arial" panose="020B0604020202020204" pitchFamily="34" charset="0"/>
-                <a:ea typeface="ＭＳ Ｐゴシック" charset="0"/>
-                <a:cs typeface="Arial" panose="020B0604020202020204" pitchFamily="34" charset="0"/>
-                <a:hlinkClick r:id="rId4"/>
-              </a:rPr>
-              <a:t>dominik</a:t>
-            </a:r>
-            <a:r>
-              <a:rPr lang="en-US" dirty="0" smtClean="0">
-                <a:effectLst/>
-              </a:rPr>
-              <a:t> for example; or if you had changed your chef automation and something went wrong (because you didn’t use delivery to verify </a:t>
-            </a:r>
-            <a:r>
-              <a:rPr lang="en-US" dirty="0" err="1" smtClean="0">
-                <a:effectLst/>
-              </a:rPr>
-              <a:t>compiance</a:t>
-            </a:r>
-            <a:r>
-              <a:rPr lang="en-US" dirty="0" smtClean="0">
-                <a:effectLst/>
-              </a:rPr>
-              <a:t> of your changes)</a:t>
-            </a:r>
-            <a:r>
-              <a:rPr lang="en-US" i="1" dirty="0" smtClean="0">
-                <a:effectLst/>
-              </a:rPr>
-              <a:t/>
-            </a:r>
-            <a:br>
-              <a:rPr lang="en-US" i="1" dirty="0" smtClean="0">
-                <a:effectLst/>
-              </a:rPr>
-            </a:br>
-            <a:endParaRPr lang="en-US" dirty="0" smtClean="0">
-              <a:effectLst/>
-            </a:endParaRPr>
-          </a:p>
-          <a:p>
-            <a:r>
-              <a:rPr lang="en-US" sz="1200" u="none" strike="noStrike" kern="1200" dirty="0" smtClean="0">
-                <a:solidFill>
-                  <a:schemeClr val="tx1"/>
-                </a:solidFill>
-                <a:effectLst/>
-                <a:latin typeface="Arial" panose="020B0604020202020204" pitchFamily="34" charset="0"/>
-                <a:ea typeface="ＭＳ Ｐゴシック" charset="0"/>
-                <a:cs typeface="Arial" panose="020B0604020202020204" pitchFamily="34" charset="0"/>
-                <a:hlinkClick r:id="rId11" tooltip="Today at 9:35:57 AM&#10;Click to open in archives"/>
-              </a:rPr>
-              <a:t>​</a:t>
-            </a:r>
-            <a:r>
-              <a:rPr lang="en-US" sz="1200" i="1" u="none" strike="noStrike" kern="1200" dirty="0" smtClean="0">
-                <a:solidFill>
-                  <a:schemeClr val="tx1"/>
-                </a:solidFill>
-                <a:effectLst/>
-                <a:latin typeface="Arial" panose="020B0604020202020204" pitchFamily="34" charset="0"/>
-                <a:ea typeface="ＭＳ Ｐゴシック" charset="0"/>
-                <a:cs typeface="Arial" panose="020B0604020202020204" pitchFamily="34" charset="0"/>
-                <a:hlinkClick r:id="rId11" tooltip="Today at 9:35:57 AM&#10;Click to open in archives"/>
-              </a:rPr>
-              <a:t>[</a:t>
-            </a:r>
-            <a:r>
-              <a:rPr lang="en-US" sz="1200" u="none" strike="noStrike" kern="1200" dirty="0" smtClean="0">
-                <a:solidFill>
-                  <a:schemeClr val="tx1"/>
-                </a:solidFill>
-                <a:effectLst/>
-                <a:latin typeface="Arial" panose="020B0604020202020204" pitchFamily="34" charset="0"/>
-                <a:ea typeface="ＭＳ Ｐゴシック" charset="0"/>
-                <a:cs typeface="Arial" panose="020B0604020202020204" pitchFamily="34" charset="0"/>
-                <a:hlinkClick r:id="rId11" tooltip="Today at 9:35:57 AM&#10;Click to open in archives"/>
-              </a:rPr>
-              <a:t>9:35 AM</a:t>
-            </a:r>
-            <a:r>
-              <a:rPr lang="en-US" sz="1200" i="1" u="none" strike="noStrike" kern="1200" dirty="0" smtClean="0">
-                <a:solidFill>
-                  <a:schemeClr val="tx1"/>
-                </a:solidFill>
-                <a:effectLst/>
-                <a:latin typeface="Arial" panose="020B0604020202020204" pitchFamily="34" charset="0"/>
-                <a:ea typeface="ＭＳ Ｐゴシック" charset="0"/>
-                <a:cs typeface="Arial" panose="020B0604020202020204" pitchFamily="34" charset="0"/>
-                <a:hlinkClick r:id="rId11" tooltip="Today at 9:35:57 AM&#10;Click to open in archives"/>
-              </a:rPr>
-              <a:t>]</a:t>
-            </a:r>
-            <a:r>
-              <a:rPr lang="en-US" dirty="0" smtClean="0">
-                <a:effectLst/>
-              </a:rPr>
-              <a:t> </a:t>
-            </a:r>
-          </a:p>
-          <a:p>
-            <a:r>
-              <a:rPr lang="en-US" dirty="0" smtClean="0">
-                <a:effectLst/>
-              </a:rPr>
-              <a:t>or if any component was changed, that you didn’t yet explicitly manage through chef; for example: have telnet listen on </a:t>
-            </a:r>
-            <a:r>
-              <a:rPr lang="en-US" dirty="0" err="1" smtClean="0">
-                <a:effectLst/>
-              </a:rPr>
-              <a:t>tcp</a:t>
-            </a:r>
-            <a:r>
-              <a:rPr lang="en-US" dirty="0" smtClean="0">
-                <a:effectLst/>
-              </a:rPr>
-              <a:t> for some reason you didn’t expect; apart from uninstalling telnet through chef, we don’t tend to write cookbooks for negative cases :wink: so that’s a great example for compliance</a:t>
-            </a:r>
-            <a:r>
-              <a:rPr lang="en-US" i="1" dirty="0" smtClean="0">
-                <a:effectLst/>
-              </a:rPr>
-              <a:t/>
-            </a:r>
-            <a:br>
-              <a:rPr lang="en-US" i="1" dirty="0" smtClean="0">
-                <a:effectLst/>
-              </a:rPr>
-            </a:br>
-            <a:endParaRPr lang="en-US" dirty="0" smtClean="0">
-              <a:effectLst/>
-            </a:endParaRPr>
-          </a:p>
-          <a:p>
-            <a:r>
-              <a:rPr lang="en-US" sz="1200" u="none" strike="noStrike" kern="1200" dirty="0" smtClean="0">
-                <a:solidFill>
-                  <a:schemeClr val="tx1"/>
-                </a:solidFill>
-                <a:effectLst/>
-                <a:latin typeface="Arial" panose="020B0604020202020204" pitchFamily="34" charset="0"/>
-                <a:ea typeface="ＭＳ Ｐゴシック" charset="0"/>
-                <a:cs typeface="Arial" panose="020B0604020202020204" pitchFamily="34" charset="0"/>
-                <a:hlinkClick r:id="rId12" tooltip="Today at 9:36:14 AM&#10;Click to open in archives"/>
-              </a:rPr>
-              <a:t>​</a:t>
-            </a:r>
-            <a:r>
-              <a:rPr lang="en-US" sz="1200" i="1" u="none" strike="noStrike" kern="1200" dirty="0" smtClean="0">
-                <a:solidFill>
-                  <a:schemeClr val="tx1"/>
-                </a:solidFill>
-                <a:effectLst/>
-                <a:latin typeface="Arial" panose="020B0604020202020204" pitchFamily="34" charset="0"/>
-                <a:ea typeface="ＭＳ Ｐゴシック" charset="0"/>
-                <a:cs typeface="Arial" panose="020B0604020202020204" pitchFamily="34" charset="0"/>
-                <a:hlinkClick r:id="rId12" tooltip="Today at 9:36:14 AM&#10;Click to open in archives"/>
-              </a:rPr>
-              <a:t>[</a:t>
-            </a:r>
-            <a:r>
-              <a:rPr lang="en-US" sz="1200" u="none" strike="noStrike" kern="1200" dirty="0" smtClean="0">
-                <a:solidFill>
-                  <a:schemeClr val="tx1"/>
-                </a:solidFill>
-                <a:effectLst/>
-                <a:latin typeface="Arial" panose="020B0604020202020204" pitchFamily="34" charset="0"/>
-                <a:ea typeface="ＭＳ Ｐゴシック" charset="0"/>
-                <a:cs typeface="Arial" panose="020B0604020202020204" pitchFamily="34" charset="0"/>
-                <a:hlinkClick r:id="rId12" tooltip="Today at 9:36:14 AM&#10;Click to open in archives"/>
-              </a:rPr>
-              <a:t>9:36 AM</a:t>
-            </a:r>
-            <a:r>
-              <a:rPr lang="en-US" sz="1200" i="1" u="none" strike="noStrike" kern="1200" dirty="0" smtClean="0">
-                <a:solidFill>
-                  <a:schemeClr val="tx1"/>
-                </a:solidFill>
-                <a:effectLst/>
-                <a:latin typeface="Arial" panose="020B0604020202020204" pitchFamily="34" charset="0"/>
-                <a:ea typeface="ＭＳ Ｐゴシック" charset="0"/>
-                <a:cs typeface="Arial" panose="020B0604020202020204" pitchFamily="34" charset="0"/>
-                <a:hlinkClick r:id="rId12" tooltip="Today at 9:36:14 AM&#10;Click to open in archives"/>
-              </a:rPr>
-              <a:t>]</a:t>
-            </a:r>
-            <a:r>
-              <a:rPr lang="en-US" dirty="0" smtClean="0">
-                <a:effectLst/>
-              </a:rPr>
-              <a:t> </a:t>
-            </a:r>
-          </a:p>
-          <a:p>
-            <a:r>
-              <a:rPr lang="en-US" sz="1200" b="1" u="none" strike="noStrike" kern="1200" dirty="0" err="1" smtClean="0">
-                <a:solidFill>
-                  <a:schemeClr val="tx1"/>
-                </a:solidFill>
-                <a:effectLst/>
-                <a:latin typeface="Arial" panose="020B0604020202020204" pitchFamily="34" charset="0"/>
-                <a:ea typeface="ＭＳ Ｐゴシック" charset="0"/>
-                <a:cs typeface="Arial" panose="020B0604020202020204" pitchFamily="34" charset="0"/>
-                <a:hlinkClick r:id="rId6"/>
-              </a:rPr>
-              <a:t>steve_delfante</a:t>
-            </a:r>
-            <a:r>
-              <a:rPr lang="en-US" dirty="0" smtClean="0">
-                <a:effectLst/>
-              </a:rPr>
-              <a:t> Cool. thanks!</a:t>
-            </a:r>
-            <a:r>
-              <a:rPr lang="en-US" i="1" dirty="0" smtClean="0">
-                <a:effectLst/>
-              </a:rPr>
-              <a:t/>
-            </a:r>
-            <a:br>
-              <a:rPr lang="en-US" i="1" dirty="0" smtClean="0">
-                <a:effectLst/>
-              </a:rPr>
-            </a:br>
-            <a:endParaRPr lang="en-US" dirty="0" smtClean="0">
-              <a:effectLst/>
-            </a:endParaRPr>
-          </a:p>
-          <a:p>
-            <a:r>
-              <a:rPr lang="en-US" sz="1200" u="none" strike="noStrike" kern="1200" dirty="0" smtClean="0">
-                <a:solidFill>
-                  <a:schemeClr val="tx1"/>
-                </a:solidFill>
-                <a:effectLst/>
-                <a:latin typeface="Arial" panose="020B0604020202020204" pitchFamily="34" charset="0"/>
-                <a:ea typeface="ＭＳ Ｐゴシック" charset="0"/>
-                <a:cs typeface="Arial" panose="020B0604020202020204" pitchFamily="34" charset="0"/>
-                <a:hlinkClick r:id="rId13"/>
-              </a:rPr>
-              <a:t>​</a:t>
-            </a:r>
-            <a:r>
-              <a:rPr lang="en-US" sz="1200" i="1" u="none" strike="noStrike" kern="1200" dirty="0" smtClean="0">
-                <a:solidFill>
-                  <a:schemeClr val="tx1"/>
-                </a:solidFill>
-                <a:effectLst/>
-                <a:latin typeface="Arial" panose="020B0604020202020204" pitchFamily="34" charset="0"/>
-                <a:ea typeface="ＭＳ Ｐゴシック" charset="0"/>
-                <a:cs typeface="Arial" panose="020B0604020202020204" pitchFamily="34" charset="0"/>
-                <a:hlinkClick r:id="rId13"/>
-              </a:rPr>
-              <a:t>[</a:t>
-            </a:r>
-            <a:r>
-              <a:rPr lang="en-US" sz="1200" u="none" strike="noStrike" kern="1200" dirty="0" smtClean="0">
-                <a:solidFill>
-                  <a:schemeClr val="tx1"/>
-                </a:solidFill>
-                <a:effectLst/>
-                <a:latin typeface="Arial" panose="020B0604020202020204" pitchFamily="34" charset="0"/>
-                <a:ea typeface="ＭＳ Ｐゴシック" charset="0"/>
-                <a:cs typeface="Arial" panose="020B0604020202020204" pitchFamily="34" charset="0"/>
-                <a:hlinkClick r:id="rId13"/>
-              </a:rPr>
-              <a:t>9:36 AM</a:t>
-            </a:r>
-            <a:r>
-              <a:rPr lang="en-US" sz="1200" i="1" u="none" strike="noStrike" kern="1200" dirty="0" smtClean="0">
-                <a:solidFill>
-                  <a:schemeClr val="tx1"/>
-                </a:solidFill>
-                <a:effectLst/>
-                <a:latin typeface="Arial" panose="020B0604020202020204" pitchFamily="34" charset="0"/>
-                <a:ea typeface="ＭＳ Ｐゴシック" charset="0"/>
-                <a:cs typeface="Arial" panose="020B0604020202020204" pitchFamily="34" charset="0"/>
-                <a:hlinkClick r:id="rId13"/>
-              </a:rPr>
-              <a:t>]</a:t>
-            </a:r>
-            <a:r>
-              <a:rPr lang="en-US" dirty="0" smtClean="0">
-                <a:effectLst/>
-              </a:rPr>
-              <a:t> </a:t>
-            </a:r>
-          </a:p>
-          <a:p>
-            <a:r>
-              <a:rPr lang="en-US" dirty="0" smtClean="0">
-                <a:effectLst/>
-              </a:rPr>
-              <a:t>One more question for now please....</a:t>
-            </a:r>
-            <a:r>
-              <a:rPr lang="en-US" i="1" dirty="0" smtClean="0">
-                <a:effectLst/>
-              </a:rPr>
-              <a:t/>
-            </a:r>
-            <a:br>
-              <a:rPr lang="en-US" i="1" dirty="0" smtClean="0">
-                <a:effectLst/>
-              </a:rPr>
-            </a:br>
-            <a:endParaRPr lang="en-US" dirty="0" smtClean="0">
-              <a:effectLst/>
-            </a:endParaRPr>
-          </a:p>
-          <a:p>
-            <a:r>
-              <a:rPr lang="en-US" sz="1200" u="none" strike="noStrike" kern="1200" dirty="0" smtClean="0">
-                <a:solidFill>
-                  <a:schemeClr val="tx1"/>
-                </a:solidFill>
-                <a:effectLst/>
-                <a:latin typeface="Arial" panose="020B0604020202020204" pitchFamily="34" charset="0"/>
-                <a:ea typeface="ＭＳ Ｐゴシック" charset="0"/>
-                <a:cs typeface="Arial" panose="020B0604020202020204" pitchFamily="34" charset="0"/>
-                <a:hlinkClick r:id="rId14" tooltip="Today at 9:37:33 AM&#10;Click to open in archives"/>
-              </a:rPr>
-              <a:t>​</a:t>
-            </a:r>
-            <a:r>
-              <a:rPr lang="en-US" sz="1200" i="1" u="none" strike="noStrike" kern="1200" dirty="0" smtClean="0">
-                <a:solidFill>
-                  <a:schemeClr val="tx1"/>
-                </a:solidFill>
-                <a:effectLst/>
-                <a:latin typeface="Arial" panose="020B0604020202020204" pitchFamily="34" charset="0"/>
-                <a:ea typeface="ＭＳ Ｐゴシック" charset="0"/>
-                <a:cs typeface="Arial" panose="020B0604020202020204" pitchFamily="34" charset="0"/>
-                <a:hlinkClick r:id="rId14" tooltip="Today at 9:37:33 AM&#10;Click to open in archives"/>
-              </a:rPr>
-              <a:t>[</a:t>
-            </a:r>
-            <a:r>
-              <a:rPr lang="en-US" sz="1200" u="none" strike="noStrike" kern="1200" dirty="0" smtClean="0">
-                <a:solidFill>
-                  <a:schemeClr val="tx1"/>
-                </a:solidFill>
-                <a:effectLst/>
-                <a:latin typeface="Arial" panose="020B0604020202020204" pitchFamily="34" charset="0"/>
-                <a:ea typeface="ＭＳ Ｐゴシック" charset="0"/>
-                <a:cs typeface="Arial" panose="020B0604020202020204" pitchFamily="34" charset="0"/>
-                <a:hlinkClick r:id="rId14" tooltip="Today at 9:37:33 AM&#10;Click to open in archives"/>
-              </a:rPr>
-              <a:t>9:37 AM</a:t>
-            </a:r>
-            <a:r>
-              <a:rPr lang="en-US" sz="1200" i="1" u="none" strike="noStrike" kern="1200" dirty="0" smtClean="0">
-                <a:solidFill>
-                  <a:schemeClr val="tx1"/>
-                </a:solidFill>
-                <a:effectLst/>
-                <a:latin typeface="Arial" panose="020B0604020202020204" pitchFamily="34" charset="0"/>
-                <a:ea typeface="ＭＳ Ｐゴシック" charset="0"/>
-                <a:cs typeface="Arial" panose="020B0604020202020204" pitchFamily="34" charset="0"/>
-                <a:hlinkClick r:id="rId14" tooltip="Today at 9:37:33 AM&#10;Click to open in archives"/>
-              </a:rPr>
-              <a:t>]</a:t>
-            </a:r>
-            <a:r>
-              <a:rPr lang="en-US" dirty="0" smtClean="0">
-                <a:effectLst/>
-              </a:rPr>
-              <a:t> </a:t>
-            </a:r>
-          </a:p>
-          <a:p>
-            <a:r>
-              <a:rPr lang="en-US" dirty="0" smtClean="0">
-                <a:effectLst/>
-              </a:rPr>
-              <a:t>Is there going to be a way to export  reports or do we only have people view results live?</a:t>
-            </a:r>
-            <a:r>
-              <a:rPr lang="en-US" i="1" dirty="0" smtClean="0">
-                <a:effectLst/>
-              </a:rPr>
-              <a:t/>
-            </a:r>
-            <a:br>
-              <a:rPr lang="en-US" i="1" dirty="0" smtClean="0">
-                <a:effectLst/>
-              </a:rPr>
-            </a:br>
-            <a:endParaRPr lang="en-US" dirty="0" smtClean="0">
-              <a:effectLst/>
-            </a:endParaRPr>
-          </a:p>
-          <a:p>
-            <a:r>
-              <a:rPr lang="en-US" sz="1200" u="none" strike="noStrike" kern="1200" dirty="0" smtClean="0">
-                <a:solidFill>
-                  <a:schemeClr val="tx1"/>
-                </a:solidFill>
-                <a:effectLst/>
-                <a:latin typeface="Arial" panose="020B0604020202020204" pitchFamily="34" charset="0"/>
-                <a:ea typeface="ＭＳ Ｐゴシック" charset="0"/>
-                <a:cs typeface="Arial" panose="020B0604020202020204" pitchFamily="34" charset="0"/>
-                <a:hlinkClick r:id="rId15"/>
-              </a:rPr>
-              <a:t>​</a:t>
-            </a:r>
-            <a:r>
-              <a:rPr lang="en-US" sz="1200" i="1" u="none" strike="noStrike" kern="1200" dirty="0" smtClean="0">
-                <a:solidFill>
-                  <a:schemeClr val="tx1"/>
-                </a:solidFill>
-                <a:effectLst/>
-                <a:latin typeface="Arial" panose="020B0604020202020204" pitchFamily="34" charset="0"/>
-                <a:ea typeface="ＭＳ Ｐゴシック" charset="0"/>
-                <a:cs typeface="Arial" panose="020B0604020202020204" pitchFamily="34" charset="0"/>
-                <a:hlinkClick r:id="rId15"/>
-              </a:rPr>
-              <a:t>[</a:t>
-            </a:r>
-            <a:r>
-              <a:rPr lang="en-US" sz="1200" u="none" strike="noStrike" kern="1200" dirty="0" smtClean="0">
-                <a:solidFill>
-                  <a:schemeClr val="tx1"/>
-                </a:solidFill>
-                <a:effectLst/>
-                <a:latin typeface="Arial" panose="020B0604020202020204" pitchFamily="34" charset="0"/>
-                <a:ea typeface="ＭＳ Ｐゴシック" charset="0"/>
-                <a:cs typeface="Arial" panose="020B0604020202020204" pitchFamily="34" charset="0"/>
-                <a:hlinkClick r:id="rId15"/>
-              </a:rPr>
-              <a:t>9:37 AM</a:t>
-            </a:r>
-            <a:r>
-              <a:rPr lang="en-US" sz="1200" i="1" u="none" strike="noStrike" kern="1200" dirty="0" smtClean="0">
-                <a:solidFill>
-                  <a:schemeClr val="tx1"/>
-                </a:solidFill>
-                <a:effectLst/>
-                <a:latin typeface="Arial" panose="020B0604020202020204" pitchFamily="34" charset="0"/>
-                <a:ea typeface="ＭＳ Ｐゴシック" charset="0"/>
-                <a:cs typeface="Arial" panose="020B0604020202020204" pitchFamily="34" charset="0"/>
-                <a:hlinkClick r:id="rId15"/>
-              </a:rPr>
-              <a:t>]</a:t>
-            </a:r>
-            <a:r>
-              <a:rPr lang="en-US" dirty="0" smtClean="0">
-                <a:effectLst/>
-              </a:rPr>
-              <a:t> </a:t>
-            </a:r>
-          </a:p>
-          <a:p>
-            <a:r>
-              <a:rPr lang="en-US" sz="1200" b="1" u="none" strike="noStrike" kern="1200" dirty="0" err="1" smtClean="0">
-                <a:solidFill>
-                  <a:schemeClr val="tx1"/>
-                </a:solidFill>
-                <a:effectLst/>
-                <a:latin typeface="Arial" panose="020B0604020202020204" pitchFamily="34" charset="0"/>
-                <a:ea typeface="ＭＳ Ｐゴシック" charset="0"/>
-                <a:cs typeface="Arial" panose="020B0604020202020204" pitchFamily="34" charset="0"/>
-                <a:hlinkClick r:id="rId4"/>
-              </a:rPr>
-              <a:t>dominik</a:t>
-            </a:r>
-            <a:r>
-              <a:rPr lang="en-US" dirty="0" smtClean="0">
-                <a:effectLst/>
-              </a:rPr>
-              <a:t> Yes there is; We are looking into exporting reports to PDF and (some type of) Excel format</a:t>
-            </a:r>
-            <a:r>
-              <a:rPr lang="en-US" i="1" dirty="0" smtClean="0">
-                <a:effectLst/>
-              </a:rPr>
-              <a:t/>
-            </a:r>
-            <a:br>
-              <a:rPr lang="en-US" i="1" dirty="0" smtClean="0">
-                <a:effectLst/>
-              </a:rPr>
-            </a:br>
-            <a:endParaRPr lang="en-US" dirty="0" smtClean="0">
-              <a:effectLst/>
-            </a:endParaRPr>
-          </a:p>
-          <a:p>
-            <a:r>
-              <a:rPr lang="en-US" sz="1200" u="none" strike="noStrike" kern="1200" dirty="0" smtClean="0">
-                <a:solidFill>
-                  <a:schemeClr val="tx1"/>
-                </a:solidFill>
-                <a:effectLst/>
-                <a:latin typeface="Arial" panose="020B0604020202020204" pitchFamily="34" charset="0"/>
-                <a:ea typeface="ＭＳ Ｐゴシック" charset="0"/>
-                <a:cs typeface="Arial" panose="020B0604020202020204" pitchFamily="34" charset="0"/>
-                <a:hlinkClick r:id="rId16" tooltip="Today at 9:38:08 AM&#10;Click to open in archives"/>
-              </a:rPr>
-              <a:t>​</a:t>
-            </a:r>
-            <a:r>
-              <a:rPr lang="en-US" sz="1200" i="1" u="none" strike="noStrike" kern="1200" dirty="0" smtClean="0">
-                <a:solidFill>
-                  <a:schemeClr val="tx1"/>
-                </a:solidFill>
-                <a:effectLst/>
-                <a:latin typeface="Arial" panose="020B0604020202020204" pitchFamily="34" charset="0"/>
-                <a:ea typeface="ＭＳ Ｐゴシック" charset="0"/>
-                <a:cs typeface="Arial" panose="020B0604020202020204" pitchFamily="34" charset="0"/>
-                <a:hlinkClick r:id="rId16" tooltip="Today at 9:38:08 AM&#10;Click to open in archives"/>
-              </a:rPr>
-              <a:t>[</a:t>
-            </a:r>
-            <a:r>
-              <a:rPr lang="en-US" sz="1200" u="none" strike="noStrike" kern="1200" dirty="0" smtClean="0">
-                <a:solidFill>
-                  <a:schemeClr val="tx1"/>
-                </a:solidFill>
-                <a:effectLst/>
-                <a:latin typeface="Arial" panose="020B0604020202020204" pitchFamily="34" charset="0"/>
-                <a:ea typeface="ＭＳ Ｐゴシック" charset="0"/>
-                <a:cs typeface="Arial" panose="020B0604020202020204" pitchFamily="34" charset="0"/>
-                <a:hlinkClick r:id="rId16" tooltip="Today at 9:38:08 AM&#10;Click to open in archives"/>
-              </a:rPr>
-              <a:t>9:38 AM</a:t>
-            </a:r>
-            <a:r>
-              <a:rPr lang="en-US" sz="1200" i="1" u="none" strike="noStrike" kern="1200" dirty="0" smtClean="0">
-                <a:solidFill>
-                  <a:schemeClr val="tx1"/>
-                </a:solidFill>
-                <a:effectLst/>
-                <a:latin typeface="Arial" panose="020B0604020202020204" pitchFamily="34" charset="0"/>
-                <a:ea typeface="ＭＳ Ｐゴシック" charset="0"/>
-                <a:cs typeface="Arial" panose="020B0604020202020204" pitchFamily="34" charset="0"/>
-                <a:hlinkClick r:id="rId16" tooltip="Today at 9:38:08 AM&#10;Click to open in archives"/>
-              </a:rPr>
-              <a:t>]</a:t>
-            </a:r>
-            <a:r>
-              <a:rPr lang="en-US" dirty="0" smtClean="0">
-                <a:effectLst/>
-              </a:rPr>
-              <a:t> </a:t>
-            </a:r>
-          </a:p>
-          <a:p>
-            <a:r>
-              <a:rPr lang="en-US" dirty="0" smtClean="0">
-                <a:effectLst/>
-              </a:rPr>
-              <a:t>There is also the alternative to retrieve reports via JSON </a:t>
-            </a:r>
-            <a:r>
-              <a:rPr lang="en-US" dirty="0" err="1" smtClean="0">
-                <a:effectLst/>
-              </a:rPr>
-              <a:t>api</a:t>
-            </a:r>
-            <a:r>
-              <a:rPr lang="en-US" i="1" dirty="0" smtClean="0">
-                <a:effectLst/>
-              </a:rPr>
-              <a:t/>
-            </a:r>
-            <a:br>
-              <a:rPr lang="en-US" i="1" dirty="0" smtClean="0">
-                <a:effectLst/>
-              </a:rPr>
-            </a:br>
-            <a:endParaRPr lang="en-US" dirty="0" smtClean="0">
-              <a:effectLst/>
-            </a:endParaRPr>
-          </a:p>
-          <a:p>
-            <a:r>
-              <a:rPr lang="en-US" sz="1200" u="none" strike="noStrike" kern="1200" dirty="0" smtClean="0">
-                <a:solidFill>
-                  <a:schemeClr val="tx1"/>
-                </a:solidFill>
-                <a:effectLst/>
-                <a:latin typeface="Arial" panose="020B0604020202020204" pitchFamily="34" charset="0"/>
-                <a:ea typeface="ＭＳ Ｐゴシック" charset="0"/>
-                <a:cs typeface="Arial" panose="020B0604020202020204" pitchFamily="34" charset="0"/>
-                <a:hlinkClick r:id="rId17" tooltip="Today at 9:38:19 AM&#10;Click to open in archives"/>
-              </a:rPr>
-              <a:t>​</a:t>
-            </a:r>
-            <a:r>
-              <a:rPr lang="en-US" sz="1200" i="1" u="none" strike="noStrike" kern="1200" dirty="0" smtClean="0">
-                <a:solidFill>
-                  <a:schemeClr val="tx1"/>
-                </a:solidFill>
-                <a:effectLst/>
-                <a:latin typeface="Arial" panose="020B0604020202020204" pitchFamily="34" charset="0"/>
-                <a:ea typeface="ＭＳ Ｐゴシック" charset="0"/>
-                <a:cs typeface="Arial" panose="020B0604020202020204" pitchFamily="34" charset="0"/>
-                <a:hlinkClick r:id="rId17" tooltip="Today at 9:38:19 AM&#10;Click to open in archives"/>
-              </a:rPr>
-              <a:t>[</a:t>
-            </a:r>
-            <a:r>
-              <a:rPr lang="en-US" sz="1200" u="none" strike="noStrike" kern="1200" dirty="0" smtClean="0">
-                <a:solidFill>
-                  <a:schemeClr val="tx1"/>
-                </a:solidFill>
-                <a:effectLst/>
-                <a:latin typeface="Arial" panose="020B0604020202020204" pitchFamily="34" charset="0"/>
-                <a:ea typeface="ＭＳ Ｐゴシック" charset="0"/>
-                <a:cs typeface="Arial" panose="020B0604020202020204" pitchFamily="34" charset="0"/>
-                <a:hlinkClick r:id="rId17" tooltip="Today at 9:38:19 AM&#10;Click to open in archives"/>
-              </a:rPr>
-              <a:t>9:38 AM</a:t>
-            </a:r>
-            <a:r>
-              <a:rPr lang="en-US" sz="1200" i="1" u="none" strike="noStrike" kern="1200" dirty="0" smtClean="0">
-                <a:solidFill>
-                  <a:schemeClr val="tx1"/>
-                </a:solidFill>
-                <a:effectLst/>
-                <a:latin typeface="Arial" panose="020B0604020202020204" pitchFamily="34" charset="0"/>
-                <a:ea typeface="ＭＳ Ｐゴシック" charset="0"/>
-                <a:cs typeface="Arial" panose="020B0604020202020204" pitchFamily="34" charset="0"/>
-                <a:hlinkClick r:id="rId17" tooltip="Today at 9:38:19 AM&#10;Click to open in archives"/>
-              </a:rPr>
-              <a:t>]</a:t>
-            </a:r>
-            <a:r>
-              <a:rPr lang="en-US" dirty="0" smtClean="0">
-                <a:effectLst/>
-              </a:rPr>
-              <a:t> </a:t>
-            </a:r>
-          </a:p>
-          <a:p>
-            <a:r>
-              <a:rPr lang="en-US" dirty="0" smtClean="0">
-                <a:effectLst/>
-              </a:rPr>
-              <a:t>we will have the PDF and Excel options in UI</a:t>
-            </a:r>
-            <a:r>
-              <a:rPr lang="en-US" i="1" dirty="0" smtClean="0">
-                <a:effectLst/>
-              </a:rPr>
-              <a:t/>
-            </a:r>
-            <a:br>
-              <a:rPr lang="en-US" i="1" dirty="0" smtClean="0">
-                <a:effectLst/>
-              </a:rPr>
-            </a:br>
-            <a:endParaRPr lang="en-US" dirty="0" smtClean="0">
-              <a:effectLst/>
-            </a:endParaRPr>
-          </a:p>
-          <a:p>
-            <a:r>
-              <a:rPr lang="en-US" sz="1200" u="none" strike="noStrike" kern="1200" dirty="0" smtClean="0">
-                <a:solidFill>
-                  <a:schemeClr val="tx1"/>
-                </a:solidFill>
-                <a:effectLst/>
-                <a:latin typeface="Arial" panose="020B0604020202020204" pitchFamily="34" charset="0"/>
-                <a:ea typeface="ＭＳ Ｐゴシック" charset="0"/>
-                <a:cs typeface="Arial" panose="020B0604020202020204" pitchFamily="34" charset="0"/>
-                <a:hlinkClick r:id="rId18" tooltip="Today at 9:38:42 AM&#10;Click to open in archives"/>
-              </a:rPr>
-              <a:t>​</a:t>
-            </a:r>
-            <a:r>
-              <a:rPr lang="en-US" sz="1200" i="1" u="none" strike="noStrike" kern="1200" dirty="0" smtClean="0">
-                <a:solidFill>
-                  <a:schemeClr val="tx1"/>
-                </a:solidFill>
-                <a:effectLst/>
-                <a:latin typeface="Arial" panose="020B0604020202020204" pitchFamily="34" charset="0"/>
-                <a:ea typeface="ＭＳ Ｐゴシック" charset="0"/>
-                <a:cs typeface="Arial" panose="020B0604020202020204" pitchFamily="34" charset="0"/>
-                <a:hlinkClick r:id="rId18" tooltip="Today at 9:38:42 AM&#10;Click to open in archives"/>
-              </a:rPr>
-              <a:t>[</a:t>
-            </a:r>
-            <a:r>
-              <a:rPr lang="en-US" sz="1200" u="none" strike="noStrike" kern="1200" dirty="0" smtClean="0">
-                <a:solidFill>
-                  <a:schemeClr val="tx1"/>
-                </a:solidFill>
-                <a:effectLst/>
-                <a:latin typeface="Arial" panose="020B0604020202020204" pitchFamily="34" charset="0"/>
-                <a:ea typeface="ＭＳ Ｐゴシック" charset="0"/>
-                <a:cs typeface="Arial" panose="020B0604020202020204" pitchFamily="34" charset="0"/>
-                <a:hlinkClick r:id="rId18" tooltip="Today at 9:38:42 AM&#10;Click to open in archives"/>
-              </a:rPr>
-              <a:t>9:38 AM</a:t>
-            </a:r>
-            <a:r>
-              <a:rPr lang="en-US" sz="1200" i="1" u="none" strike="noStrike" kern="1200" dirty="0" smtClean="0">
-                <a:solidFill>
-                  <a:schemeClr val="tx1"/>
-                </a:solidFill>
-                <a:effectLst/>
-                <a:latin typeface="Arial" panose="020B0604020202020204" pitchFamily="34" charset="0"/>
-                <a:ea typeface="ＭＳ Ｐゴシック" charset="0"/>
-                <a:cs typeface="Arial" panose="020B0604020202020204" pitchFamily="34" charset="0"/>
-                <a:hlinkClick r:id="rId18" tooltip="Today at 9:38:42 AM&#10;Click to open in archives"/>
-              </a:rPr>
-              <a:t>]</a:t>
-            </a:r>
-            <a:r>
-              <a:rPr lang="en-US" dirty="0" smtClean="0">
-                <a:effectLst/>
-              </a:rPr>
-              <a:t> </a:t>
-            </a:r>
-          </a:p>
-          <a:p>
-            <a:r>
-              <a:rPr lang="en-US" sz="1200" b="1" u="none" strike="noStrike" kern="1200" dirty="0" err="1" smtClean="0">
-                <a:solidFill>
-                  <a:schemeClr val="tx1"/>
-                </a:solidFill>
-                <a:effectLst/>
-                <a:latin typeface="Arial" panose="020B0604020202020204" pitchFamily="34" charset="0"/>
-                <a:ea typeface="ＭＳ Ｐゴシック" charset="0"/>
-                <a:cs typeface="Arial" panose="020B0604020202020204" pitchFamily="34" charset="0"/>
-                <a:hlinkClick r:id="rId6"/>
-              </a:rPr>
-              <a:t>steve_delfante</a:t>
-            </a:r>
-            <a:r>
-              <a:rPr lang="en-US" dirty="0" smtClean="0">
-                <a:effectLst/>
-              </a:rPr>
-              <a:t> Sounds good. Do you have an ETA for exporting?</a:t>
-            </a:r>
-            <a:r>
-              <a:rPr lang="en-US" sz="1200" kern="1200" dirty="0" smtClean="0">
-                <a:solidFill>
-                  <a:schemeClr val="tx1"/>
-                </a:solidFill>
-                <a:effectLst/>
-                <a:latin typeface="Arial" panose="020B0604020202020204" pitchFamily="34" charset="0"/>
-                <a:ea typeface="ＭＳ Ｐゴシック" charset="0"/>
-                <a:cs typeface="Arial" panose="020B0604020202020204" pitchFamily="34" charset="0"/>
-              </a:rPr>
-              <a:t>(edited)</a:t>
-            </a:r>
-            <a:r>
-              <a:rPr lang="en-US" i="1" dirty="0" smtClean="0">
-                <a:effectLst/>
-              </a:rPr>
-              <a:t/>
-            </a:r>
-            <a:br>
-              <a:rPr lang="en-US" i="1" dirty="0" smtClean="0">
-                <a:effectLst/>
-              </a:rPr>
-            </a:br>
-            <a:endParaRPr lang="en-US" dirty="0" smtClean="0">
-              <a:effectLst/>
-            </a:endParaRPr>
-          </a:p>
-          <a:p>
-            <a:r>
-              <a:rPr lang="en-US" sz="1200" u="none" strike="noStrike" kern="1200" dirty="0" smtClean="0">
-                <a:solidFill>
-                  <a:schemeClr val="tx1"/>
-                </a:solidFill>
-                <a:effectLst/>
-                <a:latin typeface="Arial" panose="020B0604020202020204" pitchFamily="34" charset="0"/>
-                <a:ea typeface="ＭＳ Ｐゴシック" charset="0"/>
-                <a:cs typeface="Arial" panose="020B0604020202020204" pitchFamily="34" charset="0"/>
-                <a:hlinkClick r:id="rId19" tooltip="Today at 9:39:10 AM&#10;Click to open in archives"/>
-              </a:rPr>
-              <a:t>​</a:t>
-            </a:r>
-            <a:r>
-              <a:rPr lang="en-US" sz="1200" i="1" u="none" strike="noStrike" kern="1200" dirty="0" smtClean="0">
-                <a:solidFill>
-                  <a:schemeClr val="tx1"/>
-                </a:solidFill>
-                <a:effectLst/>
-                <a:latin typeface="Arial" panose="020B0604020202020204" pitchFamily="34" charset="0"/>
-                <a:ea typeface="ＭＳ Ｐゴシック" charset="0"/>
-                <a:cs typeface="Arial" panose="020B0604020202020204" pitchFamily="34" charset="0"/>
-                <a:hlinkClick r:id="rId19" tooltip="Today at 9:39:10 AM&#10;Click to open in archives"/>
-              </a:rPr>
-              <a:t>[</a:t>
-            </a:r>
-            <a:r>
-              <a:rPr lang="en-US" sz="1200" u="none" strike="noStrike" kern="1200" dirty="0" smtClean="0">
-                <a:solidFill>
-                  <a:schemeClr val="tx1"/>
-                </a:solidFill>
-                <a:effectLst/>
-                <a:latin typeface="Arial" panose="020B0604020202020204" pitchFamily="34" charset="0"/>
-                <a:ea typeface="ＭＳ Ｐゴシック" charset="0"/>
-                <a:cs typeface="Arial" panose="020B0604020202020204" pitchFamily="34" charset="0"/>
-                <a:hlinkClick r:id="rId19" tooltip="Today at 9:39:10 AM&#10;Click to open in archives"/>
-              </a:rPr>
-              <a:t>9:39 AM</a:t>
-            </a:r>
-            <a:r>
-              <a:rPr lang="en-US" sz="1200" i="1" u="none" strike="noStrike" kern="1200" dirty="0" smtClean="0">
-                <a:solidFill>
-                  <a:schemeClr val="tx1"/>
-                </a:solidFill>
-                <a:effectLst/>
-                <a:latin typeface="Arial" panose="020B0604020202020204" pitchFamily="34" charset="0"/>
-                <a:ea typeface="ＭＳ Ｐゴシック" charset="0"/>
-                <a:cs typeface="Arial" panose="020B0604020202020204" pitchFamily="34" charset="0"/>
-                <a:hlinkClick r:id="rId19" tooltip="Today at 9:39:10 AM&#10;Click to open in archives"/>
-              </a:rPr>
-              <a:t>]</a:t>
-            </a:r>
-            <a:r>
-              <a:rPr lang="en-US" dirty="0" smtClean="0">
-                <a:effectLst/>
-              </a:rPr>
-              <a:t> </a:t>
-            </a:r>
-          </a:p>
-          <a:p>
-            <a:r>
-              <a:rPr lang="en-US" sz="1200" b="1" u="none" strike="noStrike" kern="1200" dirty="0" err="1" smtClean="0">
-                <a:solidFill>
-                  <a:schemeClr val="tx1"/>
-                </a:solidFill>
-                <a:effectLst/>
-                <a:latin typeface="Arial" panose="020B0604020202020204" pitchFamily="34" charset="0"/>
-                <a:ea typeface="ＭＳ Ｐゴシック" charset="0"/>
-                <a:cs typeface="Arial" panose="020B0604020202020204" pitchFamily="34" charset="0"/>
-                <a:hlinkClick r:id="rId4"/>
-              </a:rPr>
-              <a:t>dominik</a:t>
-            </a:r>
-            <a:r>
-              <a:rPr lang="en-US" dirty="0" smtClean="0">
-                <a:effectLst/>
-              </a:rPr>
-              <a:t> It has not been explicitly planned yet. My expectation is for end of Q1, but it could just as easily move into early Q2</a:t>
-            </a:r>
-            <a:r>
-              <a:rPr lang="en-US" i="1" dirty="0" smtClean="0">
-                <a:effectLst/>
-              </a:rPr>
-              <a:t/>
-            </a:r>
-            <a:br>
-              <a:rPr lang="en-US" i="1" dirty="0" smtClean="0">
-                <a:effectLst/>
-              </a:rPr>
-            </a:br>
-            <a:endParaRPr lang="en-US" dirty="0" smtClean="0">
-              <a:effectLst/>
-            </a:endParaRPr>
-          </a:p>
-          <a:p>
-            <a:r>
-              <a:rPr lang="en-US" sz="1200" u="none" strike="noStrike" kern="1200" dirty="0" smtClean="0">
-                <a:solidFill>
-                  <a:schemeClr val="tx1"/>
-                </a:solidFill>
-                <a:effectLst/>
-                <a:latin typeface="Arial" panose="020B0604020202020204" pitchFamily="34" charset="0"/>
-                <a:ea typeface="ＭＳ Ｐゴシック" charset="0"/>
-                <a:cs typeface="Arial" panose="020B0604020202020204" pitchFamily="34" charset="0"/>
-                <a:hlinkClick r:id="rId20" tooltip="Today at 9:39:20 AM&#10;Click to open in archives"/>
-              </a:rPr>
-              <a:t>​</a:t>
-            </a:r>
-            <a:r>
-              <a:rPr lang="en-US" sz="1200" i="1" u="none" strike="noStrike" kern="1200" dirty="0" smtClean="0">
-                <a:solidFill>
-                  <a:schemeClr val="tx1"/>
-                </a:solidFill>
-                <a:effectLst/>
-                <a:latin typeface="Arial" panose="020B0604020202020204" pitchFamily="34" charset="0"/>
-                <a:ea typeface="ＭＳ Ｐゴシック" charset="0"/>
-                <a:cs typeface="Arial" panose="020B0604020202020204" pitchFamily="34" charset="0"/>
-                <a:hlinkClick r:id="rId20" tooltip="Today at 9:39:20 AM&#10;Click to open in archives"/>
-              </a:rPr>
-              <a:t>[</a:t>
-            </a:r>
-            <a:r>
-              <a:rPr lang="en-US" sz="1200" u="none" strike="noStrike" kern="1200" dirty="0" smtClean="0">
-                <a:solidFill>
-                  <a:schemeClr val="tx1"/>
-                </a:solidFill>
-                <a:effectLst/>
-                <a:latin typeface="Arial" panose="020B0604020202020204" pitchFamily="34" charset="0"/>
-                <a:ea typeface="ＭＳ Ｐゴシック" charset="0"/>
-                <a:cs typeface="Arial" panose="020B0604020202020204" pitchFamily="34" charset="0"/>
-                <a:hlinkClick r:id="rId20" tooltip="Today at 9:39:20 AM&#10;Click to open in archives"/>
-              </a:rPr>
-              <a:t>9:39 AM</a:t>
-            </a:r>
-            <a:r>
-              <a:rPr lang="en-US" sz="1200" i="1" u="none" strike="noStrike" kern="1200" dirty="0" smtClean="0">
-                <a:solidFill>
-                  <a:schemeClr val="tx1"/>
-                </a:solidFill>
-                <a:effectLst/>
-                <a:latin typeface="Arial" panose="020B0604020202020204" pitchFamily="34" charset="0"/>
-                <a:ea typeface="ＭＳ Ｐゴシック" charset="0"/>
-                <a:cs typeface="Arial" panose="020B0604020202020204" pitchFamily="34" charset="0"/>
-                <a:hlinkClick r:id="rId20" tooltip="Today at 9:39:20 AM&#10;Click to open in archives"/>
-              </a:rPr>
-              <a:t>]</a:t>
-            </a:r>
-            <a:r>
-              <a:rPr lang="en-US" dirty="0" smtClean="0">
-                <a:effectLst/>
-              </a:rPr>
-              <a:t> </a:t>
-            </a:r>
-          </a:p>
-          <a:p>
-            <a:r>
-              <a:rPr lang="en-US" sz="1200" b="1" u="none" strike="noStrike" kern="1200" dirty="0" err="1" smtClean="0">
-                <a:solidFill>
-                  <a:schemeClr val="tx1"/>
-                </a:solidFill>
-                <a:effectLst/>
-                <a:latin typeface="Arial" panose="020B0604020202020204" pitchFamily="34" charset="0"/>
-                <a:ea typeface="ＭＳ Ｐゴシック" charset="0"/>
-                <a:cs typeface="Arial" panose="020B0604020202020204" pitchFamily="34" charset="0"/>
-                <a:hlinkClick r:id="rId6"/>
-              </a:rPr>
-              <a:t>steve_delfante</a:t>
-            </a:r>
-            <a:r>
-              <a:rPr lang="en-US" dirty="0" smtClean="0">
-                <a:effectLst/>
-              </a:rPr>
-              <a:t> Ok. Thanks!</a:t>
-            </a:r>
-            <a:r>
-              <a:rPr lang="en-US" i="1" dirty="0" smtClean="0">
-                <a:effectLst/>
-              </a:rPr>
-              <a:t/>
-            </a:r>
-            <a:br>
-              <a:rPr lang="en-US" i="1" dirty="0" smtClean="0">
-                <a:effectLst/>
-              </a:rPr>
-            </a:br>
-            <a:endParaRPr lang="en-US" dirty="0" smtClean="0">
-              <a:effectLst/>
-            </a:endParaRPr>
-          </a:p>
-          <a:p>
-            <a:r>
-              <a:rPr lang="en-US" sz="1200" u="none" strike="noStrike" kern="1200" dirty="0" smtClean="0">
-                <a:solidFill>
-                  <a:schemeClr val="tx1"/>
-                </a:solidFill>
-                <a:effectLst/>
-                <a:latin typeface="Arial" panose="020B0604020202020204" pitchFamily="34" charset="0"/>
-                <a:ea typeface="ＭＳ Ｐゴシック" charset="0"/>
-                <a:cs typeface="Arial" panose="020B0604020202020204" pitchFamily="34" charset="0"/>
-                <a:hlinkClick r:id="rId21" tooltip="Today at 9:39:26 AM&#10;Click to open in archives"/>
-              </a:rPr>
-              <a:t>​</a:t>
-            </a:r>
-            <a:r>
-              <a:rPr lang="en-US" sz="1200" i="1" u="none" strike="noStrike" kern="1200" dirty="0" smtClean="0">
-                <a:solidFill>
-                  <a:schemeClr val="tx1"/>
-                </a:solidFill>
-                <a:effectLst/>
-                <a:latin typeface="Arial" panose="020B0604020202020204" pitchFamily="34" charset="0"/>
-                <a:ea typeface="ＭＳ Ｐゴシック" charset="0"/>
-                <a:cs typeface="Arial" panose="020B0604020202020204" pitchFamily="34" charset="0"/>
-                <a:hlinkClick r:id="rId21" tooltip="Today at 9:39:26 AM&#10;Click to open in archives"/>
-              </a:rPr>
-              <a:t>[</a:t>
-            </a:r>
-            <a:r>
-              <a:rPr lang="en-US" sz="1200" u="none" strike="noStrike" kern="1200" dirty="0" smtClean="0">
-                <a:solidFill>
-                  <a:schemeClr val="tx1"/>
-                </a:solidFill>
-                <a:effectLst/>
-                <a:latin typeface="Arial" panose="020B0604020202020204" pitchFamily="34" charset="0"/>
-                <a:ea typeface="ＭＳ Ｐゴシック" charset="0"/>
-                <a:cs typeface="Arial" panose="020B0604020202020204" pitchFamily="34" charset="0"/>
-                <a:hlinkClick r:id="rId21" tooltip="Today at 9:39:26 AM&#10;Click to open in archives"/>
-              </a:rPr>
-              <a:t>9:39 AM</a:t>
-            </a:r>
-            <a:r>
-              <a:rPr lang="en-US" sz="1200" i="1" u="none" strike="noStrike" kern="1200" dirty="0" smtClean="0">
-                <a:solidFill>
-                  <a:schemeClr val="tx1"/>
-                </a:solidFill>
-                <a:effectLst/>
-                <a:latin typeface="Arial" panose="020B0604020202020204" pitchFamily="34" charset="0"/>
-                <a:ea typeface="ＭＳ Ｐゴシック" charset="0"/>
-                <a:cs typeface="Arial" panose="020B0604020202020204" pitchFamily="34" charset="0"/>
-                <a:hlinkClick r:id="rId21" tooltip="Today at 9:39:26 AM&#10;Click to open in archives"/>
-              </a:rPr>
-              <a:t>]</a:t>
-            </a:r>
-            <a:r>
-              <a:rPr lang="en-US" dirty="0" smtClean="0">
-                <a:effectLst/>
-              </a:rPr>
-              <a:t> </a:t>
-            </a:r>
-          </a:p>
-          <a:p>
-            <a:r>
-              <a:rPr lang="en-US" sz="1200" b="1" u="none" strike="noStrike" kern="1200" dirty="0" err="1" smtClean="0">
-                <a:solidFill>
-                  <a:schemeClr val="tx1"/>
-                </a:solidFill>
-                <a:effectLst/>
-                <a:latin typeface="Arial" panose="020B0604020202020204" pitchFamily="34" charset="0"/>
-                <a:ea typeface="ＭＳ Ｐゴシック" charset="0"/>
-                <a:cs typeface="Arial" panose="020B0604020202020204" pitchFamily="34" charset="0"/>
-                <a:hlinkClick r:id="rId4"/>
-              </a:rPr>
-              <a:t>dominik</a:t>
-            </a:r>
-            <a:r>
-              <a:rPr lang="en-US" dirty="0" smtClean="0">
-                <a:effectLst/>
-              </a:rPr>
-              <a:t> JSON-based exporting however is already supported</a:t>
-            </a:r>
-            <a:r>
-              <a:rPr lang="en-US" i="1" dirty="0" smtClean="0">
-                <a:effectLst/>
-              </a:rPr>
-              <a:t/>
-            </a:r>
-            <a:br>
-              <a:rPr lang="en-US" i="1" dirty="0" smtClean="0">
-                <a:effectLst/>
-              </a:rPr>
-            </a:br>
-            <a:endParaRPr lang="en-US" dirty="0" smtClean="0">
-              <a:effectLst/>
-            </a:endParaRPr>
-          </a:p>
-          <a:p>
-            <a:r>
-              <a:rPr lang="en-US" sz="1200" b="1" i="0" kern="1200" dirty="0" smtClean="0">
-                <a:solidFill>
-                  <a:schemeClr val="tx1"/>
-                </a:solidFill>
-                <a:effectLst/>
-                <a:latin typeface="Arial" panose="020B0604020202020204" pitchFamily="34" charset="0"/>
-                <a:ea typeface="ＭＳ Ｐゴシック" charset="0"/>
-                <a:cs typeface="Arial" panose="020B0604020202020204" pitchFamily="34" charset="0"/>
-              </a:rPr>
-              <a:t>new messages</a:t>
-            </a:r>
-            <a:endParaRPr lang="en-US" sz="1200" b="0" i="0" kern="1200" dirty="0" smtClean="0">
-              <a:solidFill>
-                <a:schemeClr val="tx1"/>
-              </a:solidFill>
-              <a:effectLst/>
-              <a:latin typeface="Arial" panose="020B0604020202020204" pitchFamily="34" charset="0"/>
-              <a:ea typeface="ＭＳ Ｐゴシック" charset="0"/>
-              <a:cs typeface="Arial" panose="020B0604020202020204" pitchFamily="34" charset="0"/>
-            </a:endParaRPr>
-          </a:p>
-          <a:p>
-            <a:r>
-              <a:rPr lang="en-US" sz="1200" u="none" strike="noStrike" kern="1200" dirty="0" smtClean="0">
-                <a:solidFill>
-                  <a:schemeClr val="tx1"/>
-                </a:solidFill>
-                <a:effectLst/>
-                <a:latin typeface="Arial" panose="020B0604020202020204" pitchFamily="34" charset="0"/>
-                <a:ea typeface="ＭＳ Ｐゴシック" charset="0"/>
-                <a:cs typeface="Arial" panose="020B0604020202020204" pitchFamily="34" charset="0"/>
-                <a:hlinkClick r:id="rId22" tooltip="Today at 9:39:37 AM&#10;Click to open in archives"/>
-              </a:rPr>
-              <a:t>​</a:t>
-            </a:r>
-            <a:r>
-              <a:rPr lang="en-US" sz="1200" i="1" u="none" strike="noStrike" kern="1200" dirty="0" smtClean="0">
-                <a:solidFill>
-                  <a:schemeClr val="tx1"/>
-                </a:solidFill>
-                <a:effectLst/>
-                <a:latin typeface="Arial" panose="020B0604020202020204" pitchFamily="34" charset="0"/>
-                <a:ea typeface="ＭＳ Ｐゴシック" charset="0"/>
-                <a:cs typeface="Arial" panose="020B0604020202020204" pitchFamily="34" charset="0"/>
-                <a:hlinkClick r:id="rId22" tooltip="Today at 9:39:37 AM&#10;Click to open in archives"/>
-              </a:rPr>
-              <a:t>[</a:t>
-            </a:r>
-            <a:r>
-              <a:rPr lang="en-US" sz="1200" u="none" strike="noStrike" kern="1200" dirty="0" smtClean="0">
-                <a:solidFill>
-                  <a:schemeClr val="tx1"/>
-                </a:solidFill>
-                <a:effectLst/>
-                <a:latin typeface="Arial" panose="020B0604020202020204" pitchFamily="34" charset="0"/>
-                <a:ea typeface="ＭＳ Ｐゴシック" charset="0"/>
-                <a:cs typeface="Arial" panose="020B0604020202020204" pitchFamily="34" charset="0"/>
-                <a:hlinkClick r:id="rId22" tooltip="Today at 9:39:37 AM&#10;Click to open in archives"/>
-              </a:rPr>
-              <a:t>9:39 AM</a:t>
-            </a:r>
-            <a:r>
-              <a:rPr lang="en-US" sz="1200" i="1" u="none" strike="noStrike" kern="1200" dirty="0" smtClean="0">
-                <a:solidFill>
-                  <a:schemeClr val="tx1"/>
-                </a:solidFill>
-                <a:effectLst/>
-                <a:latin typeface="Arial" panose="020B0604020202020204" pitchFamily="34" charset="0"/>
-                <a:ea typeface="ＭＳ Ｐゴシック" charset="0"/>
-                <a:cs typeface="Arial" panose="020B0604020202020204" pitchFamily="34" charset="0"/>
-                <a:hlinkClick r:id="rId22" tooltip="Today at 9:39:37 AM&#10;Click to open in archives"/>
-              </a:rPr>
-              <a:t>]</a:t>
-            </a:r>
-            <a:r>
-              <a:rPr lang="en-US" dirty="0" smtClean="0">
-                <a:effectLst/>
-              </a:rPr>
-              <a:t> </a:t>
-            </a:r>
-          </a:p>
-          <a:p>
-            <a:r>
-              <a:rPr lang="en-US" dirty="0" smtClean="0">
-                <a:effectLst/>
-              </a:rPr>
-              <a:t>and we are rewriting the API to be much better at generating large reports</a:t>
-            </a:r>
-            <a:r>
-              <a:rPr lang="en-US" i="1" dirty="0" smtClean="0">
-                <a:effectLst/>
-              </a:rPr>
-              <a:t/>
-            </a:r>
-            <a:br>
-              <a:rPr lang="en-US" i="1" dirty="0" smtClean="0">
-                <a:effectLst/>
-              </a:rPr>
-            </a:br>
-            <a:endParaRPr lang="en-US" dirty="0" smtClean="0">
-              <a:effectLst/>
-            </a:endParaRPr>
-          </a:p>
-          <a:p>
-            <a:r>
-              <a:rPr lang="en-US" sz="1200" u="none" strike="noStrike" kern="1200" dirty="0" smtClean="0">
-                <a:solidFill>
-                  <a:schemeClr val="tx1"/>
-                </a:solidFill>
-                <a:effectLst/>
-                <a:latin typeface="Arial" panose="020B0604020202020204" pitchFamily="34" charset="0"/>
-                <a:ea typeface="ＭＳ Ｐゴシック" charset="0"/>
-                <a:cs typeface="Arial" panose="020B0604020202020204" pitchFamily="34" charset="0"/>
-                <a:hlinkClick r:id="rId23" tooltip="Today at 9:39:49 AM&#10;Click to open in archives"/>
-              </a:rPr>
-              <a:t>​</a:t>
-            </a:r>
-            <a:r>
-              <a:rPr lang="en-US" sz="1200" i="1" u="none" strike="noStrike" kern="1200" dirty="0" smtClean="0">
-                <a:solidFill>
-                  <a:schemeClr val="tx1"/>
-                </a:solidFill>
-                <a:effectLst/>
-                <a:latin typeface="Arial" panose="020B0604020202020204" pitchFamily="34" charset="0"/>
-                <a:ea typeface="ＭＳ Ｐゴシック" charset="0"/>
-                <a:cs typeface="Arial" panose="020B0604020202020204" pitchFamily="34" charset="0"/>
-                <a:hlinkClick r:id="rId23" tooltip="Today at 9:39:49 AM&#10;Click to open in archives"/>
-              </a:rPr>
-              <a:t>[</a:t>
-            </a:r>
-            <a:r>
-              <a:rPr lang="en-US" sz="1200" u="none" strike="noStrike" kern="1200" dirty="0" smtClean="0">
-                <a:solidFill>
-                  <a:schemeClr val="tx1"/>
-                </a:solidFill>
-                <a:effectLst/>
-                <a:latin typeface="Arial" panose="020B0604020202020204" pitchFamily="34" charset="0"/>
-                <a:ea typeface="ＭＳ Ｐゴシック" charset="0"/>
-                <a:cs typeface="Arial" panose="020B0604020202020204" pitchFamily="34" charset="0"/>
-                <a:hlinkClick r:id="rId23" tooltip="Today at 9:39:49 AM&#10;Click to open in archives"/>
-              </a:rPr>
-              <a:t>9:39 AM</a:t>
-            </a:r>
-            <a:r>
-              <a:rPr lang="en-US" sz="1200" i="1" u="none" strike="noStrike" kern="1200" dirty="0" smtClean="0">
-                <a:solidFill>
-                  <a:schemeClr val="tx1"/>
-                </a:solidFill>
-                <a:effectLst/>
-                <a:latin typeface="Arial" panose="020B0604020202020204" pitchFamily="34" charset="0"/>
-                <a:ea typeface="ＭＳ Ｐゴシック" charset="0"/>
-                <a:cs typeface="Arial" panose="020B0604020202020204" pitchFamily="34" charset="0"/>
-                <a:hlinkClick r:id="rId23" tooltip="Today at 9:39:49 AM&#10;Click to open in archives"/>
-              </a:rPr>
-              <a:t>]</a:t>
-            </a:r>
-            <a:r>
-              <a:rPr lang="en-US" dirty="0" smtClean="0">
-                <a:effectLst/>
-              </a:rPr>
-              <a:t> </a:t>
-            </a:r>
-          </a:p>
-          <a:p>
-            <a:r>
-              <a:rPr lang="en-US" dirty="0" smtClean="0">
-                <a:effectLst/>
-              </a:rPr>
-              <a:t>let me know if customers have different priorities</a:t>
-            </a:r>
-          </a:p>
-          <a:p>
+              <a:rPr lang="en-US" dirty="0" smtClean="0"/>
+              <a:t>Instructor Note: This section is more of a placeholder for exporting Compliance reports after the email and Excel</a:t>
+            </a:r>
+            <a:r>
+              <a:rPr lang="en-US" baseline="0" dirty="0" smtClean="0"/>
+              <a:t> methods are ready for release.</a:t>
+            </a:r>
             <a:endParaRPr lang="en-US" dirty="0"/>
           </a:p>
         </p:txBody>
@@ -3048,7 +1241,7 @@
               <a:pPr>
                 <a:defRPr/>
               </a:pPr>
-              <a:t>24</a:t>
+              <a:t>20</a:t>
             </a:fld>
             <a:endParaRPr lang="en-US" dirty="0"/>
           </a:p>
@@ -3101,7 +1294,149 @@
     </p:spTree>
     <p:extLst>
       <p:ext uri="{BB962C8B-B14F-4D97-AF65-F5344CB8AC3E}">
-        <p14:creationId xmlns:p14="http://schemas.microsoft.com/office/powerpoint/2010/main" val="2076100887"/>
+        <p14:creationId xmlns:p14="http://schemas.microsoft.com/office/powerpoint/2010/main" val="1269756380"/>
+      </p:ext>
+    </p:extLst>
+  </p:cSld>
+  <p:clrMapOvr>
+    <a:masterClrMapping/>
+  </p:clrMapOvr>
+</p:notes>
+</file>
+
+<file path=ppt/notesSlides/notesSlide12.xml><?xml version="1.0" encoding="utf-8"?>
+<p:notes xmlns:a="http://schemas.openxmlformats.org/drawingml/2006/main" xmlns:r="http://schemas.openxmlformats.org/officeDocument/2006/relationships" xmlns:p="http://schemas.openxmlformats.org/presentationml/2006/main">
+  <p:cSld>
+    <p:spTree>
+      <p:nvGrpSpPr>
+        <p:cNvPr id="1" name=""/>
+        <p:cNvGrpSpPr/>
+        <p:nvPr/>
+      </p:nvGrpSpPr>
+      <p:grpSpPr>
+        <a:xfrm>
+          <a:off x="0" y="0"/>
+          <a:ext cx="0" cy="0"/>
+          <a:chOff x="0" y="0"/>
+          <a:chExt cx="0" cy="0"/>
+        </a:xfrm>
+      </p:grpSpPr>
+      <p:sp>
+        <p:nvSpPr>
+          <p:cNvPr id="2" name="Slide Image Placeholder 1"/>
+          <p:cNvSpPr>
+            <a:spLocks noGrp="1" noRot="1" noChangeAspect="1"/>
+          </p:cNvSpPr>
+          <p:nvPr>
+            <p:ph type="sldImg"/>
+          </p:nvPr>
+        </p:nvSpPr>
+        <p:spPr/>
+      </p:sp>
+      <p:sp>
+        <p:nvSpPr>
+          <p:cNvPr id="3" name="Notes Placeholder 2"/>
+          <p:cNvSpPr>
+            <a:spLocks noGrp="1"/>
+          </p:cNvSpPr>
+          <p:nvPr>
+            <p:ph type="body" idx="1"/>
+          </p:nvPr>
+        </p:nvSpPr>
+        <p:spPr/>
+        <p:txBody>
+          <a:bodyPr/>
+          <a:lstStyle/>
+          <a:p>
+            <a:r>
+              <a:rPr lang="en-US" dirty="0" smtClean="0"/>
+              <a:t>This example is from a Windows user. The</a:t>
+            </a:r>
+            <a:r>
+              <a:rPr lang="en-US" baseline="0" dirty="0" smtClean="0"/>
+              <a:t> exporting reports procedure is similar on a Mac.</a:t>
+            </a:r>
+            <a:endParaRPr lang="en-US" dirty="0"/>
+          </a:p>
+        </p:txBody>
+      </p:sp>
+      <p:sp>
+        <p:nvSpPr>
+          <p:cNvPr id="4" name="Slide Number Placeholder 3"/>
+          <p:cNvSpPr>
+            <a:spLocks noGrp="1"/>
+          </p:cNvSpPr>
+          <p:nvPr>
+            <p:ph type="sldNum" sz="quarter" idx="10"/>
+          </p:nvPr>
+        </p:nvSpPr>
+        <p:spPr/>
+        <p:txBody>
+          <a:bodyPr/>
+          <a:lstStyle/>
+          <a:p>
+            <a:pPr>
+              <a:defRPr/>
+            </a:pPr>
+            <a:fld id="{DC3734AA-3150-D947-AC52-2F5DF48BFCD5}" type="slidenum">
+              <a:rPr lang="en-US" smtClean="0"/>
+              <a:pPr>
+                <a:defRPr/>
+              </a:pPr>
+              <a:t>22</a:t>
+            </a:fld>
+            <a:endParaRPr lang="en-US" dirty="0"/>
+          </a:p>
+        </p:txBody>
+      </p:sp>
+      <p:sp>
+        <p:nvSpPr>
+          <p:cNvPr id="5" name="Header Placeholder 4"/>
+          <p:cNvSpPr>
+            <a:spLocks noGrp="1"/>
+          </p:cNvSpPr>
+          <p:nvPr>
+            <p:ph type="hdr" sz="quarter" idx="11"/>
+          </p:nvPr>
+        </p:nvSpPr>
+        <p:spPr/>
+        <p:txBody>
+          <a:bodyPr/>
+          <a:lstStyle/>
+          <a:p>
+            <a:pPr>
+              <a:defRPr/>
+            </a:pPr>
+            <a:endParaRPr lang="en-US"/>
+          </a:p>
+        </p:txBody>
+      </p:sp>
+      <p:sp>
+        <p:nvSpPr>
+          <p:cNvPr id="6" name="Footer Placeholder 5"/>
+          <p:cNvSpPr>
+            <a:spLocks noGrp="1"/>
+          </p:cNvSpPr>
+          <p:nvPr>
+            <p:ph type="ftr" sz="quarter" idx="12"/>
+          </p:nvPr>
+        </p:nvSpPr>
+        <p:spPr/>
+        <p:txBody>
+          <a:bodyPr/>
+          <a:lstStyle/>
+          <a:p>
+            <a:pPr>
+              <a:defRPr/>
+            </a:pPr>
+            <a:endParaRPr lang="en-US"/>
+          </a:p>
+        </p:txBody>
+      </p:sp>
+    </p:spTree>
+    <p:extLst>
+      <p:ext uri="{BB962C8B-B14F-4D97-AF65-F5344CB8AC3E}">
+        <p14:creationId xmlns:p14="http://schemas.microsoft.com/office/powerpoint/2010/main" val="3370402405"/>
       </p:ext>
     </p:extLst>
   </p:cSld>
@@ -3651,6 +1986,10 @@
           <a:bodyPr/>
           <a:lstStyle/>
           <a:p>
+            <a:r>
+              <a:rPr lang="en-US" dirty="0" smtClean="0"/>
+              <a:t>It may take a minute or two after the scan is run for the report to display.</a:t>
+            </a:r>
             <a:endParaRPr lang="en-US" dirty="0"/>
           </a:p>
         </p:txBody>
@@ -3678,7 +2017,7 @@
               <a:pPr>
                 <a:defRPr/>
               </a:pPr>
-              <a:t>14</a:t>
+              <a:t>11</a:t>
             </a:fld>
             <a:endParaRPr lang="en-US" dirty="0"/>
           </a:p>
@@ -3731,7 +2070,7 @@
     </p:spTree>
     <p:extLst>
       <p:ext uri="{BB962C8B-B14F-4D97-AF65-F5344CB8AC3E}">
-        <p14:creationId xmlns:p14="http://schemas.microsoft.com/office/powerpoint/2010/main" val="1630792651"/>
+        <p14:creationId xmlns:p14="http://schemas.microsoft.com/office/powerpoint/2010/main" val="2974555743"/>
       </p:ext>
     </p:extLst>
   </p:cSld>
@@ -3785,89 +2124,6 @@
           <a:bodyPr/>
           <a:lstStyle/>
           <a:p>
-            <a:pPr marL="0" marR="0" indent="0" algn="l" defTabSz="1217613" rtl="0" eaLnBrk="1" fontAlgn="base" latinLnBrk="0" hangingPunct="1">
-              <a:lnSpc>
-                <a:spcPct val="90000"/>
-              </a:lnSpc>
-              <a:spcBef>
-                <a:spcPct val="30000"/>
-              </a:spcBef>
-              <a:spcAft>
-                <a:spcPts val="450"/>
-              </a:spcAft>
-              <a:buClrTx/>
-              <a:buSzTx/>
-              <a:buFontTx/>
-              <a:buNone/>
-              <a:tabLst/>
-              <a:defRPr/>
-            </a:pPr>
-            <a:r>
-              <a:rPr lang="en-US" dirty="0" smtClean="0"/>
-              <a:t>Instructor Note: As this slide indicates, tailing the log files is not required but can be of interest to some users. In one scenario where it came in handy, a browser session to the Compliance Server</a:t>
-            </a:r>
-            <a:r>
-              <a:rPr lang="en-US" baseline="0" dirty="0" smtClean="0"/>
-              <a:t> got stale and would not schedule a scan. After tailing the log files and realizing the scan was not even being scheduled, the user refreshed the </a:t>
-            </a:r>
-            <a:r>
-              <a:rPr lang="en-US" dirty="0" smtClean="0"/>
-              <a:t>Compliance Server web UI</a:t>
-            </a:r>
-            <a:r>
-              <a:rPr lang="en-US" baseline="0" dirty="0" smtClean="0"/>
-              <a:t>, logged in again, and the scan would properly schedule and run.</a:t>
-            </a:r>
-          </a:p>
-          <a:p>
-            <a:pPr marL="0" marR="0" indent="0" algn="l" defTabSz="1217613" rtl="0" eaLnBrk="1" fontAlgn="base" latinLnBrk="0" hangingPunct="1">
-              <a:lnSpc>
-                <a:spcPct val="90000"/>
-              </a:lnSpc>
-              <a:spcBef>
-                <a:spcPct val="30000"/>
-              </a:spcBef>
-              <a:spcAft>
-                <a:spcPts val="450"/>
-              </a:spcAft>
-              <a:buClrTx/>
-              <a:buSzTx/>
-              <a:buFontTx/>
-              <a:buNone/>
-              <a:tabLst/>
-              <a:defRPr/>
-            </a:pPr>
-            <a:endParaRPr lang="en-US" baseline="0" dirty="0" smtClean="0"/>
-          </a:p>
-          <a:p>
-            <a:pPr marL="0" marR="0" indent="0" algn="l" defTabSz="1217613" rtl="0" eaLnBrk="1" fontAlgn="base" latinLnBrk="0" hangingPunct="1">
-              <a:lnSpc>
-                <a:spcPct val="90000"/>
-              </a:lnSpc>
-              <a:spcBef>
-                <a:spcPct val="30000"/>
-              </a:spcBef>
-              <a:spcAft>
-                <a:spcPts val="450"/>
-              </a:spcAft>
-              <a:buClrTx/>
-              <a:buSzTx/>
-              <a:buFontTx/>
-              <a:buNone/>
-              <a:tabLst/>
-              <a:defRPr/>
-            </a:pPr>
-            <a:r>
-              <a:rPr lang="en-US" dirty="0" smtClean="0"/>
-              <a:t>Instructor Note: If you find yourself ahead of schedule, you can spend some</a:t>
-            </a:r>
-            <a:r>
-              <a:rPr lang="en-US" baseline="0" dirty="0" smtClean="0"/>
-              <a:t> time demonstration the output of this log file as you perform a number of procedures via the Web UI.</a:t>
-            </a:r>
-            <a:endParaRPr lang="en-US" dirty="0" smtClean="0"/>
-          </a:p>
-          <a:p>
             <a:endParaRPr lang="en-US" dirty="0"/>
           </a:p>
         </p:txBody>
@@ -3895,7 +2151,7 @@
               <a:pPr>
                 <a:defRPr/>
               </a:pPr>
-              <a:t>15</a:t>
+              <a:t>14</a:t>
             </a:fld>
             <a:endParaRPr lang="en-US" dirty="0"/>
           </a:p>
@@ -3948,7 +2204,7 @@
     </p:spTree>
     <p:extLst>
       <p:ext uri="{BB962C8B-B14F-4D97-AF65-F5344CB8AC3E}">
-        <p14:creationId xmlns:p14="http://schemas.microsoft.com/office/powerpoint/2010/main" val="2421445266"/>
+        <p14:creationId xmlns:p14="http://schemas.microsoft.com/office/powerpoint/2010/main" val="1630792651"/>
       </p:ext>
     </p:extLst>
   </p:cSld>
@@ -4002,19 +2258,6 @@
           <a:bodyPr/>
           <a:lstStyle/>
           <a:p>
-            <a:r>
-              <a:rPr lang="en-US" dirty="0" smtClean="0"/>
-              <a:t>The image on the left shows the user setting the next scheduled scan for 1:45 P.M.</a:t>
-            </a:r>
-            <a:r>
-              <a:rPr lang="en-US" baseline="0" dirty="0" smtClean="0"/>
-              <a:t> local browser time.</a:t>
-            </a:r>
-          </a:p>
-          <a:p>
-            <a:endParaRPr lang="en-US" baseline="0" dirty="0" smtClean="0"/>
-          </a:p>
-          <a:p>
             <a:pPr marL="0" marR="0" indent="0" algn="l" defTabSz="1217613" rtl="0" eaLnBrk="1" fontAlgn="base" latinLnBrk="0" hangingPunct="1">
               <a:lnSpc>
                 <a:spcPct val="90000"/>
@@ -4033,41 +2276,72 @@
               <a:defRPr/>
             </a:pPr>
             <a:r>
+              <a:rPr lang="en-US" dirty="0" smtClean="0"/>
+              <a:t>Instructor Note: As this slide indicates, tailing the log files is not required but can be of interest to some users. In one scenario where it came in handy, a browser session to the Compliance Server</a:t>
+            </a:r>
+            <a:r>
               <a:rPr lang="en-US" baseline="0" dirty="0" smtClean="0"/>
-              <a:t>The image on the right shows the output of `</a:t>
-            </a:r>
-            <a:r>
-              <a:rPr lang="en-US" dirty="0" smtClean="0"/>
-              <a:t>sudo tail -f /var/log/chef-compliance/core/current`</a:t>
-            </a:r>
-            <a:r>
-              <a:rPr lang="en-US" baseline="0" dirty="0"/>
-              <a:t> </a:t>
+              <a:t> got stale and would not schedule a scan. After tailing the log files and realizing the scan was not even being scheduled, the user refreshed the </a:t>
+            </a:r>
+            <a:r>
+              <a:rPr lang="en-US" dirty="0" smtClean="0"/>
+              <a:t>Compliance Server web UI</a:t>
             </a:r>
             <a:r>
               <a:rPr lang="en-US" baseline="0" dirty="0" smtClean="0"/>
-              <a:t>taken at the very same time that the scan was scheduled. Notice the log file timestamps are in UTC and the next schedule scan is set for </a:t>
-            </a:r>
-            <a:br>
+              <a:t>, logged in again, and the scan would properly schedule and run.</a:t>
+            </a:r>
+          </a:p>
+          <a:p>
+            <a:pPr marL="0" marR="0" indent="0" algn="l" defTabSz="1217613" rtl="0" eaLnBrk="1" fontAlgn="base" latinLnBrk="0" hangingPunct="1">
+              <a:lnSpc>
+                <a:spcPct val="90000"/>
+              </a:lnSpc>
+              <a:spcBef>
+                <a:spcPct val="30000"/>
+              </a:spcBef>
+              <a:spcAft>
+                <a:spcPts val="450"/>
+              </a:spcAft>
+              <a:buClrTx/>
+              <a:buSzTx/>
+              <a:buFontTx/>
+              <a:buNone/>
+              <a:tabLst/>
+              <a:defRPr/>
+            </a:pPr>
+            <a:endParaRPr lang="en-US" baseline="0" dirty="0" smtClean="0"/>
+          </a:p>
+          <a:p>
+            <a:pPr marL="0" marR="0" indent="0" algn="l" defTabSz="1217613" rtl="0" eaLnBrk="1" fontAlgn="base" latinLnBrk="0" hangingPunct="1">
+              <a:lnSpc>
+                <a:spcPct val="90000"/>
+              </a:lnSpc>
+              <a:spcBef>
+                <a:spcPct val="30000"/>
+              </a:spcBef>
+              <a:spcAft>
+                <a:spcPts val="450"/>
+              </a:spcAft>
+              <a:buClrTx/>
+              <a:buSzTx/>
+              <a:buFontTx/>
+              <a:buNone/>
+              <a:tabLst/>
+              <a:defRPr/>
+            </a:pPr>
+            <a:r>
+              <a:rPr lang="en-US" dirty="0" smtClean="0"/>
+              <a:t>Instructor Note: If you find yourself ahead of schedule, you can spend some</a:t>
+            </a:r>
+            <a:r>
               <a:rPr lang="en-US" baseline="0" dirty="0" smtClean="0"/>
-            </a:br>
-            <a:r>
-              <a:rPr lang="en-US" baseline="0" dirty="0" smtClean="0"/>
-              <a:t>UTC: </a:t>
-            </a:r>
-            <a:r>
-              <a:rPr lang="en-US" sz="1200" b="1" dirty="0" smtClean="0"/>
-              <a:t>2016-01-12 21:45:00 </a:t>
-            </a:r>
-            <a:r>
-              <a:rPr lang="en-US" sz="1200" dirty="0" smtClean="0"/>
-              <a:t>+0000 UTC instead</a:t>
-            </a:r>
-            <a:r>
-              <a:rPr lang="en-US" sz="1200" baseline="0" dirty="0" smtClean="0"/>
-              <a:t> of the local browser time.</a:t>
+              <a:t> time demonstration the output of this log file as you perform a number of procedures via the Web UI.</a:t>
             </a:r>
             <a:endParaRPr lang="en-US" dirty="0" smtClean="0"/>
+          </a:p>
+          <a:p>
+            <a:endParaRPr lang="en-US" dirty="0"/>
           </a:p>
         </p:txBody>
       </p:sp>
@@ -4094,7 +2368,7 @@
               <a:pPr>
                 <a:defRPr/>
               </a:pPr>
-              <a:t>16</a:t>
+              <a:t>15</a:t>
             </a:fld>
             <a:endParaRPr lang="en-US" dirty="0"/>
           </a:p>
@@ -4147,7 +2421,7 @@
     </p:spTree>
     <p:extLst>
       <p:ext uri="{BB962C8B-B14F-4D97-AF65-F5344CB8AC3E}">
-        <p14:creationId xmlns:p14="http://schemas.microsoft.com/office/powerpoint/2010/main" val="1606503175"/>
+        <p14:creationId xmlns:p14="http://schemas.microsoft.com/office/powerpoint/2010/main" val="2421445266"/>
       </p:ext>
     </p:extLst>
   </p:cSld>
@@ -4201,7 +2475,72 @@
           <a:bodyPr/>
           <a:lstStyle/>
           <a:p>
-            <a:endParaRPr lang="en-US" dirty="0"/>
+            <a:r>
+              <a:rPr lang="en-US" dirty="0" smtClean="0"/>
+              <a:t>The image on the left shows the user setting the next scheduled scan for 1:45 P.M.</a:t>
+            </a:r>
+            <a:r>
+              <a:rPr lang="en-US" baseline="0" dirty="0" smtClean="0"/>
+              <a:t> local browser time.</a:t>
+            </a:r>
+          </a:p>
+          <a:p>
+            <a:endParaRPr lang="en-US" baseline="0" dirty="0" smtClean="0"/>
+          </a:p>
+          <a:p>
+            <a:pPr marL="0" marR="0" indent="0" algn="l" defTabSz="1217613" rtl="0" eaLnBrk="1" fontAlgn="base" latinLnBrk="0" hangingPunct="1">
+              <a:lnSpc>
+                <a:spcPct val="90000"/>
+              </a:lnSpc>
+              <a:spcBef>
+                <a:spcPct val="30000"/>
+              </a:spcBef>
+              <a:spcAft>
+                <a:spcPts val="450"/>
+              </a:spcAft>
+              <a:buClrTx/>
+              <a:buSzTx/>
+              <a:buFontTx/>
+              <a:buNone/>
+              <a:tabLst/>
+              <a:defRPr/>
+            </a:pPr>
+            <a:r>
+              <a:rPr lang="en-US" baseline="0" dirty="0" smtClean="0"/>
+              <a:t>The image on the right shows the output of `</a:t>
+            </a:r>
+            <a:r>
+              <a:rPr lang="en-US" dirty="0" smtClean="0"/>
+              <a:t>sudo tail -f /var/log/chef-compliance/core/current`</a:t>
+            </a:r>
+            <a:r>
+              <a:rPr lang="en-US" baseline="0" dirty="0"/>
+              <a:t> </a:t>
+            </a:r>
+            <a:r>
+              <a:rPr lang="en-US" baseline="0" dirty="0" smtClean="0"/>
+              <a:t>taken at the very same time that the scan was scheduled. Notice the log file timestamps are in UTC and the next schedule scan is set for </a:t>
+            </a:r>
+            <a:br>
+              <a:rPr lang="en-US" baseline="0" dirty="0" smtClean="0"/>
+            </a:br>
+            <a:r>
+              <a:rPr lang="en-US" baseline="0" dirty="0" smtClean="0"/>
+              <a:t>UTC: </a:t>
+            </a:r>
+            <a:r>
+              <a:rPr lang="en-US" sz="1200" b="1" dirty="0" smtClean="0"/>
+              <a:t>2016-01-12 21:45:00 </a:t>
+            </a:r>
+            <a:r>
+              <a:rPr lang="en-US" sz="1200" dirty="0" smtClean="0"/>
+              <a:t>+0000 UTC instead</a:t>
+            </a:r>
+            <a:r>
+              <a:rPr lang="en-US" sz="1200" baseline="0" dirty="0" smtClean="0"/>
+              <a:t> of the local browser time.</a:t>
+            </a:r>
+            <a:endParaRPr lang="en-US" dirty="0" smtClean="0"/>
           </a:p>
         </p:txBody>
       </p:sp>
@@ -4228,7 +2567,7 @@
               <a:pPr>
                 <a:defRPr/>
               </a:pPr>
-              <a:t>17</a:t>
+              <a:t>16</a:t>
             </a:fld>
             <a:endParaRPr lang="en-US" dirty="0"/>
           </a:p>
@@ -4281,7 +2620,7 @@
     </p:spTree>
     <p:extLst>
       <p:ext uri="{BB962C8B-B14F-4D97-AF65-F5344CB8AC3E}">
-        <p14:creationId xmlns:p14="http://schemas.microsoft.com/office/powerpoint/2010/main" val="156069988"/>
+        <p14:creationId xmlns:p14="http://schemas.microsoft.com/office/powerpoint/2010/main" val="1606503175"/>
       </p:ext>
     </p:extLst>
   </p:cSld>
@@ -4335,18 +2674,6 @@
           <a:bodyPr/>
           <a:lstStyle/>
           <a:p>
-            <a:r>
-              <a:rPr lang="en-US" dirty="0" smtClean="0"/>
-              <a:t>TBD explain </a:t>
-            </a:r>
-            <a:r>
-              <a:rPr lang="en-US" dirty="0" err="1" smtClean="0"/>
-              <a:t>json</a:t>
-            </a:r>
-            <a:r>
-              <a:rPr lang="en-US" dirty="0" smtClean="0"/>
-              <a:t> exporting?</a:t>
-            </a:r>
             <a:endParaRPr lang="en-US" dirty="0"/>
           </a:p>
         </p:txBody>
@@ -4374,7 +2701,7 @@
               <a:pPr>
                 <a:defRPr/>
               </a:pPr>
-              <a:t>19</a:t>
+              <a:t>17</a:t>
             </a:fld>
             <a:endParaRPr lang="en-US" dirty="0"/>
           </a:p>
@@ -4427,7 +2754,7 @@
     </p:spTree>
     <p:extLst>
       <p:ext uri="{BB962C8B-B14F-4D97-AF65-F5344CB8AC3E}">
-        <p14:creationId xmlns:p14="http://schemas.microsoft.com/office/powerpoint/2010/main" val="950970001"/>
+        <p14:creationId xmlns:p14="http://schemas.microsoft.com/office/powerpoint/2010/main" val="156069988"/>
       </p:ext>
     </p:extLst>
   </p:cSld>
@@ -5002,14 +3329,14 @@
           </a:ln>
           <a:extLst>
             <a:ext uri="{909E8E84-426E-40dd-AFC4-6F175D3DCCD1}">
-              <a14:hiddenFill xmlns:a14="http://schemas.microsoft.com/office/drawing/2010/main" xmlns="">
+              <a14:hiddenFill xmlns="" xmlns:a14="http://schemas.microsoft.com/office/drawing/2010/main">
                 <a:solidFill>
                   <a:srgbClr val="FFFFFF"/>
                 </a:solidFill>
               </a14:hiddenFill>
             </a:ext>
             <a:ext uri="{91240B29-F687-4f45-9708-019B960494DF}">
-              <a14:hiddenLine xmlns:a14="http://schemas.microsoft.com/office/drawing/2010/main" xmlns="" w="9525">
+              <a14:hiddenLine xmlns="" xmlns:a14="http://schemas.microsoft.com/office/drawing/2010/main" w="9525">
                 <a:solidFill>
                   <a:srgbClr val="000000"/>
                 </a:solidFill>
@@ -5157,14 +3484,14 @@
           </a:ln>
           <a:extLst>
             <a:ext uri="{909E8E84-426E-40dd-AFC4-6F175D3DCCD1}">
-              <a14:hiddenFill xmlns:a14="http://schemas.microsoft.com/office/drawing/2010/main" xmlns="">
+              <a14:hiddenFill xmlns="" xmlns:a14="http://schemas.microsoft.com/office/drawing/2010/main">
                 <a:solidFill>
                   <a:srgbClr val="FFFFFF"/>
                 </a:solidFill>
               </a14:hiddenFill>
             </a:ext>
             <a:ext uri="{91240B29-F687-4f45-9708-019B960494DF}">
-              <a14:hiddenLine xmlns:a14="http://schemas.microsoft.com/office/drawing/2010/main" xmlns="" w="9525">
+              <a14:hiddenLine xmlns="" xmlns:a14="http://schemas.microsoft.com/office/drawing/2010/main" w="9525">
                 <a:solidFill>
                   <a:srgbClr val="000000"/>
                 </a:solidFill>
@@ -5655,14 +3982,14 @@
           </a:ln>
           <a:extLst>
             <a:ext uri="{909E8E84-426E-40dd-AFC4-6F175D3DCCD1}">
-              <a14:hiddenFill xmlns:a14="http://schemas.microsoft.com/office/drawing/2010/main" xmlns="">
+              <a14:hiddenFill xmlns="" xmlns:a14="http://schemas.microsoft.com/office/drawing/2010/main">
                 <a:solidFill>
                   <a:srgbClr val="FFFFFF"/>
                 </a:solidFill>
               </a14:hiddenFill>
             </a:ext>
             <a:ext uri="{91240B29-F687-4f45-9708-019B960494DF}">
-              <a14:hiddenLine xmlns:a14="http://schemas.microsoft.com/office/drawing/2010/main" xmlns="" w="9525">
+              <a14:hiddenLine xmlns="" xmlns:a14="http://schemas.microsoft.com/office/drawing/2010/main" w="9525">
                 <a:solidFill>
                   <a:srgbClr val="000000"/>
                 </a:solidFill>
@@ -5692,6 +4019,1350 @@
 
 <file path=ppt/slideLayouts/slideLayout13.xml><?xml version="1.0" encoding="utf-8"?>
 <p:sldLayout xmlns:a="http://schemas.openxmlformats.org/drawingml/2006/main" xmlns:r="http://schemas.openxmlformats.org/officeDocument/2006/relationships" xmlns:p="http://schemas.openxmlformats.org/presentationml/2006/main" userDrawn="1">
+  <p:cSld name="Group Exercise">
+    <p:spTree>
+      <p:nvGrpSpPr>
+        <p:cNvPr id="1" name=""/>
+        <p:cNvGrpSpPr/>
+        <p:nvPr/>
+      </p:nvGrpSpPr>
+      <p:grpSpPr>
+        <a:xfrm>
+          <a:off x="0" y="0"/>
+          <a:ext cx="0" cy="0"/>
+          <a:chOff x="0" y="0"/>
+          <a:chExt cx="0" cy="0"/>
+        </a:xfrm>
+      </p:grpSpPr>
+      <p:sp>
+        <p:nvSpPr>
+          <p:cNvPr id="7" name="TextBox 6"/>
+          <p:cNvSpPr txBox="1"/>
+          <p:nvPr userDrawn="1"/>
+        </p:nvSpPr>
+        <p:spPr bwMode="white">
+          <a:xfrm>
+            <a:off x="136960" y="144390"/>
+            <a:ext cx="12628487" cy="2378219"/>
+          </a:xfrm>
+          <a:prstGeom prst="rect">
+            <a:avLst/>
+          </a:prstGeom>
+          <a:noFill/>
+          <a:ln>
+            <a:noFill/>
+          </a:ln>
+          <a:effectLst/>
+        </p:spPr>
+        <p:txBody>
+          <a:bodyPr lIns="121920" tIns="121920" rIns="121920" bIns="121920" anchor="ctr"/>
+          <a:lstStyle/>
+          <a:p>
+            <a:pPr defTabSz="1219120" fontAlgn="auto">
+              <a:spcBef>
+                <a:spcPts val="0"/>
+              </a:spcBef>
+              <a:spcAft>
+                <a:spcPts val="0"/>
+              </a:spcAft>
+              <a:defRPr/>
+            </a:pPr>
+            <a:r>
+              <a:rPr lang="en-US" sz="16933" dirty="0">
+                <a:ln w="18415" cmpd="sng">
+                  <a:solidFill>
+                    <a:srgbClr val="FFFFFF"/>
+                  </a:solidFill>
+                  <a:prstDash val="solid"/>
+                </a:ln>
+                <a:solidFill>
+                  <a:schemeClr val="bg2">
+                    <a:lumMod val="95000"/>
+                    <a:alpha val="50000"/>
+                  </a:schemeClr>
+                </a:solidFill>
+                <a:latin typeface="+mn-lt"/>
+                <a:ea typeface="+mn-ea"/>
+                <a:cs typeface="+mn-cs"/>
+              </a:rPr>
+              <a:t>EXERCISE</a:t>
+            </a:r>
+          </a:p>
+        </p:txBody>
+      </p:sp>
+      <p:pic>
+        <p:nvPicPr>
+          <p:cNvPr id="3" name="Picture 2" descr="chef.gif"/>
+          <p:cNvPicPr>
+            <a:picLocks noChangeAspect="1"/>
+          </p:cNvPicPr>
+          <p:nvPr userDrawn="1"/>
+        </p:nvPicPr>
+        <p:blipFill>
+          <a:blip r:embed="rId2">
+            <a:extLst>
+              <a:ext uri="{28A0092B-C50C-407E-A947-70E740481C1C}">
+                <a14:useLocalDpi xmlns:a14="http://schemas.microsoft.com/office/drawing/2010/main" val="0"/>
+              </a:ext>
+            </a:extLst>
+          </a:blip>
+          <a:stretch>
+            <a:fillRect/>
+          </a:stretch>
+        </p:blipFill>
+        <p:spPr>
+          <a:xfrm>
+            <a:off x="13399010" y="324724"/>
+            <a:ext cx="2157980" cy="2189001"/>
+          </a:xfrm>
+          <a:prstGeom prst="rect">
+            <a:avLst/>
+          </a:prstGeom>
+        </p:spPr>
+      </p:pic>
+      <p:sp>
+        <p:nvSpPr>
+          <p:cNvPr id="6" name="Title 1"/>
+          <p:cNvSpPr>
+            <a:spLocks noGrp="1"/>
+          </p:cNvSpPr>
+          <p:nvPr>
+            <p:ph type="ctrTitle" hasCustomPrompt="1"/>
+          </p:nvPr>
+        </p:nvSpPr>
+        <p:spPr bwMode="white">
+          <a:xfrm>
+            <a:off x="1671637" y="2292126"/>
+            <a:ext cx="12319001" cy="852712"/>
+          </a:xfrm>
+        </p:spPr>
+        <p:txBody>
+          <a:bodyPr lIns="91440" tIns="91440" rIns="91440" bIns="91440" anchor="ctr"/>
+          <a:lstStyle>
+            <a:lvl1pPr>
+              <a:lnSpc>
+                <a:spcPct val="90000"/>
+              </a:lnSpc>
+              <a:defRPr sz="6400" b="1" spc="0" baseline="0">
+                <a:solidFill>
+                  <a:schemeClr val="accent1"/>
+                </a:solidFill>
+              </a:defRPr>
+            </a:lvl1pPr>
+          </a:lstStyle>
+          <a:p>
+            <a:r>
+              <a:rPr lang="en-US" dirty="0" smtClean="0"/>
+              <a:t>Group Exercise</a:t>
+            </a:r>
+            <a:endParaRPr lang="en-US" dirty="0"/>
+          </a:p>
+        </p:txBody>
+      </p:sp>
+      <p:sp>
+        <p:nvSpPr>
+          <p:cNvPr id="13" name="Content Placeholder 12"/>
+          <p:cNvSpPr>
+            <a:spLocks noGrp="1"/>
+          </p:cNvSpPr>
+          <p:nvPr>
+            <p:ph sz="quarter" idx="11"/>
+          </p:nvPr>
+        </p:nvSpPr>
+        <p:spPr>
+          <a:xfrm>
+            <a:off x="1671638" y="3260725"/>
+            <a:ext cx="12319000" cy="1528233"/>
+          </a:xfrm>
+          <a:prstGeom prst="rect">
+            <a:avLst/>
+          </a:prstGeom>
+        </p:spPr>
+        <p:txBody>
+          <a:bodyPr anchor="ctr">
+            <a:normAutofit/>
+          </a:bodyPr>
+          <a:lstStyle>
+            <a:lvl1pPr marL="121917" indent="0">
+              <a:spcBef>
+                <a:spcPts val="800"/>
+              </a:spcBef>
+              <a:buNone/>
+              <a:defRPr sz="2800" i="1" baseline="0">
+                <a:solidFill>
+                  <a:schemeClr val="bg1">
+                    <a:lumMod val="50000"/>
+                  </a:schemeClr>
+                </a:solidFill>
+              </a:defRPr>
+            </a:lvl1pPr>
+          </a:lstStyle>
+          <a:p>
+            <a:pPr lvl="0"/>
+            <a:r>
+              <a:rPr lang="en-US" dirty="0" smtClean="0"/>
+              <a:t>Click to edit Master text styles</a:t>
+            </a:r>
+          </a:p>
+        </p:txBody>
+      </p:sp>
+      <p:sp>
+        <p:nvSpPr>
+          <p:cNvPr id="10" name="TextBox 11"/>
+          <p:cNvSpPr txBox="1">
+            <a:spLocks noChangeArrowheads="1"/>
+          </p:cNvSpPr>
+          <p:nvPr/>
+        </p:nvSpPr>
+        <p:spPr bwMode="white">
+          <a:xfrm>
+            <a:off x="1671638" y="4917547"/>
+            <a:ext cx="11777663" cy="785812"/>
+          </a:xfrm>
+          <a:prstGeom prst="rect">
+            <a:avLst/>
+          </a:prstGeom>
+          <a:noFill/>
+          <a:ln>
+            <a:noFill/>
+          </a:ln>
+          <a:extLst>
+            <a:ext uri="{909E8E84-426E-40dd-AFC4-6F175D3DCCD1}">
+              <a14:hiddenFill xmlns="" xmlns:a14="http://schemas.microsoft.com/office/drawing/2010/main">
+                <a:solidFill>
+                  <a:srgbClr val="FFFFFF"/>
+                </a:solidFill>
+              </a14:hiddenFill>
+            </a:ext>
+            <a:ext uri="{91240B29-F687-4f45-9708-019B960494DF}">
+              <a14:hiddenLine xmlns="" xmlns:a14="http://schemas.microsoft.com/office/drawing/2010/main" w="9525">
+                <a:solidFill>
+                  <a:srgbClr val="000000"/>
+                </a:solidFill>
+                <a:miter lim="800000"/>
+                <a:headEnd/>
+                <a:tailEnd/>
+              </a14:hiddenLine>
+            </a:ext>
+          </a:extLst>
+        </p:spPr>
+        <p:txBody>
+          <a:bodyPr lIns="121920" tIns="121920" rIns="121920" bIns="121920"/>
+          <a:lstStyle>
+            <a:lvl1pPr>
+              <a:defRPr sz="2400">
+                <a:solidFill>
+                  <a:schemeClr val="tx1"/>
+                </a:solidFill>
+                <a:latin typeface="Arial" charset="0"/>
+                <a:ea typeface="ＭＳ Ｐゴシック" charset="0"/>
+                <a:cs typeface="ＭＳ Ｐゴシック" charset="0"/>
+              </a:defRPr>
+            </a:lvl1pPr>
+            <a:lvl2pPr marL="742950" indent="-285750">
+              <a:defRPr sz="2400">
+                <a:solidFill>
+                  <a:schemeClr val="tx1"/>
+                </a:solidFill>
+                <a:latin typeface="Arial" charset="0"/>
+                <a:ea typeface="ＭＳ Ｐゴシック" charset="0"/>
+              </a:defRPr>
+            </a:lvl2pPr>
+            <a:lvl3pPr marL="1143000" indent="-228600">
+              <a:defRPr sz="2400">
+                <a:solidFill>
+                  <a:schemeClr val="tx1"/>
+                </a:solidFill>
+                <a:latin typeface="Arial" charset="0"/>
+                <a:ea typeface="ＭＳ Ｐゴシック" charset="0"/>
+              </a:defRPr>
+            </a:lvl3pPr>
+            <a:lvl4pPr marL="1600200" indent="-228600">
+              <a:defRPr sz="2400">
+                <a:solidFill>
+                  <a:schemeClr val="tx1"/>
+                </a:solidFill>
+                <a:latin typeface="Arial" charset="0"/>
+                <a:ea typeface="ＭＳ Ｐゴシック" charset="0"/>
+              </a:defRPr>
+            </a:lvl4pPr>
+            <a:lvl5pPr marL="2057400" indent="-228600">
+              <a:defRPr sz="2400">
+                <a:solidFill>
+                  <a:schemeClr val="tx1"/>
+                </a:solidFill>
+                <a:latin typeface="Arial" charset="0"/>
+                <a:ea typeface="ＭＳ Ｐゴシック" charset="0"/>
+              </a:defRPr>
+            </a:lvl5pPr>
+            <a:lvl6pPr marL="2514600" indent="-228600" defTabSz="1217613" fontAlgn="base">
+              <a:spcBef>
+                <a:spcPct val="0"/>
+              </a:spcBef>
+              <a:spcAft>
+                <a:spcPct val="0"/>
+              </a:spcAft>
+              <a:defRPr sz="2400">
+                <a:solidFill>
+                  <a:schemeClr val="tx1"/>
+                </a:solidFill>
+                <a:latin typeface="Arial" charset="0"/>
+                <a:ea typeface="ＭＳ Ｐゴシック" charset="0"/>
+              </a:defRPr>
+            </a:lvl6pPr>
+            <a:lvl7pPr marL="2971800" indent="-228600" defTabSz="1217613" fontAlgn="base">
+              <a:spcBef>
+                <a:spcPct val="0"/>
+              </a:spcBef>
+              <a:spcAft>
+                <a:spcPct val="0"/>
+              </a:spcAft>
+              <a:defRPr sz="2400">
+                <a:solidFill>
+                  <a:schemeClr val="tx1"/>
+                </a:solidFill>
+                <a:latin typeface="Arial" charset="0"/>
+                <a:ea typeface="ＭＳ Ｐゴシック" charset="0"/>
+              </a:defRPr>
+            </a:lvl7pPr>
+            <a:lvl8pPr marL="3429000" indent="-228600" defTabSz="1217613" fontAlgn="base">
+              <a:spcBef>
+                <a:spcPct val="0"/>
+              </a:spcBef>
+              <a:spcAft>
+                <a:spcPct val="0"/>
+              </a:spcAft>
+              <a:defRPr sz="2400">
+                <a:solidFill>
+                  <a:schemeClr val="tx1"/>
+                </a:solidFill>
+                <a:latin typeface="Arial" charset="0"/>
+                <a:ea typeface="ＭＳ Ｐゴシック" charset="0"/>
+              </a:defRPr>
+            </a:lvl8pPr>
+            <a:lvl9pPr marL="3886200" indent="-228600" defTabSz="1217613" fontAlgn="base">
+              <a:spcBef>
+                <a:spcPct val="0"/>
+              </a:spcBef>
+              <a:spcAft>
+                <a:spcPct val="0"/>
+              </a:spcAft>
+              <a:defRPr sz="2400">
+                <a:solidFill>
+                  <a:schemeClr val="tx1"/>
+                </a:solidFill>
+                <a:latin typeface="Arial" charset="0"/>
+                <a:ea typeface="ＭＳ Ｐゴシック" charset="0"/>
+              </a:defRPr>
+            </a:lvl9pPr>
+          </a:lstStyle>
+          <a:p>
+            <a:r>
+              <a:rPr lang="en-US" sz="3200" b="1" dirty="0"/>
+              <a:t>Objective:</a:t>
+            </a:r>
+          </a:p>
+        </p:txBody>
+      </p:sp>
+      <p:sp>
+        <p:nvSpPr>
+          <p:cNvPr id="9" name="Text Placeholder 8"/>
+          <p:cNvSpPr>
+            <a:spLocks noGrp="1"/>
+          </p:cNvSpPr>
+          <p:nvPr>
+            <p:ph type="body" sz="quarter" idx="10"/>
+          </p:nvPr>
+        </p:nvSpPr>
+        <p:spPr>
+          <a:xfrm>
+            <a:off x="1671638" y="5650764"/>
+            <a:ext cx="12319000" cy="2445486"/>
+          </a:xfrm>
+          <a:prstGeom prst="rect">
+            <a:avLst/>
+          </a:prstGeom>
+        </p:spPr>
+        <p:txBody>
+          <a:bodyPr/>
+          <a:lstStyle>
+            <a:lvl1pPr marL="0" indent="0">
+              <a:buFont typeface="Wingdings" charset="2"/>
+              <a:buNone/>
+              <a:defRPr sz="2400" baseline="0"/>
+            </a:lvl1pPr>
+          </a:lstStyle>
+          <a:p>
+            <a:pPr lvl="0"/>
+            <a:r>
+              <a:rPr lang="en-US" dirty="0" smtClean="0"/>
+              <a:t>Click to edit Master text styles</a:t>
+            </a:r>
+          </a:p>
+          <a:p>
+            <a:pPr lvl="1"/>
+            <a:r>
+              <a:rPr lang="en-US" dirty="0" smtClean="0"/>
+              <a:t>Second level</a:t>
+            </a:r>
+          </a:p>
+          <a:p>
+            <a:pPr lvl="2"/>
+            <a:r>
+              <a:rPr lang="en-US" dirty="0" smtClean="0"/>
+              <a:t>Third level</a:t>
+            </a:r>
+          </a:p>
+          <a:p>
+            <a:pPr lvl="3"/>
+            <a:r>
+              <a:rPr lang="en-US" dirty="0" smtClean="0"/>
+              <a:t>Fourth level</a:t>
+            </a:r>
+          </a:p>
+        </p:txBody>
+      </p:sp>
+    </p:spTree>
+    <p:extLst>
+      <p:ext uri="{BB962C8B-B14F-4D97-AF65-F5344CB8AC3E}">
+        <p14:creationId xmlns:p14="http://schemas.microsoft.com/office/powerpoint/2010/main" val="4088453331"/>
+      </p:ext>
+    </p:extLst>
+  </p:cSld>
+  <p:clrMapOvr>
+    <a:masterClrMapping/>
+  </p:clrMapOvr>
+  <p:transition spd="med">
+    <p:fade/>
+  </p:transition>
+</p:sldLayout>
+</file>
+
+<file path=ppt/slideLayouts/slideLayout14.xml><?xml version="1.0" encoding="utf-8"?>
+<p:sldLayout xmlns:a="http://schemas.openxmlformats.org/drawingml/2006/main" xmlns:r="http://schemas.openxmlformats.org/officeDocument/2006/relationships" xmlns:p="http://schemas.openxmlformats.org/presentationml/2006/main" preserve="1" userDrawn="1">
+  <p:cSld name="Motivation">
+    <p:spTree>
+      <p:nvGrpSpPr>
+        <p:cNvPr id="1" name=""/>
+        <p:cNvGrpSpPr/>
+        <p:nvPr/>
+      </p:nvGrpSpPr>
+      <p:grpSpPr>
+        <a:xfrm>
+          <a:off x="0" y="0"/>
+          <a:ext cx="0" cy="0"/>
+          <a:chOff x="0" y="0"/>
+          <a:chExt cx="0" cy="0"/>
+        </a:xfrm>
+      </p:grpSpPr>
+      <p:sp>
+        <p:nvSpPr>
+          <p:cNvPr id="5" name="TextBox 4"/>
+          <p:cNvSpPr txBox="1"/>
+          <p:nvPr/>
+        </p:nvSpPr>
+        <p:spPr bwMode="white">
+          <a:xfrm>
+            <a:off x="136960" y="128323"/>
+            <a:ext cx="13979932" cy="2378219"/>
+          </a:xfrm>
+          <a:prstGeom prst="rect">
+            <a:avLst/>
+          </a:prstGeom>
+          <a:noFill/>
+          <a:ln>
+            <a:noFill/>
+          </a:ln>
+          <a:effectLst/>
+        </p:spPr>
+        <p:txBody>
+          <a:bodyPr lIns="121920" tIns="121920" rIns="121920" bIns="121920" anchor="ctr"/>
+          <a:lstStyle/>
+          <a:p>
+            <a:pPr defTabSz="1219120" fontAlgn="auto">
+              <a:spcBef>
+                <a:spcPts val="0"/>
+              </a:spcBef>
+              <a:spcAft>
+                <a:spcPts val="0"/>
+              </a:spcAft>
+              <a:defRPr/>
+            </a:pPr>
+            <a:r>
+              <a:rPr lang="en-US" sz="16933" dirty="0">
+                <a:ln w="18415" cmpd="sng">
+                  <a:solidFill>
+                    <a:srgbClr val="FFFFFF"/>
+                  </a:solidFill>
+                  <a:prstDash val="solid"/>
+                </a:ln>
+                <a:solidFill>
+                  <a:schemeClr val="bg2">
+                    <a:lumMod val="95000"/>
+                    <a:alpha val="50000"/>
+                  </a:schemeClr>
+                </a:solidFill>
+                <a:latin typeface="+mn-lt"/>
+                <a:ea typeface="+mn-ea"/>
+                <a:cs typeface="+mn-cs"/>
+              </a:rPr>
+              <a:t>MOTIVATION</a:t>
+            </a:r>
+          </a:p>
+        </p:txBody>
+      </p:sp>
+      <p:pic>
+        <p:nvPicPr>
+          <p:cNvPr id="2" name="Picture 1" descr="gift.gif"/>
+          <p:cNvPicPr>
+            <a:picLocks noChangeAspect="1"/>
+          </p:cNvPicPr>
+          <p:nvPr userDrawn="1"/>
+        </p:nvPicPr>
+        <p:blipFill>
+          <a:blip r:embed="rId2">
+            <a:extLst>
+              <a:ext uri="{28A0092B-C50C-407E-A947-70E740481C1C}">
+                <a14:useLocalDpi xmlns:a14="http://schemas.microsoft.com/office/drawing/2010/main" val="0"/>
+              </a:ext>
+            </a:extLst>
+          </a:blip>
+          <a:stretch>
+            <a:fillRect/>
+          </a:stretch>
+        </p:blipFill>
+        <p:spPr>
+          <a:xfrm>
+            <a:off x="13257264" y="215274"/>
+            <a:ext cx="2441471" cy="2407901"/>
+          </a:xfrm>
+          <a:prstGeom prst="rect">
+            <a:avLst/>
+          </a:prstGeom>
+        </p:spPr>
+      </p:pic>
+      <p:sp>
+        <p:nvSpPr>
+          <p:cNvPr id="6" name="Title 1"/>
+          <p:cNvSpPr>
+            <a:spLocks noGrp="1"/>
+          </p:cNvSpPr>
+          <p:nvPr>
+            <p:ph type="ctrTitle" hasCustomPrompt="1"/>
+          </p:nvPr>
+        </p:nvSpPr>
+        <p:spPr bwMode="white">
+          <a:xfrm>
+            <a:off x="1680252" y="2304144"/>
+            <a:ext cx="12310386" cy="852712"/>
+          </a:xfrm>
+        </p:spPr>
+        <p:txBody>
+          <a:bodyPr lIns="91440" tIns="91440" rIns="91440" bIns="91440" anchor="ctr"/>
+          <a:lstStyle>
+            <a:lvl1pPr>
+              <a:lnSpc>
+                <a:spcPct val="90000"/>
+              </a:lnSpc>
+              <a:defRPr sz="6400" b="1" spc="0" baseline="0">
+                <a:solidFill>
+                  <a:schemeClr val="accent1"/>
+                </a:solidFill>
+              </a:defRPr>
+            </a:lvl1pPr>
+          </a:lstStyle>
+          <a:p>
+            <a:r>
+              <a:rPr lang="en-US" dirty="0" smtClean="0"/>
+              <a:t>Motivation</a:t>
+            </a:r>
+            <a:endParaRPr lang="en-US" dirty="0"/>
+          </a:p>
+        </p:txBody>
+      </p:sp>
+      <p:sp>
+        <p:nvSpPr>
+          <p:cNvPr id="14" name="Subtitle 2"/>
+          <p:cNvSpPr>
+            <a:spLocks noGrp="1"/>
+          </p:cNvSpPr>
+          <p:nvPr>
+            <p:ph type="subTitle" idx="1"/>
+          </p:nvPr>
+        </p:nvSpPr>
+        <p:spPr bwMode="white">
+          <a:xfrm>
+            <a:off x="1672167" y="3283868"/>
+            <a:ext cx="12315718" cy="4770049"/>
+          </a:xfrm>
+          <a:prstGeom prst="rect">
+            <a:avLst/>
+          </a:prstGeom>
+        </p:spPr>
+        <p:txBody>
+          <a:bodyPr lIns="91440" tIns="91440" rIns="91440" bIns="91440">
+            <a:noAutofit/>
+          </a:bodyPr>
+          <a:lstStyle>
+            <a:lvl1pPr marL="0" indent="0" algn="l">
+              <a:lnSpc>
+                <a:spcPct val="100000"/>
+              </a:lnSpc>
+              <a:spcBef>
+                <a:spcPts val="0"/>
+              </a:spcBef>
+              <a:buNone/>
+              <a:defRPr sz="2800" baseline="0">
+                <a:solidFill>
+                  <a:schemeClr val="accent3">
+                    <a:lumMod val="50000"/>
+                  </a:schemeClr>
+                </a:solidFill>
+              </a:defRPr>
+            </a:lvl1pPr>
+            <a:lvl2pPr marL="609561" indent="0" algn="ctr">
+              <a:buNone/>
+              <a:defRPr>
+                <a:solidFill>
+                  <a:schemeClr val="tx1">
+                    <a:tint val="75000"/>
+                  </a:schemeClr>
+                </a:solidFill>
+              </a:defRPr>
+            </a:lvl2pPr>
+            <a:lvl3pPr marL="1219120" indent="0" algn="ctr">
+              <a:buNone/>
+              <a:defRPr>
+                <a:solidFill>
+                  <a:schemeClr val="tx1">
+                    <a:tint val="75000"/>
+                  </a:schemeClr>
+                </a:solidFill>
+              </a:defRPr>
+            </a:lvl3pPr>
+            <a:lvl4pPr marL="1828681" indent="0" algn="ctr">
+              <a:buNone/>
+              <a:defRPr>
+                <a:solidFill>
+                  <a:schemeClr val="tx1">
+                    <a:tint val="75000"/>
+                  </a:schemeClr>
+                </a:solidFill>
+              </a:defRPr>
+            </a:lvl4pPr>
+            <a:lvl5pPr marL="2438242" indent="0" algn="ctr">
+              <a:buNone/>
+              <a:defRPr>
+                <a:solidFill>
+                  <a:schemeClr val="tx1">
+                    <a:tint val="75000"/>
+                  </a:schemeClr>
+                </a:solidFill>
+              </a:defRPr>
+            </a:lvl5pPr>
+            <a:lvl6pPr marL="3047802" indent="0" algn="ctr">
+              <a:buNone/>
+              <a:defRPr>
+                <a:solidFill>
+                  <a:schemeClr val="tx1">
+                    <a:tint val="75000"/>
+                  </a:schemeClr>
+                </a:solidFill>
+              </a:defRPr>
+            </a:lvl6pPr>
+            <a:lvl7pPr marL="3657362" indent="0" algn="ctr">
+              <a:buNone/>
+              <a:defRPr>
+                <a:solidFill>
+                  <a:schemeClr val="tx1">
+                    <a:tint val="75000"/>
+                  </a:schemeClr>
+                </a:solidFill>
+              </a:defRPr>
+            </a:lvl7pPr>
+            <a:lvl8pPr marL="4266923" indent="0" algn="ctr">
+              <a:buNone/>
+              <a:defRPr>
+                <a:solidFill>
+                  <a:schemeClr val="tx1">
+                    <a:tint val="75000"/>
+                  </a:schemeClr>
+                </a:solidFill>
+              </a:defRPr>
+            </a:lvl8pPr>
+            <a:lvl9pPr marL="4876483" indent="0" algn="ctr">
+              <a:buNone/>
+              <a:defRPr>
+                <a:solidFill>
+                  <a:schemeClr val="tx1">
+                    <a:tint val="75000"/>
+                  </a:schemeClr>
+                </a:solidFill>
+              </a:defRPr>
+            </a:lvl9pPr>
+          </a:lstStyle>
+          <a:p>
+            <a:r>
+              <a:rPr lang="en-US" dirty="0" smtClean="0"/>
+              <a:t>Click to edit Master subtitle style</a:t>
+            </a:r>
+          </a:p>
+        </p:txBody>
+      </p:sp>
+    </p:spTree>
+    <p:extLst>
+      <p:ext uri="{BB962C8B-B14F-4D97-AF65-F5344CB8AC3E}">
+        <p14:creationId xmlns:p14="http://schemas.microsoft.com/office/powerpoint/2010/main" val="2947928335"/>
+      </p:ext>
+    </p:extLst>
+  </p:cSld>
+  <p:clrMapOvr>
+    <a:masterClrMapping/>
+  </p:clrMapOvr>
+  <p:transition spd="med">
+    <p:fade/>
+  </p:transition>
+</p:sldLayout>
+</file>
+
+<file path=ppt/slideLayouts/slideLayout15.xml><?xml version="1.0" encoding="utf-8"?>
+<p:sldLayout xmlns:a="http://schemas.openxmlformats.org/drawingml/2006/main" xmlns:r="http://schemas.openxmlformats.org/officeDocument/2006/relationships" xmlns:p="http://schemas.openxmlformats.org/presentationml/2006/main" preserve="1" userDrawn="1">
+  <p:cSld name="Problem">
+    <p:spTree>
+      <p:nvGrpSpPr>
+        <p:cNvPr id="1" name=""/>
+        <p:cNvGrpSpPr/>
+        <p:nvPr/>
+      </p:nvGrpSpPr>
+      <p:grpSpPr>
+        <a:xfrm>
+          <a:off x="0" y="0"/>
+          <a:ext cx="0" cy="0"/>
+          <a:chOff x="0" y="0"/>
+          <a:chExt cx="0" cy="0"/>
+        </a:xfrm>
+      </p:grpSpPr>
+      <p:sp>
+        <p:nvSpPr>
+          <p:cNvPr id="5" name="TextBox 4"/>
+          <p:cNvSpPr txBox="1"/>
+          <p:nvPr/>
+        </p:nvSpPr>
+        <p:spPr bwMode="white">
+          <a:xfrm>
+            <a:off x="136960" y="149489"/>
+            <a:ext cx="11781799" cy="2378219"/>
+          </a:xfrm>
+          <a:prstGeom prst="rect">
+            <a:avLst/>
+          </a:prstGeom>
+          <a:noFill/>
+          <a:ln>
+            <a:noFill/>
+          </a:ln>
+          <a:effectLst/>
+        </p:spPr>
+        <p:txBody>
+          <a:bodyPr lIns="121920" tIns="121920" rIns="121920" bIns="121920" anchor="ctr"/>
+          <a:lstStyle/>
+          <a:p>
+            <a:pPr defTabSz="1219120" fontAlgn="auto">
+              <a:spcBef>
+                <a:spcPts val="0"/>
+              </a:spcBef>
+              <a:spcAft>
+                <a:spcPts val="0"/>
+              </a:spcAft>
+              <a:defRPr/>
+            </a:pPr>
+            <a:r>
+              <a:rPr lang="en-US" sz="16933" dirty="0">
+                <a:ln w="18415" cmpd="sng">
+                  <a:solidFill>
+                    <a:srgbClr val="FFFFFF"/>
+                  </a:solidFill>
+                  <a:prstDash val="solid"/>
+                </a:ln>
+                <a:solidFill>
+                  <a:schemeClr val="bg2">
+                    <a:lumMod val="95000"/>
+                    <a:alpha val="50000"/>
+                  </a:schemeClr>
+                </a:solidFill>
+                <a:latin typeface="+mn-lt"/>
+                <a:ea typeface="+mn-ea"/>
+                <a:cs typeface="+mn-cs"/>
+              </a:rPr>
+              <a:t>PROBLEM</a:t>
+            </a:r>
+          </a:p>
+        </p:txBody>
+      </p:sp>
+      <p:pic>
+        <p:nvPicPr>
+          <p:cNvPr id="2" name="Picture 1" descr="splat.gif"/>
+          <p:cNvPicPr>
+            <a:picLocks noChangeAspect="1"/>
+          </p:cNvPicPr>
+          <p:nvPr userDrawn="1"/>
+        </p:nvPicPr>
+        <p:blipFill>
+          <a:blip r:embed="rId2">
+            <a:extLst>
+              <a:ext uri="{28A0092B-C50C-407E-A947-70E740481C1C}">
+                <a14:useLocalDpi xmlns:a14="http://schemas.microsoft.com/office/drawing/2010/main" val="0"/>
+              </a:ext>
+            </a:extLst>
+          </a:blip>
+          <a:stretch>
+            <a:fillRect/>
+          </a:stretch>
+        </p:blipFill>
+        <p:spPr>
+          <a:xfrm>
+            <a:off x="13153654" y="94879"/>
+            <a:ext cx="2648691" cy="2648691"/>
+          </a:xfrm>
+          <a:prstGeom prst="rect">
+            <a:avLst/>
+          </a:prstGeom>
+        </p:spPr>
+      </p:pic>
+      <p:sp>
+        <p:nvSpPr>
+          <p:cNvPr id="6" name="Title 1"/>
+          <p:cNvSpPr>
+            <a:spLocks noGrp="1"/>
+          </p:cNvSpPr>
+          <p:nvPr>
+            <p:ph type="ctrTitle" hasCustomPrompt="1"/>
+          </p:nvPr>
+        </p:nvSpPr>
+        <p:spPr bwMode="white">
+          <a:xfrm>
+            <a:off x="1671638" y="2294619"/>
+            <a:ext cx="12319000" cy="852712"/>
+          </a:xfrm>
+        </p:spPr>
+        <p:txBody>
+          <a:bodyPr lIns="91440" tIns="91440" rIns="91440" bIns="91440" anchor="ctr"/>
+          <a:lstStyle>
+            <a:lvl1pPr>
+              <a:lnSpc>
+                <a:spcPct val="90000"/>
+              </a:lnSpc>
+              <a:defRPr sz="6400" b="1" spc="0" baseline="0">
+                <a:solidFill>
+                  <a:schemeClr val="accent1"/>
+                </a:solidFill>
+              </a:defRPr>
+            </a:lvl1pPr>
+          </a:lstStyle>
+          <a:p>
+            <a:r>
+              <a:rPr lang="en-US" dirty="0" smtClean="0"/>
+              <a:t>Problem</a:t>
+            </a:r>
+            <a:endParaRPr lang="en-US" dirty="0"/>
+          </a:p>
+        </p:txBody>
+      </p:sp>
+      <p:sp>
+        <p:nvSpPr>
+          <p:cNvPr id="10" name="Subtitle 2"/>
+          <p:cNvSpPr>
+            <a:spLocks noGrp="1"/>
+          </p:cNvSpPr>
+          <p:nvPr>
+            <p:ph type="subTitle" idx="1"/>
+          </p:nvPr>
+        </p:nvSpPr>
+        <p:spPr bwMode="white">
+          <a:xfrm>
+            <a:off x="1671638" y="3271838"/>
+            <a:ext cx="12319000" cy="3346421"/>
+          </a:xfrm>
+          <a:prstGeom prst="rect">
+            <a:avLst/>
+          </a:prstGeom>
+        </p:spPr>
+        <p:txBody>
+          <a:bodyPr lIns="91440" tIns="91440" rIns="91440" bIns="91440">
+            <a:noAutofit/>
+          </a:bodyPr>
+          <a:lstStyle>
+            <a:lvl1pPr marL="0" indent="0" algn="l">
+              <a:lnSpc>
+                <a:spcPct val="100000"/>
+              </a:lnSpc>
+              <a:spcBef>
+                <a:spcPts val="0"/>
+              </a:spcBef>
+              <a:buNone/>
+              <a:defRPr sz="2800" baseline="0">
+                <a:solidFill>
+                  <a:schemeClr val="accent3">
+                    <a:lumMod val="50000"/>
+                  </a:schemeClr>
+                </a:solidFill>
+              </a:defRPr>
+            </a:lvl1pPr>
+            <a:lvl2pPr marL="609561" indent="0" algn="ctr">
+              <a:buNone/>
+              <a:defRPr>
+                <a:solidFill>
+                  <a:schemeClr val="tx1">
+                    <a:tint val="75000"/>
+                  </a:schemeClr>
+                </a:solidFill>
+              </a:defRPr>
+            </a:lvl2pPr>
+            <a:lvl3pPr marL="1219120" indent="0" algn="ctr">
+              <a:buNone/>
+              <a:defRPr>
+                <a:solidFill>
+                  <a:schemeClr val="tx1">
+                    <a:tint val="75000"/>
+                  </a:schemeClr>
+                </a:solidFill>
+              </a:defRPr>
+            </a:lvl3pPr>
+            <a:lvl4pPr marL="1828681" indent="0" algn="ctr">
+              <a:buNone/>
+              <a:defRPr>
+                <a:solidFill>
+                  <a:schemeClr val="tx1">
+                    <a:tint val="75000"/>
+                  </a:schemeClr>
+                </a:solidFill>
+              </a:defRPr>
+            </a:lvl4pPr>
+            <a:lvl5pPr marL="2438242" indent="0" algn="ctr">
+              <a:buNone/>
+              <a:defRPr>
+                <a:solidFill>
+                  <a:schemeClr val="tx1">
+                    <a:tint val="75000"/>
+                  </a:schemeClr>
+                </a:solidFill>
+              </a:defRPr>
+            </a:lvl5pPr>
+            <a:lvl6pPr marL="3047802" indent="0" algn="ctr">
+              <a:buNone/>
+              <a:defRPr>
+                <a:solidFill>
+                  <a:schemeClr val="tx1">
+                    <a:tint val="75000"/>
+                  </a:schemeClr>
+                </a:solidFill>
+              </a:defRPr>
+            </a:lvl6pPr>
+            <a:lvl7pPr marL="3657362" indent="0" algn="ctr">
+              <a:buNone/>
+              <a:defRPr>
+                <a:solidFill>
+                  <a:schemeClr val="tx1">
+                    <a:tint val="75000"/>
+                  </a:schemeClr>
+                </a:solidFill>
+              </a:defRPr>
+            </a:lvl7pPr>
+            <a:lvl8pPr marL="4266923" indent="0" algn="ctr">
+              <a:buNone/>
+              <a:defRPr>
+                <a:solidFill>
+                  <a:schemeClr val="tx1">
+                    <a:tint val="75000"/>
+                  </a:schemeClr>
+                </a:solidFill>
+              </a:defRPr>
+            </a:lvl8pPr>
+            <a:lvl9pPr marL="4876483" indent="0" algn="ctr">
+              <a:buNone/>
+              <a:defRPr>
+                <a:solidFill>
+                  <a:schemeClr val="tx1">
+                    <a:tint val="75000"/>
+                  </a:schemeClr>
+                </a:solidFill>
+              </a:defRPr>
+            </a:lvl9pPr>
+          </a:lstStyle>
+          <a:p>
+            <a:r>
+              <a:rPr lang="en-US" dirty="0" smtClean="0"/>
+              <a:t>Click to edit Master subtitle style</a:t>
+            </a:r>
+          </a:p>
+        </p:txBody>
+      </p:sp>
+    </p:spTree>
+    <p:extLst>
+      <p:ext uri="{BB962C8B-B14F-4D97-AF65-F5344CB8AC3E}">
+        <p14:creationId xmlns:p14="http://schemas.microsoft.com/office/powerpoint/2010/main" val="247207333"/>
+      </p:ext>
+    </p:extLst>
+  </p:cSld>
+  <p:clrMapOvr>
+    <a:masterClrMapping/>
+  </p:clrMapOvr>
+  <p:transition spd="med">
+    <p:fade/>
+  </p:transition>
+</p:sldLayout>
+</file>
+
+<file path=ppt/slideLayouts/slideLayout16.xml><?xml version="1.0" encoding="utf-8"?>
+<p:sldLayout xmlns:a="http://schemas.openxmlformats.org/drawingml/2006/main" xmlns:r="http://schemas.openxmlformats.org/officeDocument/2006/relationships" xmlns:p="http://schemas.openxmlformats.org/presentationml/2006/main" preserve="1" userDrawn="1">
+  <p:cSld name="Docs">
+    <p:spTree>
+      <p:nvGrpSpPr>
+        <p:cNvPr id="1" name=""/>
+        <p:cNvGrpSpPr/>
+        <p:nvPr/>
+      </p:nvGrpSpPr>
+      <p:grpSpPr>
+        <a:xfrm>
+          <a:off x="0" y="0"/>
+          <a:ext cx="0" cy="0"/>
+          <a:chOff x="0" y="0"/>
+          <a:chExt cx="0" cy="0"/>
+        </a:xfrm>
+      </p:grpSpPr>
+      <p:sp>
+        <p:nvSpPr>
+          <p:cNvPr id="7" name="TextBox 6"/>
+          <p:cNvSpPr txBox="1"/>
+          <p:nvPr/>
+        </p:nvSpPr>
+        <p:spPr bwMode="white">
+          <a:xfrm>
+            <a:off x="136960" y="160072"/>
+            <a:ext cx="13917707" cy="2378219"/>
+          </a:xfrm>
+          <a:prstGeom prst="rect">
+            <a:avLst/>
+          </a:prstGeom>
+          <a:noFill/>
+          <a:ln>
+            <a:noFill/>
+          </a:ln>
+          <a:effectLst/>
+        </p:spPr>
+        <p:txBody>
+          <a:bodyPr lIns="121920" tIns="121920" rIns="121920" bIns="121920" anchor="ctr"/>
+          <a:lstStyle/>
+          <a:p>
+            <a:pPr defTabSz="1219120" fontAlgn="auto">
+              <a:spcBef>
+                <a:spcPts val="0"/>
+              </a:spcBef>
+              <a:spcAft>
+                <a:spcPts val="0"/>
+              </a:spcAft>
+              <a:defRPr/>
+            </a:pPr>
+            <a:r>
+              <a:rPr lang="en-US" sz="16933" dirty="0" smtClean="0">
+                <a:ln w="18415" cmpd="sng">
+                  <a:solidFill>
+                    <a:srgbClr val="FFFFFF"/>
+                  </a:solidFill>
+                  <a:prstDash val="solid"/>
+                </a:ln>
+                <a:solidFill>
+                  <a:schemeClr val="bg2">
+                    <a:lumMod val="95000"/>
+                    <a:alpha val="50000"/>
+                  </a:schemeClr>
+                </a:solidFill>
+                <a:latin typeface="+mn-lt"/>
+                <a:ea typeface="+mn-ea"/>
+                <a:cs typeface="+mn-cs"/>
+              </a:rPr>
+              <a:t>REFERENCE</a:t>
+            </a:r>
+            <a:endParaRPr lang="en-US" sz="16933" dirty="0">
+              <a:ln w="18415" cmpd="sng">
+                <a:solidFill>
+                  <a:srgbClr val="FFFFFF"/>
+                </a:solidFill>
+                <a:prstDash val="solid"/>
+              </a:ln>
+              <a:solidFill>
+                <a:schemeClr val="bg2">
+                  <a:lumMod val="95000"/>
+                  <a:alpha val="50000"/>
+                </a:schemeClr>
+              </a:solidFill>
+              <a:latin typeface="+mn-lt"/>
+              <a:ea typeface="+mn-ea"/>
+              <a:cs typeface="+mn-cs"/>
+            </a:endParaRPr>
+          </a:p>
+        </p:txBody>
+      </p:sp>
+      <p:pic>
+        <p:nvPicPr>
+          <p:cNvPr id="2" name="Picture 1" descr="reference.gif"/>
+          <p:cNvPicPr>
+            <a:picLocks noChangeAspect="1"/>
+          </p:cNvPicPr>
+          <p:nvPr userDrawn="1"/>
+        </p:nvPicPr>
+        <p:blipFill>
+          <a:blip r:embed="rId2">
+            <a:extLst>
+              <a:ext uri="{28A0092B-C50C-407E-A947-70E740481C1C}">
+                <a14:useLocalDpi xmlns:a14="http://schemas.microsoft.com/office/drawing/2010/main" val="0"/>
+              </a:ext>
+            </a:extLst>
+          </a:blip>
+          <a:stretch>
+            <a:fillRect/>
+          </a:stretch>
+        </p:blipFill>
+        <p:spPr>
+          <a:xfrm>
+            <a:off x="13383499" y="324724"/>
+            <a:ext cx="2189001" cy="2189001"/>
+          </a:xfrm>
+          <a:prstGeom prst="rect">
+            <a:avLst/>
+          </a:prstGeom>
+        </p:spPr>
+      </p:pic>
+      <p:sp>
+        <p:nvSpPr>
+          <p:cNvPr id="6" name="Title 1"/>
+          <p:cNvSpPr>
+            <a:spLocks noGrp="1"/>
+          </p:cNvSpPr>
+          <p:nvPr>
+            <p:ph type="ctrTitle" hasCustomPrompt="1"/>
+          </p:nvPr>
+        </p:nvSpPr>
+        <p:spPr bwMode="white">
+          <a:xfrm>
+            <a:off x="1671638" y="2294619"/>
+            <a:ext cx="12319000" cy="852712"/>
+          </a:xfrm>
+        </p:spPr>
+        <p:txBody>
+          <a:bodyPr lIns="91440" tIns="91440" rIns="91440" bIns="91440" anchor="ctr"/>
+          <a:lstStyle>
+            <a:lvl1pPr>
+              <a:lnSpc>
+                <a:spcPct val="90000"/>
+              </a:lnSpc>
+              <a:defRPr sz="6400" b="1" spc="0" baseline="0">
+                <a:solidFill>
+                  <a:schemeClr val="accent1"/>
+                </a:solidFill>
+              </a:defRPr>
+            </a:lvl1pPr>
+          </a:lstStyle>
+          <a:p>
+            <a:r>
+              <a:rPr lang="en-US" dirty="0" smtClean="0"/>
+              <a:t>Documentation</a:t>
+            </a:r>
+            <a:endParaRPr lang="en-US" dirty="0"/>
+          </a:p>
+        </p:txBody>
+      </p:sp>
+      <p:sp>
+        <p:nvSpPr>
+          <p:cNvPr id="12" name="Subtitle 2"/>
+          <p:cNvSpPr>
+            <a:spLocks noGrp="1"/>
+          </p:cNvSpPr>
+          <p:nvPr>
+            <p:ph type="subTitle" idx="1"/>
+          </p:nvPr>
+        </p:nvSpPr>
+        <p:spPr bwMode="white">
+          <a:xfrm>
+            <a:off x="1671638" y="3271838"/>
+            <a:ext cx="12319000" cy="3346421"/>
+          </a:xfrm>
+          <a:prstGeom prst="rect">
+            <a:avLst/>
+          </a:prstGeom>
+        </p:spPr>
+        <p:txBody>
+          <a:bodyPr lIns="91440" tIns="91440" rIns="91440" bIns="91440">
+            <a:noAutofit/>
+          </a:bodyPr>
+          <a:lstStyle>
+            <a:lvl1pPr marL="0" indent="0" algn="l">
+              <a:lnSpc>
+                <a:spcPct val="100000"/>
+              </a:lnSpc>
+              <a:spcBef>
+                <a:spcPts val="0"/>
+              </a:spcBef>
+              <a:buNone/>
+              <a:defRPr sz="2800" baseline="0">
+                <a:solidFill>
+                  <a:schemeClr val="accent3">
+                    <a:lumMod val="50000"/>
+                  </a:schemeClr>
+                </a:solidFill>
+              </a:defRPr>
+            </a:lvl1pPr>
+            <a:lvl2pPr marL="609561" indent="0" algn="ctr">
+              <a:buNone/>
+              <a:defRPr>
+                <a:solidFill>
+                  <a:schemeClr val="tx1">
+                    <a:tint val="75000"/>
+                  </a:schemeClr>
+                </a:solidFill>
+              </a:defRPr>
+            </a:lvl2pPr>
+            <a:lvl3pPr marL="1219120" indent="0" algn="ctr">
+              <a:buNone/>
+              <a:defRPr>
+                <a:solidFill>
+                  <a:schemeClr val="tx1">
+                    <a:tint val="75000"/>
+                  </a:schemeClr>
+                </a:solidFill>
+              </a:defRPr>
+            </a:lvl3pPr>
+            <a:lvl4pPr marL="1828681" indent="0" algn="ctr">
+              <a:buNone/>
+              <a:defRPr>
+                <a:solidFill>
+                  <a:schemeClr val="tx1">
+                    <a:tint val="75000"/>
+                  </a:schemeClr>
+                </a:solidFill>
+              </a:defRPr>
+            </a:lvl4pPr>
+            <a:lvl5pPr marL="2438242" indent="0" algn="ctr">
+              <a:buNone/>
+              <a:defRPr>
+                <a:solidFill>
+                  <a:schemeClr val="tx1">
+                    <a:tint val="75000"/>
+                  </a:schemeClr>
+                </a:solidFill>
+              </a:defRPr>
+            </a:lvl5pPr>
+            <a:lvl6pPr marL="3047802" indent="0" algn="ctr">
+              <a:buNone/>
+              <a:defRPr>
+                <a:solidFill>
+                  <a:schemeClr val="tx1">
+                    <a:tint val="75000"/>
+                  </a:schemeClr>
+                </a:solidFill>
+              </a:defRPr>
+            </a:lvl6pPr>
+            <a:lvl7pPr marL="3657362" indent="0" algn="ctr">
+              <a:buNone/>
+              <a:defRPr>
+                <a:solidFill>
+                  <a:schemeClr val="tx1">
+                    <a:tint val="75000"/>
+                  </a:schemeClr>
+                </a:solidFill>
+              </a:defRPr>
+            </a:lvl7pPr>
+            <a:lvl8pPr marL="4266923" indent="0" algn="ctr">
+              <a:buNone/>
+              <a:defRPr>
+                <a:solidFill>
+                  <a:schemeClr val="tx1">
+                    <a:tint val="75000"/>
+                  </a:schemeClr>
+                </a:solidFill>
+              </a:defRPr>
+            </a:lvl8pPr>
+            <a:lvl9pPr marL="4876483" indent="0" algn="ctr">
+              <a:buNone/>
+              <a:defRPr>
+                <a:solidFill>
+                  <a:schemeClr val="tx1">
+                    <a:tint val="75000"/>
+                  </a:schemeClr>
+                </a:solidFill>
+              </a:defRPr>
+            </a:lvl9pPr>
+          </a:lstStyle>
+          <a:p>
+            <a:r>
+              <a:rPr lang="en-US" dirty="0" smtClean="0"/>
+              <a:t>Click to edit Master subtitle style</a:t>
+            </a:r>
+          </a:p>
+        </p:txBody>
+      </p:sp>
+      <p:sp>
+        <p:nvSpPr>
+          <p:cNvPr id="10" name="Content Placeholder 3"/>
+          <p:cNvSpPr>
+            <a:spLocks noGrp="1"/>
+          </p:cNvSpPr>
+          <p:nvPr>
+            <p:ph sz="quarter" idx="13" hasCustomPrompt="1"/>
+          </p:nvPr>
+        </p:nvSpPr>
+        <p:spPr>
+          <a:xfrm>
+            <a:off x="3921498" y="7164200"/>
+            <a:ext cx="8917577" cy="524133"/>
+          </a:xfrm>
+          <a:prstGeom prst="rect">
+            <a:avLst/>
+          </a:prstGeom>
+        </p:spPr>
+        <p:txBody>
+          <a:bodyPr anchor="ctr"/>
+          <a:lstStyle>
+            <a:lvl1pPr marL="0" indent="0" algn="ctr">
+              <a:buNone/>
+              <a:defRPr sz="2400">
+                <a:solidFill>
+                  <a:schemeClr val="tx1"/>
+                </a:solidFill>
+              </a:defRPr>
+            </a:lvl1pPr>
+          </a:lstStyle>
+          <a:p>
+            <a:pPr lvl="0"/>
+            <a:r>
+              <a:rPr lang="en-US" dirty="0" smtClean="0"/>
+              <a:t>http://</a:t>
+            </a:r>
+            <a:r>
+              <a:rPr lang="en-US" dirty="0" err="1" smtClean="0"/>
+              <a:t>docs.chef.io</a:t>
+            </a:r>
+            <a:endParaRPr lang="en-US" dirty="0" smtClean="0"/>
+          </a:p>
+        </p:txBody>
+      </p:sp>
+    </p:spTree>
+    <p:extLst>
+      <p:ext uri="{BB962C8B-B14F-4D97-AF65-F5344CB8AC3E}">
+        <p14:creationId xmlns:p14="http://schemas.microsoft.com/office/powerpoint/2010/main" val="1970238568"/>
+      </p:ext>
+    </p:extLst>
+  </p:cSld>
+  <p:clrMapOvr>
+    <a:masterClrMapping/>
+  </p:clrMapOvr>
+  <p:transition spd="med">
+    <p:fade/>
+  </p:transition>
+</p:sldLayout>
+</file>
+
+<file path=ppt/slideLayouts/slideLayout17.xml><?xml version="1.0" encoding="utf-8"?>
+<p:sldLayout xmlns:a="http://schemas.openxmlformats.org/drawingml/2006/main" xmlns:r="http://schemas.openxmlformats.org/officeDocument/2006/relationships" xmlns:p="http://schemas.openxmlformats.org/presentationml/2006/main" preserve="1" userDrawn="1">
   <p:cSld name="Concept">
     <p:spTree>
       <p:nvGrpSpPr>
@@ -5964,7 +5635,7 @@
     </p:spTree>
     <p:extLst>
       <p:ext uri="{BB962C8B-B14F-4D97-AF65-F5344CB8AC3E}">
-        <p14:creationId xmlns:p14="http://schemas.microsoft.com/office/powerpoint/2010/main" val="217781841"/>
+        <p14:creationId xmlns:p14="http://schemas.microsoft.com/office/powerpoint/2010/main" val="1995748560"/>
       </p:ext>
     </p:extLst>
   </p:cSld>
@@ -5977,8 +5648,8 @@
 </p:sldLayout>
 </file>
 
-<file path=ppt/slideLayouts/slideLayout14.xml><?xml version="1.0" encoding="utf-8"?>
-<p:sldLayout xmlns:a="http://schemas.openxmlformats.org/drawingml/2006/main" xmlns:r="http://schemas.openxmlformats.org/officeDocument/2006/relationships" xmlns:p="http://schemas.openxmlformats.org/presentationml/2006/main" userDrawn="1">
+<file path=ppt/slideLayouts/slideLayout18.xml><?xml version="1.0" encoding="utf-8"?>
+<p:sldLayout xmlns:a="http://schemas.openxmlformats.org/drawingml/2006/main" xmlns:r="http://schemas.openxmlformats.org/officeDocument/2006/relationships" xmlns:p="http://schemas.openxmlformats.org/presentationml/2006/main" preserve="1" userDrawn="1">
   <p:cSld name="Group Exercise">
     <p:spTree>
       <p:nvGrpSpPr>
@@ -6188,14 +5859,14 @@
           </a:ln>
           <a:extLst>
             <a:ext uri="{909E8E84-426E-40dd-AFC4-6F175D3DCCD1}">
-              <a14:hiddenFill xmlns:a14="http://schemas.microsoft.com/office/drawing/2010/main" xmlns="">
+              <a14:hiddenFill xmlns="" xmlns:a14="http://schemas.microsoft.com/office/drawing/2010/main">
                 <a:solidFill>
                   <a:srgbClr val="FFFFFF"/>
                 </a:solidFill>
               </a14:hiddenFill>
             </a:ext>
             <a:ext uri="{91240B29-F687-4f45-9708-019B960494DF}">
-              <a14:hiddenLine xmlns:a14="http://schemas.microsoft.com/office/drawing/2010/main" xmlns="" w="9525">
+              <a14:hiddenLine xmlns="" xmlns:a14="http://schemas.microsoft.com/office/drawing/2010/main" w="9525">
                 <a:solidFill>
                   <a:srgbClr val="000000"/>
                 </a:solidFill>
@@ -6385,7 +6056,7 @@
     </p:spTree>
     <p:extLst>
       <p:ext uri="{BB962C8B-B14F-4D97-AF65-F5344CB8AC3E}">
-        <p14:creationId xmlns:p14="http://schemas.microsoft.com/office/powerpoint/2010/main" val="4088453331"/>
+        <p14:creationId xmlns:p14="http://schemas.microsoft.com/office/powerpoint/2010/main" val="1211677136"/>
       </p:ext>
     </p:extLst>
   </p:cSld>
@@ -6398,9 +6069,9 @@
 </p:sldLayout>
 </file>
 
-<file path=ppt/slideLayouts/slideLayout15.xml><?xml version="1.0" encoding="utf-8"?>
+<file path=ppt/slideLayouts/slideLayout19.xml><?xml version="1.0" encoding="utf-8"?>
 <p:sldLayout xmlns:a="http://schemas.openxmlformats.org/drawingml/2006/main" xmlns:r="http://schemas.openxmlformats.org/officeDocument/2006/relationships" xmlns:p="http://schemas.openxmlformats.org/presentationml/2006/main" preserve="1" userDrawn="1">
-  <p:cSld name="Motivation">
+  <p:cSld name="Lab">
     <p:spTree>
       <p:nvGrpSpPr>
         <p:cNvPr id="1" name=""/>
@@ -6423,8 +6094,8 @@
         </p:nvSpPr>
         <p:spPr bwMode="white">
           <a:xfrm>
-            <a:off x="136960" y="128323"/>
-            <a:ext cx="13979932" cy="2378219"/>
+            <a:off x="136961" y="144390"/>
+            <a:ext cx="12824551" cy="2378219"/>
           </a:xfrm>
           <a:prstGeom prst="rect">
             <a:avLst/>
@@ -6466,14 +6137,14 @@
                 <a:ea typeface="+mn-ea"/>
                 <a:cs typeface="+mn-cs"/>
               </a:rPr>
-              <a:t>MOTIVATION</a:t>
+              <a:t>LAB</a:t>
             </a:r>
           </a:p>
         </p:txBody>
       </p:sp>
       <p:pic>
         <p:nvPicPr>
-          <p:cNvPr id="2" name="Picture 1" descr="gift.gif"/>
+          <p:cNvPr id="2" name="Picture 1" descr="lab.gif"/>
           <p:cNvPicPr>
             <a:picLocks noChangeAspect="1"/>
           </p:cNvPicPr>
@@ -6493,8 +6164,8 @@
         </p:blipFill>
         <p:spPr>
           <a:xfrm>
-            <a:off x="13257264" y="215274"/>
-            <a:ext cx="2441471" cy="2407901"/>
+            <a:off x="13274049" y="215274"/>
+            <a:ext cx="2407901" cy="2407901"/>
           </a:xfrm>
           <a:prstGeom prst="rect">
             <a:avLst/>
@@ -6513,8 +6184,8 @@
         </p:nvSpPr>
         <p:spPr bwMode="white">
           <a:xfrm>
-            <a:off x="1680252" y="2304144"/>
-            <a:ext cx="12310386" cy="852712"/>
+            <a:off x="1660524" y="2294619"/>
+            <a:ext cx="12330113" cy="852712"/>
           </a:xfrm>
         </p:spPr>
         <p:txBody>
@@ -6534,7 +6205,7 @@
           <a:p>
             <a:r>
               <a:rPr lang="en-US" dirty="0" smtClean="0"/>
-              <a:t>Motivation</a:t>
+              <a:t>Lab</a:t>
             </a:r>
             <a:endParaRPr lang="en-US" dirty="0"/>
           </a:p>
@@ -6542,7 +6213,7 @@
       </p:sp>
       <p:sp>
         <p:nvSpPr>
-          <p:cNvPr id="14" name="Subtitle 2"/>
+          <p:cNvPr id="10" name="Subtitle 2"/>
           <p:cNvSpPr>
             <a:spLocks noGrp="1"/>
           </p:cNvSpPr>
@@ -6552,8 +6223,8 @@
         </p:nvSpPr>
         <p:spPr bwMode="white">
           <a:xfrm>
-            <a:off x="1672167" y="3283868"/>
-            <a:ext cx="12315718" cy="4770049"/>
+            <a:off x="1671638" y="3260725"/>
+            <a:ext cx="12319000" cy="3346421"/>
           </a:xfrm>
           <a:prstGeom prst="rect">
             <a:avLst/>
@@ -6564,14 +6235,15 @@
             <a:noAutofit/>
           </a:bodyPr>
           <a:lstStyle>
-            <a:lvl1pPr marL="0" indent="0" algn="l">
+            <a:lvl1pPr marL="571500" indent="-571500" algn="l">
               <a:lnSpc>
                 <a:spcPct val="100000"/>
               </a:lnSpc>
               <a:spcBef>
                 <a:spcPts val="0"/>
               </a:spcBef>
-              <a:buNone/>
+              <a:buFont typeface="Wingdings" charset="2"/>
+              <a:buChar char="q"/>
               <a:defRPr sz="2800" baseline="0">
                 <a:solidFill>
                   <a:schemeClr val="accent3">
@@ -6672,1351 +6344,7 @@
     </p:spTree>
     <p:extLst>
       <p:ext uri="{BB962C8B-B14F-4D97-AF65-F5344CB8AC3E}">
-        <p14:creationId xmlns:p14="http://schemas.microsoft.com/office/powerpoint/2010/main" val="2947928335"/>
-      </p:ext>
-    </p:extLst>
-  </p:cSld>
-  <p:clrMapOvr>
-    <a:masterClrMapping/>
-  </p:clrMapOvr>
-  <p:transition spd="med">
-    <p:fade/>
-  </p:transition>
-</p:sldLayout>
-</file>
-
-<file path=ppt/slideLayouts/slideLayout16.xml><?xml version="1.0" encoding="utf-8"?>
-<p:sldLayout xmlns:a="http://schemas.openxmlformats.org/drawingml/2006/main" xmlns:r="http://schemas.openxmlformats.org/officeDocument/2006/relationships" xmlns:p="http://schemas.openxmlformats.org/presentationml/2006/main" preserve="1" userDrawn="1">
-  <p:cSld name="Problem">
-    <p:spTree>
-      <p:nvGrpSpPr>
-        <p:cNvPr id="1" name=""/>
-        <p:cNvGrpSpPr/>
-        <p:nvPr/>
-      </p:nvGrpSpPr>
-      <p:grpSpPr>
-        <a:xfrm>
-          <a:off x="0" y="0"/>
-          <a:ext cx="0" cy="0"/>
-          <a:chOff x="0" y="0"/>
-          <a:chExt cx="0" cy="0"/>
-        </a:xfrm>
-      </p:grpSpPr>
-      <p:sp>
-        <p:nvSpPr>
-          <p:cNvPr id="5" name="TextBox 4"/>
-          <p:cNvSpPr txBox="1"/>
-          <p:nvPr/>
-        </p:nvSpPr>
-        <p:spPr bwMode="white">
-          <a:xfrm>
-            <a:off x="136960" y="149489"/>
-            <a:ext cx="11781799" cy="2378219"/>
-          </a:xfrm>
-          <a:prstGeom prst="rect">
-            <a:avLst/>
-          </a:prstGeom>
-          <a:noFill/>
-          <a:ln>
-            <a:noFill/>
-          </a:ln>
-          <a:effectLst/>
-        </p:spPr>
-        <p:txBody>
-          <a:bodyPr lIns="121920" tIns="121920" rIns="121920" bIns="121920" anchor="ctr"/>
-          <a:lstStyle/>
-          <a:p>
-            <a:pPr defTabSz="1219120" fontAlgn="auto">
-              <a:spcBef>
-                <a:spcPts val="0"/>
-              </a:spcBef>
-              <a:spcAft>
-                <a:spcPts val="0"/>
-              </a:spcAft>
-              <a:defRPr/>
-            </a:pPr>
-            <a:r>
-              <a:rPr lang="en-US" sz="16933" dirty="0">
-                <a:ln w="18415" cmpd="sng">
-                  <a:solidFill>
-                    <a:srgbClr val="FFFFFF"/>
-                  </a:solidFill>
-                  <a:prstDash val="solid"/>
-                </a:ln>
-                <a:solidFill>
-                  <a:schemeClr val="bg2">
-                    <a:lumMod val="95000"/>
-                    <a:alpha val="50000"/>
-                  </a:schemeClr>
-                </a:solidFill>
-                <a:latin typeface="+mn-lt"/>
-                <a:ea typeface="+mn-ea"/>
-                <a:cs typeface="+mn-cs"/>
-              </a:rPr>
-              <a:t>PROBLEM</a:t>
-            </a:r>
-          </a:p>
-        </p:txBody>
-      </p:sp>
-      <p:pic>
-        <p:nvPicPr>
-          <p:cNvPr id="2" name="Picture 1" descr="splat.gif"/>
-          <p:cNvPicPr>
-            <a:picLocks noChangeAspect="1"/>
-          </p:cNvPicPr>
-          <p:nvPr userDrawn="1"/>
-        </p:nvPicPr>
-        <p:blipFill>
-          <a:blip r:embed="rId2">
-            <a:extLst>
-              <a:ext uri="{28A0092B-C50C-407E-A947-70E740481C1C}">
-                <a14:useLocalDpi xmlns:a14="http://schemas.microsoft.com/office/drawing/2010/main" val="0"/>
-              </a:ext>
-            </a:extLst>
-          </a:blip>
-          <a:stretch>
-            <a:fillRect/>
-          </a:stretch>
-        </p:blipFill>
-        <p:spPr>
-          <a:xfrm>
-            <a:off x="13153654" y="94879"/>
-            <a:ext cx="2648691" cy="2648691"/>
-          </a:xfrm>
-          <a:prstGeom prst="rect">
-            <a:avLst/>
-          </a:prstGeom>
-        </p:spPr>
-      </p:pic>
-      <p:sp>
-        <p:nvSpPr>
-          <p:cNvPr id="6" name="Title 1"/>
-          <p:cNvSpPr>
-            <a:spLocks noGrp="1"/>
-          </p:cNvSpPr>
-          <p:nvPr>
-            <p:ph type="ctrTitle" hasCustomPrompt="1"/>
-          </p:nvPr>
-        </p:nvSpPr>
-        <p:spPr bwMode="white">
-          <a:xfrm>
-            <a:off x="1671638" y="2294619"/>
-            <a:ext cx="12319000" cy="852712"/>
-          </a:xfrm>
-        </p:spPr>
-        <p:txBody>
-          <a:bodyPr lIns="91440" tIns="91440" rIns="91440" bIns="91440" anchor="ctr"/>
-          <a:lstStyle>
-            <a:lvl1pPr>
-              <a:lnSpc>
-                <a:spcPct val="90000"/>
-              </a:lnSpc>
-              <a:defRPr sz="6400" b="1" spc="0" baseline="0">
-                <a:solidFill>
-                  <a:schemeClr val="accent1"/>
-                </a:solidFill>
-              </a:defRPr>
-            </a:lvl1pPr>
-          </a:lstStyle>
-          <a:p>
-            <a:r>
-              <a:rPr lang="en-US" dirty="0" smtClean="0"/>
-              <a:t>Problem</a:t>
-            </a:r>
-            <a:endParaRPr lang="en-US" dirty="0"/>
-          </a:p>
-        </p:txBody>
-      </p:sp>
-      <p:sp>
-        <p:nvSpPr>
-          <p:cNvPr id="10" name="Subtitle 2"/>
-          <p:cNvSpPr>
-            <a:spLocks noGrp="1"/>
-          </p:cNvSpPr>
-          <p:nvPr>
-            <p:ph type="subTitle" idx="1"/>
-          </p:nvPr>
-        </p:nvSpPr>
-        <p:spPr bwMode="white">
-          <a:xfrm>
-            <a:off x="1671638" y="3271838"/>
-            <a:ext cx="12319000" cy="3346421"/>
-          </a:xfrm>
-          <a:prstGeom prst="rect">
-            <a:avLst/>
-          </a:prstGeom>
-        </p:spPr>
-        <p:txBody>
-          <a:bodyPr lIns="91440" tIns="91440" rIns="91440" bIns="91440">
-            <a:noAutofit/>
-          </a:bodyPr>
-          <a:lstStyle>
-            <a:lvl1pPr marL="0" indent="0" algn="l">
-              <a:lnSpc>
-                <a:spcPct val="100000"/>
-              </a:lnSpc>
-              <a:spcBef>
-                <a:spcPts val="0"/>
-              </a:spcBef>
-              <a:buNone/>
-              <a:defRPr sz="2800" baseline="0">
-                <a:solidFill>
-                  <a:schemeClr val="accent3">
-                    <a:lumMod val="50000"/>
-                  </a:schemeClr>
-                </a:solidFill>
-              </a:defRPr>
-            </a:lvl1pPr>
-            <a:lvl2pPr marL="609561" indent="0" algn="ctr">
-              <a:buNone/>
-              <a:defRPr>
-                <a:solidFill>
-                  <a:schemeClr val="tx1">
-                    <a:tint val="75000"/>
-                  </a:schemeClr>
-                </a:solidFill>
-              </a:defRPr>
-            </a:lvl2pPr>
-            <a:lvl3pPr marL="1219120" indent="0" algn="ctr">
-              <a:buNone/>
-              <a:defRPr>
-                <a:solidFill>
-                  <a:schemeClr val="tx1">
-                    <a:tint val="75000"/>
-                  </a:schemeClr>
-                </a:solidFill>
-              </a:defRPr>
-            </a:lvl3pPr>
-            <a:lvl4pPr marL="1828681" indent="0" algn="ctr">
-              <a:buNone/>
-              <a:defRPr>
-                <a:solidFill>
-                  <a:schemeClr val="tx1">
-                    <a:tint val="75000"/>
-                  </a:schemeClr>
-                </a:solidFill>
-              </a:defRPr>
-            </a:lvl4pPr>
-            <a:lvl5pPr marL="2438242" indent="0" algn="ctr">
-              <a:buNone/>
-              <a:defRPr>
-                <a:solidFill>
-                  <a:schemeClr val="tx1">
-                    <a:tint val="75000"/>
-                  </a:schemeClr>
-                </a:solidFill>
-              </a:defRPr>
-            </a:lvl5pPr>
-            <a:lvl6pPr marL="3047802" indent="0" algn="ctr">
-              <a:buNone/>
-              <a:defRPr>
-                <a:solidFill>
-                  <a:schemeClr val="tx1">
-                    <a:tint val="75000"/>
-                  </a:schemeClr>
-                </a:solidFill>
-              </a:defRPr>
-            </a:lvl6pPr>
-            <a:lvl7pPr marL="3657362" indent="0" algn="ctr">
-              <a:buNone/>
-              <a:defRPr>
-                <a:solidFill>
-                  <a:schemeClr val="tx1">
-                    <a:tint val="75000"/>
-                  </a:schemeClr>
-                </a:solidFill>
-              </a:defRPr>
-            </a:lvl7pPr>
-            <a:lvl8pPr marL="4266923" indent="0" algn="ctr">
-              <a:buNone/>
-              <a:defRPr>
-                <a:solidFill>
-                  <a:schemeClr val="tx1">
-                    <a:tint val="75000"/>
-                  </a:schemeClr>
-                </a:solidFill>
-              </a:defRPr>
-            </a:lvl8pPr>
-            <a:lvl9pPr marL="4876483" indent="0" algn="ctr">
-              <a:buNone/>
-              <a:defRPr>
-                <a:solidFill>
-                  <a:schemeClr val="tx1">
-                    <a:tint val="75000"/>
-                  </a:schemeClr>
-                </a:solidFill>
-              </a:defRPr>
-            </a:lvl9pPr>
-          </a:lstStyle>
-          <a:p>
-            <a:r>
-              <a:rPr lang="en-US" dirty="0" smtClean="0"/>
-              <a:t>Click to edit Master subtitle style</a:t>
-            </a:r>
-          </a:p>
-        </p:txBody>
-      </p:sp>
-    </p:spTree>
-    <p:extLst>
-      <p:ext uri="{BB962C8B-B14F-4D97-AF65-F5344CB8AC3E}">
-        <p14:creationId xmlns:p14="http://schemas.microsoft.com/office/powerpoint/2010/main" val="247207333"/>
-      </p:ext>
-    </p:extLst>
-  </p:cSld>
-  <p:clrMapOvr>
-    <a:masterClrMapping/>
-  </p:clrMapOvr>
-  <p:transition spd="med">
-    <p:fade/>
-  </p:transition>
-</p:sldLayout>
-</file>
-
-<file path=ppt/slideLayouts/slideLayout17.xml><?xml version="1.0" encoding="utf-8"?>
-<p:sldLayout xmlns:a="http://schemas.openxmlformats.org/drawingml/2006/main" xmlns:r="http://schemas.openxmlformats.org/officeDocument/2006/relationships" xmlns:p="http://schemas.openxmlformats.org/presentationml/2006/main" preserve="1" userDrawn="1">
-  <p:cSld name="Docs">
-    <p:spTree>
-      <p:nvGrpSpPr>
-        <p:cNvPr id="1" name=""/>
-        <p:cNvGrpSpPr/>
-        <p:nvPr/>
-      </p:nvGrpSpPr>
-      <p:grpSpPr>
-        <a:xfrm>
-          <a:off x="0" y="0"/>
-          <a:ext cx="0" cy="0"/>
-          <a:chOff x="0" y="0"/>
-          <a:chExt cx="0" cy="0"/>
-        </a:xfrm>
-      </p:grpSpPr>
-      <p:sp>
-        <p:nvSpPr>
-          <p:cNvPr id="7" name="TextBox 6"/>
-          <p:cNvSpPr txBox="1"/>
-          <p:nvPr/>
-        </p:nvSpPr>
-        <p:spPr bwMode="white">
-          <a:xfrm>
-            <a:off x="136960" y="160072"/>
-            <a:ext cx="13917707" cy="2378219"/>
-          </a:xfrm>
-          <a:prstGeom prst="rect">
-            <a:avLst/>
-          </a:prstGeom>
-          <a:noFill/>
-          <a:ln>
-            <a:noFill/>
-          </a:ln>
-          <a:effectLst/>
-        </p:spPr>
-        <p:txBody>
-          <a:bodyPr lIns="121920" tIns="121920" rIns="121920" bIns="121920" anchor="ctr"/>
-          <a:lstStyle/>
-          <a:p>
-            <a:pPr defTabSz="1219120" fontAlgn="auto">
-              <a:spcBef>
-                <a:spcPts val="0"/>
-              </a:spcBef>
-              <a:spcAft>
-                <a:spcPts val="0"/>
-              </a:spcAft>
-              <a:defRPr/>
-            </a:pPr>
-            <a:r>
-              <a:rPr lang="en-US" sz="16933" dirty="0" smtClean="0">
-                <a:ln w="18415" cmpd="sng">
-                  <a:solidFill>
-                    <a:srgbClr val="FFFFFF"/>
-                  </a:solidFill>
-                  <a:prstDash val="solid"/>
-                </a:ln>
-                <a:solidFill>
-                  <a:schemeClr val="bg2">
-                    <a:lumMod val="95000"/>
-                    <a:alpha val="50000"/>
-                  </a:schemeClr>
-                </a:solidFill>
-                <a:latin typeface="+mn-lt"/>
-                <a:ea typeface="+mn-ea"/>
-                <a:cs typeface="+mn-cs"/>
-              </a:rPr>
-              <a:t>REFERENCE</a:t>
-            </a:r>
-            <a:endParaRPr lang="en-US" sz="16933" dirty="0">
-              <a:ln w="18415" cmpd="sng">
-                <a:solidFill>
-                  <a:srgbClr val="FFFFFF"/>
-                </a:solidFill>
-                <a:prstDash val="solid"/>
-              </a:ln>
-              <a:solidFill>
-                <a:schemeClr val="bg2">
-                  <a:lumMod val="95000"/>
-                  <a:alpha val="50000"/>
-                </a:schemeClr>
-              </a:solidFill>
-              <a:latin typeface="+mn-lt"/>
-              <a:ea typeface="+mn-ea"/>
-              <a:cs typeface="+mn-cs"/>
-            </a:endParaRPr>
-          </a:p>
-        </p:txBody>
-      </p:sp>
-      <p:pic>
-        <p:nvPicPr>
-          <p:cNvPr id="2" name="Picture 1" descr="reference.gif"/>
-          <p:cNvPicPr>
-            <a:picLocks noChangeAspect="1"/>
-          </p:cNvPicPr>
-          <p:nvPr userDrawn="1"/>
-        </p:nvPicPr>
-        <p:blipFill>
-          <a:blip r:embed="rId2">
-            <a:extLst>
-              <a:ext uri="{28A0092B-C50C-407E-A947-70E740481C1C}">
-                <a14:useLocalDpi xmlns:a14="http://schemas.microsoft.com/office/drawing/2010/main" val="0"/>
-              </a:ext>
-            </a:extLst>
-          </a:blip>
-          <a:stretch>
-            <a:fillRect/>
-          </a:stretch>
-        </p:blipFill>
-        <p:spPr>
-          <a:xfrm>
-            <a:off x="13383499" y="324724"/>
-            <a:ext cx="2189001" cy="2189001"/>
-          </a:xfrm>
-          <a:prstGeom prst="rect">
-            <a:avLst/>
-          </a:prstGeom>
-        </p:spPr>
-      </p:pic>
-      <p:sp>
-        <p:nvSpPr>
-          <p:cNvPr id="6" name="Title 1"/>
-          <p:cNvSpPr>
-            <a:spLocks noGrp="1"/>
-          </p:cNvSpPr>
-          <p:nvPr>
-            <p:ph type="ctrTitle" hasCustomPrompt="1"/>
-          </p:nvPr>
-        </p:nvSpPr>
-        <p:spPr bwMode="white">
-          <a:xfrm>
-            <a:off x="1671638" y="2294619"/>
-            <a:ext cx="12319000" cy="852712"/>
-          </a:xfrm>
-        </p:spPr>
-        <p:txBody>
-          <a:bodyPr lIns="91440" tIns="91440" rIns="91440" bIns="91440" anchor="ctr"/>
-          <a:lstStyle>
-            <a:lvl1pPr>
-              <a:lnSpc>
-                <a:spcPct val="90000"/>
-              </a:lnSpc>
-              <a:defRPr sz="6400" b="1" spc="0" baseline="0">
-                <a:solidFill>
-                  <a:schemeClr val="accent1"/>
-                </a:solidFill>
-              </a:defRPr>
-            </a:lvl1pPr>
-          </a:lstStyle>
-          <a:p>
-            <a:r>
-              <a:rPr lang="en-US" dirty="0" smtClean="0"/>
-              <a:t>Documentation</a:t>
-            </a:r>
-            <a:endParaRPr lang="en-US" dirty="0"/>
-          </a:p>
-        </p:txBody>
-      </p:sp>
-      <p:sp>
-        <p:nvSpPr>
-          <p:cNvPr id="12" name="Subtitle 2"/>
-          <p:cNvSpPr>
-            <a:spLocks noGrp="1"/>
-          </p:cNvSpPr>
-          <p:nvPr>
-            <p:ph type="subTitle" idx="1"/>
-          </p:nvPr>
-        </p:nvSpPr>
-        <p:spPr bwMode="white">
-          <a:xfrm>
-            <a:off x="1671638" y="3271838"/>
-            <a:ext cx="12319000" cy="3346421"/>
-          </a:xfrm>
-          <a:prstGeom prst="rect">
-            <a:avLst/>
-          </a:prstGeom>
-        </p:spPr>
-        <p:txBody>
-          <a:bodyPr lIns="91440" tIns="91440" rIns="91440" bIns="91440">
-            <a:noAutofit/>
-          </a:bodyPr>
-          <a:lstStyle>
-            <a:lvl1pPr marL="0" indent="0" algn="l">
-              <a:lnSpc>
-                <a:spcPct val="100000"/>
-              </a:lnSpc>
-              <a:spcBef>
-                <a:spcPts val="0"/>
-              </a:spcBef>
-              <a:buNone/>
-              <a:defRPr sz="2800" baseline="0">
-                <a:solidFill>
-                  <a:schemeClr val="accent3">
-                    <a:lumMod val="50000"/>
-                  </a:schemeClr>
-                </a:solidFill>
-              </a:defRPr>
-            </a:lvl1pPr>
-            <a:lvl2pPr marL="609561" indent="0" algn="ctr">
-              <a:buNone/>
-              <a:defRPr>
-                <a:solidFill>
-                  <a:schemeClr val="tx1">
-                    <a:tint val="75000"/>
-                  </a:schemeClr>
-                </a:solidFill>
-              </a:defRPr>
-            </a:lvl2pPr>
-            <a:lvl3pPr marL="1219120" indent="0" algn="ctr">
-              <a:buNone/>
-              <a:defRPr>
-                <a:solidFill>
-                  <a:schemeClr val="tx1">
-                    <a:tint val="75000"/>
-                  </a:schemeClr>
-                </a:solidFill>
-              </a:defRPr>
-            </a:lvl3pPr>
-            <a:lvl4pPr marL="1828681" indent="0" algn="ctr">
-              <a:buNone/>
-              <a:defRPr>
-                <a:solidFill>
-                  <a:schemeClr val="tx1">
-                    <a:tint val="75000"/>
-                  </a:schemeClr>
-                </a:solidFill>
-              </a:defRPr>
-            </a:lvl4pPr>
-            <a:lvl5pPr marL="2438242" indent="0" algn="ctr">
-              <a:buNone/>
-              <a:defRPr>
-                <a:solidFill>
-                  <a:schemeClr val="tx1">
-                    <a:tint val="75000"/>
-                  </a:schemeClr>
-                </a:solidFill>
-              </a:defRPr>
-            </a:lvl5pPr>
-            <a:lvl6pPr marL="3047802" indent="0" algn="ctr">
-              <a:buNone/>
-              <a:defRPr>
-                <a:solidFill>
-                  <a:schemeClr val="tx1">
-                    <a:tint val="75000"/>
-                  </a:schemeClr>
-                </a:solidFill>
-              </a:defRPr>
-            </a:lvl6pPr>
-            <a:lvl7pPr marL="3657362" indent="0" algn="ctr">
-              <a:buNone/>
-              <a:defRPr>
-                <a:solidFill>
-                  <a:schemeClr val="tx1">
-                    <a:tint val="75000"/>
-                  </a:schemeClr>
-                </a:solidFill>
-              </a:defRPr>
-            </a:lvl7pPr>
-            <a:lvl8pPr marL="4266923" indent="0" algn="ctr">
-              <a:buNone/>
-              <a:defRPr>
-                <a:solidFill>
-                  <a:schemeClr val="tx1">
-                    <a:tint val="75000"/>
-                  </a:schemeClr>
-                </a:solidFill>
-              </a:defRPr>
-            </a:lvl8pPr>
-            <a:lvl9pPr marL="4876483" indent="0" algn="ctr">
-              <a:buNone/>
-              <a:defRPr>
-                <a:solidFill>
-                  <a:schemeClr val="tx1">
-                    <a:tint val="75000"/>
-                  </a:schemeClr>
-                </a:solidFill>
-              </a:defRPr>
-            </a:lvl9pPr>
-          </a:lstStyle>
-          <a:p>
-            <a:r>
-              <a:rPr lang="en-US" dirty="0" smtClean="0"/>
-              <a:t>Click to edit Master subtitle style</a:t>
-            </a:r>
-          </a:p>
-        </p:txBody>
-      </p:sp>
-      <p:sp>
-        <p:nvSpPr>
-          <p:cNvPr id="10" name="Content Placeholder 3"/>
-          <p:cNvSpPr>
-            <a:spLocks noGrp="1"/>
-          </p:cNvSpPr>
-          <p:nvPr>
-            <p:ph sz="quarter" idx="13" hasCustomPrompt="1"/>
-          </p:nvPr>
-        </p:nvSpPr>
-        <p:spPr>
-          <a:xfrm>
-            <a:off x="3921498" y="7164200"/>
-            <a:ext cx="8917577" cy="524133"/>
-          </a:xfrm>
-          <a:prstGeom prst="rect">
-            <a:avLst/>
-          </a:prstGeom>
-        </p:spPr>
-        <p:txBody>
-          <a:bodyPr anchor="ctr"/>
-          <a:lstStyle>
-            <a:lvl1pPr marL="0" indent="0" algn="ctr">
-              <a:buNone/>
-              <a:defRPr sz="2400">
-                <a:solidFill>
-                  <a:schemeClr val="tx1"/>
-                </a:solidFill>
-              </a:defRPr>
-            </a:lvl1pPr>
-          </a:lstStyle>
-          <a:p>
-            <a:pPr lvl="0"/>
-            <a:r>
-              <a:rPr lang="en-US" dirty="0" smtClean="0"/>
-              <a:t>http://</a:t>
-            </a:r>
-            <a:r>
-              <a:rPr lang="en-US" dirty="0" err="1" smtClean="0"/>
-              <a:t>docs.chef.io</a:t>
-            </a:r>
-            <a:endParaRPr lang="en-US" dirty="0" smtClean="0"/>
-          </a:p>
-        </p:txBody>
-      </p:sp>
-    </p:spTree>
-    <p:extLst>
-      <p:ext uri="{BB962C8B-B14F-4D97-AF65-F5344CB8AC3E}">
-        <p14:creationId xmlns:p14="http://schemas.microsoft.com/office/powerpoint/2010/main" val="1970238568"/>
-      </p:ext>
-    </p:extLst>
-  </p:cSld>
-  <p:clrMapOvr>
-    <a:masterClrMapping/>
-  </p:clrMapOvr>
-  <p:transition spd="med">
-    <p:fade/>
-  </p:transition>
-</p:sldLayout>
-</file>
-
-<file path=ppt/slideLayouts/slideLayout18.xml><?xml version="1.0" encoding="utf-8"?>
-<p:sldLayout xmlns:a="http://schemas.openxmlformats.org/drawingml/2006/main" xmlns:r="http://schemas.openxmlformats.org/officeDocument/2006/relationships" xmlns:p="http://schemas.openxmlformats.org/presentationml/2006/main" preserve="1" userDrawn="1">
-  <p:cSld name="Concept">
-    <p:spTree>
-      <p:nvGrpSpPr>
-        <p:cNvPr id="1" name=""/>
-        <p:cNvGrpSpPr/>
-        <p:nvPr/>
-      </p:nvGrpSpPr>
-      <p:grpSpPr>
-        <a:xfrm>
-          <a:off x="0" y="0"/>
-          <a:ext cx="0" cy="0"/>
-          <a:chOff x="0" y="0"/>
-          <a:chExt cx="0" cy="0"/>
-        </a:xfrm>
-      </p:grpSpPr>
-      <p:sp>
-        <p:nvSpPr>
-          <p:cNvPr id="5" name="TextBox 4"/>
-          <p:cNvSpPr txBox="1"/>
-          <p:nvPr/>
-        </p:nvSpPr>
-        <p:spPr bwMode="white">
-          <a:xfrm>
-            <a:off x="136961" y="144390"/>
-            <a:ext cx="11554287" cy="2378219"/>
-          </a:xfrm>
-          <a:prstGeom prst="rect">
-            <a:avLst/>
-          </a:prstGeom>
-          <a:noFill/>
-          <a:ln>
-            <a:noFill/>
-          </a:ln>
-          <a:effectLst/>
-        </p:spPr>
-        <p:txBody>
-          <a:bodyPr lIns="121920" tIns="121920" rIns="121920" bIns="121920" anchor="ctr"/>
-          <a:lstStyle/>
-          <a:p>
-            <a:pPr defTabSz="1219120" fontAlgn="auto">
-              <a:spcBef>
-                <a:spcPts val="0"/>
-              </a:spcBef>
-              <a:spcAft>
-                <a:spcPts val="0"/>
-              </a:spcAft>
-              <a:defRPr/>
-            </a:pPr>
-            <a:r>
-              <a:rPr lang="en-US" sz="16933" dirty="0">
-                <a:ln w="18415" cmpd="sng">
-                  <a:solidFill>
-                    <a:srgbClr val="FFFFFF"/>
-                  </a:solidFill>
-                  <a:prstDash val="solid"/>
-                </a:ln>
-                <a:solidFill>
-                  <a:schemeClr val="bg2">
-                    <a:lumMod val="95000"/>
-                    <a:alpha val="50000"/>
-                  </a:schemeClr>
-                </a:solidFill>
-                <a:latin typeface="+mn-lt"/>
-                <a:ea typeface="+mn-ea"/>
-                <a:cs typeface="+mn-cs"/>
-              </a:rPr>
-              <a:t>CONCEPT</a:t>
-            </a:r>
-          </a:p>
-        </p:txBody>
-      </p:sp>
-      <p:pic>
-        <p:nvPicPr>
-          <p:cNvPr id="2" name="Picture 1" descr="concept.gif"/>
-          <p:cNvPicPr>
-            <a:picLocks noChangeAspect="1"/>
-          </p:cNvPicPr>
-          <p:nvPr userDrawn="1"/>
-        </p:nvPicPr>
-        <p:blipFill>
-          <a:blip r:embed="rId2">
-            <a:extLst>
-              <a:ext uri="{28A0092B-C50C-407E-A947-70E740481C1C}">
-                <a14:useLocalDpi xmlns:a14="http://schemas.microsoft.com/office/drawing/2010/main" val="0"/>
-              </a:ext>
-            </a:extLst>
-          </a:blip>
-          <a:stretch>
-            <a:fillRect/>
-          </a:stretch>
-        </p:blipFill>
-        <p:spPr>
-          <a:xfrm>
-            <a:off x="13119426" y="324724"/>
-            <a:ext cx="2717146" cy="2189001"/>
-          </a:xfrm>
-          <a:prstGeom prst="rect">
-            <a:avLst/>
-          </a:prstGeom>
-        </p:spPr>
-      </p:pic>
-      <p:sp>
-        <p:nvSpPr>
-          <p:cNvPr id="6" name="Title 1"/>
-          <p:cNvSpPr>
-            <a:spLocks noGrp="1"/>
-          </p:cNvSpPr>
-          <p:nvPr>
-            <p:ph type="ctrTitle" hasCustomPrompt="1"/>
-          </p:nvPr>
-        </p:nvSpPr>
-        <p:spPr bwMode="white">
-          <a:xfrm>
-            <a:off x="1671638" y="2294619"/>
-            <a:ext cx="12319000" cy="852712"/>
-          </a:xfrm>
-        </p:spPr>
-        <p:txBody>
-          <a:bodyPr lIns="91440" tIns="91440" rIns="91440" bIns="91440" anchor="ctr"/>
-          <a:lstStyle>
-            <a:lvl1pPr>
-              <a:lnSpc>
-                <a:spcPct val="90000"/>
-              </a:lnSpc>
-              <a:defRPr sz="6400" b="1" spc="0" baseline="0">
-                <a:solidFill>
-                  <a:schemeClr val="accent1"/>
-                </a:solidFill>
-              </a:defRPr>
-            </a:lvl1pPr>
-          </a:lstStyle>
-          <a:p>
-            <a:r>
-              <a:rPr lang="en-US" dirty="0" smtClean="0"/>
-              <a:t>Concept</a:t>
-            </a:r>
-            <a:endParaRPr lang="en-US" dirty="0"/>
-          </a:p>
-        </p:txBody>
-      </p:sp>
-      <p:sp>
-        <p:nvSpPr>
-          <p:cNvPr id="10" name="Subtitle 2"/>
-          <p:cNvSpPr>
-            <a:spLocks noGrp="1"/>
-          </p:cNvSpPr>
-          <p:nvPr>
-            <p:ph type="subTitle" idx="1"/>
-          </p:nvPr>
-        </p:nvSpPr>
-        <p:spPr bwMode="white">
-          <a:xfrm>
-            <a:off x="1671638" y="3271838"/>
-            <a:ext cx="12319000" cy="3346421"/>
-          </a:xfrm>
-          <a:prstGeom prst="rect">
-            <a:avLst/>
-          </a:prstGeom>
-        </p:spPr>
-        <p:txBody>
-          <a:bodyPr lIns="91440" tIns="91440" rIns="91440" bIns="91440">
-            <a:noAutofit/>
-          </a:bodyPr>
-          <a:lstStyle>
-            <a:lvl1pPr marL="0" indent="0" algn="l">
-              <a:lnSpc>
-                <a:spcPct val="100000"/>
-              </a:lnSpc>
-              <a:spcBef>
-                <a:spcPts val="0"/>
-              </a:spcBef>
-              <a:buNone/>
-              <a:defRPr sz="2800" baseline="0">
-                <a:solidFill>
-                  <a:schemeClr val="accent3">
-                    <a:lumMod val="50000"/>
-                  </a:schemeClr>
-                </a:solidFill>
-              </a:defRPr>
-            </a:lvl1pPr>
-            <a:lvl2pPr marL="609561" indent="0" algn="ctr">
-              <a:buNone/>
-              <a:defRPr>
-                <a:solidFill>
-                  <a:schemeClr val="tx1">
-                    <a:tint val="75000"/>
-                  </a:schemeClr>
-                </a:solidFill>
-              </a:defRPr>
-            </a:lvl2pPr>
-            <a:lvl3pPr marL="1219120" indent="0" algn="ctr">
-              <a:buNone/>
-              <a:defRPr>
-                <a:solidFill>
-                  <a:schemeClr val="tx1">
-                    <a:tint val="75000"/>
-                  </a:schemeClr>
-                </a:solidFill>
-              </a:defRPr>
-            </a:lvl3pPr>
-            <a:lvl4pPr marL="1828681" indent="0" algn="ctr">
-              <a:buNone/>
-              <a:defRPr>
-                <a:solidFill>
-                  <a:schemeClr val="tx1">
-                    <a:tint val="75000"/>
-                  </a:schemeClr>
-                </a:solidFill>
-              </a:defRPr>
-            </a:lvl4pPr>
-            <a:lvl5pPr marL="2438242" indent="0" algn="ctr">
-              <a:buNone/>
-              <a:defRPr>
-                <a:solidFill>
-                  <a:schemeClr val="tx1">
-                    <a:tint val="75000"/>
-                  </a:schemeClr>
-                </a:solidFill>
-              </a:defRPr>
-            </a:lvl5pPr>
-            <a:lvl6pPr marL="3047802" indent="0" algn="ctr">
-              <a:buNone/>
-              <a:defRPr>
-                <a:solidFill>
-                  <a:schemeClr val="tx1">
-                    <a:tint val="75000"/>
-                  </a:schemeClr>
-                </a:solidFill>
-              </a:defRPr>
-            </a:lvl6pPr>
-            <a:lvl7pPr marL="3657362" indent="0" algn="ctr">
-              <a:buNone/>
-              <a:defRPr>
-                <a:solidFill>
-                  <a:schemeClr val="tx1">
-                    <a:tint val="75000"/>
-                  </a:schemeClr>
-                </a:solidFill>
-              </a:defRPr>
-            </a:lvl7pPr>
-            <a:lvl8pPr marL="4266923" indent="0" algn="ctr">
-              <a:buNone/>
-              <a:defRPr>
-                <a:solidFill>
-                  <a:schemeClr val="tx1">
-                    <a:tint val="75000"/>
-                  </a:schemeClr>
-                </a:solidFill>
-              </a:defRPr>
-            </a:lvl8pPr>
-            <a:lvl9pPr marL="4876483" indent="0" algn="ctr">
-              <a:buNone/>
-              <a:defRPr>
-                <a:solidFill>
-                  <a:schemeClr val="tx1">
-                    <a:tint val="75000"/>
-                  </a:schemeClr>
-                </a:solidFill>
-              </a:defRPr>
-            </a:lvl9pPr>
-          </a:lstStyle>
-          <a:p>
-            <a:r>
-              <a:rPr lang="en-US" dirty="0" smtClean="0"/>
-              <a:t>Click to edit Master subtitle style</a:t>
-            </a:r>
-          </a:p>
-        </p:txBody>
-      </p:sp>
-    </p:spTree>
-    <p:extLst>
-      <p:ext uri="{BB962C8B-B14F-4D97-AF65-F5344CB8AC3E}">
-        <p14:creationId xmlns:p14="http://schemas.microsoft.com/office/powerpoint/2010/main" val="1995748560"/>
-      </p:ext>
-    </p:extLst>
-  </p:cSld>
-  <p:clrMapOvr>
-    <a:masterClrMapping/>
-  </p:clrMapOvr>
-  <p:transition spd="med">
-    <p:fade/>
-  </p:transition>
-</p:sldLayout>
-</file>
-
-<file path=ppt/slideLayouts/slideLayout19.xml><?xml version="1.0" encoding="utf-8"?>
-<p:sldLayout xmlns:a="http://schemas.openxmlformats.org/drawingml/2006/main" xmlns:r="http://schemas.openxmlformats.org/officeDocument/2006/relationships" xmlns:p="http://schemas.openxmlformats.org/presentationml/2006/main" preserve="1" userDrawn="1">
-  <p:cSld name="Group Exercise">
-    <p:spTree>
-      <p:nvGrpSpPr>
-        <p:cNvPr id="1" name=""/>
-        <p:cNvGrpSpPr/>
-        <p:nvPr/>
-      </p:nvGrpSpPr>
-      <p:grpSpPr>
-        <a:xfrm>
-          <a:off x="0" y="0"/>
-          <a:ext cx="0" cy="0"/>
-          <a:chOff x="0" y="0"/>
-          <a:chExt cx="0" cy="0"/>
-        </a:xfrm>
-      </p:grpSpPr>
-      <p:sp>
-        <p:nvSpPr>
-          <p:cNvPr id="7" name="TextBox 6"/>
-          <p:cNvSpPr txBox="1"/>
-          <p:nvPr userDrawn="1"/>
-        </p:nvSpPr>
-        <p:spPr bwMode="white">
-          <a:xfrm>
-            <a:off x="136960" y="144390"/>
-            <a:ext cx="12628487" cy="2378219"/>
-          </a:xfrm>
-          <a:prstGeom prst="rect">
-            <a:avLst/>
-          </a:prstGeom>
-          <a:noFill/>
-          <a:ln>
-            <a:noFill/>
-          </a:ln>
-          <a:effectLst/>
-        </p:spPr>
-        <p:txBody>
-          <a:bodyPr lIns="121920" tIns="121920" rIns="121920" bIns="121920" anchor="ctr"/>
-          <a:lstStyle/>
-          <a:p>
-            <a:pPr defTabSz="1219120" fontAlgn="auto">
-              <a:spcBef>
-                <a:spcPts val="0"/>
-              </a:spcBef>
-              <a:spcAft>
-                <a:spcPts val="0"/>
-              </a:spcAft>
-              <a:defRPr/>
-            </a:pPr>
-            <a:r>
-              <a:rPr lang="en-US" sz="16933" dirty="0">
-                <a:ln w="18415" cmpd="sng">
-                  <a:solidFill>
-                    <a:srgbClr val="FFFFFF"/>
-                  </a:solidFill>
-                  <a:prstDash val="solid"/>
-                </a:ln>
-                <a:solidFill>
-                  <a:schemeClr val="bg2">
-                    <a:lumMod val="95000"/>
-                    <a:alpha val="50000"/>
-                  </a:schemeClr>
-                </a:solidFill>
-                <a:latin typeface="+mn-lt"/>
-                <a:ea typeface="+mn-ea"/>
-                <a:cs typeface="+mn-cs"/>
-              </a:rPr>
-              <a:t>EXERCISE</a:t>
-            </a:r>
-          </a:p>
-        </p:txBody>
-      </p:sp>
-      <p:pic>
-        <p:nvPicPr>
-          <p:cNvPr id="3" name="Picture 2" descr="chef.gif"/>
-          <p:cNvPicPr>
-            <a:picLocks noChangeAspect="1"/>
-          </p:cNvPicPr>
-          <p:nvPr userDrawn="1"/>
-        </p:nvPicPr>
-        <p:blipFill>
-          <a:blip r:embed="rId2">
-            <a:extLst>
-              <a:ext uri="{28A0092B-C50C-407E-A947-70E740481C1C}">
-                <a14:useLocalDpi xmlns:a14="http://schemas.microsoft.com/office/drawing/2010/main" val="0"/>
-              </a:ext>
-            </a:extLst>
-          </a:blip>
-          <a:stretch>
-            <a:fillRect/>
-          </a:stretch>
-        </p:blipFill>
-        <p:spPr>
-          <a:xfrm>
-            <a:off x="13399010" y="324724"/>
-            <a:ext cx="2157980" cy="2189001"/>
-          </a:xfrm>
-          <a:prstGeom prst="rect">
-            <a:avLst/>
-          </a:prstGeom>
-        </p:spPr>
-      </p:pic>
-      <p:sp>
-        <p:nvSpPr>
-          <p:cNvPr id="6" name="Title 1"/>
-          <p:cNvSpPr>
-            <a:spLocks noGrp="1"/>
-          </p:cNvSpPr>
-          <p:nvPr>
-            <p:ph type="ctrTitle" hasCustomPrompt="1"/>
-          </p:nvPr>
-        </p:nvSpPr>
-        <p:spPr bwMode="white">
-          <a:xfrm>
-            <a:off x="1671637" y="2292126"/>
-            <a:ext cx="12319001" cy="852712"/>
-          </a:xfrm>
-        </p:spPr>
-        <p:txBody>
-          <a:bodyPr lIns="91440" tIns="91440" rIns="91440" bIns="91440" anchor="ctr"/>
-          <a:lstStyle>
-            <a:lvl1pPr>
-              <a:lnSpc>
-                <a:spcPct val="90000"/>
-              </a:lnSpc>
-              <a:defRPr sz="6400" b="1" spc="0" baseline="0">
-                <a:solidFill>
-                  <a:schemeClr val="accent1"/>
-                </a:solidFill>
-              </a:defRPr>
-            </a:lvl1pPr>
-          </a:lstStyle>
-          <a:p>
-            <a:r>
-              <a:rPr lang="en-US" dirty="0" smtClean="0"/>
-              <a:t>Group Exercise</a:t>
-            </a:r>
-            <a:endParaRPr lang="en-US" dirty="0"/>
-          </a:p>
-        </p:txBody>
-      </p:sp>
-      <p:sp>
-        <p:nvSpPr>
-          <p:cNvPr id="13" name="Content Placeholder 12"/>
-          <p:cNvSpPr>
-            <a:spLocks noGrp="1"/>
-          </p:cNvSpPr>
-          <p:nvPr>
-            <p:ph sz="quarter" idx="11"/>
-          </p:nvPr>
-        </p:nvSpPr>
-        <p:spPr>
-          <a:xfrm>
-            <a:off x="1671638" y="3260725"/>
-            <a:ext cx="12319000" cy="1528233"/>
-          </a:xfrm>
-          <a:prstGeom prst="rect">
-            <a:avLst/>
-          </a:prstGeom>
-        </p:spPr>
-        <p:txBody>
-          <a:bodyPr anchor="ctr">
-            <a:normAutofit/>
-          </a:bodyPr>
-          <a:lstStyle>
-            <a:lvl1pPr marL="121917" indent="0">
-              <a:spcBef>
-                <a:spcPts val="800"/>
-              </a:spcBef>
-              <a:buNone/>
-              <a:defRPr sz="2800" i="1" baseline="0">
-                <a:solidFill>
-                  <a:schemeClr val="bg1">
-                    <a:lumMod val="50000"/>
-                  </a:schemeClr>
-                </a:solidFill>
-              </a:defRPr>
-            </a:lvl1pPr>
-          </a:lstStyle>
-          <a:p>
-            <a:pPr lvl="0"/>
-            <a:r>
-              <a:rPr lang="en-US" dirty="0" smtClean="0"/>
-              <a:t>Click to edit Master text styles</a:t>
-            </a:r>
-          </a:p>
-        </p:txBody>
-      </p:sp>
-      <p:sp>
-        <p:nvSpPr>
-          <p:cNvPr id="10" name="TextBox 11"/>
-          <p:cNvSpPr txBox="1">
-            <a:spLocks noChangeArrowheads="1"/>
-          </p:cNvSpPr>
-          <p:nvPr/>
-        </p:nvSpPr>
-        <p:spPr bwMode="white">
-          <a:xfrm>
-            <a:off x="1671638" y="4917547"/>
-            <a:ext cx="11777663" cy="785812"/>
-          </a:xfrm>
-          <a:prstGeom prst="rect">
-            <a:avLst/>
-          </a:prstGeom>
-          <a:noFill/>
-          <a:ln>
-            <a:noFill/>
-          </a:ln>
-          <a:extLst>
-            <a:ext uri="{909E8E84-426E-40dd-AFC4-6F175D3DCCD1}">
-              <a14:hiddenFill xmlns:a14="http://schemas.microsoft.com/office/drawing/2010/main" xmlns="">
-                <a:solidFill>
-                  <a:srgbClr val="FFFFFF"/>
-                </a:solidFill>
-              </a14:hiddenFill>
-            </a:ext>
-            <a:ext uri="{91240B29-F687-4f45-9708-019B960494DF}">
-              <a14:hiddenLine xmlns:a14="http://schemas.microsoft.com/office/drawing/2010/main" xmlns="" w="9525">
-                <a:solidFill>
-                  <a:srgbClr val="000000"/>
-                </a:solidFill>
-                <a:miter lim="800000"/>
-                <a:headEnd/>
-                <a:tailEnd/>
-              </a14:hiddenLine>
-            </a:ext>
-          </a:extLst>
-        </p:spPr>
-        <p:txBody>
-          <a:bodyPr lIns="121920" tIns="121920" rIns="121920" bIns="121920"/>
-          <a:lstStyle>
-            <a:lvl1pPr>
-              <a:defRPr sz="2400">
-                <a:solidFill>
-                  <a:schemeClr val="tx1"/>
-                </a:solidFill>
-                <a:latin typeface="Arial" charset="0"/>
-                <a:ea typeface="ＭＳ Ｐゴシック" charset="0"/>
-                <a:cs typeface="ＭＳ Ｐゴシック" charset="0"/>
-              </a:defRPr>
-            </a:lvl1pPr>
-            <a:lvl2pPr marL="742950" indent="-285750">
-              <a:defRPr sz="2400">
-                <a:solidFill>
-                  <a:schemeClr val="tx1"/>
-                </a:solidFill>
-                <a:latin typeface="Arial" charset="0"/>
-                <a:ea typeface="ＭＳ Ｐゴシック" charset="0"/>
-              </a:defRPr>
-            </a:lvl2pPr>
-            <a:lvl3pPr marL="1143000" indent="-228600">
-              <a:defRPr sz="2400">
-                <a:solidFill>
-                  <a:schemeClr val="tx1"/>
-                </a:solidFill>
-                <a:latin typeface="Arial" charset="0"/>
-                <a:ea typeface="ＭＳ Ｐゴシック" charset="0"/>
-              </a:defRPr>
-            </a:lvl3pPr>
-            <a:lvl4pPr marL="1600200" indent="-228600">
-              <a:defRPr sz="2400">
-                <a:solidFill>
-                  <a:schemeClr val="tx1"/>
-                </a:solidFill>
-                <a:latin typeface="Arial" charset="0"/>
-                <a:ea typeface="ＭＳ Ｐゴシック" charset="0"/>
-              </a:defRPr>
-            </a:lvl4pPr>
-            <a:lvl5pPr marL="2057400" indent="-228600">
-              <a:defRPr sz="2400">
-                <a:solidFill>
-                  <a:schemeClr val="tx1"/>
-                </a:solidFill>
-                <a:latin typeface="Arial" charset="0"/>
-                <a:ea typeface="ＭＳ Ｐゴシック" charset="0"/>
-              </a:defRPr>
-            </a:lvl5pPr>
-            <a:lvl6pPr marL="2514600" indent="-228600" defTabSz="1217613" fontAlgn="base">
-              <a:spcBef>
-                <a:spcPct val="0"/>
-              </a:spcBef>
-              <a:spcAft>
-                <a:spcPct val="0"/>
-              </a:spcAft>
-              <a:defRPr sz="2400">
-                <a:solidFill>
-                  <a:schemeClr val="tx1"/>
-                </a:solidFill>
-                <a:latin typeface="Arial" charset="0"/>
-                <a:ea typeface="ＭＳ Ｐゴシック" charset="0"/>
-              </a:defRPr>
-            </a:lvl6pPr>
-            <a:lvl7pPr marL="2971800" indent="-228600" defTabSz="1217613" fontAlgn="base">
-              <a:spcBef>
-                <a:spcPct val="0"/>
-              </a:spcBef>
-              <a:spcAft>
-                <a:spcPct val="0"/>
-              </a:spcAft>
-              <a:defRPr sz="2400">
-                <a:solidFill>
-                  <a:schemeClr val="tx1"/>
-                </a:solidFill>
-                <a:latin typeface="Arial" charset="0"/>
-                <a:ea typeface="ＭＳ Ｐゴシック" charset="0"/>
-              </a:defRPr>
-            </a:lvl7pPr>
-            <a:lvl8pPr marL="3429000" indent="-228600" defTabSz="1217613" fontAlgn="base">
-              <a:spcBef>
-                <a:spcPct val="0"/>
-              </a:spcBef>
-              <a:spcAft>
-                <a:spcPct val="0"/>
-              </a:spcAft>
-              <a:defRPr sz="2400">
-                <a:solidFill>
-                  <a:schemeClr val="tx1"/>
-                </a:solidFill>
-                <a:latin typeface="Arial" charset="0"/>
-                <a:ea typeface="ＭＳ Ｐゴシック" charset="0"/>
-              </a:defRPr>
-            </a:lvl8pPr>
-            <a:lvl9pPr marL="3886200" indent="-228600" defTabSz="1217613" fontAlgn="base">
-              <a:spcBef>
-                <a:spcPct val="0"/>
-              </a:spcBef>
-              <a:spcAft>
-                <a:spcPct val="0"/>
-              </a:spcAft>
-              <a:defRPr sz="2400">
-                <a:solidFill>
-                  <a:schemeClr val="tx1"/>
-                </a:solidFill>
-                <a:latin typeface="Arial" charset="0"/>
-                <a:ea typeface="ＭＳ Ｐゴシック" charset="0"/>
-              </a:defRPr>
-            </a:lvl9pPr>
-          </a:lstStyle>
-          <a:p>
-            <a:r>
-              <a:rPr lang="en-US" sz="3200" b="1" dirty="0"/>
-              <a:t>Objective:</a:t>
-            </a:r>
-          </a:p>
-        </p:txBody>
-      </p:sp>
-      <p:sp>
-        <p:nvSpPr>
-          <p:cNvPr id="9" name="Text Placeholder 8"/>
-          <p:cNvSpPr>
-            <a:spLocks noGrp="1"/>
-          </p:cNvSpPr>
-          <p:nvPr>
-            <p:ph type="body" sz="quarter" idx="10"/>
-          </p:nvPr>
-        </p:nvSpPr>
-        <p:spPr>
-          <a:xfrm>
-            <a:off x="1671638" y="5650764"/>
-            <a:ext cx="12319000" cy="2445486"/>
-          </a:xfrm>
-          <a:prstGeom prst="rect">
-            <a:avLst/>
-          </a:prstGeom>
-        </p:spPr>
-        <p:txBody>
-          <a:bodyPr/>
-          <a:lstStyle>
-            <a:lvl1pPr marL="0" indent="0">
-              <a:buFont typeface="Wingdings" charset="2"/>
-              <a:buNone/>
-              <a:defRPr sz="2400" baseline="0"/>
-            </a:lvl1pPr>
-          </a:lstStyle>
-          <a:p>
-            <a:pPr lvl="0"/>
-            <a:r>
-              <a:rPr lang="en-US" dirty="0" smtClean="0"/>
-              <a:t>Click to edit Master text styles</a:t>
-            </a:r>
-          </a:p>
-          <a:p>
-            <a:pPr lvl="1"/>
-            <a:r>
-              <a:rPr lang="en-US" dirty="0" smtClean="0"/>
-              <a:t>Second level</a:t>
-            </a:r>
-          </a:p>
-          <a:p>
-            <a:pPr lvl="2"/>
-            <a:r>
-              <a:rPr lang="en-US" dirty="0" smtClean="0"/>
-              <a:t>Third level</a:t>
-            </a:r>
-          </a:p>
-          <a:p>
-            <a:pPr lvl="3"/>
-            <a:r>
-              <a:rPr lang="en-US" dirty="0" smtClean="0"/>
-              <a:t>Fourth level</a:t>
-            </a:r>
-          </a:p>
-        </p:txBody>
-      </p:sp>
-    </p:spTree>
-    <p:extLst>
-      <p:ext uri="{BB962C8B-B14F-4D97-AF65-F5344CB8AC3E}">
-        <p14:creationId xmlns:p14="http://schemas.microsoft.com/office/powerpoint/2010/main" val="1211677136"/>
+        <p14:creationId xmlns:p14="http://schemas.microsoft.com/office/powerpoint/2010/main" val="952892369"/>
       </p:ext>
     </p:extLst>
   </p:cSld>
@@ -8208,294 +6536,6 @@
 
 <file path=ppt/slideLayouts/slideLayout20.xml><?xml version="1.0" encoding="utf-8"?>
 <p:sldLayout xmlns:a="http://schemas.openxmlformats.org/drawingml/2006/main" xmlns:r="http://schemas.openxmlformats.org/officeDocument/2006/relationships" xmlns:p="http://schemas.openxmlformats.org/presentationml/2006/main" preserve="1" userDrawn="1">
-  <p:cSld name="Lab">
-    <p:spTree>
-      <p:nvGrpSpPr>
-        <p:cNvPr id="1" name=""/>
-        <p:cNvGrpSpPr/>
-        <p:nvPr/>
-      </p:nvGrpSpPr>
-      <p:grpSpPr>
-        <a:xfrm>
-          <a:off x="0" y="0"/>
-          <a:ext cx="0" cy="0"/>
-          <a:chOff x="0" y="0"/>
-          <a:chExt cx="0" cy="0"/>
-        </a:xfrm>
-      </p:grpSpPr>
-      <p:sp>
-        <p:nvSpPr>
-          <p:cNvPr id="5" name="TextBox 4"/>
-          <p:cNvSpPr txBox="1"/>
-          <p:nvPr/>
-        </p:nvSpPr>
-        <p:spPr bwMode="white">
-          <a:xfrm>
-            <a:off x="136961" y="144390"/>
-            <a:ext cx="12824551" cy="2378219"/>
-          </a:xfrm>
-          <a:prstGeom prst="rect">
-            <a:avLst/>
-          </a:prstGeom>
-          <a:noFill/>
-          <a:ln>
-            <a:noFill/>
-          </a:ln>
-          <a:effectLst/>
-        </p:spPr>
-        <p:txBody>
-          <a:bodyPr lIns="121920" tIns="121920" rIns="121920" bIns="121920" anchor="ctr"/>
-          <a:lstStyle/>
-          <a:p>
-            <a:pPr defTabSz="1219120" fontAlgn="auto">
-              <a:spcBef>
-                <a:spcPts val="0"/>
-              </a:spcBef>
-              <a:spcAft>
-                <a:spcPts val="0"/>
-              </a:spcAft>
-              <a:defRPr/>
-            </a:pPr>
-            <a:r>
-              <a:rPr lang="en-US" sz="16933" dirty="0">
-                <a:ln w="18415" cmpd="sng">
-                  <a:solidFill>
-                    <a:srgbClr val="FFFFFF"/>
-                  </a:solidFill>
-                  <a:prstDash val="solid"/>
-                </a:ln>
-                <a:solidFill>
-                  <a:schemeClr val="bg2">
-                    <a:lumMod val="95000"/>
-                    <a:alpha val="50000"/>
-                  </a:schemeClr>
-                </a:solidFill>
-                <a:latin typeface="+mn-lt"/>
-                <a:ea typeface="+mn-ea"/>
-                <a:cs typeface="+mn-cs"/>
-              </a:rPr>
-              <a:t>LAB</a:t>
-            </a:r>
-          </a:p>
-        </p:txBody>
-      </p:sp>
-      <p:pic>
-        <p:nvPicPr>
-          <p:cNvPr id="2" name="Picture 1" descr="lab.gif"/>
-          <p:cNvPicPr>
-            <a:picLocks noChangeAspect="1"/>
-          </p:cNvPicPr>
-          <p:nvPr userDrawn="1"/>
-        </p:nvPicPr>
-        <p:blipFill>
-          <a:blip r:embed="rId2">
-            <a:extLst>
-              <a:ext uri="{28A0092B-C50C-407E-A947-70E740481C1C}">
-                <a14:useLocalDpi xmlns:a14="http://schemas.microsoft.com/office/drawing/2010/main" val="0"/>
-              </a:ext>
-            </a:extLst>
-          </a:blip>
-          <a:stretch>
-            <a:fillRect/>
-          </a:stretch>
-        </p:blipFill>
-        <p:spPr>
-          <a:xfrm>
-            <a:off x="13274049" y="215274"/>
-            <a:ext cx="2407901" cy="2407901"/>
-          </a:xfrm>
-          <a:prstGeom prst="rect">
-            <a:avLst/>
-          </a:prstGeom>
-        </p:spPr>
-      </p:pic>
-      <p:sp>
-        <p:nvSpPr>
-          <p:cNvPr id="6" name="Title 1"/>
-          <p:cNvSpPr>
-            <a:spLocks noGrp="1"/>
-          </p:cNvSpPr>
-          <p:nvPr>
-            <p:ph type="ctrTitle" hasCustomPrompt="1"/>
-          </p:nvPr>
-        </p:nvSpPr>
-        <p:spPr bwMode="white">
-          <a:xfrm>
-            <a:off x="1660524" y="2294619"/>
-            <a:ext cx="12330113" cy="852712"/>
-          </a:xfrm>
-        </p:spPr>
-        <p:txBody>
-          <a:bodyPr lIns="91440" tIns="91440" rIns="91440" bIns="91440" anchor="ctr"/>
-          <a:lstStyle>
-            <a:lvl1pPr>
-              <a:lnSpc>
-                <a:spcPct val="90000"/>
-              </a:lnSpc>
-              <a:defRPr sz="6400" b="1" spc="0" baseline="0">
-                <a:solidFill>
-                  <a:schemeClr val="accent1"/>
-                </a:solidFill>
-              </a:defRPr>
-            </a:lvl1pPr>
-          </a:lstStyle>
-          <a:p>
-            <a:r>
-              <a:rPr lang="en-US" dirty="0" smtClean="0"/>
-              <a:t>Lab</a:t>
-            </a:r>
-            <a:endParaRPr lang="en-US" dirty="0"/>
-          </a:p>
-        </p:txBody>
-      </p:sp>
-      <p:sp>
-        <p:nvSpPr>
-          <p:cNvPr id="10" name="Subtitle 2"/>
-          <p:cNvSpPr>
-            <a:spLocks noGrp="1"/>
-          </p:cNvSpPr>
-          <p:nvPr>
-            <p:ph type="subTitle" idx="1"/>
-          </p:nvPr>
-        </p:nvSpPr>
-        <p:spPr bwMode="white">
-          <a:xfrm>
-            <a:off x="1671638" y="3260725"/>
-            <a:ext cx="12319000" cy="3346421"/>
-          </a:xfrm>
-          <a:prstGeom prst="rect">
-            <a:avLst/>
-          </a:prstGeom>
-        </p:spPr>
-        <p:txBody>
-          <a:bodyPr lIns="91440" tIns="91440" rIns="91440" bIns="91440">
-            <a:noAutofit/>
-          </a:bodyPr>
-          <a:lstStyle>
-            <a:lvl1pPr marL="571500" indent="-571500" algn="l">
-              <a:lnSpc>
-                <a:spcPct val="100000"/>
-              </a:lnSpc>
-              <a:spcBef>
-                <a:spcPts val="0"/>
-              </a:spcBef>
-              <a:buFont typeface="Wingdings" charset="2"/>
-              <a:buChar char="q"/>
-              <a:defRPr sz="2800" baseline="0">
-                <a:solidFill>
-                  <a:schemeClr val="accent3">
-                    <a:lumMod val="50000"/>
-                  </a:schemeClr>
-                </a:solidFill>
-              </a:defRPr>
-            </a:lvl1pPr>
-            <a:lvl2pPr marL="609561" indent="0" algn="ctr">
-              <a:buNone/>
-              <a:defRPr>
-                <a:solidFill>
-                  <a:schemeClr val="tx1">
-                    <a:tint val="75000"/>
-                  </a:schemeClr>
-                </a:solidFill>
-              </a:defRPr>
-            </a:lvl2pPr>
-            <a:lvl3pPr marL="1219120" indent="0" algn="ctr">
-              <a:buNone/>
-              <a:defRPr>
-                <a:solidFill>
-                  <a:schemeClr val="tx1">
-                    <a:tint val="75000"/>
-                  </a:schemeClr>
-                </a:solidFill>
-              </a:defRPr>
-            </a:lvl3pPr>
-            <a:lvl4pPr marL="1828681" indent="0" algn="ctr">
-              <a:buNone/>
-              <a:defRPr>
-                <a:solidFill>
-                  <a:schemeClr val="tx1">
-                    <a:tint val="75000"/>
-                  </a:schemeClr>
-                </a:solidFill>
-              </a:defRPr>
-            </a:lvl4pPr>
-            <a:lvl5pPr marL="2438242" indent="0" algn="ctr">
-              <a:buNone/>
-              <a:defRPr>
-                <a:solidFill>
-                  <a:schemeClr val="tx1">
-                    <a:tint val="75000"/>
-                  </a:schemeClr>
-                </a:solidFill>
-              </a:defRPr>
-            </a:lvl5pPr>
-            <a:lvl6pPr marL="3047802" indent="0" algn="ctr">
-              <a:buNone/>
-              <a:defRPr>
-                <a:solidFill>
-                  <a:schemeClr val="tx1">
-                    <a:tint val="75000"/>
-                  </a:schemeClr>
-                </a:solidFill>
-              </a:defRPr>
-            </a:lvl6pPr>
-            <a:lvl7pPr marL="3657362" indent="0" algn="ctr">
-              <a:buNone/>
-              <a:defRPr>
-                <a:solidFill>
-                  <a:schemeClr val="tx1">
-                    <a:tint val="75000"/>
-                  </a:schemeClr>
-                </a:solidFill>
-              </a:defRPr>
-            </a:lvl7pPr>
-            <a:lvl8pPr marL="4266923" indent="0" algn="ctr">
-              <a:buNone/>
-              <a:defRPr>
-                <a:solidFill>
-                  <a:schemeClr val="tx1">
-                    <a:tint val="75000"/>
-                  </a:schemeClr>
-                </a:solidFill>
-              </a:defRPr>
-            </a:lvl8pPr>
-            <a:lvl9pPr marL="4876483" indent="0" algn="ctr">
-              <a:buNone/>
-              <a:defRPr>
-                <a:solidFill>
-                  <a:schemeClr val="tx1">
-                    <a:tint val="75000"/>
-                  </a:schemeClr>
-                </a:solidFill>
-              </a:defRPr>
-            </a:lvl9pPr>
-          </a:lstStyle>
-          <a:p>
-            <a:r>
-              <a:rPr lang="en-US" dirty="0" smtClean="0"/>
-              <a:t>Click to edit Master subtitle style</a:t>
-            </a:r>
-          </a:p>
-        </p:txBody>
-      </p:sp>
-    </p:spTree>
-    <p:extLst>
-      <p:ext uri="{BB962C8B-B14F-4D97-AF65-F5344CB8AC3E}">
-        <p14:creationId xmlns:p14="http://schemas.microsoft.com/office/powerpoint/2010/main" val="952892369"/>
-      </p:ext>
-    </p:extLst>
-  </p:cSld>
-  <p:clrMapOvr>
-    <a:masterClrMapping/>
-  </p:clrMapOvr>
-  <p:transition spd="med">
-    <p:fade/>
-  </p:transition>
-</p:sldLayout>
-</file>
-
-<file path=ppt/slideLayouts/slideLayout21.xml><?xml version="1.0" encoding="utf-8"?>
-<p:sldLayout xmlns:a="http://schemas.openxmlformats.org/drawingml/2006/main" xmlns:r="http://schemas.openxmlformats.org/officeDocument/2006/relationships" xmlns:p="http://schemas.openxmlformats.org/presentationml/2006/main" preserve="1" userDrawn="1">
   <p:cSld name="Version Control">
     <p:spTree>
       <p:nvGrpSpPr>
@@ -8806,7 +6846,7 @@
 </p:sldLayout>
 </file>
 
-<file path=ppt/slideLayouts/slideLayout22.xml><?xml version="1.0" encoding="utf-8"?>
+<file path=ppt/slideLayouts/slideLayout21.xml><?xml version="1.0" encoding="utf-8"?>
 <p:sldLayout xmlns:a="http://schemas.openxmlformats.org/drawingml/2006/main" xmlns:r="http://schemas.openxmlformats.org/officeDocument/2006/relationships" xmlns:p="http://schemas.openxmlformats.org/presentationml/2006/main" preserve="1" userDrawn="1">
   <p:cSld name="Discussion">
     <p:spTree>
@@ -9110,7 +7150,7 @@
 </p:sldLayout>
 </file>
 
-<file path=ppt/slideLayouts/slideLayout23.xml><?xml version="1.0" encoding="utf-8"?>
+<file path=ppt/slideLayouts/slideLayout22.xml><?xml version="1.0" encoding="utf-8"?>
 <p:sldLayout xmlns:a="http://schemas.openxmlformats.org/drawingml/2006/main" xmlns:r="http://schemas.openxmlformats.org/officeDocument/2006/relationships" xmlns:p="http://schemas.openxmlformats.org/presentationml/2006/main" userDrawn="1">
   <p:cSld name="Standard">
     <p:bg>
@@ -9360,14 +7400,14 @@
           </a:ln>
           <a:extLst>
             <a:ext uri="{909E8E84-426E-40dd-AFC4-6F175D3DCCD1}">
-              <a14:hiddenFill xmlns:a14="http://schemas.microsoft.com/office/drawing/2010/main" xmlns="">
+              <a14:hiddenFill xmlns="" xmlns:a14="http://schemas.microsoft.com/office/drawing/2010/main">
                 <a:solidFill>
                   <a:srgbClr val="FFFFFF"/>
                 </a:solidFill>
               </a14:hiddenFill>
             </a:ext>
             <a:ext uri="{91240B29-F687-4f45-9708-019B960494DF}">
-              <a14:hiddenLine xmlns:a14="http://schemas.microsoft.com/office/drawing/2010/main" xmlns="" w="9525">
+              <a14:hiddenLine xmlns="" xmlns:a14="http://schemas.microsoft.com/office/drawing/2010/main" w="9525">
                 <a:solidFill>
                   <a:srgbClr val="000000"/>
                 </a:solidFill>
@@ -9873,14 +7913,14 @@
           </a:ln>
           <a:extLst>
             <a:ext uri="{909E8E84-426E-40dd-AFC4-6F175D3DCCD1}">
-              <a14:hiddenFill xmlns:a14="http://schemas.microsoft.com/office/drawing/2010/main" xmlns="">
+              <a14:hiddenFill xmlns="" xmlns:a14="http://schemas.microsoft.com/office/drawing/2010/main">
                 <a:solidFill>
                   <a:srgbClr val="FFFFFF"/>
                 </a:solidFill>
               </a14:hiddenFill>
             </a:ext>
             <a:ext uri="{91240B29-F687-4f45-9708-019B960494DF}">
-              <a14:hiddenLine xmlns:a14="http://schemas.microsoft.com/office/drawing/2010/main" xmlns="" w="9525">
+              <a14:hiddenLine xmlns="" xmlns:a14="http://schemas.microsoft.com/office/drawing/2010/main" w="9525">
                 <a:solidFill>
                   <a:srgbClr val="000000"/>
                 </a:solidFill>
@@ -10447,14 +8487,14 @@
           </a:ln>
           <a:extLst>
             <a:ext uri="{909E8E84-426E-40dd-AFC4-6F175D3DCCD1}">
-              <a14:hiddenFill xmlns:a14="http://schemas.microsoft.com/office/drawing/2010/main" xmlns="">
+              <a14:hiddenFill xmlns="" xmlns:a14="http://schemas.microsoft.com/office/drawing/2010/main">
                 <a:solidFill>
                   <a:srgbClr val="FFFFFF"/>
                 </a:solidFill>
               </a14:hiddenFill>
             </a:ext>
             <a:ext uri="{91240B29-F687-4f45-9708-019B960494DF}">
-              <a14:hiddenLine xmlns:a14="http://schemas.microsoft.com/office/drawing/2010/main" xmlns="" w="9525">
+              <a14:hiddenLine xmlns="" xmlns:a14="http://schemas.microsoft.com/office/drawing/2010/main" w="9525">
                 <a:solidFill>
                   <a:srgbClr val="000000"/>
                 </a:solidFill>
@@ -11368,7 +9408,7 @@
           <p:nvPr/>
         </p:nvPicPr>
         <p:blipFill>
-          <a:blip r:embed="rId16">
+          <a:blip r:embed="rId15">
             <a:extLst>
               <a:ext uri="{28A0092B-C50C-407E-A947-70E740481C1C}">
                 <a14:useLocalDpi xmlns:a14="http://schemas.microsoft.com/office/drawing/2010/main" val="0"/>
@@ -11394,14 +9434,14 @@
           </a:ln>
           <a:extLst>
             <a:ext uri="{909E8E84-426E-40dd-AFC4-6F175D3DCCD1}">
-              <a14:hiddenFill xmlns:a14="http://schemas.microsoft.com/office/drawing/2010/main" xmlns="">
+              <a14:hiddenFill xmlns="" xmlns:a14="http://schemas.microsoft.com/office/drawing/2010/main">
                 <a:solidFill>
                   <a:srgbClr val="FFFFFF"/>
                 </a:solidFill>
               </a14:hiddenFill>
             </a:ext>
             <a:ext uri="{91240B29-F687-4f45-9708-019B960494DF}">
-              <a14:hiddenLine xmlns:a14="http://schemas.microsoft.com/office/drawing/2010/main" xmlns="" w="9525">
+              <a14:hiddenLine xmlns="" xmlns:a14="http://schemas.microsoft.com/office/drawing/2010/main" w="9525">
                 <a:solidFill>
                   <a:srgbClr val="000000"/>
                 </a:solidFill>
@@ -11617,8 +9657,7 @@
     <p:sldLayoutId id="2147483840" r:id="rId10"/>
     <p:sldLayoutId id="2147483841" r:id="rId11"/>
     <p:sldLayoutId id="2147483843" r:id="rId12"/>
-    <p:sldLayoutId id="2147483867" r:id="rId13"/>
-    <p:sldLayoutId id="2147483868" r:id="rId14"/>
+    <p:sldLayoutId id="2147483868" r:id="rId13"/>
   </p:sldLayoutIdLst>
   <p:transition spd="med">
     <p:fade/>
@@ -12154,14 +10193,14 @@
           </a:ln>
           <a:extLst>
             <a:ext uri="{909E8E84-426E-40dd-AFC4-6F175D3DCCD1}">
-              <a14:hiddenFill xmlns:a14="http://schemas.microsoft.com/office/drawing/2010/main" xmlns="">
+              <a14:hiddenFill xmlns="" xmlns:a14="http://schemas.microsoft.com/office/drawing/2010/main">
                 <a:solidFill>
                   <a:srgbClr val="FFFFFF"/>
                 </a:solidFill>
               </a14:hiddenFill>
             </a:ext>
             <a:ext uri="{91240B29-F687-4f45-9708-019B960494DF}">
-              <a14:hiddenLine xmlns:a14="http://schemas.microsoft.com/office/drawing/2010/main" xmlns="" w="9525">
+              <a14:hiddenLine xmlns="" xmlns:a14="http://schemas.microsoft.com/office/drawing/2010/main" w="9525">
                 <a:solidFill>
                   <a:srgbClr val="000000"/>
                 </a:solidFill>
@@ -13200,7 +11239,7 @@
           <p:nvPr/>
         </p:nvPicPr>
         <p:blipFill>
-          <a:blip r:embed="rId2"/>
+          <a:blip r:embed="rId3"/>
           <a:stretch>
             <a:fillRect/>
           </a:stretch>
@@ -14877,7 +12916,7 @@
           <p:nvPr/>
         </p:nvPicPr>
         <p:blipFill>
-          <a:blip r:embed="rId2"/>
+          <a:blip r:embed="rId3"/>
           <a:stretch>
             <a:fillRect/>
           </a:stretch>
@@ -14906,7 +12945,7 @@
           <p:nvPr/>
         </p:nvPicPr>
         <p:blipFill>
-          <a:blip r:embed="rId3"/>
+          <a:blip r:embed="rId4"/>
           <a:stretch>
             <a:fillRect/>
           </a:stretch>
@@ -15132,105 +13171,6 @@
 <file path=ppt/slides/slide24.xml><?xml version="1.0" encoding="utf-8"?>
 <p:sld xmlns:a="http://schemas.openxmlformats.org/drawingml/2006/main" xmlns:r="http://schemas.openxmlformats.org/officeDocument/2006/relationships" xmlns:p="http://schemas.openxmlformats.org/presentationml/2006/main">
   <p:cSld>
-    <p:spTree>
-      <p:nvGrpSpPr>
-        <p:cNvPr id="1" name=""/>
-        <p:cNvGrpSpPr/>
-        <p:nvPr/>
-      </p:nvGrpSpPr>
-      <p:grpSpPr>
-        <a:xfrm>
-          <a:off x="0" y="0"/>
-          <a:ext cx="0" cy="0"/>
-          <a:chOff x="0" y="0"/>
-          <a:chExt cx="0" cy="0"/>
-        </a:xfrm>
-      </p:grpSpPr>
-      <p:sp>
-        <p:nvSpPr>
-          <p:cNvPr id="2" name="Title 1"/>
-          <p:cNvSpPr>
-            <a:spLocks noGrp="1"/>
-          </p:cNvSpPr>
-          <p:nvPr>
-            <p:ph type="ctrTitle"/>
-          </p:nvPr>
-        </p:nvSpPr>
-        <p:spPr/>
-        <p:txBody>
-          <a:bodyPr>
-            <a:normAutofit fontScale="90000"/>
-          </a:bodyPr>
-          <a:lstStyle/>
-          <a:p>
-            <a:r>
-              <a:rPr lang="en-US" dirty="0" smtClean="0"/>
-              <a:t>Scheduling Scans</a:t>
-            </a:r>
-            <a:endParaRPr lang="en-US" dirty="0"/>
-          </a:p>
-        </p:txBody>
-      </p:sp>
-      <p:sp>
-        <p:nvSpPr>
-          <p:cNvPr id="3" name="Subtitle 2"/>
-          <p:cNvSpPr>
-            <a:spLocks noGrp="1"/>
-          </p:cNvSpPr>
-          <p:nvPr>
-            <p:ph type="subTitle" idx="1"/>
-          </p:nvPr>
-        </p:nvSpPr>
-        <p:spPr>
-          <a:xfrm>
-            <a:off x="1671638" y="3271838"/>
-            <a:ext cx="12319000" cy="4317682"/>
-          </a:xfrm>
-        </p:spPr>
-        <p:txBody>
-          <a:bodyPr/>
-          <a:lstStyle/>
-          <a:p>
-            <a:r>
-              <a:rPr lang="en-US" dirty="0" smtClean="0"/>
-              <a:t>SD: My internal notes below to be deleted.</a:t>
-            </a:r>
-          </a:p>
-          <a:p>
-            <a:r>
-              <a:rPr lang="en-US" dirty="0" smtClean="0"/>
-              <a:t>TBD: Need to test PDF export on Mac.</a:t>
-            </a:r>
-            <a:endParaRPr lang="en-US" dirty="0"/>
-          </a:p>
-        </p:txBody>
-      </p:sp>
-    </p:spTree>
-    <p:extLst>
-      <p:ext uri="{BB962C8B-B14F-4D97-AF65-F5344CB8AC3E}">
-        <p14:creationId xmlns:p14="http://schemas.microsoft.com/office/powerpoint/2010/main" val="2734025078"/>
-      </p:ext>
-    </p:extLst>
-  </p:cSld>
-  <p:clrMapOvr>
-    <a:masterClrMapping/>
-  </p:clrMapOvr>
-  <p:transition spd="med">
-    <p:fade/>
-  </p:transition>
-  <p:timing>
-    <p:tnLst>
-      <p:par>
-        <p:cTn id="1" dur="indefinite" restart="never" nodeType="tmRoot"/>
-      </p:par>
-    </p:tnLst>
-  </p:timing>
-</p:sld>
-</file>
-
-<file path=ppt/slides/slide25.xml><?xml version="1.0" encoding="utf-8"?>
-<p:sld xmlns:a="http://schemas.openxmlformats.org/drawingml/2006/main" xmlns:r="http://schemas.openxmlformats.org/officeDocument/2006/relationships" xmlns:p="http://schemas.openxmlformats.org/presentationml/2006/main">
-  <p:cSld>
     <p:bg>
       <p:bgPr>
         <a:gradFill rotWithShape="0">
@@ -15408,7 +13348,7 @@
 </p:sld>
 </file>
 
-<file path=ppt/slides/slide26.xml><?xml version="1.0" encoding="utf-8"?>
+<file path=ppt/slides/slide25.xml><?xml version="1.0" encoding="utf-8"?>
 <p:sld xmlns:a="http://schemas.openxmlformats.org/drawingml/2006/main" xmlns:r="http://schemas.openxmlformats.org/officeDocument/2006/relationships" xmlns:p="http://schemas.openxmlformats.org/presentationml/2006/main">
   <p:cSld>
     <p:spTree>
@@ -15967,19 +13907,13 @@
             </a:pPr>
             <a:r>
               <a:rPr lang="en-US" dirty="0" smtClean="0"/>
-              <a:t>View the scan output.</a:t>
-            </a:r>
-          </a:p>
-          <a:p>
-            <a:pPr marL="342900" indent="-342900">
-              <a:buFont typeface="Wingdings" panose="05000000000000000000" pitchFamily="2" charset="2"/>
-              <a:buChar char="q"/>
-            </a:pPr>
-            <a:r>
-              <a:rPr lang="en-US" dirty="0" smtClean="0"/>
-              <a:t>TBD tail the log file when the scheduled scan runs.</a:t>
-            </a:r>
-            <a:endParaRPr lang="en-US" dirty="0"/>
+              <a:t>View the scan output</a:t>
+            </a:r>
+            <a:r>
+              <a:rPr lang="en-US" dirty="0" smtClean="0"/>
+              <a:t>.</a:t>
+            </a:r>
+            <a:endParaRPr lang="en-US" dirty="0" smtClean="0"/>
           </a:p>
         </p:txBody>
       </p:sp>
@@ -17926,52 +15860,6 @@
 </file>
 
 <file path=customXml/item1.xml><?xml version="1.0" encoding="utf-8"?>
-<?mso-contentType ?>
-<spe:Receivers xmlns:spe="http://schemas.microsoft.com/sharepoint/events">
-  <Receiver>
-    <Name>Document ID Generator</Name>
-    <Synchronization>Synchronous</Synchronization>
-    <Type>10001</Type>
-    <SequenceNumber>1000</SequenceNumber>
-    <Assembly>Microsoft.Office.DocumentManagement, Version=14.0.0.0, Culture=neutral, PublicKeyToken=71e9bce111e9429c</Assembly>
-    <Class>Microsoft.Office.DocumentManagement.Internal.DocIdHandler</Class>
-    <Data/>
-    <Filter/>
-  </Receiver>
-  <Receiver>
-    <Name>Document ID Generator</Name>
-    <Synchronization>Synchronous</Synchronization>
-    <Type>10002</Type>
-    <SequenceNumber>1001</SequenceNumber>
-    <Assembly>Microsoft.Office.DocumentManagement, Version=14.0.0.0, Culture=neutral, PublicKeyToken=71e9bce111e9429c</Assembly>
-    <Class>Microsoft.Office.DocumentManagement.Internal.DocIdHandler</Class>
-    <Data/>
-    <Filter/>
-  </Receiver>
-  <Receiver>
-    <Name>Document ID Generator</Name>
-    <Synchronization>Synchronous</Synchronization>
-    <Type>10004</Type>
-    <SequenceNumber>1002</SequenceNumber>
-    <Assembly>Microsoft.Office.DocumentManagement, Version=14.0.0.0, Culture=neutral, PublicKeyToken=71e9bce111e9429c</Assembly>
-    <Class>Microsoft.Office.DocumentManagement.Internal.DocIdHandler</Class>
-    <Data/>
-    <Filter/>
-  </Receiver>
-  <Receiver>
-    <Name>Document ID Generator</Name>
-    <Synchronization>Synchronous</Synchronization>
-    <Type>10006</Type>
-    <SequenceNumber>1003</SequenceNumber>
-    <Assembly>Microsoft.Office.DocumentManagement, Version=14.0.0.0, Culture=neutral, PublicKeyToken=71e9bce111e9429c</Assembly>
-    <Class>Microsoft.Office.DocumentManagement.Internal.DocIdHandler</Class>
-    <Data/>
-    <Filter/>
-  </Receiver>
-</spe:Receivers>
-</file>
-
-<file path=customXml/item2.xml><?xml version="1.0" encoding="utf-8"?>
 <ct:contentTypeSchema xmlns:ct="http://schemas.microsoft.com/office/2006/metadata/contentType" xmlns:ma="http://schemas.microsoft.com/office/2006/metadata/properties/metaAttributes" ct:_="" ma:_="" ma:contentTypeName="Document" ma:contentTypeID="0x0101000812F700BE7F874999720E88173FE491" ma:contentTypeVersion="0" ma:contentTypeDescription="Create a new document." ma:contentTypeScope="" ma:versionID="3f79f408e2ca720b7aba6e0e32464d0c">
   <xsd:schema xmlns:xsd="http://www.w3.org/2001/XMLSchema" xmlns:xs="http://www.w3.org/2001/XMLSchema" xmlns:p="http://schemas.microsoft.com/office/2006/metadata/properties" xmlns:ns2="7bb5d761-a2ea-4873-95f7-7a6658fb3ef0" targetNamespace="http://schemas.microsoft.com/office/2006/metadata/properties" ma:root="true" ma:fieldsID="1e062cd38ba31e406bfc4340fbc7f87a" ns2:_="">
     <xsd:import namespace="7bb5d761-a2ea-4873-95f7-7a6658fb3ef0"/>
@@ -18116,7 +16004,62 @@
 </ct:contentTypeSchema>
 </file>
 
+<file path=customXml/item2.xml><?xml version="1.0" encoding="utf-8"?>
+<?mso-contentType ?>
+<spe:Receivers xmlns:spe="http://schemas.microsoft.com/sharepoint/events">
+  <Receiver>
+    <Name>Document ID Generator</Name>
+    <Synchronization>Synchronous</Synchronization>
+    <Type>10001</Type>
+    <SequenceNumber>1000</SequenceNumber>
+    <Assembly>Microsoft.Office.DocumentManagement, Version=14.0.0.0, Culture=neutral, PublicKeyToken=71e9bce111e9429c</Assembly>
+    <Class>Microsoft.Office.DocumentManagement.Internal.DocIdHandler</Class>
+    <Data/>
+    <Filter/>
+  </Receiver>
+  <Receiver>
+    <Name>Document ID Generator</Name>
+    <Synchronization>Synchronous</Synchronization>
+    <Type>10002</Type>
+    <SequenceNumber>1001</SequenceNumber>
+    <Assembly>Microsoft.Office.DocumentManagement, Version=14.0.0.0, Culture=neutral, PublicKeyToken=71e9bce111e9429c</Assembly>
+    <Class>Microsoft.Office.DocumentManagement.Internal.DocIdHandler</Class>
+    <Data/>
+    <Filter/>
+  </Receiver>
+  <Receiver>
+    <Name>Document ID Generator</Name>
+    <Synchronization>Synchronous</Synchronization>
+    <Type>10004</Type>
+    <SequenceNumber>1002</SequenceNumber>
+    <Assembly>Microsoft.Office.DocumentManagement, Version=14.0.0.0, Culture=neutral, PublicKeyToken=71e9bce111e9429c</Assembly>
+    <Class>Microsoft.Office.DocumentManagement.Internal.DocIdHandler</Class>
+    <Data/>
+    <Filter/>
+  </Receiver>
+  <Receiver>
+    <Name>Document ID Generator</Name>
+    <Synchronization>Synchronous</Synchronization>
+    <Type>10006</Type>
+    <SequenceNumber>1003</SequenceNumber>
+    <Assembly>Microsoft.Office.DocumentManagement, Version=14.0.0.0, Culture=neutral, PublicKeyToken=71e9bce111e9429c</Assembly>
+    <Class>Microsoft.Office.DocumentManagement.Internal.DocIdHandler</Class>
+    <Data/>
+    <Filter/>
+  </Receiver>
+</spe:Receivers>
+</file>
+
 <file path=customXml/item3.xml><?xml version="1.0" encoding="utf-8"?>
+<?mso-contentType ?>
+<FormTemplates xmlns="http://schemas.microsoft.com/sharepoint/v3/contenttype/forms">
+  <Display>DocumentLibraryForm</Display>
+  <Edit>DocumentLibraryForm</Edit>
+  <New>DocumentLibraryForm</New>
+</FormTemplates>
+</file>
+
+<file path=customXml/item4.xml><?xml version="1.0" encoding="utf-8"?>
 <p:properties xmlns:p="http://schemas.microsoft.com/office/2006/metadata/properties" xmlns:xsi="http://www.w3.org/2001/XMLSchema-instance" xmlns:pc="http://schemas.microsoft.com/office/infopath/2007/PartnerControls">
   <documentManagement>
     <_dlc_DocId xmlns="7bb5d761-a2ea-4873-95f7-7a6658fb3ef0">M4CWTKMW727E-592-73</_dlc_DocId>
@@ -18128,24 +16071,7 @@
 </p:properties>
 </file>
 
-<file path=customXml/item4.xml><?xml version="1.0" encoding="utf-8"?>
-<?mso-contentType ?>
-<FormTemplates xmlns="http://schemas.microsoft.com/sharepoint/v3/contenttype/forms">
-  <Display>DocumentLibraryForm</Display>
-  <Edit>DocumentLibraryForm</Edit>
-  <New>DocumentLibraryForm</New>
-</FormTemplates>
-</file>
-
 <file path=customXml/itemProps1.xml><?xml version="1.0" encoding="utf-8"?>
-<ds:datastoreItem xmlns:ds="http://schemas.openxmlformats.org/officeDocument/2006/customXml" ds:itemID="{B13EBC30-FE27-4C6A-B723-23FC2188F7DC}">
-  <ds:schemaRefs>
-    <ds:schemaRef ds:uri="http://schemas.microsoft.com/sharepoint/events"/>
-  </ds:schemaRefs>
-</ds:datastoreItem>
-</file>
-
-<file path=customXml/itemProps2.xml><?xml version="1.0" encoding="utf-8"?>
 <ds:datastoreItem xmlns:ds="http://schemas.openxmlformats.org/officeDocument/2006/customXml" ds:itemID="{164479E5-0B02-49AC-B79E-EC1D6164DDD3}">
   <ds:schemaRefs>
     <ds:schemaRef ds:uri="http://schemas.microsoft.com/office/2006/metadata/contentType"/>
@@ -18163,7 +16089,23 @@
 </ds:datastoreItem>
 </file>
 
+<file path=customXml/itemProps2.xml><?xml version="1.0" encoding="utf-8"?>
+<ds:datastoreItem xmlns:ds="http://schemas.openxmlformats.org/officeDocument/2006/customXml" ds:itemID="{B13EBC30-FE27-4C6A-B723-23FC2188F7DC}">
+  <ds:schemaRefs>
+    <ds:schemaRef ds:uri="http://schemas.microsoft.com/sharepoint/events"/>
+  </ds:schemaRefs>
+</ds:datastoreItem>
+</file>
+
 <file path=customXml/itemProps3.xml><?xml version="1.0" encoding="utf-8"?>
+<ds:datastoreItem xmlns:ds="http://schemas.openxmlformats.org/officeDocument/2006/customXml" ds:itemID="{5CDEB364-43EC-4510-9881-539C2A3FCE9E}">
+  <ds:schemaRefs>
+    <ds:schemaRef ds:uri="http://schemas.microsoft.com/sharepoint/v3/contenttype/forms"/>
+  </ds:schemaRefs>
+</ds:datastoreItem>
+</file>
+
+<file path=customXml/itemProps4.xml><?xml version="1.0" encoding="utf-8"?>
 <ds:datastoreItem xmlns:ds="http://schemas.openxmlformats.org/officeDocument/2006/customXml" ds:itemID="{6921749B-AEB7-461B-845F-603CABD25259}">
   <ds:schemaRefs>
     <ds:schemaRef ds:uri="http://schemas.microsoft.com/office/2006/documentManagement/types"/>
@@ -18177,12 +16119,4 @@
     <ds:schemaRef ds:uri="http://purl.org/dc/dcmitype/"/>
   </ds:schemaRefs>
 </ds:datastoreItem>
-</file>
-
-<file path=customXml/itemProps4.xml><?xml version="1.0" encoding="utf-8"?>
-<ds:datastoreItem xmlns:ds="http://schemas.openxmlformats.org/officeDocument/2006/customXml" ds:itemID="{5CDEB364-43EC-4510-9881-539C2A3FCE9E}">
-  <ds:schemaRefs>
-    <ds:schemaRef ds:uri="http://schemas.microsoft.com/sharepoint/v3/contenttype/forms"/>
-  </ds:schemaRefs>
-</ds:datastoreItem>
 </file>